--- a/doc/PowerPoint_Modelisation_Mathematique.pptx
+++ b/doc/PowerPoint_Modelisation_Mathematique.pptx
@@ -5,7 +5,7 @@
     <p:sldMasterId id="2147483648" r:id="rId1"/>
   </p:sldMasterIdLst>
   <p:notesMasterIdLst>
-    <p:notesMasterId r:id="rId24"/>
+    <p:notesMasterId r:id="rId29"/>
   </p:notesMasterIdLst>
   <p:sldIdLst>
     <p:sldId id="256" r:id="rId2"/>
@@ -18,18 +18,23 @@
     <p:sldId id="266" r:id="rId9"/>
     <p:sldId id="267" r:id="rId10"/>
     <p:sldId id="260" r:id="rId11"/>
-    <p:sldId id="268" r:id="rId12"/>
-    <p:sldId id="270" r:id="rId13"/>
-    <p:sldId id="271" r:id="rId14"/>
-    <p:sldId id="272" r:id="rId15"/>
-    <p:sldId id="273" r:id="rId16"/>
-    <p:sldId id="274" r:id="rId17"/>
-    <p:sldId id="269" r:id="rId18"/>
-    <p:sldId id="262" r:id="rId19"/>
-    <p:sldId id="275" r:id="rId20"/>
-    <p:sldId id="276" r:id="rId21"/>
-    <p:sldId id="277" r:id="rId22"/>
-    <p:sldId id="278" r:id="rId23"/>
+    <p:sldId id="279" r:id="rId12"/>
+    <p:sldId id="280" r:id="rId13"/>
+    <p:sldId id="281" r:id="rId14"/>
+    <p:sldId id="282" r:id="rId15"/>
+    <p:sldId id="283" r:id="rId16"/>
+    <p:sldId id="268" r:id="rId17"/>
+    <p:sldId id="270" r:id="rId18"/>
+    <p:sldId id="271" r:id="rId19"/>
+    <p:sldId id="272" r:id="rId20"/>
+    <p:sldId id="273" r:id="rId21"/>
+    <p:sldId id="274" r:id="rId22"/>
+    <p:sldId id="269" r:id="rId23"/>
+    <p:sldId id="262" r:id="rId24"/>
+    <p:sldId id="275" r:id="rId25"/>
+    <p:sldId id="276" r:id="rId26"/>
+    <p:sldId id="277" r:id="rId27"/>
+    <p:sldId id="278" r:id="rId28"/>
   </p:sldIdLst>
   <p:sldSz cx="12192000" cy="6858000"/>
   <p:notesSz cx="6858000" cy="9144000"/>
@@ -928,7 +933,7 @@
             <a:pPr lvl="0"/>
             <a:fld id="{2BC802FF-7E79-4C7B-B763-A088EFA1B92B}" type="slidenum">
               <a:rPr lang="fr-FR" smtClean="0"/>
-              <a:t>12</a:t>
+              <a:t>17</a:t>
             </a:fld>
             <a:endParaRPr lang="fr-FR"/>
           </a:p>
@@ -1018,7 +1023,7 @@
             <a:pPr lvl="0"/>
             <a:fld id="{2BC802FF-7E79-4C7B-B763-A088EFA1B92B}" type="slidenum">
               <a:rPr lang="fr-FR" smtClean="0"/>
-              <a:t>13</a:t>
+              <a:t>18</a:t>
             </a:fld>
             <a:endParaRPr lang="fr-FR"/>
           </a:p>
@@ -1108,7 +1113,7 @@
             <a:pPr lvl="0"/>
             <a:fld id="{2BC802FF-7E79-4C7B-B763-A088EFA1B92B}" type="slidenum">
               <a:rPr lang="fr-FR" smtClean="0"/>
-              <a:t>14</a:t>
+              <a:t>19</a:t>
             </a:fld>
             <a:endParaRPr lang="fr-FR"/>
           </a:p>
@@ -1198,7 +1203,7 @@
             <a:pPr lvl="0"/>
             <a:fld id="{2BC802FF-7E79-4C7B-B763-A088EFA1B92B}" type="slidenum">
               <a:rPr lang="fr-FR" smtClean="0"/>
-              <a:t>15</a:t>
+              <a:t>20</a:t>
             </a:fld>
             <a:endParaRPr lang="fr-FR"/>
           </a:p>
@@ -1288,7 +1293,7 @@
             <a:pPr lvl="0"/>
             <a:fld id="{2BC802FF-7E79-4C7B-B763-A088EFA1B92B}" type="slidenum">
               <a:rPr lang="fr-FR" smtClean="0"/>
-              <a:t>16</a:t>
+              <a:t>21</a:t>
             </a:fld>
             <a:endParaRPr lang="fr-FR"/>
           </a:p>
@@ -7504,6 +7509,53 @@
           </a:p>
         </p:txBody>
       </p:sp>
+      <p:pic>
+        <p:nvPicPr>
+          <p:cNvPr id="6146" name="Picture 2" descr="https://puu.sh/BXu2l/09b175e5e8.png?fbclid=IwAR33mV3Ip6M9kJKITozeKYZ4W3WXsNO-eJDRVmKutXfTqXAMQbB6YiG8GEA">
+            <a:extLst>
+              <a:ext uri="{FF2B5EF4-FFF2-40B4-BE49-F238E27FC236}">
+                <a16:creationId xmlns:a16="http://schemas.microsoft.com/office/drawing/2014/main" id="{720B78EC-C77B-4566-A3D0-D53DF6335817}"/>
+              </a:ext>
+            </a:extLst>
+          </p:cNvPr>
+          <p:cNvPicPr>
+            <a:picLocks noChangeAspect="1" noChangeArrowheads="1"/>
+          </p:cNvPicPr>
+          <p:nvPr/>
+        </p:nvPicPr>
+        <p:blipFill>
+          <a:blip r:embed="rId2">
+            <a:extLst>
+              <a:ext uri="{28A0092B-C50C-407E-A947-70E740481C1C}">
+                <a14:useLocalDpi xmlns:a14="http://schemas.microsoft.com/office/drawing/2010/main" val="0"/>
+              </a:ext>
+            </a:extLst>
+          </a:blip>
+          <a:srcRect/>
+          <a:stretch>
+            <a:fillRect/>
+          </a:stretch>
+        </p:blipFill>
+        <p:spPr bwMode="auto">
+          <a:xfrm>
+            <a:off x="2606112" y="812529"/>
+            <a:ext cx="7259997" cy="5446889"/>
+          </a:xfrm>
+          <a:prstGeom prst="rect">
+            <a:avLst/>
+          </a:prstGeom>
+          <a:noFill/>
+          <a:extLst>
+            <a:ext uri="{909E8E84-426E-40DD-AFC4-6F175D3DCCD1}">
+              <a14:hiddenFill xmlns:a14="http://schemas.microsoft.com/office/drawing/2010/main">
+                <a:solidFill>
+                  <a:srgbClr val="FFFFFF"/>
+                </a:solidFill>
+              </a14:hiddenFill>
+            </a:ext>
+          </a:extLst>
+        </p:spPr>
+      </p:pic>
     </p:spTree>
   </p:cSld>
   <p:clrMapOvr>
@@ -7539,10 +7591,10 @@
       </p:grpSpPr>
       <p:sp>
         <p:nvSpPr>
-          <p:cNvPr id="6" name="Rectangle 5">
-            <a:extLst>
-              <a:ext uri="{FF2B5EF4-FFF2-40B4-BE49-F238E27FC236}">
-                <a16:creationId xmlns:a16="http://schemas.microsoft.com/office/drawing/2014/main" id="{AFC6CE19-1905-4F7B-A53A-8FAE7084F2ED}"/>
+          <p:cNvPr id="10" name="Rectangle 9">
+            <a:extLst>
+              <a:ext uri="{FF2B5EF4-FFF2-40B4-BE49-F238E27FC236}">
+                <a16:creationId xmlns:a16="http://schemas.microsoft.com/office/drawing/2014/main" id="{14545409-EA72-441B-AF95-8E5093F376DA}"/>
               </a:ext>
             </a:extLst>
           </p:cNvPr>
@@ -7551,8 +7603,8 @@
         </p:nvSpPr>
         <p:spPr>
           <a:xfrm>
-            <a:off x="0" y="270589"/>
-            <a:ext cx="12191996" cy="1016344"/>
+            <a:off x="4" y="0"/>
+            <a:ext cx="12191996" cy="653909"/>
           </a:xfrm>
           <a:prstGeom prst="rect">
             <a:avLst/>
@@ -7585,16 +7637,16 @@
           <a:lstStyle/>
           <a:p>
             <a:pPr algn="ctr"/>
-            <a:endParaRPr lang="fr-FR" dirty="0"/>
-          </a:p>
-        </p:txBody>
-      </p:sp>
-      <p:sp>
-        <p:nvSpPr>
-          <p:cNvPr id="2" name="ZoneTexte 24">
-            <a:extLst>
-              <a:ext uri="{FF2B5EF4-FFF2-40B4-BE49-F238E27FC236}">
-                <a16:creationId xmlns:a16="http://schemas.microsoft.com/office/drawing/2014/main" id="{57B0DD9B-C8B0-4303-BDA2-61ABEB9386E9}"/>
+            <a:endParaRPr lang="fr-FR"/>
+          </a:p>
+        </p:txBody>
+      </p:sp>
+      <p:sp>
+        <p:nvSpPr>
+          <p:cNvPr id="11" name="ZoneTexte 2">
+            <a:extLst>
+              <a:ext uri="{FF2B5EF4-FFF2-40B4-BE49-F238E27FC236}">
+                <a16:creationId xmlns:a16="http://schemas.microsoft.com/office/drawing/2014/main" id="{7929C5AD-AA64-4CF2-A124-24A95209C860}"/>
               </a:ext>
             </a:extLst>
           </p:cNvPr>
@@ -7603,8 +7655,8 @@
         </p:nvSpPr>
         <p:spPr>
           <a:xfrm>
-            <a:off x="0" y="6451137"/>
-            <a:ext cx="12191996" cy="577077"/>
+            <a:off x="185056" y="158620"/>
+            <a:ext cx="11821884" cy="623245"/>
           </a:xfrm>
           <a:prstGeom prst="rect">
             <a:avLst/>
@@ -7615,14 +7667,14 @@
           </a:ln>
         </p:spPr>
         <p:txBody>
-          <a:bodyPr vert="horz" wrap="square" lIns="91440" tIns="45720" rIns="91440" bIns="45720" anchor="t" anchorCtr="0" compatLnSpc="1">
+          <a:bodyPr vert="horz" wrap="square" lIns="91440" tIns="45720" rIns="91440" bIns="45720" anchor="t" anchorCtr="1" compatLnSpc="1">
             <a:spAutoFit/>
           </a:bodyPr>
           <a:lstStyle/>
           <a:p>
-            <a:pPr marL="0" marR="0" lvl="0" indent="0" algn="l" defTabSz="457200" rtl="0" fontAlgn="auto" hangingPunct="1">
+            <a:pPr marL="0" marR="0" lvl="0" indent="0" algn="ctr" defTabSz="457200" rtl="0" fontAlgn="auto" hangingPunct="1">
               <a:lnSpc>
-                <a:spcPct val="100000"/>
+                <a:spcPct val="150000"/>
               </a:lnSpc>
               <a:spcBef>
                 <a:spcPts val="0"/>
@@ -7640,99 +7692,46 @@
               </a:defRPr>
             </a:pPr>
             <a:r>
-              <a:rPr lang="fr-FR" sz="1050" b="0" i="0" u="none" strike="noStrike" kern="1200" cap="none" spc="0" baseline="0">
-                <a:solidFill>
-                  <a:srgbClr val="FFFFFF"/>
+              <a:rPr lang="fr-FR" sz="1100" i="0" u="none" strike="noStrike" kern="1200" cap="none" spc="0" baseline="0" dirty="0">
+                <a:solidFill>
+                  <a:srgbClr val="262626"/>
                 </a:solidFill>
                 <a:uFillTx/>
                 <a:latin typeface="Century Gothic"/>
               </a:rPr>
-              <a:t>Nicolas MEYNIEL, Damien PIEDANNA, Axel PISANI, Aurélien ROBINEAU													     Mercredi 7 novembre 2018 </a:t>
-            </a:r>
-          </a:p>
-          <a:p>
-            <a:pPr marL="0" marR="0" lvl="0" indent="0" algn="l" defTabSz="457200" rtl="0" fontAlgn="auto" hangingPunct="1">
-              <a:lnSpc>
-                <a:spcPct val="100000"/>
-              </a:lnSpc>
-              <a:spcBef>
-                <a:spcPts val="0"/>
-              </a:spcBef>
-              <a:spcAft>
-                <a:spcPts val="0"/>
-              </a:spcAft>
-              <a:buNone/>
-              <a:tabLst/>
-              <a:defRPr sz="1800" b="0" i="0" u="none" strike="noStrike" kern="0" cap="none" spc="0" baseline="0">
-                <a:solidFill>
-                  <a:srgbClr val="000000"/>
-                </a:solidFill>
-                <a:uFillTx/>
-              </a:defRPr>
-            </a:pPr>
-            <a:r>
-              <a:rPr lang="fr-FR" sz="1050" b="0" i="0" u="none" strike="noStrike" kern="1200" cap="none" spc="0" baseline="0">
-                <a:solidFill>
-                  <a:srgbClr val="FFFFFF"/>
+              <a:t>Présentation du projet          </a:t>
+            </a:r>
+            <a:r>
+              <a:rPr lang="fr-FR" sz="1100" b="0" i="0" u="none" strike="noStrike" kern="1200" cap="none" spc="0" baseline="0" dirty="0">
+                <a:solidFill>
+                  <a:srgbClr val="262626"/>
                 </a:solidFill>
                 <a:uFillTx/>
                 <a:latin typeface="Century Gothic"/>
               </a:rPr>
-              <a:t>Groupe 3B – 2</a:t>
-            </a:r>
-            <a:r>
-              <a:rPr lang="fr-FR" sz="1050" b="0" i="0" u="none" strike="noStrike" kern="1200" cap="none" spc="0" baseline="30000">
-                <a:solidFill>
-                  <a:srgbClr val="FFFFFF"/>
+              <a:t>Les automates cellulaires          </a:t>
+            </a:r>
+            <a:r>
+              <a:rPr lang="fr-FR" sz="1100" b="1" i="0" u="none" strike="noStrike" kern="1200" cap="none" spc="0" baseline="0" dirty="0">
+                <a:solidFill>
+                  <a:srgbClr val="262626"/>
                 </a:solidFill>
                 <a:uFillTx/>
                 <a:latin typeface="Century Gothic"/>
               </a:rPr>
-              <a:t>nd</a:t>
-            </a:r>
-            <a:r>
-              <a:rPr lang="fr-FR" sz="1050" b="0" i="0" u="none" strike="noStrike" kern="1200" cap="none" spc="0" baseline="0">
-                <a:solidFill>
-                  <a:srgbClr val="FFFFFF"/>
+              <a:t>Evolution du projet          </a:t>
+            </a:r>
+            <a:r>
+              <a:rPr lang="fr-FR" sz="1100" b="0" i="0" u="none" strike="noStrike" kern="1200" cap="none" spc="0" baseline="0" dirty="0">
+                <a:solidFill>
+                  <a:srgbClr val="262626"/>
                 </a:solidFill>
                 <a:uFillTx/>
                 <a:latin typeface="Century Gothic"/>
               </a:rPr>
-              <a:t> année															 				     													</a:t>
-            </a:r>
-          </a:p>
-        </p:txBody>
-      </p:sp>
-      <p:sp>
-        <p:nvSpPr>
-          <p:cNvPr id="3" name="ZoneTexte 2">
-            <a:extLst>
-              <a:ext uri="{FF2B5EF4-FFF2-40B4-BE49-F238E27FC236}">
-                <a16:creationId xmlns:a16="http://schemas.microsoft.com/office/drawing/2014/main" id="{E9FAD394-BBB6-4099-8D7A-5A8B1FF4B6D6}"/>
-              </a:ext>
-            </a:extLst>
-          </p:cNvPr>
-          <p:cNvSpPr txBox="1"/>
-          <p:nvPr/>
-        </p:nvSpPr>
-        <p:spPr>
-          <a:xfrm>
-            <a:off x="2139819" y="411992"/>
-            <a:ext cx="7912358" cy="707886"/>
-          </a:xfrm>
-          <a:prstGeom prst="rect">
-            <a:avLst/>
-          </a:prstGeom>
-          <a:noFill/>
-          <a:ln cap="rnd">
-            <a:noFill/>
-          </a:ln>
-        </p:spPr>
-        <p:txBody>
-          <a:bodyPr vert="horz" wrap="square" lIns="91440" tIns="45720" rIns="91440" bIns="45720" anchor="t" anchorCtr="1" compatLnSpc="1">
-            <a:spAutoFit/>
-          </a:bodyPr>
-          <a:lstStyle/>
+              <a:t>Etat Final          Les maths</a:t>
+            </a:r>
+          </a:p>
           <a:p>
             <a:pPr marL="0" marR="0" lvl="0" indent="0" algn="ctr" defTabSz="457200" rtl="0" fontAlgn="auto" hangingPunct="1">
               <a:lnSpc>
@@ -7753,24 +7752,204 @@
                 <a:uFillTx/>
               </a:defRPr>
             </a:pPr>
-            <a:r>
-              <a:rPr lang="fr-FR" sz="4000" b="1" dirty="0">
-                <a:solidFill>
-                  <a:srgbClr val="262626"/>
-                </a:solidFill>
-                <a:latin typeface="Century Gothic"/>
-              </a:rPr>
-              <a:t>État final</a:t>
-            </a:r>
-          </a:p>
-        </p:txBody>
-      </p:sp>
-      <p:sp>
-        <p:nvSpPr>
-          <p:cNvPr id="5" name="Espace réservé du numéro de diapositive 4">
-            <a:extLst>
-              <a:ext uri="{FF2B5EF4-FFF2-40B4-BE49-F238E27FC236}">
-                <a16:creationId xmlns:a16="http://schemas.microsoft.com/office/drawing/2014/main" id="{4AD8B6A5-3781-46CE-9CA4-3A42721726F4}"/>
+            <a:endParaRPr lang="fr-FR" sz="1800" b="0" i="0" u="none" strike="noStrike" kern="1200" cap="none" spc="0" baseline="0" dirty="0">
+              <a:solidFill>
+                <a:srgbClr val="FFFFFF"/>
+              </a:solidFill>
+              <a:uFillTx/>
+              <a:latin typeface="Century Gothic"/>
+            </a:endParaRPr>
+          </a:p>
+        </p:txBody>
+      </p:sp>
+      <p:cxnSp>
+        <p:nvCxnSpPr>
+          <p:cNvPr id="12" name="Connecteur droit avec flèche 6">
+            <a:extLst>
+              <a:ext uri="{FF2B5EF4-FFF2-40B4-BE49-F238E27FC236}">
+                <a16:creationId xmlns:a16="http://schemas.microsoft.com/office/drawing/2014/main" id="{EECCCF15-3DB6-4F3A-9813-EB58B99BBDD9}"/>
+              </a:ext>
+            </a:extLst>
+          </p:cNvPr>
+          <p:cNvCxnSpPr>
+            <a:cxnSpLocks/>
+          </p:cNvCxnSpPr>
+          <p:nvPr/>
+        </p:nvCxnSpPr>
+        <p:spPr>
+          <a:xfrm>
+            <a:off x="4026313" y="342287"/>
+            <a:ext cx="280218" cy="0"/>
+          </a:xfrm>
+          <a:prstGeom prst="straightConnector1">
+            <a:avLst/>
+          </a:prstGeom>
+          <a:ln w="9525" cap="flat" cmpd="sng" algn="ctr">
+            <a:solidFill>
+              <a:schemeClr val="dk1"/>
+            </a:solidFill>
+            <a:prstDash val="solid"/>
+            <a:round/>
+            <a:headEnd type="none" w="med" len="med"/>
+            <a:tailEnd type="arrow" w="med" len="med"/>
+          </a:ln>
+        </p:spPr>
+        <p:style>
+          <a:lnRef idx="0">
+            <a:scrgbClr r="0" g="0" b="0"/>
+          </a:lnRef>
+          <a:fillRef idx="0">
+            <a:scrgbClr r="0" g="0" b="0"/>
+          </a:fillRef>
+          <a:effectRef idx="0">
+            <a:scrgbClr r="0" g="0" b="0"/>
+          </a:effectRef>
+          <a:fontRef idx="minor">
+            <a:schemeClr val="tx1"/>
+          </a:fontRef>
+        </p:style>
+      </p:cxnSp>
+      <p:cxnSp>
+        <p:nvCxnSpPr>
+          <p:cNvPr id="13" name="Connecteur droit avec flèche 8">
+            <a:extLst>
+              <a:ext uri="{FF2B5EF4-FFF2-40B4-BE49-F238E27FC236}">
+                <a16:creationId xmlns:a16="http://schemas.microsoft.com/office/drawing/2014/main" id="{07E42419-CC06-4CB3-8FAE-0BACA8DA9E4F}"/>
+              </a:ext>
+            </a:extLst>
+          </p:cNvPr>
+          <p:cNvCxnSpPr/>
+          <p:nvPr/>
+        </p:nvCxnSpPr>
+        <p:spPr>
+          <a:xfrm>
+            <a:off x="6096003" y="342287"/>
+            <a:ext cx="280217" cy="0"/>
+          </a:xfrm>
+          <a:prstGeom prst="straightConnector1">
+            <a:avLst/>
+          </a:prstGeom>
+          <a:ln w="9525" cap="flat" cmpd="sng" algn="ctr">
+            <a:solidFill>
+              <a:schemeClr val="dk1"/>
+            </a:solidFill>
+            <a:prstDash val="solid"/>
+            <a:round/>
+            <a:headEnd type="none" w="med" len="med"/>
+            <a:tailEnd type="arrow" w="med" len="med"/>
+          </a:ln>
+        </p:spPr>
+        <p:style>
+          <a:lnRef idx="0">
+            <a:scrgbClr r="0" g="0" b="0"/>
+          </a:lnRef>
+          <a:fillRef idx="0">
+            <a:scrgbClr r="0" g="0" b="0"/>
+          </a:fillRef>
+          <a:effectRef idx="0">
+            <a:scrgbClr r="0" g="0" b="0"/>
+          </a:effectRef>
+          <a:fontRef idx="minor">
+            <a:schemeClr val="tx1"/>
+          </a:fontRef>
+        </p:style>
+      </p:cxnSp>
+      <p:cxnSp>
+        <p:nvCxnSpPr>
+          <p:cNvPr id="14" name="Connecteur droit avec flèche 9">
+            <a:extLst>
+              <a:ext uri="{FF2B5EF4-FFF2-40B4-BE49-F238E27FC236}">
+                <a16:creationId xmlns:a16="http://schemas.microsoft.com/office/drawing/2014/main" id="{93E8C0AB-98EA-4764-8FB4-893EBB10E7C4}"/>
+              </a:ext>
+            </a:extLst>
+          </p:cNvPr>
+          <p:cNvCxnSpPr/>
+          <p:nvPr/>
+        </p:nvCxnSpPr>
+        <p:spPr>
+          <a:xfrm>
+            <a:off x="7740441" y="332759"/>
+            <a:ext cx="280218" cy="0"/>
+          </a:xfrm>
+          <a:prstGeom prst="straightConnector1">
+            <a:avLst/>
+          </a:prstGeom>
+          <a:ln w="9525" cap="flat" cmpd="sng" algn="ctr">
+            <a:solidFill>
+              <a:schemeClr val="dk1"/>
+            </a:solidFill>
+            <a:prstDash val="solid"/>
+            <a:round/>
+            <a:headEnd type="none" w="med" len="med"/>
+            <a:tailEnd type="arrow" w="med" len="med"/>
+          </a:ln>
+        </p:spPr>
+        <p:style>
+          <a:lnRef idx="0">
+            <a:scrgbClr r="0" g="0" b="0"/>
+          </a:lnRef>
+          <a:fillRef idx="0">
+            <a:scrgbClr r="0" g="0" b="0"/>
+          </a:fillRef>
+          <a:effectRef idx="0">
+            <a:scrgbClr r="0" g="0" b="0"/>
+          </a:effectRef>
+          <a:fontRef idx="minor">
+            <a:schemeClr val="tx1"/>
+          </a:fontRef>
+        </p:style>
+      </p:cxnSp>
+      <p:cxnSp>
+        <p:nvCxnSpPr>
+          <p:cNvPr id="15" name="Connecteur droit avec flèche 10">
+            <a:extLst>
+              <a:ext uri="{FF2B5EF4-FFF2-40B4-BE49-F238E27FC236}">
+                <a16:creationId xmlns:a16="http://schemas.microsoft.com/office/drawing/2014/main" id="{929BC0F3-09BE-4B7C-A5AA-902705F825D2}"/>
+              </a:ext>
+            </a:extLst>
+          </p:cNvPr>
+          <p:cNvCxnSpPr/>
+          <p:nvPr/>
+        </p:nvCxnSpPr>
+        <p:spPr>
+          <a:xfrm>
+            <a:off x="8735958" y="332448"/>
+            <a:ext cx="280227" cy="0"/>
+          </a:xfrm>
+          <a:prstGeom prst="straightConnector1">
+            <a:avLst/>
+          </a:prstGeom>
+          <a:ln w="9525" cap="flat" cmpd="sng" algn="ctr">
+            <a:solidFill>
+              <a:schemeClr val="dk1"/>
+            </a:solidFill>
+            <a:prstDash val="solid"/>
+            <a:round/>
+            <a:headEnd type="none" w="med" len="med"/>
+            <a:tailEnd type="arrow" w="med" len="med"/>
+          </a:ln>
+        </p:spPr>
+        <p:style>
+          <a:lnRef idx="0">
+            <a:scrgbClr r="0" g="0" b="0"/>
+          </a:lnRef>
+          <a:fillRef idx="0">
+            <a:scrgbClr r="0" g="0" b="0"/>
+          </a:fillRef>
+          <a:effectRef idx="0">
+            <a:scrgbClr r="0" g="0" b="0"/>
+          </a:effectRef>
+          <a:fontRef idx="minor">
+            <a:schemeClr val="tx1"/>
+          </a:fontRef>
+        </p:style>
+      </p:cxnSp>
+      <p:sp>
+        <p:nvSpPr>
+          <p:cNvPr id="16" name="Espace réservé du numéro de diapositive 7">
+            <a:extLst>
+              <a:ext uri="{FF2B5EF4-FFF2-40B4-BE49-F238E27FC236}">
+                <a16:creationId xmlns:a16="http://schemas.microsoft.com/office/drawing/2014/main" id="{8C048B46-6BD8-4132-AF2D-92957401B8FB}"/>
               </a:ext>
             </a:extLst>
           </p:cNvPr>
@@ -7815,7 +7994,7 @@
                 <a:uFillTx/>
               </a:defRPr>
             </a:pPr>
-            <a:fld id="{FD1251E9-295D-4DFD-A63B-58872DCC76F5}" type="slidenum">
+            <a:fld id="{1A0F8804-A8AF-488B-BABF-40AC271FABDD}" type="slidenum">
               <a:t>11</a:t>
             </a:fld>
             <a:endParaRPr lang="fr-FR" sz="900" b="1" i="0" u="none" strike="noStrike" kern="1200" cap="none" spc="0" baseline="0">
@@ -7833,40 +8012,171 @@
           </a:p>
         </p:txBody>
       </p:sp>
+      <p:sp>
+        <p:nvSpPr>
+          <p:cNvPr id="17" name="ZoneTexte 12">
+            <a:extLst>
+              <a:ext uri="{FF2B5EF4-FFF2-40B4-BE49-F238E27FC236}">
+                <a16:creationId xmlns:a16="http://schemas.microsoft.com/office/drawing/2014/main" id="{4E193489-407B-45FA-B319-B389661AB017}"/>
+              </a:ext>
+            </a:extLst>
+          </p:cNvPr>
+          <p:cNvSpPr txBox="1"/>
+          <p:nvPr/>
+        </p:nvSpPr>
+        <p:spPr>
+          <a:xfrm>
+            <a:off x="0" y="6451137"/>
+            <a:ext cx="12191996" cy="577077"/>
+          </a:xfrm>
+          <a:prstGeom prst="rect">
+            <a:avLst/>
+          </a:prstGeom>
+          <a:noFill/>
+          <a:ln cap="rnd">
+            <a:noFill/>
+          </a:ln>
+        </p:spPr>
+        <p:txBody>
+          <a:bodyPr vert="horz" wrap="square" lIns="91440" tIns="45720" rIns="91440" bIns="45720" anchor="t" anchorCtr="0" compatLnSpc="1">
+            <a:spAutoFit/>
+          </a:bodyPr>
+          <a:lstStyle/>
+          <a:p>
+            <a:pPr marL="0" marR="0" lvl="0" indent="0" algn="l" defTabSz="457200" rtl="0" fontAlgn="auto" hangingPunct="1">
+              <a:lnSpc>
+                <a:spcPct val="100000"/>
+              </a:lnSpc>
+              <a:spcBef>
+                <a:spcPts val="0"/>
+              </a:spcBef>
+              <a:spcAft>
+                <a:spcPts val="0"/>
+              </a:spcAft>
+              <a:buNone/>
+              <a:tabLst/>
+              <a:defRPr sz="1800" b="0" i="0" u="none" strike="noStrike" kern="0" cap="none" spc="0" baseline="0">
+                <a:solidFill>
+                  <a:srgbClr val="000000"/>
+                </a:solidFill>
+                <a:uFillTx/>
+              </a:defRPr>
+            </a:pPr>
+            <a:r>
+              <a:rPr lang="fr-FR" sz="1050" b="0" i="0" u="none" strike="noStrike" kern="1200" cap="none" spc="0" baseline="0">
+                <a:solidFill>
+                  <a:srgbClr val="FFFFFF"/>
+                </a:solidFill>
+                <a:uFillTx/>
+                <a:latin typeface="Century Gothic"/>
+              </a:rPr>
+              <a:t>Nicolas MEYNIEL, Damien PIEDANNA, Axel PISANI, Aurélien ROBINEAU													     Mercredi 7 novembre 2018 </a:t>
+            </a:r>
+          </a:p>
+          <a:p>
+            <a:pPr marL="0" marR="0" lvl="0" indent="0" algn="l" defTabSz="457200" rtl="0" fontAlgn="auto" hangingPunct="1">
+              <a:lnSpc>
+                <a:spcPct val="100000"/>
+              </a:lnSpc>
+              <a:spcBef>
+                <a:spcPts val="0"/>
+              </a:spcBef>
+              <a:spcAft>
+                <a:spcPts val="0"/>
+              </a:spcAft>
+              <a:buNone/>
+              <a:tabLst/>
+              <a:defRPr sz="1800" b="0" i="0" u="none" strike="noStrike" kern="0" cap="none" spc="0" baseline="0">
+                <a:solidFill>
+                  <a:srgbClr val="000000"/>
+                </a:solidFill>
+                <a:uFillTx/>
+              </a:defRPr>
+            </a:pPr>
+            <a:r>
+              <a:rPr lang="fr-FR" sz="1050" b="0" i="0" u="none" strike="noStrike" kern="1200" cap="none" spc="0" baseline="0">
+                <a:solidFill>
+                  <a:srgbClr val="FFFFFF"/>
+                </a:solidFill>
+                <a:uFillTx/>
+                <a:latin typeface="Century Gothic"/>
+              </a:rPr>
+              <a:t>Groupe 3B – 2</a:t>
+            </a:r>
+            <a:r>
+              <a:rPr lang="fr-FR" sz="1050" b="0" i="0" u="none" strike="noStrike" kern="1200" cap="none" spc="0" baseline="30000">
+                <a:solidFill>
+                  <a:srgbClr val="FFFFFF"/>
+                </a:solidFill>
+                <a:uFillTx/>
+                <a:latin typeface="Century Gothic"/>
+              </a:rPr>
+              <a:t>nd</a:t>
+            </a:r>
+            <a:r>
+              <a:rPr lang="fr-FR" sz="1050" b="0" i="0" u="none" strike="noStrike" kern="1200" cap="none" spc="0" baseline="0">
+                <a:solidFill>
+                  <a:srgbClr val="FFFFFF"/>
+                </a:solidFill>
+                <a:uFillTx/>
+                <a:latin typeface="Century Gothic"/>
+              </a:rPr>
+              <a:t> année															 				     													</a:t>
+            </a:r>
+          </a:p>
+        </p:txBody>
+      </p:sp>
       <p:pic>
         <p:nvPicPr>
-          <p:cNvPr id="4" name="Image 3">
-            <a:extLst>
-              <a:ext uri="{FF2B5EF4-FFF2-40B4-BE49-F238E27FC236}">
-                <a16:creationId xmlns:a16="http://schemas.microsoft.com/office/drawing/2014/main" id="{5036838A-3316-4454-8EE9-A44795A56EA3}"/>
+          <p:cNvPr id="11266" name="Picture 2" descr="https://puu.sh/BXtV8/4a5628816d.png?fbclid=IwAR3fQTqRzHD0sF8UNH6Pw12Gf6SY1QCS-x3EzWxqBz_xWKTDXsuRvESt4iY">
+            <a:extLst>
+              <a:ext uri="{FF2B5EF4-FFF2-40B4-BE49-F238E27FC236}">
+                <a16:creationId xmlns:a16="http://schemas.microsoft.com/office/drawing/2014/main" id="{7A3048C1-E4B5-4AC5-BB6E-1111D37660A3}"/>
               </a:ext>
             </a:extLst>
           </p:cNvPr>
           <p:cNvPicPr>
-            <a:picLocks noChangeAspect="1"/>
+            <a:picLocks noChangeAspect="1" noChangeArrowheads="1"/>
           </p:cNvPicPr>
           <p:nvPr/>
         </p:nvPicPr>
         <p:blipFill>
-          <a:blip r:embed="rId2"/>
+          <a:blip r:embed="rId2">
+            <a:extLst>
+              <a:ext uri="{28A0092B-C50C-407E-A947-70E740481C1C}">
+                <a14:useLocalDpi xmlns:a14="http://schemas.microsoft.com/office/drawing/2010/main" val="0"/>
+              </a:ext>
+            </a:extLst>
+          </a:blip>
+          <a:srcRect/>
           <a:stretch>
             <a:fillRect/>
           </a:stretch>
         </p:blipFill>
-        <p:spPr>
-          <a:xfrm>
-            <a:off x="2162522" y="1376175"/>
-            <a:ext cx="7889655" cy="4985719"/>
+        <p:spPr bwMode="auto">
+          <a:xfrm>
+            <a:off x="3726388" y="781865"/>
+            <a:ext cx="4739219" cy="5589251"/>
           </a:xfrm>
           <a:prstGeom prst="rect">
             <a:avLst/>
           </a:prstGeom>
+          <a:noFill/>
+          <a:extLst>
+            <a:ext uri="{909E8E84-426E-40DD-AFC4-6F175D3DCCD1}">
+              <a14:hiddenFill xmlns:a14="http://schemas.microsoft.com/office/drawing/2010/main">
+                <a:solidFill>
+                  <a:srgbClr val="FFFFFF"/>
+                </a:solidFill>
+              </a14:hiddenFill>
+            </a:ext>
+          </a:extLst>
         </p:spPr>
       </p:pic>
     </p:spTree>
     <p:extLst>
       <p:ext uri="{BB962C8B-B14F-4D97-AF65-F5344CB8AC3E}">
-        <p14:creationId xmlns:p14="http://schemas.microsoft.com/office/powerpoint/2010/main" val="1898689614"/>
+        <p14:creationId xmlns:p14="http://schemas.microsoft.com/office/powerpoint/2010/main" val="634167951"/>
       </p:ext>
     </p:extLst>
   </p:cSld>
@@ -7903,78 +8213,10 @@
       </p:grpSpPr>
       <p:sp>
         <p:nvSpPr>
-          <p:cNvPr id="7" name="Espace réservé du numéro de diapositive 1">
-            <a:extLst>
-              <a:ext uri="{FF2B5EF4-FFF2-40B4-BE49-F238E27FC236}">
-                <a16:creationId xmlns:a16="http://schemas.microsoft.com/office/drawing/2014/main" id="{ACAE1147-1386-478E-8609-02524CBEC5A0}"/>
-              </a:ext>
-            </a:extLst>
-          </p:cNvPr>
-          <p:cNvSpPr txBox="1"/>
-          <p:nvPr/>
-        </p:nvSpPr>
-        <p:spPr>
-          <a:xfrm>
-            <a:off x="11640833" y="6557107"/>
-            <a:ext cx="551163" cy="365129"/>
-          </a:xfrm>
-          <a:prstGeom prst="rect">
-            <a:avLst/>
-          </a:prstGeom>
-          <a:noFill/>
-          <a:ln cap="rnd">
-            <a:noFill/>
-          </a:ln>
-        </p:spPr>
-        <p:txBody>
-          <a:bodyPr vert="horz" wrap="square" lIns="91440" tIns="45720" rIns="91440" bIns="45720" anchor="ctr" anchorCtr="0" compatLnSpc="1">
-            <a:noAutofit/>
-          </a:bodyPr>
-          <a:lstStyle/>
-          <a:p>
-            <a:pPr marL="0" marR="0" lvl="0" indent="0" algn="r" defTabSz="457200" rtl="0" fontAlgn="auto" hangingPunct="1">
-              <a:lnSpc>
-                <a:spcPct val="100000"/>
-              </a:lnSpc>
-              <a:spcBef>
-                <a:spcPts val="0"/>
-              </a:spcBef>
-              <a:spcAft>
-                <a:spcPts val="0"/>
-              </a:spcAft>
-              <a:buNone/>
-              <a:tabLst/>
-              <a:defRPr sz="1800" b="0" i="0" u="none" strike="noStrike" kern="0" cap="none" spc="0" baseline="0">
-                <a:solidFill>
-                  <a:srgbClr val="000000"/>
-                </a:solidFill>
-                <a:uFillTx/>
-              </a:defRPr>
-            </a:pPr>
-            <a:fld id="{D7BCEA47-A648-4F36-AE1F-D3D50854FB8A}" type="slidenum">
-              <a:t>12</a:t>
-            </a:fld>
-            <a:endParaRPr lang="fr-FR" sz="900" b="1" i="0" u="none" strike="noStrike" kern="1200" cap="none" spc="0" baseline="0">
-              <a:solidFill>
-                <a:srgbClr val="BFBFBF"/>
-              </a:solidFill>
-              <a:effectLst>
-                <a:outerShdw dist="38096" dir="2700000">
-                  <a:srgbClr val="000000"/>
-                </a:outerShdw>
-              </a:effectLst>
-              <a:uFillTx/>
-              <a:latin typeface="Century Gothic"/>
-            </a:endParaRPr>
-          </a:p>
-        </p:txBody>
-      </p:sp>
-      <p:sp>
-        <p:nvSpPr>
-          <p:cNvPr id="11" name="Rectangle 10">
-            <a:extLst>
-              <a:ext uri="{FF2B5EF4-FFF2-40B4-BE49-F238E27FC236}">
-                <a16:creationId xmlns:a16="http://schemas.microsoft.com/office/drawing/2014/main" id="{E9AAA5E3-744A-413A-B973-FD1D5EEF70C1}"/>
+          <p:cNvPr id="10" name="Rectangle 9">
+            <a:extLst>
+              <a:ext uri="{FF2B5EF4-FFF2-40B4-BE49-F238E27FC236}">
+                <a16:creationId xmlns:a16="http://schemas.microsoft.com/office/drawing/2014/main" id="{14545409-EA72-441B-AF95-8E5093F376DA}"/>
               </a:ext>
             </a:extLst>
           </p:cNvPr>
@@ -8023,10 +8265,10 @@
       </p:sp>
       <p:sp>
         <p:nvSpPr>
-          <p:cNvPr id="12" name="ZoneTexte 2">
-            <a:extLst>
-              <a:ext uri="{FF2B5EF4-FFF2-40B4-BE49-F238E27FC236}">
-                <a16:creationId xmlns:a16="http://schemas.microsoft.com/office/drawing/2014/main" id="{B9839CA4-5015-43A2-97D5-F9425CF60E56}"/>
+          <p:cNvPr id="11" name="ZoneTexte 2">
+            <a:extLst>
+              <a:ext uri="{FF2B5EF4-FFF2-40B4-BE49-F238E27FC236}">
+                <a16:creationId xmlns:a16="http://schemas.microsoft.com/office/drawing/2014/main" id="{7929C5AD-AA64-4CF2-A124-24A95209C860}"/>
               </a:ext>
             </a:extLst>
           </p:cNvPr>
@@ -8079,7 +8321,7 @@
                 <a:uFillTx/>
                 <a:latin typeface="Century Gothic"/>
               </a:rPr>
-              <a:t>Présentation du projet          Les automates cellulaires          </a:t>
+              <a:t>Présentation du projet          </a:t>
             </a:r>
             <a:r>
               <a:rPr lang="fr-FR" sz="1100" b="0" i="0" u="none" strike="noStrike" kern="1200" cap="none" spc="0" baseline="0" dirty="0">
@@ -8089,27 +8331,27 @@
                 <a:uFillTx/>
                 <a:latin typeface="Century Gothic"/>
               </a:rPr>
+              <a:t>Les automates cellulaires          </a:t>
+            </a:r>
+            <a:r>
+              <a:rPr lang="fr-FR" sz="1100" b="1" i="0" u="none" strike="noStrike" kern="1200" cap="none" spc="0" baseline="0" dirty="0">
+                <a:solidFill>
+                  <a:srgbClr val="262626"/>
+                </a:solidFill>
+                <a:uFillTx/>
+                <a:latin typeface="Century Gothic"/>
+              </a:rPr>
               <a:t>Evolution du projet          </a:t>
             </a:r>
             <a:r>
-              <a:rPr lang="fr-FR" sz="1100" b="1" i="0" u="none" strike="noStrike" kern="1200" cap="none" spc="0" baseline="0" dirty="0">
+              <a:rPr lang="fr-FR" sz="1100" b="0" i="0" u="none" strike="noStrike" kern="1200" cap="none" spc="0" baseline="0" dirty="0">
                 <a:solidFill>
                   <a:srgbClr val="262626"/>
                 </a:solidFill>
                 <a:uFillTx/>
                 <a:latin typeface="Century Gothic"/>
               </a:rPr>
-              <a:t>Etat Final          </a:t>
-            </a:r>
-            <a:r>
-              <a:rPr lang="fr-FR" sz="1100" b="0" i="0" u="none" strike="noStrike" kern="1200" cap="none" spc="0" baseline="0" dirty="0">
-                <a:solidFill>
-                  <a:srgbClr val="262626"/>
-                </a:solidFill>
-                <a:uFillTx/>
-                <a:latin typeface="Century Gothic"/>
-              </a:rPr>
-              <a:t>Les maths</a:t>
+              <a:t>Etat Final          Les maths</a:t>
             </a:r>
           </a:p>
           <a:p>
@@ -8144,10 +8386,10 @@
       </p:sp>
       <p:cxnSp>
         <p:nvCxnSpPr>
-          <p:cNvPr id="13" name="Connecteur droit avec flèche 6">
-            <a:extLst>
-              <a:ext uri="{FF2B5EF4-FFF2-40B4-BE49-F238E27FC236}">
-                <a16:creationId xmlns:a16="http://schemas.microsoft.com/office/drawing/2014/main" id="{74955A6A-DEAC-4B40-8D3B-7C4B72C94859}"/>
+          <p:cNvPr id="12" name="Connecteur droit avec flèche 6">
+            <a:extLst>
+              <a:ext uri="{FF2B5EF4-FFF2-40B4-BE49-F238E27FC236}">
+                <a16:creationId xmlns:a16="http://schemas.microsoft.com/office/drawing/2014/main" id="{EECCCF15-3DB6-4F3A-9813-EB58B99BBDD9}"/>
               </a:ext>
             </a:extLst>
           </p:cNvPr>
@@ -8191,10 +8433,10 @@
       </p:cxnSp>
       <p:cxnSp>
         <p:nvCxnSpPr>
-          <p:cNvPr id="14" name="Connecteur droit avec flèche 8">
-            <a:extLst>
-              <a:ext uri="{FF2B5EF4-FFF2-40B4-BE49-F238E27FC236}">
-                <a16:creationId xmlns:a16="http://schemas.microsoft.com/office/drawing/2014/main" id="{6B319ED6-9D2C-4CA8-960A-F734FF386CD4}"/>
+          <p:cNvPr id="13" name="Connecteur droit avec flèche 8">
+            <a:extLst>
+              <a:ext uri="{FF2B5EF4-FFF2-40B4-BE49-F238E27FC236}">
+                <a16:creationId xmlns:a16="http://schemas.microsoft.com/office/drawing/2014/main" id="{07E42419-CC06-4CB3-8FAE-0BACA8DA9E4F}"/>
               </a:ext>
             </a:extLst>
           </p:cNvPr>
@@ -8236,10 +8478,10 @@
       </p:cxnSp>
       <p:cxnSp>
         <p:nvCxnSpPr>
-          <p:cNvPr id="15" name="Connecteur droit avec flèche 9">
-            <a:extLst>
-              <a:ext uri="{FF2B5EF4-FFF2-40B4-BE49-F238E27FC236}">
-                <a16:creationId xmlns:a16="http://schemas.microsoft.com/office/drawing/2014/main" id="{D3BEEAA2-BAAB-4FBD-A7F2-5C3D2B67909C}"/>
+          <p:cNvPr id="14" name="Connecteur droit avec flèche 9">
+            <a:extLst>
+              <a:ext uri="{FF2B5EF4-FFF2-40B4-BE49-F238E27FC236}">
+                <a16:creationId xmlns:a16="http://schemas.microsoft.com/office/drawing/2014/main" id="{93E8C0AB-98EA-4764-8FB4-893EBB10E7C4}"/>
               </a:ext>
             </a:extLst>
           </p:cNvPr>
@@ -8281,10 +8523,10 @@
       </p:cxnSp>
       <p:cxnSp>
         <p:nvCxnSpPr>
-          <p:cNvPr id="16" name="Connecteur droit avec flèche 10">
-            <a:extLst>
-              <a:ext uri="{FF2B5EF4-FFF2-40B4-BE49-F238E27FC236}">
-                <a16:creationId xmlns:a16="http://schemas.microsoft.com/office/drawing/2014/main" id="{72A87FF4-63A6-4784-A646-669B97754B06}"/>
+          <p:cNvPr id="15" name="Connecteur droit avec flèche 10">
+            <a:extLst>
+              <a:ext uri="{FF2B5EF4-FFF2-40B4-BE49-F238E27FC236}">
+                <a16:creationId xmlns:a16="http://schemas.microsoft.com/office/drawing/2014/main" id="{929BC0F3-09BE-4B7C-A5AA-902705F825D2}"/>
               </a:ext>
             </a:extLst>
           </p:cNvPr>
@@ -8326,10 +8568,10 @@
       </p:cxnSp>
       <p:sp>
         <p:nvSpPr>
-          <p:cNvPr id="17" name="Espace réservé du numéro de diapositive 7">
-            <a:extLst>
-              <a:ext uri="{FF2B5EF4-FFF2-40B4-BE49-F238E27FC236}">
-                <a16:creationId xmlns:a16="http://schemas.microsoft.com/office/drawing/2014/main" id="{1580C8B6-76DB-45B2-86EC-F5A7975892B8}"/>
+          <p:cNvPr id="16" name="Espace réservé du numéro de diapositive 7">
+            <a:extLst>
+              <a:ext uri="{FF2B5EF4-FFF2-40B4-BE49-F238E27FC236}">
+                <a16:creationId xmlns:a16="http://schemas.microsoft.com/office/drawing/2014/main" id="{8C048B46-6BD8-4132-AF2D-92957401B8FB}"/>
               </a:ext>
             </a:extLst>
           </p:cNvPr>
@@ -8394,10 +8636,10 @@
       </p:sp>
       <p:sp>
         <p:nvSpPr>
-          <p:cNvPr id="18" name="ZoneTexte 12">
-            <a:extLst>
-              <a:ext uri="{FF2B5EF4-FFF2-40B4-BE49-F238E27FC236}">
-                <a16:creationId xmlns:a16="http://schemas.microsoft.com/office/drawing/2014/main" id="{E53531DC-3A45-4739-9523-1FC5EEDF4DC5}"/>
+          <p:cNvPr id="17" name="ZoneTexte 12">
+            <a:extLst>
+              <a:ext uri="{FF2B5EF4-FFF2-40B4-BE49-F238E27FC236}">
+                <a16:creationId xmlns:a16="http://schemas.microsoft.com/office/drawing/2014/main" id="{4E193489-407B-45FA-B319-B389661AB017}"/>
               </a:ext>
             </a:extLst>
           </p:cNvPr>
@@ -8506,190 +8748,57 @@
           </a:p>
         </p:txBody>
       </p:sp>
-      <p:sp>
-        <p:nvSpPr>
-          <p:cNvPr id="19" name="ZoneTexte 18">
-            <a:extLst>
-              <a:ext uri="{FF2B5EF4-FFF2-40B4-BE49-F238E27FC236}">
-                <a16:creationId xmlns:a16="http://schemas.microsoft.com/office/drawing/2014/main" id="{B9195FC4-C2E4-43D7-8BAF-97534124B800}"/>
-              </a:ext>
-            </a:extLst>
-          </p:cNvPr>
-          <p:cNvSpPr txBox="1"/>
-          <p:nvPr/>
-        </p:nvSpPr>
-        <p:spPr>
-          <a:xfrm>
-            <a:off x="4101881" y="1743146"/>
-            <a:ext cx="3988233" cy="646331"/>
+      <p:pic>
+        <p:nvPicPr>
+          <p:cNvPr id="10242" name="Picture 2" descr="https://puu.sh/BXu8L/fec1a755e4.png?fbclid=IwAR1HymWWyIl1IrXR7AdR8h0LwMYJ6LIR1OTvHAOzilEsmZEqrmY6SRzl7vg">
+            <a:extLst>
+              <a:ext uri="{FF2B5EF4-FFF2-40B4-BE49-F238E27FC236}">
+                <a16:creationId xmlns:a16="http://schemas.microsoft.com/office/drawing/2014/main" id="{178EB451-981A-4DB3-AA8C-E19C08263EB1}"/>
+              </a:ext>
+            </a:extLst>
+          </p:cNvPr>
+          <p:cNvPicPr>
+            <a:picLocks noChangeAspect="1" noChangeArrowheads="1"/>
+          </p:cNvPicPr>
+          <p:nvPr/>
+        </p:nvPicPr>
+        <p:blipFill>
+          <a:blip r:embed="rId2">
+            <a:extLst>
+              <a:ext uri="{28A0092B-C50C-407E-A947-70E740481C1C}">
+                <a14:useLocalDpi xmlns:a14="http://schemas.microsoft.com/office/drawing/2010/main" val="0"/>
+              </a:ext>
+            </a:extLst>
+          </a:blip>
+          <a:srcRect/>
+          <a:stretch>
+            <a:fillRect/>
+          </a:stretch>
+        </p:blipFill>
+        <p:spPr bwMode="auto">
+          <a:xfrm>
+            <a:off x="3776848" y="768145"/>
+            <a:ext cx="4638299" cy="5674725"/>
           </a:xfrm>
           <a:prstGeom prst="rect">
             <a:avLst/>
           </a:prstGeom>
           <a:noFill/>
-        </p:spPr>
-        <p:txBody>
-          <a:bodyPr wrap="square" rtlCol="0">
-            <a:spAutoFit/>
-          </a:bodyPr>
-          <a:lstStyle/>
-          <a:p>
-            <a:pPr algn="ctr"/>
-            <a:r>
-              <a:rPr lang="fr-FR" sz="3600" dirty="0">
-                <a:solidFill>
-                  <a:srgbClr val="8ECE55"/>
-                </a:solidFill>
-              </a:rPr>
-              <a:t>Cellules</a:t>
-            </a:r>
-          </a:p>
-        </p:txBody>
-      </p:sp>
-      <p:sp>
-        <p:nvSpPr>
-          <p:cNvPr id="20" name="ZoneTexte 19">
-            <a:extLst>
-              <a:ext uri="{FF2B5EF4-FFF2-40B4-BE49-F238E27FC236}">
-                <a16:creationId xmlns:a16="http://schemas.microsoft.com/office/drawing/2014/main" id="{2391022A-6709-4890-8BF0-CF032E9A94BB}"/>
-              </a:ext>
-            </a:extLst>
-          </p:cNvPr>
-          <p:cNvSpPr txBox="1"/>
-          <p:nvPr/>
-        </p:nvSpPr>
-        <p:spPr>
-          <a:xfrm>
-            <a:off x="557076" y="2875001"/>
-            <a:ext cx="4419597" cy="1938992"/>
-          </a:xfrm>
-          <a:prstGeom prst="rect">
-            <a:avLst/>
-          </a:prstGeom>
-          <a:noFill/>
-        </p:spPr>
-        <p:txBody>
-          <a:bodyPr wrap="square" rtlCol="0">
-            <a:spAutoFit/>
-          </a:bodyPr>
-          <a:lstStyle/>
-          <a:p>
-            <a:pPr algn="ctr"/>
-            <a:r>
-              <a:rPr lang="fr-FR" sz="2400" dirty="0">
-                <a:solidFill>
-                  <a:srgbClr val="8ECE55"/>
-                </a:solidFill>
-              </a:rPr>
-              <a:t>Type</a:t>
-            </a:r>
-          </a:p>
-          <a:p>
-            <a:pPr algn="ctr"/>
-            <a:endParaRPr lang="fr-FR" sz="2400" dirty="0">
-              <a:solidFill>
-                <a:srgbClr val="8ECE55"/>
-              </a:solidFill>
-            </a:endParaRPr>
-          </a:p>
-          <a:p>
-            <a:pPr algn="ctr"/>
-            <a:r>
-              <a:rPr lang="fr-FR" sz="2400" dirty="0">
-                <a:solidFill>
-                  <a:schemeClr val="bg1"/>
-                </a:solidFill>
-              </a:rPr>
-              <a:t>Saine, Infectée, Guérie, Morte</a:t>
-            </a:r>
-          </a:p>
-          <a:p>
-            <a:pPr algn="ctr"/>
-            <a:r>
-              <a:rPr lang="fr-FR" sz="2400" dirty="0">
-                <a:solidFill>
-                  <a:schemeClr val="bg1"/>
-                </a:solidFill>
-              </a:rPr>
-              <a:t>ou</a:t>
-            </a:r>
-          </a:p>
-          <a:p>
-            <a:pPr algn="ctr"/>
-            <a:r>
-              <a:rPr lang="fr-FR" sz="2400" dirty="0">
-                <a:solidFill>
-                  <a:schemeClr val="bg1"/>
-                </a:solidFill>
-              </a:rPr>
-              <a:t>Vide, Eau</a:t>
-            </a:r>
-          </a:p>
-        </p:txBody>
-      </p:sp>
-      <p:sp>
-        <p:nvSpPr>
-          <p:cNvPr id="21" name="ZoneTexte 20">
-            <a:extLst>
-              <a:ext uri="{FF2B5EF4-FFF2-40B4-BE49-F238E27FC236}">
-                <a16:creationId xmlns:a16="http://schemas.microsoft.com/office/drawing/2014/main" id="{D0B369AD-0C88-44D0-BE6D-458FF3198E8B}"/>
-              </a:ext>
-            </a:extLst>
-          </p:cNvPr>
-          <p:cNvSpPr txBox="1"/>
-          <p:nvPr/>
-        </p:nvSpPr>
-        <p:spPr>
-          <a:xfrm>
-            <a:off x="8090114" y="3244332"/>
-            <a:ext cx="3027243" cy="1200329"/>
-          </a:xfrm>
-          <a:prstGeom prst="rect">
-            <a:avLst/>
-          </a:prstGeom>
-          <a:noFill/>
-        </p:spPr>
-        <p:txBody>
-          <a:bodyPr wrap="square" rtlCol="0">
-            <a:spAutoFit/>
-          </a:bodyPr>
-          <a:lstStyle/>
-          <a:p>
-            <a:pPr algn="ctr"/>
-            <a:r>
-              <a:rPr lang="fr-FR" sz="2400" dirty="0">
-                <a:solidFill>
-                  <a:srgbClr val="8ECE55"/>
-                </a:solidFill>
-              </a:rPr>
-              <a:t>Age moyen</a:t>
-            </a:r>
-          </a:p>
-          <a:p>
-            <a:pPr algn="ctr"/>
-            <a:endParaRPr lang="fr-FR" sz="2400" dirty="0">
-              <a:solidFill>
-                <a:srgbClr val="8ECE55"/>
-              </a:solidFill>
-            </a:endParaRPr>
-          </a:p>
-          <a:p>
-            <a:pPr algn="ctr"/>
-            <a:r>
-              <a:rPr lang="fr-FR" sz="2400" dirty="0">
-                <a:solidFill>
-                  <a:schemeClr val="bg1"/>
-                </a:solidFill>
-              </a:rPr>
-              <a:t>Entre 0 et 100 ans</a:t>
-            </a:r>
-          </a:p>
-        </p:txBody>
-      </p:sp>
+          <a:extLst>
+            <a:ext uri="{909E8E84-426E-40DD-AFC4-6F175D3DCCD1}">
+              <a14:hiddenFill xmlns:a14="http://schemas.microsoft.com/office/drawing/2010/main">
+                <a:solidFill>
+                  <a:srgbClr val="FFFFFF"/>
+                </a:solidFill>
+              </a14:hiddenFill>
+            </a:ext>
+          </a:extLst>
+        </p:spPr>
+      </p:pic>
     </p:spTree>
     <p:extLst>
       <p:ext uri="{BB962C8B-B14F-4D97-AF65-F5344CB8AC3E}">
-        <p14:creationId xmlns:p14="http://schemas.microsoft.com/office/powerpoint/2010/main" val="2906320731"/>
+        <p14:creationId xmlns:p14="http://schemas.microsoft.com/office/powerpoint/2010/main" val="1336350949"/>
       </p:ext>
     </p:extLst>
   </p:cSld>
@@ -8726,78 +8835,10 @@
       </p:grpSpPr>
       <p:sp>
         <p:nvSpPr>
-          <p:cNvPr id="7" name="Espace réservé du numéro de diapositive 1">
-            <a:extLst>
-              <a:ext uri="{FF2B5EF4-FFF2-40B4-BE49-F238E27FC236}">
-                <a16:creationId xmlns:a16="http://schemas.microsoft.com/office/drawing/2014/main" id="{ACAE1147-1386-478E-8609-02524CBEC5A0}"/>
-              </a:ext>
-            </a:extLst>
-          </p:cNvPr>
-          <p:cNvSpPr txBox="1"/>
-          <p:nvPr/>
-        </p:nvSpPr>
-        <p:spPr>
-          <a:xfrm>
-            <a:off x="11640833" y="6557107"/>
-            <a:ext cx="551163" cy="365129"/>
-          </a:xfrm>
-          <a:prstGeom prst="rect">
-            <a:avLst/>
-          </a:prstGeom>
-          <a:noFill/>
-          <a:ln cap="rnd">
-            <a:noFill/>
-          </a:ln>
-        </p:spPr>
-        <p:txBody>
-          <a:bodyPr vert="horz" wrap="square" lIns="91440" tIns="45720" rIns="91440" bIns="45720" anchor="ctr" anchorCtr="0" compatLnSpc="1">
-            <a:noAutofit/>
-          </a:bodyPr>
-          <a:lstStyle/>
-          <a:p>
-            <a:pPr marL="0" marR="0" lvl="0" indent="0" algn="r" defTabSz="457200" rtl="0" fontAlgn="auto" hangingPunct="1">
-              <a:lnSpc>
-                <a:spcPct val="100000"/>
-              </a:lnSpc>
-              <a:spcBef>
-                <a:spcPts val="0"/>
-              </a:spcBef>
-              <a:spcAft>
-                <a:spcPts val="0"/>
-              </a:spcAft>
-              <a:buNone/>
-              <a:tabLst/>
-              <a:defRPr sz="1800" b="0" i="0" u="none" strike="noStrike" kern="0" cap="none" spc="0" baseline="0">
-                <a:solidFill>
-                  <a:srgbClr val="000000"/>
-                </a:solidFill>
-                <a:uFillTx/>
-              </a:defRPr>
-            </a:pPr>
-            <a:fld id="{D7BCEA47-A648-4F36-AE1F-D3D50854FB8A}" type="slidenum">
-              <a:t>13</a:t>
-            </a:fld>
-            <a:endParaRPr lang="fr-FR" sz="900" b="1" i="0" u="none" strike="noStrike" kern="1200" cap="none" spc="0" baseline="0">
-              <a:solidFill>
-                <a:srgbClr val="BFBFBF"/>
-              </a:solidFill>
-              <a:effectLst>
-                <a:outerShdw dist="38096" dir="2700000">
-                  <a:srgbClr val="000000"/>
-                </a:outerShdw>
-              </a:effectLst>
-              <a:uFillTx/>
-              <a:latin typeface="Century Gothic"/>
-            </a:endParaRPr>
-          </a:p>
-        </p:txBody>
-      </p:sp>
-      <p:sp>
-        <p:nvSpPr>
-          <p:cNvPr id="11" name="Rectangle 10">
-            <a:extLst>
-              <a:ext uri="{FF2B5EF4-FFF2-40B4-BE49-F238E27FC236}">
-                <a16:creationId xmlns:a16="http://schemas.microsoft.com/office/drawing/2014/main" id="{E9AAA5E3-744A-413A-B973-FD1D5EEF70C1}"/>
+          <p:cNvPr id="10" name="Rectangle 9">
+            <a:extLst>
+              <a:ext uri="{FF2B5EF4-FFF2-40B4-BE49-F238E27FC236}">
+                <a16:creationId xmlns:a16="http://schemas.microsoft.com/office/drawing/2014/main" id="{14545409-EA72-441B-AF95-8E5093F376DA}"/>
               </a:ext>
             </a:extLst>
           </p:cNvPr>
@@ -8846,10 +8887,10 @@
       </p:sp>
       <p:sp>
         <p:nvSpPr>
-          <p:cNvPr id="12" name="ZoneTexte 2">
-            <a:extLst>
-              <a:ext uri="{FF2B5EF4-FFF2-40B4-BE49-F238E27FC236}">
-                <a16:creationId xmlns:a16="http://schemas.microsoft.com/office/drawing/2014/main" id="{B9839CA4-5015-43A2-97D5-F9425CF60E56}"/>
+          <p:cNvPr id="11" name="ZoneTexte 2">
+            <a:extLst>
+              <a:ext uri="{FF2B5EF4-FFF2-40B4-BE49-F238E27FC236}">
+                <a16:creationId xmlns:a16="http://schemas.microsoft.com/office/drawing/2014/main" id="{7929C5AD-AA64-4CF2-A124-24A95209C860}"/>
               </a:ext>
             </a:extLst>
           </p:cNvPr>
@@ -8902,7 +8943,7 @@
                 <a:uFillTx/>
                 <a:latin typeface="Century Gothic"/>
               </a:rPr>
-              <a:t>Présentation du projet          Les automates cellulaires          </a:t>
+              <a:t>Présentation du projet          </a:t>
             </a:r>
             <a:r>
               <a:rPr lang="fr-FR" sz="1100" b="0" i="0" u="none" strike="noStrike" kern="1200" cap="none" spc="0" baseline="0" dirty="0">
@@ -8912,27 +8953,27 @@
                 <a:uFillTx/>
                 <a:latin typeface="Century Gothic"/>
               </a:rPr>
+              <a:t>Les automates cellulaires          </a:t>
+            </a:r>
+            <a:r>
+              <a:rPr lang="fr-FR" sz="1100" b="1" i="0" u="none" strike="noStrike" kern="1200" cap="none" spc="0" baseline="0" dirty="0">
+                <a:solidFill>
+                  <a:srgbClr val="262626"/>
+                </a:solidFill>
+                <a:uFillTx/>
+                <a:latin typeface="Century Gothic"/>
+              </a:rPr>
               <a:t>Evolution du projet          </a:t>
             </a:r>
             <a:r>
-              <a:rPr lang="fr-FR" sz="1100" b="1" i="0" u="none" strike="noStrike" kern="1200" cap="none" spc="0" baseline="0" dirty="0">
+              <a:rPr lang="fr-FR" sz="1100" b="0" i="0" u="none" strike="noStrike" kern="1200" cap="none" spc="0" baseline="0" dirty="0">
                 <a:solidFill>
                   <a:srgbClr val="262626"/>
                 </a:solidFill>
                 <a:uFillTx/>
                 <a:latin typeface="Century Gothic"/>
               </a:rPr>
-              <a:t>Etat Final          </a:t>
-            </a:r>
-            <a:r>
-              <a:rPr lang="fr-FR" sz="1100" b="0" i="0" u="none" strike="noStrike" kern="1200" cap="none" spc="0" baseline="0" dirty="0">
-                <a:solidFill>
-                  <a:srgbClr val="262626"/>
-                </a:solidFill>
-                <a:uFillTx/>
-                <a:latin typeface="Century Gothic"/>
-              </a:rPr>
-              <a:t>Les maths</a:t>
+              <a:t>Etat Final          Les maths</a:t>
             </a:r>
           </a:p>
           <a:p>
@@ -8967,10 +9008,10 @@
       </p:sp>
       <p:cxnSp>
         <p:nvCxnSpPr>
-          <p:cNvPr id="13" name="Connecteur droit avec flèche 6">
-            <a:extLst>
-              <a:ext uri="{FF2B5EF4-FFF2-40B4-BE49-F238E27FC236}">
-                <a16:creationId xmlns:a16="http://schemas.microsoft.com/office/drawing/2014/main" id="{74955A6A-DEAC-4B40-8D3B-7C4B72C94859}"/>
+          <p:cNvPr id="12" name="Connecteur droit avec flèche 6">
+            <a:extLst>
+              <a:ext uri="{FF2B5EF4-FFF2-40B4-BE49-F238E27FC236}">
+                <a16:creationId xmlns:a16="http://schemas.microsoft.com/office/drawing/2014/main" id="{EECCCF15-3DB6-4F3A-9813-EB58B99BBDD9}"/>
               </a:ext>
             </a:extLst>
           </p:cNvPr>
@@ -9014,10 +9055,10 @@
       </p:cxnSp>
       <p:cxnSp>
         <p:nvCxnSpPr>
-          <p:cNvPr id="14" name="Connecteur droit avec flèche 8">
-            <a:extLst>
-              <a:ext uri="{FF2B5EF4-FFF2-40B4-BE49-F238E27FC236}">
-                <a16:creationId xmlns:a16="http://schemas.microsoft.com/office/drawing/2014/main" id="{6B319ED6-9D2C-4CA8-960A-F734FF386CD4}"/>
+          <p:cNvPr id="13" name="Connecteur droit avec flèche 8">
+            <a:extLst>
+              <a:ext uri="{FF2B5EF4-FFF2-40B4-BE49-F238E27FC236}">
+                <a16:creationId xmlns:a16="http://schemas.microsoft.com/office/drawing/2014/main" id="{07E42419-CC06-4CB3-8FAE-0BACA8DA9E4F}"/>
               </a:ext>
             </a:extLst>
           </p:cNvPr>
@@ -9059,10 +9100,10 @@
       </p:cxnSp>
       <p:cxnSp>
         <p:nvCxnSpPr>
-          <p:cNvPr id="15" name="Connecteur droit avec flèche 9">
-            <a:extLst>
-              <a:ext uri="{FF2B5EF4-FFF2-40B4-BE49-F238E27FC236}">
-                <a16:creationId xmlns:a16="http://schemas.microsoft.com/office/drawing/2014/main" id="{D3BEEAA2-BAAB-4FBD-A7F2-5C3D2B67909C}"/>
+          <p:cNvPr id="14" name="Connecteur droit avec flèche 9">
+            <a:extLst>
+              <a:ext uri="{FF2B5EF4-FFF2-40B4-BE49-F238E27FC236}">
+                <a16:creationId xmlns:a16="http://schemas.microsoft.com/office/drawing/2014/main" id="{93E8C0AB-98EA-4764-8FB4-893EBB10E7C4}"/>
               </a:ext>
             </a:extLst>
           </p:cNvPr>
@@ -9104,10 +9145,10 @@
       </p:cxnSp>
       <p:cxnSp>
         <p:nvCxnSpPr>
-          <p:cNvPr id="16" name="Connecteur droit avec flèche 10">
-            <a:extLst>
-              <a:ext uri="{FF2B5EF4-FFF2-40B4-BE49-F238E27FC236}">
-                <a16:creationId xmlns:a16="http://schemas.microsoft.com/office/drawing/2014/main" id="{72A87FF4-63A6-4784-A646-669B97754B06}"/>
+          <p:cNvPr id="15" name="Connecteur droit avec flèche 10">
+            <a:extLst>
+              <a:ext uri="{FF2B5EF4-FFF2-40B4-BE49-F238E27FC236}">
+                <a16:creationId xmlns:a16="http://schemas.microsoft.com/office/drawing/2014/main" id="{929BC0F3-09BE-4B7C-A5AA-902705F825D2}"/>
               </a:ext>
             </a:extLst>
           </p:cNvPr>
@@ -9149,10 +9190,10 @@
       </p:cxnSp>
       <p:sp>
         <p:nvSpPr>
-          <p:cNvPr id="17" name="Espace réservé du numéro de diapositive 7">
-            <a:extLst>
-              <a:ext uri="{FF2B5EF4-FFF2-40B4-BE49-F238E27FC236}">
-                <a16:creationId xmlns:a16="http://schemas.microsoft.com/office/drawing/2014/main" id="{1580C8B6-76DB-45B2-86EC-F5A7975892B8}"/>
+          <p:cNvPr id="16" name="Espace réservé du numéro de diapositive 7">
+            <a:extLst>
+              <a:ext uri="{FF2B5EF4-FFF2-40B4-BE49-F238E27FC236}">
+                <a16:creationId xmlns:a16="http://schemas.microsoft.com/office/drawing/2014/main" id="{8C048B46-6BD8-4132-AF2D-92957401B8FB}"/>
               </a:ext>
             </a:extLst>
           </p:cNvPr>
@@ -9217,10 +9258,10 @@
       </p:sp>
       <p:sp>
         <p:nvSpPr>
-          <p:cNvPr id="18" name="ZoneTexte 12">
-            <a:extLst>
-              <a:ext uri="{FF2B5EF4-FFF2-40B4-BE49-F238E27FC236}">
-                <a16:creationId xmlns:a16="http://schemas.microsoft.com/office/drawing/2014/main" id="{E53531DC-3A45-4739-9523-1FC5EEDF4DC5}"/>
+          <p:cNvPr id="17" name="ZoneTexte 12">
+            <a:extLst>
+              <a:ext uri="{FF2B5EF4-FFF2-40B4-BE49-F238E27FC236}">
+                <a16:creationId xmlns:a16="http://schemas.microsoft.com/office/drawing/2014/main" id="{4E193489-407B-45FA-B319-B389661AB017}"/>
               </a:ext>
             </a:extLst>
           </p:cNvPr>
@@ -9329,90 +9370,57 @@
           </a:p>
         </p:txBody>
       </p:sp>
-      <p:sp>
-        <p:nvSpPr>
-          <p:cNvPr id="19" name="ZoneTexte 18">
-            <a:extLst>
-              <a:ext uri="{FF2B5EF4-FFF2-40B4-BE49-F238E27FC236}">
-                <a16:creationId xmlns:a16="http://schemas.microsoft.com/office/drawing/2014/main" id="{B9195FC4-C2E4-43D7-8BAF-97534124B800}"/>
-              </a:ext>
-            </a:extLst>
-          </p:cNvPr>
-          <p:cNvSpPr txBox="1"/>
-          <p:nvPr/>
-        </p:nvSpPr>
-        <p:spPr>
-          <a:xfrm>
-            <a:off x="4101881" y="1743146"/>
-            <a:ext cx="3988233" cy="646331"/>
+      <p:pic>
+        <p:nvPicPr>
+          <p:cNvPr id="9218" name="Picture 2" descr="https://puu.sh/BXubp/7d8059b752.png?fbclid=IwAR1PpeaHu6IBpRlFNlcfVDR2LTntIT4iVgVWZgbmomeJg-tqn5WrU-HoodY">
+            <a:extLst>
+              <a:ext uri="{FF2B5EF4-FFF2-40B4-BE49-F238E27FC236}">
+                <a16:creationId xmlns:a16="http://schemas.microsoft.com/office/drawing/2014/main" id="{D1EF93E5-8810-4D43-8AA1-A7D08C271753}"/>
+              </a:ext>
+            </a:extLst>
+          </p:cNvPr>
+          <p:cNvPicPr>
+            <a:picLocks noChangeAspect="1" noChangeArrowheads="1"/>
+          </p:cNvPicPr>
+          <p:nvPr/>
+        </p:nvPicPr>
+        <p:blipFill>
+          <a:blip r:embed="rId2">
+            <a:extLst>
+              <a:ext uri="{28A0092B-C50C-407E-A947-70E740481C1C}">
+                <a14:useLocalDpi xmlns:a14="http://schemas.microsoft.com/office/drawing/2010/main" val="0"/>
+              </a:ext>
+            </a:extLst>
+          </a:blip>
+          <a:srcRect/>
+          <a:stretch>
+            <a:fillRect/>
+          </a:stretch>
+        </p:blipFill>
+        <p:spPr bwMode="auto">
+          <a:xfrm>
+            <a:off x="3788979" y="738767"/>
+            <a:ext cx="4614038" cy="5627511"/>
           </a:xfrm>
           <a:prstGeom prst="rect">
             <a:avLst/>
           </a:prstGeom>
           <a:noFill/>
-        </p:spPr>
-        <p:txBody>
-          <a:bodyPr wrap="square" rtlCol="0">
-            <a:spAutoFit/>
-          </a:bodyPr>
-          <a:lstStyle/>
-          <a:p>
-            <a:pPr algn="ctr"/>
-            <a:r>
-              <a:rPr lang="fr-FR" sz="3600" dirty="0">
-                <a:solidFill>
-                  <a:srgbClr val="8ECE55"/>
-                </a:solidFill>
-              </a:rPr>
-              <a:t>Fleuves</a:t>
-            </a:r>
-          </a:p>
-        </p:txBody>
-      </p:sp>
-      <p:sp>
-        <p:nvSpPr>
-          <p:cNvPr id="20" name="ZoneTexte 19">
-            <a:extLst>
-              <a:ext uri="{FF2B5EF4-FFF2-40B4-BE49-F238E27FC236}">
-                <a16:creationId xmlns:a16="http://schemas.microsoft.com/office/drawing/2014/main" id="{2391022A-6709-4890-8BF0-CF032E9A94BB}"/>
-              </a:ext>
-            </a:extLst>
-          </p:cNvPr>
-          <p:cNvSpPr txBox="1"/>
-          <p:nvPr/>
-        </p:nvSpPr>
-        <p:spPr>
-          <a:xfrm>
-            <a:off x="3886198" y="3727809"/>
-            <a:ext cx="4419597" cy="461665"/>
-          </a:xfrm>
-          <a:prstGeom prst="rect">
-            <a:avLst/>
-          </a:prstGeom>
-          <a:noFill/>
-        </p:spPr>
-        <p:txBody>
-          <a:bodyPr wrap="square" rtlCol="0">
-            <a:spAutoFit/>
-          </a:bodyPr>
-          <a:lstStyle/>
-          <a:p>
-            <a:pPr algn="ctr"/>
-            <a:r>
-              <a:rPr lang="fr-FR" sz="2400" dirty="0">
-                <a:solidFill>
-                  <a:schemeClr val="bg1"/>
-                </a:solidFill>
-              </a:rPr>
-              <a:t>Entravent la propagation du virus</a:t>
-            </a:r>
-          </a:p>
-        </p:txBody>
-      </p:sp>
+          <a:extLst>
+            <a:ext uri="{909E8E84-426E-40DD-AFC4-6F175D3DCCD1}">
+              <a14:hiddenFill xmlns:a14="http://schemas.microsoft.com/office/drawing/2010/main">
+                <a:solidFill>
+                  <a:srgbClr val="FFFFFF"/>
+                </a:solidFill>
+              </a14:hiddenFill>
+            </a:ext>
+          </a:extLst>
+        </p:spPr>
+      </p:pic>
     </p:spTree>
     <p:extLst>
       <p:ext uri="{BB962C8B-B14F-4D97-AF65-F5344CB8AC3E}">
-        <p14:creationId xmlns:p14="http://schemas.microsoft.com/office/powerpoint/2010/main" val="3592027150"/>
+        <p14:creationId xmlns:p14="http://schemas.microsoft.com/office/powerpoint/2010/main" val="3923969349"/>
       </p:ext>
     </p:extLst>
   </p:cSld>
@@ -9449,78 +9457,10 @@
       </p:grpSpPr>
       <p:sp>
         <p:nvSpPr>
-          <p:cNvPr id="7" name="Espace réservé du numéro de diapositive 1">
-            <a:extLst>
-              <a:ext uri="{FF2B5EF4-FFF2-40B4-BE49-F238E27FC236}">
-                <a16:creationId xmlns:a16="http://schemas.microsoft.com/office/drawing/2014/main" id="{ACAE1147-1386-478E-8609-02524CBEC5A0}"/>
-              </a:ext>
-            </a:extLst>
-          </p:cNvPr>
-          <p:cNvSpPr txBox="1"/>
-          <p:nvPr/>
-        </p:nvSpPr>
-        <p:spPr>
-          <a:xfrm>
-            <a:off x="11640833" y="6557107"/>
-            <a:ext cx="551163" cy="365129"/>
-          </a:xfrm>
-          <a:prstGeom prst="rect">
-            <a:avLst/>
-          </a:prstGeom>
-          <a:noFill/>
-          <a:ln cap="rnd">
-            <a:noFill/>
-          </a:ln>
-        </p:spPr>
-        <p:txBody>
-          <a:bodyPr vert="horz" wrap="square" lIns="91440" tIns="45720" rIns="91440" bIns="45720" anchor="ctr" anchorCtr="0" compatLnSpc="1">
-            <a:noAutofit/>
-          </a:bodyPr>
-          <a:lstStyle/>
-          <a:p>
-            <a:pPr marL="0" marR="0" lvl="0" indent="0" algn="r" defTabSz="457200" rtl="0" fontAlgn="auto" hangingPunct="1">
-              <a:lnSpc>
-                <a:spcPct val="100000"/>
-              </a:lnSpc>
-              <a:spcBef>
-                <a:spcPts val="0"/>
-              </a:spcBef>
-              <a:spcAft>
-                <a:spcPts val="0"/>
-              </a:spcAft>
-              <a:buNone/>
-              <a:tabLst/>
-              <a:defRPr sz="1800" b="0" i="0" u="none" strike="noStrike" kern="0" cap="none" spc="0" baseline="0">
-                <a:solidFill>
-                  <a:srgbClr val="000000"/>
-                </a:solidFill>
-                <a:uFillTx/>
-              </a:defRPr>
-            </a:pPr>
-            <a:fld id="{D7BCEA47-A648-4F36-AE1F-D3D50854FB8A}" type="slidenum">
-              <a:t>14</a:t>
-            </a:fld>
-            <a:endParaRPr lang="fr-FR" sz="900" b="1" i="0" u="none" strike="noStrike" kern="1200" cap="none" spc="0" baseline="0">
-              <a:solidFill>
-                <a:srgbClr val="BFBFBF"/>
-              </a:solidFill>
-              <a:effectLst>
-                <a:outerShdw dist="38096" dir="2700000">
-                  <a:srgbClr val="000000"/>
-                </a:outerShdw>
-              </a:effectLst>
-              <a:uFillTx/>
-              <a:latin typeface="Century Gothic"/>
-            </a:endParaRPr>
-          </a:p>
-        </p:txBody>
-      </p:sp>
-      <p:sp>
-        <p:nvSpPr>
-          <p:cNvPr id="11" name="Rectangle 10">
-            <a:extLst>
-              <a:ext uri="{FF2B5EF4-FFF2-40B4-BE49-F238E27FC236}">
-                <a16:creationId xmlns:a16="http://schemas.microsoft.com/office/drawing/2014/main" id="{E9AAA5E3-744A-413A-B973-FD1D5EEF70C1}"/>
+          <p:cNvPr id="10" name="Rectangle 9">
+            <a:extLst>
+              <a:ext uri="{FF2B5EF4-FFF2-40B4-BE49-F238E27FC236}">
+                <a16:creationId xmlns:a16="http://schemas.microsoft.com/office/drawing/2014/main" id="{14545409-EA72-441B-AF95-8E5093F376DA}"/>
               </a:ext>
             </a:extLst>
           </p:cNvPr>
@@ -9569,10 +9509,10 @@
       </p:sp>
       <p:sp>
         <p:nvSpPr>
-          <p:cNvPr id="12" name="ZoneTexte 2">
-            <a:extLst>
-              <a:ext uri="{FF2B5EF4-FFF2-40B4-BE49-F238E27FC236}">
-                <a16:creationId xmlns:a16="http://schemas.microsoft.com/office/drawing/2014/main" id="{B9839CA4-5015-43A2-97D5-F9425CF60E56}"/>
+          <p:cNvPr id="11" name="ZoneTexte 2">
+            <a:extLst>
+              <a:ext uri="{FF2B5EF4-FFF2-40B4-BE49-F238E27FC236}">
+                <a16:creationId xmlns:a16="http://schemas.microsoft.com/office/drawing/2014/main" id="{7929C5AD-AA64-4CF2-A124-24A95209C860}"/>
               </a:ext>
             </a:extLst>
           </p:cNvPr>
@@ -9625,7 +9565,7 @@
                 <a:uFillTx/>
                 <a:latin typeface="Century Gothic"/>
               </a:rPr>
-              <a:t>Présentation du projet          Les automates cellulaires          </a:t>
+              <a:t>Présentation du projet          </a:t>
             </a:r>
             <a:r>
               <a:rPr lang="fr-FR" sz="1100" b="0" i="0" u="none" strike="noStrike" kern="1200" cap="none" spc="0" baseline="0" dirty="0">
@@ -9635,27 +9575,27 @@
                 <a:uFillTx/>
                 <a:latin typeface="Century Gothic"/>
               </a:rPr>
+              <a:t>Les automates cellulaires          </a:t>
+            </a:r>
+            <a:r>
+              <a:rPr lang="fr-FR" sz="1100" b="1" i="0" u="none" strike="noStrike" kern="1200" cap="none" spc="0" baseline="0" dirty="0">
+                <a:solidFill>
+                  <a:srgbClr val="262626"/>
+                </a:solidFill>
+                <a:uFillTx/>
+                <a:latin typeface="Century Gothic"/>
+              </a:rPr>
               <a:t>Evolution du projet          </a:t>
             </a:r>
             <a:r>
-              <a:rPr lang="fr-FR" sz="1100" b="1" i="0" u="none" strike="noStrike" kern="1200" cap="none" spc="0" baseline="0" dirty="0">
+              <a:rPr lang="fr-FR" sz="1100" b="0" i="0" u="none" strike="noStrike" kern="1200" cap="none" spc="0" baseline="0" dirty="0">
                 <a:solidFill>
                   <a:srgbClr val="262626"/>
                 </a:solidFill>
                 <a:uFillTx/>
                 <a:latin typeface="Century Gothic"/>
               </a:rPr>
-              <a:t>Etat Final          </a:t>
-            </a:r>
-            <a:r>
-              <a:rPr lang="fr-FR" sz="1100" b="0" i="0" u="none" strike="noStrike" kern="1200" cap="none" spc="0" baseline="0" dirty="0">
-                <a:solidFill>
-                  <a:srgbClr val="262626"/>
-                </a:solidFill>
-                <a:uFillTx/>
-                <a:latin typeface="Century Gothic"/>
-              </a:rPr>
-              <a:t>Les maths</a:t>
+              <a:t>Etat Final          Les maths</a:t>
             </a:r>
           </a:p>
           <a:p>
@@ -9690,10 +9630,10 @@
       </p:sp>
       <p:cxnSp>
         <p:nvCxnSpPr>
-          <p:cNvPr id="13" name="Connecteur droit avec flèche 6">
-            <a:extLst>
-              <a:ext uri="{FF2B5EF4-FFF2-40B4-BE49-F238E27FC236}">
-                <a16:creationId xmlns:a16="http://schemas.microsoft.com/office/drawing/2014/main" id="{74955A6A-DEAC-4B40-8D3B-7C4B72C94859}"/>
+          <p:cNvPr id="12" name="Connecteur droit avec flèche 6">
+            <a:extLst>
+              <a:ext uri="{FF2B5EF4-FFF2-40B4-BE49-F238E27FC236}">
+                <a16:creationId xmlns:a16="http://schemas.microsoft.com/office/drawing/2014/main" id="{EECCCF15-3DB6-4F3A-9813-EB58B99BBDD9}"/>
               </a:ext>
             </a:extLst>
           </p:cNvPr>
@@ -9737,10 +9677,10 @@
       </p:cxnSp>
       <p:cxnSp>
         <p:nvCxnSpPr>
-          <p:cNvPr id="14" name="Connecteur droit avec flèche 8">
-            <a:extLst>
-              <a:ext uri="{FF2B5EF4-FFF2-40B4-BE49-F238E27FC236}">
-                <a16:creationId xmlns:a16="http://schemas.microsoft.com/office/drawing/2014/main" id="{6B319ED6-9D2C-4CA8-960A-F734FF386CD4}"/>
+          <p:cNvPr id="13" name="Connecteur droit avec flèche 8">
+            <a:extLst>
+              <a:ext uri="{FF2B5EF4-FFF2-40B4-BE49-F238E27FC236}">
+                <a16:creationId xmlns:a16="http://schemas.microsoft.com/office/drawing/2014/main" id="{07E42419-CC06-4CB3-8FAE-0BACA8DA9E4F}"/>
               </a:ext>
             </a:extLst>
           </p:cNvPr>
@@ -9782,10 +9722,10 @@
       </p:cxnSp>
       <p:cxnSp>
         <p:nvCxnSpPr>
-          <p:cNvPr id="15" name="Connecteur droit avec flèche 9">
-            <a:extLst>
-              <a:ext uri="{FF2B5EF4-FFF2-40B4-BE49-F238E27FC236}">
-                <a16:creationId xmlns:a16="http://schemas.microsoft.com/office/drawing/2014/main" id="{D3BEEAA2-BAAB-4FBD-A7F2-5C3D2B67909C}"/>
+          <p:cNvPr id="14" name="Connecteur droit avec flèche 9">
+            <a:extLst>
+              <a:ext uri="{FF2B5EF4-FFF2-40B4-BE49-F238E27FC236}">
+                <a16:creationId xmlns:a16="http://schemas.microsoft.com/office/drawing/2014/main" id="{93E8C0AB-98EA-4764-8FB4-893EBB10E7C4}"/>
               </a:ext>
             </a:extLst>
           </p:cNvPr>
@@ -9827,10 +9767,10 @@
       </p:cxnSp>
       <p:cxnSp>
         <p:nvCxnSpPr>
-          <p:cNvPr id="16" name="Connecteur droit avec flèche 10">
-            <a:extLst>
-              <a:ext uri="{FF2B5EF4-FFF2-40B4-BE49-F238E27FC236}">
-                <a16:creationId xmlns:a16="http://schemas.microsoft.com/office/drawing/2014/main" id="{72A87FF4-63A6-4784-A646-669B97754B06}"/>
+          <p:cNvPr id="15" name="Connecteur droit avec flèche 10">
+            <a:extLst>
+              <a:ext uri="{FF2B5EF4-FFF2-40B4-BE49-F238E27FC236}">
+                <a16:creationId xmlns:a16="http://schemas.microsoft.com/office/drawing/2014/main" id="{929BC0F3-09BE-4B7C-A5AA-902705F825D2}"/>
               </a:ext>
             </a:extLst>
           </p:cNvPr>
@@ -9872,10 +9812,10 @@
       </p:cxnSp>
       <p:sp>
         <p:nvSpPr>
-          <p:cNvPr id="17" name="Espace réservé du numéro de diapositive 7">
-            <a:extLst>
-              <a:ext uri="{FF2B5EF4-FFF2-40B4-BE49-F238E27FC236}">
-                <a16:creationId xmlns:a16="http://schemas.microsoft.com/office/drawing/2014/main" id="{1580C8B6-76DB-45B2-86EC-F5A7975892B8}"/>
+          <p:cNvPr id="16" name="Espace réservé du numéro de diapositive 7">
+            <a:extLst>
+              <a:ext uri="{FF2B5EF4-FFF2-40B4-BE49-F238E27FC236}">
+                <a16:creationId xmlns:a16="http://schemas.microsoft.com/office/drawing/2014/main" id="{8C048B46-6BD8-4132-AF2D-92957401B8FB}"/>
               </a:ext>
             </a:extLst>
           </p:cNvPr>
@@ -9940,10 +9880,10 @@
       </p:sp>
       <p:sp>
         <p:nvSpPr>
-          <p:cNvPr id="18" name="ZoneTexte 12">
-            <a:extLst>
-              <a:ext uri="{FF2B5EF4-FFF2-40B4-BE49-F238E27FC236}">
-                <a16:creationId xmlns:a16="http://schemas.microsoft.com/office/drawing/2014/main" id="{E53531DC-3A45-4739-9523-1FC5EEDF4DC5}"/>
+          <p:cNvPr id="17" name="ZoneTexte 12">
+            <a:extLst>
+              <a:ext uri="{FF2B5EF4-FFF2-40B4-BE49-F238E27FC236}">
+                <a16:creationId xmlns:a16="http://schemas.microsoft.com/office/drawing/2014/main" id="{4E193489-407B-45FA-B319-B389661AB017}"/>
               </a:ext>
             </a:extLst>
           </p:cNvPr>
@@ -10052,146 +9992,40 @@
           </a:p>
         </p:txBody>
       </p:sp>
-      <p:sp>
-        <p:nvSpPr>
-          <p:cNvPr id="19" name="ZoneTexte 18">
-            <a:extLst>
-              <a:ext uri="{FF2B5EF4-FFF2-40B4-BE49-F238E27FC236}">
-                <a16:creationId xmlns:a16="http://schemas.microsoft.com/office/drawing/2014/main" id="{B9195FC4-C2E4-43D7-8BAF-97534124B800}"/>
-              </a:ext>
-            </a:extLst>
-          </p:cNvPr>
-          <p:cNvSpPr txBox="1"/>
-          <p:nvPr/>
-        </p:nvSpPr>
-        <p:spPr>
-          <a:xfrm>
-            <a:off x="4101881" y="1743146"/>
-            <a:ext cx="3988233" cy="646331"/>
+      <p:pic>
+        <p:nvPicPr>
+          <p:cNvPr id="2" name="Image 1">
+            <a:extLst>
+              <a:ext uri="{FF2B5EF4-FFF2-40B4-BE49-F238E27FC236}">
+                <a16:creationId xmlns:a16="http://schemas.microsoft.com/office/drawing/2014/main" id="{2CE23DA0-C8C1-4981-A810-D20F2283B625}"/>
+              </a:ext>
+            </a:extLst>
+          </p:cNvPr>
+          <p:cNvPicPr>
+            <a:picLocks noChangeAspect="1"/>
+          </p:cNvPicPr>
+          <p:nvPr/>
+        </p:nvPicPr>
+        <p:blipFill>
+          <a:blip r:embed="rId2"/>
+          <a:stretch>
+            <a:fillRect/>
+          </a:stretch>
+        </p:blipFill>
+        <p:spPr>
+          <a:xfrm>
+            <a:off x="3756989" y="740952"/>
+            <a:ext cx="4678017" cy="5729111"/>
           </a:xfrm>
           <a:prstGeom prst="rect">
             <a:avLst/>
           </a:prstGeom>
-          <a:noFill/>
-        </p:spPr>
-        <p:txBody>
-          <a:bodyPr wrap="square" rtlCol="0">
-            <a:spAutoFit/>
-          </a:bodyPr>
-          <a:lstStyle/>
-          <a:p>
-            <a:pPr algn="ctr"/>
-            <a:r>
-              <a:rPr lang="fr-FR" sz="3600" dirty="0">
-                <a:solidFill>
-                  <a:srgbClr val="8ECE55"/>
-                </a:solidFill>
-              </a:rPr>
-              <a:t>Zones urbaines</a:t>
-            </a:r>
-          </a:p>
-        </p:txBody>
-      </p:sp>
-      <p:sp>
-        <p:nvSpPr>
-          <p:cNvPr id="20" name="ZoneTexte 19">
-            <a:extLst>
-              <a:ext uri="{FF2B5EF4-FFF2-40B4-BE49-F238E27FC236}">
-                <a16:creationId xmlns:a16="http://schemas.microsoft.com/office/drawing/2014/main" id="{2391022A-6709-4890-8BF0-CF032E9A94BB}"/>
-              </a:ext>
-            </a:extLst>
-          </p:cNvPr>
-          <p:cNvSpPr txBox="1"/>
-          <p:nvPr/>
-        </p:nvSpPr>
-        <p:spPr>
-          <a:xfrm>
-            <a:off x="3021185" y="3350758"/>
-            <a:ext cx="6149624" cy="1938992"/>
-          </a:xfrm>
-          <a:prstGeom prst="rect">
-            <a:avLst/>
-          </a:prstGeom>
-          <a:noFill/>
-        </p:spPr>
-        <p:txBody>
-          <a:bodyPr wrap="square" rtlCol="0">
-            <a:spAutoFit/>
-          </a:bodyPr>
-          <a:lstStyle/>
-          <a:p>
-            <a:pPr algn="ctr"/>
-            <a:r>
-              <a:rPr lang="fr-FR" sz="2400" dirty="0">
-                <a:solidFill>
-                  <a:schemeClr val="bg1"/>
-                </a:solidFill>
-              </a:rPr>
-              <a:t>Concentrations de population.</a:t>
-            </a:r>
-          </a:p>
-          <a:p>
-            <a:pPr marL="342900" indent="-342900" algn="ctr">
-              <a:buFontTx/>
-              <a:buChar char="-"/>
-            </a:pPr>
-            <a:r>
-              <a:rPr lang="fr-FR" sz="2400" dirty="0">
-                <a:solidFill>
-                  <a:schemeClr val="bg1"/>
-                </a:solidFill>
-              </a:rPr>
-              <a:t>Métropoles</a:t>
-            </a:r>
-          </a:p>
-          <a:p>
-            <a:pPr marL="342900" indent="-342900" algn="ctr">
-              <a:buFontTx/>
-              <a:buChar char="-"/>
-            </a:pPr>
-            <a:r>
-              <a:rPr lang="fr-FR" sz="2400" dirty="0">
-                <a:solidFill>
-                  <a:schemeClr val="bg1"/>
-                </a:solidFill>
-              </a:rPr>
-              <a:t>Villes</a:t>
-            </a:r>
-          </a:p>
-          <a:p>
-            <a:pPr marL="342900" indent="-342900" algn="ctr">
-              <a:buFontTx/>
-              <a:buChar char="-"/>
-            </a:pPr>
-            <a:r>
-              <a:rPr lang="fr-FR" sz="2400" dirty="0">
-                <a:solidFill>
-                  <a:schemeClr val="bg1"/>
-                </a:solidFill>
-              </a:rPr>
-              <a:t>Villages</a:t>
-            </a:r>
-          </a:p>
-          <a:p>
-            <a:pPr marL="342900" indent="-342900" algn="ctr">
-              <a:buFontTx/>
-              <a:buChar char="-"/>
-            </a:pPr>
-            <a:r>
-              <a:rPr lang="fr-FR" sz="2400" dirty="0">
-                <a:solidFill>
-                  <a:schemeClr val="bg1"/>
-                </a:solidFill>
-              </a:rPr>
-              <a:t>Zones peuplées</a:t>
-            </a:r>
-          </a:p>
-        </p:txBody>
-      </p:sp>
+        </p:spPr>
+      </p:pic>
     </p:spTree>
     <p:extLst>
       <p:ext uri="{BB962C8B-B14F-4D97-AF65-F5344CB8AC3E}">
-        <p14:creationId xmlns:p14="http://schemas.microsoft.com/office/powerpoint/2010/main" val="3557088708"/>
+        <p14:creationId xmlns:p14="http://schemas.microsoft.com/office/powerpoint/2010/main" val="1806847368"/>
       </p:ext>
     </p:extLst>
   </p:cSld>
@@ -10228,78 +10062,10 @@
       </p:grpSpPr>
       <p:sp>
         <p:nvSpPr>
-          <p:cNvPr id="7" name="Espace réservé du numéro de diapositive 1">
-            <a:extLst>
-              <a:ext uri="{FF2B5EF4-FFF2-40B4-BE49-F238E27FC236}">
-                <a16:creationId xmlns:a16="http://schemas.microsoft.com/office/drawing/2014/main" id="{ACAE1147-1386-478E-8609-02524CBEC5A0}"/>
-              </a:ext>
-            </a:extLst>
-          </p:cNvPr>
-          <p:cNvSpPr txBox="1"/>
-          <p:nvPr/>
-        </p:nvSpPr>
-        <p:spPr>
-          <a:xfrm>
-            <a:off x="11640833" y="6557107"/>
-            <a:ext cx="551163" cy="365129"/>
-          </a:xfrm>
-          <a:prstGeom prst="rect">
-            <a:avLst/>
-          </a:prstGeom>
-          <a:noFill/>
-          <a:ln cap="rnd">
-            <a:noFill/>
-          </a:ln>
-        </p:spPr>
-        <p:txBody>
-          <a:bodyPr vert="horz" wrap="square" lIns="91440" tIns="45720" rIns="91440" bIns="45720" anchor="ctr" anchorCtr="0" compatLnSpc="1">
-            <a:noAutofit/>
-          </a:bodyPr>
-          <a:lstStyle/>
-          <a:p>
-            <a:pPr marL="0" marR="0" lvl="0" indent="0" algn="r" defTabSz="457200" rtl="0" fontAlgn="auto" hangingPunct="1">
-              <a:lnSpc>
-                <a:spcPct val="100000"/>
-              </a:lnSpc>
-              <a:spcBef>
-                <a:spcPts val="0"/>
-              </a:spcBef>
-              <a:spcAft>
-                <a:spcPts val="0"/>
-              </a:spcAft>
-              <a:buNone/>
-              <a:tabLst/>
-              <a:defRPr sz="1800" b="0" i="0" u="none" strike="noStrike" kern="0" cap="none" spc="0" baseline="0">
-                <a:solidFill>
-                  <a:srgbClr val="000000"/>
-                </a:solidFill>
-                <a:uFillTx/>
-              </a:defRPr>
-            </a:pPr>
-            <a:fld id="{D7BCEA47-A648-4F36-AE1F-D3D50854FB8A}" type="slidenum">
-              <a:t>15</a:t>
-            </a:fld>
-            <a:endParaRPr lang="fr-FR" sz="900" b="1" i="0" u="none" strike="noStrike" kern="1200" cap="none" spc="0" baseline="0">
-              <a:solidFill>
-                <a:srgbClr val="BFBFBF"/>
-              </a:solidFill>
-              <a:effectLst>
-                <a:outerShdw dist="38096" dir="2700000">
-                  <a:srgbClr val="000000"/>
-                </a:outerShdw>
-              </a:effectLst>
-              <a:uFillTx/>
-              <a:latin typeface="Century Gothic"/>
-            </a:endParaRPr>
-          </a:p>
-        </p:txBody>
-      </p:sp>
-      <p:sp>
-        <p:nvSpPr>
-          <p:cNvPr id="11" name="Rectangle 10">
-            <a:extLst>
-              <a:ext uri="{FF2B5EF4-FFF2-40B4-BE49-F238E27FC236}">
-                <a16:creationId xmlns:a16="http://schemas.microsoft.com/office/drawing/2014/main" id="{E9AAA5E3-744A-413A-B973-FD1D5EEF70C1}"/>
+          <p:cNvPr id="10" name="Rectangle 9">
+            <a:extLst>
+              <a:ext uri="{FF2B5EF4-FFF2-40B4-BE49-F238E27FC236}">
+                <a16:creationId xmlns:a16="http://schemas.microsoft.com/office/drawing/2014/main" id="{14545409-EA72-441B-AF95-8E5093F376DA}"/>
               </a:ext>
             </a:extLst>
           </p:cNvPr>
@@ -10348,10 +10114,10 @@
       </p:sp>
       <p:sp>
         <p:nvSpPr>
-          <p:cNvPr id="12" name="ZoneTexte 2">
-            <a:extLst>
-              <a:ext uri="{FF2B5EF4-FFF2-40B4-BE49-F238E27FC236}">
-                <a16:creationId xmlns:a16="http://schemas.microsoft.com/office/drawing/2014/main" id="{B9839CA4-5015-43A2-97D5-F9425CF60E56}"/>
+          <p:cNvPr id="11" name="ZoneTexte 2">
+            <a:extLst>
+              <a:ext uri="{FF2B5EF4-FFF2-40B4-BE49-F238E27FC236}">
+                <a16:creationId xmlns:a16="http://schemas.microsoft.com/office/drawing/2014/main" id="{7929C5AD-AA64-4CF2-A124-24A95209C860}"/>
               </a:ext>
             </a:extLst>
           </p:cNvPr>
@@ -10404,7 +10170,7 @@
                 <a:uFillTx/>
                 <a:latin typeface="Century Gothic"/>
               </a:rPr>
-              <a:t>Présentation du projet          Les automates cellulaires          </a:t>
+              <a:t>Présentation du projet          </a:t>
             </a:r>
             <a:r>
               <a:rPr lang="fr-FR" sz="1100" b="0" i="0" u="none" strike="noStrike" kern="1200" cap="none" spc="0" baseline="0" dirty="0">
@@ -10414,27 +10180,27 @@
                 <a:uFillTx/>
                 <a:latin typeface="Century Gothic"/>
               </a:rPr>
+              <a:t>Les automates cellulaires          </a:t>
+            </a:r>
+            <a:r>
+              <a:rPr lang="fr-FR" sz="1100" b="1" i="0" u="none" strike="noStrike" kern="1200" cap="none" spc="0" baseline="0" dirty="0">
+                <a:solidFill>
+                  <a:srgbClr val="262626"/>
+                </a:solidFill>
+                <a:uFillTx/>
+                <a:latin typeface="Century Gothic"/>
+              </a:rPr>
               <a:t>Evolution du projet          </a:t>
             </a:r>
             <a:r>
-              <a:rPr lang="fr-FR" sz="1100" b="1" i="0" u="none" strike="noStrike" kern="1200" cap="none" spc="0" baseline="0" dirty="0">
+              <a:rPr lang="fr-FR" sz="1100" b="0" i="0" u="none" strike="noStrike" kern="1200" cap="none" spc="0" baseline="0" dirty="0">
                 <a:solidFill>
                   <a:srgbClr val="262626"/>
                 </a:solidFill>
                 <a:uFillTx/>
                 <a:latin typeface="Century Gothic"/>
               </a:rPr>
-              <a:t>Etat Final          </a:t>
-            </a:r>
-            <a:r>
-              <a:rPr lang="fr-FR" sz="1100" b="0" i="0" u="none" strike="noStrike" kern="1200" cap="none" spc="0" baseline="0" dirty="0">
-                <a:solidFill>
-                  <a:srgbClr val="262626"/>
-                </a:solidFill>
-                <a:uFillTx/>
-                <a:latin typeface="Century Gothic"/>
-              </a:rPr>
-              <a:t>Les maths</a:t>
+              <a:t>Etat Final          Les maths</a:t>
             </a:r>
           </a:p>
           <a:p>
@@ -10469,10 +10235,10 @@
       </p:sp>
       <p:cxnSp>
         <p:nvCxnSpPr>
-          <p:cNvPr id="13" name="Connecteur droit avec flèche 6">
-            <a:extLst>
-              <a:ext uri="{FF2B5EF4-FFF2-40B4-BE49-F238E27FC236}">
-                <a16:creationId xmlns:a16="http://schemas.microsoft.com/office/drawing/2014/main" id="{74955A6A-DEAC-4B40-8D3B-7C4B72C94859}"/>
+          <p:cNvPr id="12" name="Connecteur droit avec flèche 6">
+            <a:extLst>
+              <a:ext uri="{FF2B5EF4-FFF2-40B4-BE49-F238E27FC236}">
+                <a16:creationId xmlns:a16="http://schemas.microsoft.com/office/drawing/2014/main" id="{EECCCF15-3DB6-4F3A-9813-EB58B99BBDD9}"/>
               </a:ext>
             </a:extLst>
           </p:cNvPr>
@@ -10516,10 +10282,10 @@
       </p:cxnSp>
       <p:cxnSp>
         <p:nvCxnSpPr>
-          <p:cNvPr id="14" name="Connecteur droit avec flèche 8">
-            <a:extLst>
-              <a:ext uri="{FF2B5EF4-FFF2-40B4-BE49-F238E27FC236}">
-                <a16:creationId xmlns:a16="http://schemas.microsoft.com/office/drawing/2014/main" id="{6B319ED6-9D2C-4CA8-960A-F734FF386CD4}"/>
+          <p:cNvPr id="13" name="Connecteur droit avec flèche 8">
+            <a:extLst>
+              <a:ext uri="{FF2B5EF4-FFF2-40B4-BE49-F238E27FC236}">
+                <a16:creationId xmlns:a16="http://schemas.microsoft.com/office/drawing/2014/main" id="{07E42419-CC06-4CB3-8FAE-0BACA8DA9E4F}"/>
               </a:ext>
             </a:extLst>
           </p:cNvPr>
@@ -10561,10 +10327,10 @@
       </p:cxnSp>
       <p:cxnSp>
         <p:nvCxnSpPr>
-          <p:cNvPr id="15" name="Connecteur droit avec flèche 9">
-            <a:extLst>
-              <a:ext uri="{FF2B5EF4-FFF2-40B4-BE49-F238E27FC236}">
-                <a16:creationId xmlns:a16="http://schemas.microsoft.com/office/drawing/2014/main" id="{D3BEEAA2-BAAB-4FBD-A7F2-5C3D2B67909C}"/>
+          <p:cNvPr id="14" name="Connecteur droit avec flèche 9">
+            <a:extLst>
+              <a:ext uri="{FF2B5EF4-FFF2-40B4-BE49-F238E27FC236}">
+                <a16:creationId xmlns:a16="http://schemas.microsoft.com/office/drawing/2014/main" id="{93E8C0AB-98EA-4764-8FB4-893EBB10E7C4}"/>
               </a:ext>
             </a:extLst>
           </p:cNvPr>
@@ -10606,10 +10372,10 @@
       </p:cxnSp>
       <p:cxnSp>
         <p:nvCxnSpPr>
-          <p:cNvPr id="16" name="Connecteur droit avec flèche 10">
-            <a:extLst>
-              <a:ext uri="{FF2B5EF4-FFF2-40B4-BE49-F238E27FC236}">
-                <a16:creationId xmlns:a16="http://schemas.microsoft.com/office/drawing/2014/main" id="{72A87FF4-63A6-4784-A646-669B97754B06}"/>
+          <p:cNvPr id="15" name="Connecteur droit avec flèche 10">
+            <a:extLst>
+              <a:ext uri="{FF2B5EF4-FFF2-40B4-BE49-F238E27FC236}">
+                <a16:creationId xmlns:a16="http://schemas.microsoft.com/office/drawing/2014/main" id="{929BC0F3-09BE-4B7C-A5AA-902705F825D2}"/>
               </a:ext>
             </a:extLst>
           </p:cNvPr>
@@ -10651,10 +10417,10 @@
       </p:cxnSp>
       <p:sp>
         <p:nvSpPr>
-          <p:cNvPr id="17" name="Espace réservé du numéro de diapositive 7">
-            <a:extLst>
-              <a:ext uri="{FF2B5EF4-FFF2-40B4-BE49-F238E27FC236}">
-                <a16:creationId xmlns:a16="http://schemas.microsoft.com/office/drawing/2014/main" id="{1580C8B6-76DB-45B2-86EC-F5A7975892B8}"/>
+          <p:cNvPr id="16" name="Espace réservé du numéro de diapositive 7">
+            <a:extLst>
+              <a:ext uri="{FF2B5EF4-FFF2-40B4-BE49-F238E27FC236}">
+                <a16:creationId xmlns:a16="http://schemas.microsoft.com/office/drawing/2014/main" id="{8C048B46-6BD8-4132-AF2D-92957401B8FB}"/>
               </a:ext>
             </a:extLst>
           </p:cNvPr>
@@ -10719,10 +10485,10 @@
       </p:sp>
       <p:sp>
         <p:nvSpPr>
-          <p:cNvPr id="18" name="ZoneTexte 12">
-            <a:extLst>
-              <a:ext uri="{FF2B5EF4-FFF2-40B4-BE49-F238E27FC236}">
-                <a16:creationId xmlns:a16="http://schemas.microsoft.com/office/drawing/2014/main" id="{E53531DC-3A45-4739-9523-1FC5EEDF4DC5}"/>
+          <p:cNvPr id="17" name="ZoneTexte 12">
+            <a:extLst>
+              <a:ext uri="{FF2B5EF4-FFF2-40B4-BE49-F238E27FC236}">
+                <a16:creationId xmlns:a16="http://schemas.microsoft.com/office/drawing/2014/main" id="{4E193489-407B-45FA-B319-B389661AB017}"/>
               </a:ext>
             </a:extLst>
           </p:cNvPr>
@@ -10831,186 +10597,57 @@
           </a:p>
         </p:txBody>
       </p:sp>
-      <p:sp>
-        <p:nvSpPr>
-          <p:cNvPr id="19" name="ZoneTexte 18">
-            <a:extLst>
-              <a:ext uri="{FF2B5EF4-FFF2-40B4-BE49-F238E27FC236}">
-                <a16:creationId xmlns:a16="http://schemas.microsoft.com/office/drawing/2014/main" id="{B9195FC4-C2E4-43D7-8BAF-97534124B800}"/>
-              </a:ext>
-            </a:extLst>
-          </p:cNvPr>
-          <p:cNvSpPr txBox="1"/>
-          <p:nvPr/>
-        </p:nvSpPr>
-        <p:spPr>
-          <a:xfrm>
-            <a:off x="4101881" y="1743146"/>
-            <a:ext cx="3988233" cy="646331"/>
+      <p:pic>
+        <p:nvPicPr>
+          <p:cNvPr id="7170" name="Picture 2" descr="https://puu.sh/BXuyr/47341849a1.png?fbclid=IwAR15-LLJiD9ADjSDsEiV7jST8q9T2V_Rm96gPYjenSM74W2HGc9f9Ax_sqI">
+            <a:extLst>
+              <a:ext uri="{FF2B5EF4-FFF2-40B4-BE49-F238E27FC236}">
+                <a16:creationId xmlns:a16="http://schemas.microsoft.com/office/drawing/2014/main" id="{196780E5-DAA7-472F-B384-B072C9A4C679}"/>
+              </a:ext>
+            </a:extLst>
+          </p:cNvPr>
+          <p:cNvPicPr>
+            <a:picLocks noChangeAspect="1" noChangeArrowheads="1"/>
+          </p:cNvPicPr>
+          <p:nvPr/>
+        </p:nvPicPr>
+        <p:blipFill>
+          <a:blip r:embed="rId2">
+            <a:extLst>
+              <a:ext uri="{28A0092B-C50C-407E-A947-70E740481C1C}">
+                <a14:useLocalDpi xmlns:a14="http://schemas.microsoft.com/office/drawing/2010/main" val="0"/>
+              </a:ext>
+            </a:extLst>
+          </a:blip>
+          <a:srcRect/>
+          <a:stretch>
+            <a:fillRect/>
+          </a:stretch>
+        </p:blipFill>
+        <p:spPr bwMode="auto">
+          <a:xfrm>
+            <a:off x="3813143" y="716189"/>
+            <a:ext cx="4565709" cy="5672667"/>
           </a:xfrm>
           <a:prstGeom prst="rect">
             <a:avLst/>
           </a:prstGeom>
           <a:noFill/>
-        </p:spPr>
-        <p:txBody>
-          <a:bodyPr wrap="square" rtlCol="0">
-            <a:spAutoFit/>
-          </a:bodyPr>
-          <a:lstStyle/>
-          <a:p>
-            <a:pPr algn="ctr"/>
-            <a:r>
-              <a:rPr lang="fr-FR" sz="3600" dirty="0">
-                <a:solidFill>
-                  <a:srgbClr val="8ECE55"/>
-                </a:solidFill>
-              </a:rPr>
-              <a:t>Déplacements</a:t>
-            </a:r>
-          </a:p>
-        </p:txBody>
-      </p:sp>
-      <p:sp>
-        <p:nvSpPr>
-          <p:cNvPr id="20" name="ZoneTexte 19">
-            <a:extLst>
-              <a:ext uri="{FF2B5EF4-FFF2-40B4-BE49-F238E27FC236}">
-                <a16:creationId xmlns:a16="http://schemas.microsoft.com/office/drawing/2014/main" id="{2391022A-6709-4890-8BF0-CF032E9A94BB}"/>
-              </a:ext>
-            </a:extLst>
-          </p:cNvPr>
-          <p:cNvSpPr txBox="1"/>
-          <p:nvPr/>
-        </p:nvSpPr>
-        <p:spPr>
-          <a:xfrm>
-            <a:off x="418918" y="3124075"/>
-            <a:ext cx="3607395" cy="1569660"/>
-          </a:xfrm>
-          <a:prstGeom prst="rect">
-            <a:avLst/>
-          </a:prstGeom>
-          <a:noFill/>
-        </p:spPr>
-        <p:txBody>
-          <a:bodyPr wrap="square" rtlCol="0">
-            <a:spAutoFit/>
-          </a:bodyPr>
-          <a:lstStyle/>
-          <a:p>
-            <a:pPr algn="ctr"/>
-            <a:r>
-              <a:rPr lang="fr-FR" sz="2400" dirty="0">
-                <a:solidFill>
-                  <a:srgbClr val="8ECE55"/>
-                </a:solidFill>
-              </a:rPr>
-              <a:t>Entre deux zones urbaines</a:t>
-            </a:r>
-          </a:p>
-          <a:p>
-            <a:pPr marL="342900" indent="-342900" algn="ctr">
-              <a:buFontTx/>
-              <a:buChar char="-"/>
-            </a:pPr>
-            <a:r>
-              <a:rPr lang="fr-FR" sz="2400" dirty="0">
-                <a:solidFill>
-                  <a:schemeClr val="bg1"/>
-                </a:solidFill>
-              </a:rPr>
-              <a:t>Lignes aériennes</a:t>
-            </a:r>
-          </a:p>
-          <a:p>
-            <a:pPr marL="342900" indent="-342900" algn="ctr">
-              <a:buFontTx/>
-              <a:buChar char="-"/>
-            </a:pPr>
-            <a:r>
-              <a:rPr lang="fr-FR" sz="2400" dirty="0">
-                <a:solidFill>
-                  <a:schemeClr val="bg1"/>
-                </a:solidFill>
-              </a:rPr>
-              <a:t>Voies ferrées</a:t>
-            </a:r>
-          </a:p>
-          <a:p>
-            <a:pPr marL="342900" indent="-342900" algn="ctr">
-              <a:buFontTx/>
-              <a:buChar char="-"/>
-            </a:pPr>
-            <a:r>
-              <a:rPr lang="fr-FR" sz="2400" dirty="0">
-                <a:solidFill>
-                  <a:schemeClr val="bg1"/>
-                </a:solidFill>
-              </a:rPr>
-              <a:t>Routes</a:t>
-            </a:r>
-          </a:p>
-        </p:txBody>
-      </p:sp>
-      <p:sp>
-        <p:nvSpPr>
-          <p:cNvPr id="21" name="ZoneTexte 20">
-            <a:extLst>
-              <a:ext uri="{FF2B5EF4-FFF2-40B4-BE49-F238E27FC236}">
-                <a16:creationId xmlns:a16="http://schemas.microsoft.com/office/drawing/2014/main" id="{1F002734-F226-42B9-99EE-CCEC449848F8}"/>
-              </a:ext>
-            </a:extLst>
-          </p:cNvPr>
-          <p:cNvSpPr txBox="1"/>
-          <p:nvPr/>
-        </p:nvSpPr>
-        <p:spPr>
-          <a:xfrm>
-            <a:off x="7692367" y="3350758"/>
-            <a:ext cx="4224047" cy="830997"/>
-          </a:xfrm>
-          <a:prstGeom prst="rect">
-            <a:avLst/>
-          </a:prstGeom>
-          <a:noFill/>
-        </p:spPr>
-        <p:txBody>
-          <a:bodyPr wrap="square" rtlCol="0">
-            <a:spAutoFit/>
-          </a:bodyPr>
-          <a:lstStyle/>
-          <a:p>
-            <a:pPr algn="ctr"/>
-            <a:r>
-              <a:rPr lang="fr-FR" sz="2400" dirty="0">
-                <a:solidFill>
-                  <a:srgbClr val="8ECE55"/>
-                </a:solidFill>
-              </a:rPr>
-              <a:t>D’une rive à l’autre d’un fleuve</a:t>
-            </a:r>
-          </a:p>
-          <a:p>
-            <a:pPr marL="342900" indent="-342900" algn="ctr">
-              <a:buFontTx/>
-              <a:buChar char="-"/>
-            </a:pPr>
-            <a:r>
-              <a:rPr lang="fr-FR" sz="2400" dirty="0">
-                <a:solidFill>
-                  <a:schemeClr val="bg1"/>
-                </a:solidFill>
-              </a:rPr>
-              <a:t>Ponts</a:t>
-            </a:r>
-          </a:p>
-        </p:txBody>
-      </p:sp>
+          <a:extLst>
+            <a:ext uri="{909E8E84-426E-40DD-AFC4-6F175D3DCCD1}">
+              <a14:hiddenFill xmlns:a14="http://schemas.microsoft.com/office/drawing/2010/main">
+                <a:solidFill>
+                  <a:srgbClr val="FFFFFF"/>
+                </a:solidFill>
+              </a14:hiddenFill>
+            </a:ext>
+          </a:extLst>
+        </p:spPr>
+      </p:pic>
     </p:spTree>
     <p:extLst>
       <p:ext uri="{BB962C8B-B14F-4D97-AF65-F5344CB8AC3E}">
-        <p14:creationId xmlns:p14="http://schemas.microsoft.com/office/powerpoint/2010/main" val="3882061957"/>
+        <p14:creationId xmlns:p14="http://schemas.microsoft.com/office/powerpoint/2010/main" val="1512423124"/>
       </p:ext>
     </p:extLst>
   </p:cSld>
@@ -11047,78 +10684,10 @@
       </p:grpSpPr>
       <p:sp>
         <p:nvSpPr>
-          <p:cNvPr id="7" name="Espace réservé du numéro de diapositive 1">
-            <a:extLst>
-              <a:ext uri="{FF2B5EF4-FFF2-40B4-BE49-F238E27FC236}">
-                <a16:creationId xmlns:a16="http://schemas.microsoft.com/office/drawing/2014/main" id="{ACAE1147-1386-478E-8609-02524CBEC5A0}"/>
-              </a:ext>
-            </a:extLst>
-          </p:cNvPr>
-          <p:cNvSpPr txBox="1"/>
-          <p:nvPr/>
-        </p:nvSpPr>
-        <p:spPr>
-          <a:xfrm>
-            <a:off x="11640833" y="6557107"/>
-            <a:ext cx="551163" cy="365129"/>
-          </a:xfrm>
-          <a:prstGeom prst="rect">
-            <a:avLst/>
-          </a:prstGeom>
-          <a:noFill/>
-          <a:ln cap="rnd">
-            <a:noFill/>
-          </a:ln>
-        </p:spPr>
-        <p:txBody>
-          <a:bodyPr vert="horz" wrap="square" lIns="91440" tIns="45720" rIns="91440" bIns="45720" anchor="ctr" anchorCtr="0" compatLnSpc="1">
-            <a:noAutofit/>
-          </a:bodyPr>
-          <a:lstStyle/>
-          <a:p>
-            <a:pPr marL="0" marR="0" lvl="0" indent="0" algn="r" defTabSz="457200" rtl="0" fontAlgn="auto" hangingPunct="1">
-              <a:lnSpc>
-                <a:spcPct val="100000"/>
-              </a:lnSpc>
-              <a:spcBef>
-                <a:spcPts val="0"/>
-              </a:spcBef>
-              <a:spcAft>
-                <a:spcPts val="0"/>
-              </a:spcAft>
-              <a:buNone/>
-              <a:tabLst/>
-              <a:defRPr sz="1800" b="0" i="0" u="none" strike="noStrike" kern="0" cap="none" spc="0" baseline="0">
-                <a:solidFill>
-                  <a:srgbClr val="000000"/>
-                </a:solidFill>
-                <a:uFillTx/>
-              </a:defRPr>
-            </a:pPr>
-            <a:fld id="{D7BCEA47-A648-4F36-AE1F-D3D50854FB8A}" type="slidenum">
-              <a:t>16</a:t>
-            </a:fld>
-            <a:endParaRPr lang="fr-FR" sz="900" b="1" i="0" u="none" strike="noStrike" kern="1200" cap="none" spc="0" baseline="0">
-              <a:solidFill>
-                <a:srgbClr val="BFBFBF"/>
-              </a:solidFill>
-              <a:effectLst>
-                <a:outerShdw dist="38096" dir="2700000">
-                  <a:srgbClr val="000000"/>
-                </a:outerShdw>
-              </a:effectLst>
-              <a:uFillTx/>
-              <a:latin typeface="Century Gothic"/>
-            </a:endParaRPr>
-          </a:p>
-        </p:txBody>
-      </p:sp>
-      <p:sp>
-        <p:nvSpPr>
-          <p:cNvPr id="11" name="Rectangle 10">
-            <a:extLst>
-              <a:ext uri="{FF2B5EF4-FFF2-40B4-BE49-F238E27FC236}">
-                <a16:creationId xmlns:a16="http://schemas.microsoft.com/office/drawing/2014/main" id="{E9AAA5E3-744A-413A-B973-FD1D5EEF70C1}"/>
+          <p:cNvPr id="6" name="Rectangle 5">
+            <a:extLst>
+              <a:ext uri="{FF2B5EF4-FFF2-40B4-BE49-F238E27FC236}">
+                <a16:creationId xmlns:a16="http://schemas.microsoft.com/office/drawing/2014/main" id="{AFC6CE19-1905-4F7B-A53A-8FAE7084F2ED}"/>
               </a:ext>
             </a:extLst>
           </p:cNvPr>
@@ -11127,8 +10696,8 @@
         </p:nvSpPr>
         <p:spPr>
           <a:xfrm>
-            <a:off x="4" y="0"/>
-            <a:ext cx="12191996" cy="653909"/>
+            <a:off x="0" y="270589"/>
+            <a:ext cx="12191996" cy="1016344"/>
           </a:xfrm>
           <a:prstGeom prst="rect">
             <a:avLst/>
@@ -11161,16 +10730,16 @@
           <a:lstStyle/>
           <a:p>
             <a:pPr algn="ctr"/>
-            <a:endParaRPr lang="fr-FR"/>
-          </a:p>
-        </p:txBody>
-      </p:sp>
-      <p:sp>
-        <p:nvSpPr>
-          <p:cNvPr id="12" name="ZoneTexte 2">
-            <a:extLst>
-              <a:ext uri="{FF2B5EF4-FFF2-40B4-BE49-F238E27FC236}">
-                <a16:creationId xmlns:a16="http://schemas.microsoft.com/office/drawing/2014/main" id="{B9839CA4-5015-43A2-97D5-F9425CF60E56}"/>
+            <a:endParaRPr lang="fr-FR" dirty="0"/>
+          </a:p>
+        </p:txBody>
+      </p:sp>
+      <p:sp>
+        <p:nvSpPr>
+          <p:cNvPr id="2" name="ZoneTexte 24">
+            <a:extLst>
+              <a:ext uri="{FF2B5EF4-FFF2-40B4-BE49-F238E27FC236}">
+                <a16:creationId xmlns:a16="http://schemas.microsoft.com/office/drawing/2014/main" id="{57B0DD9B-C8B0-4303-BDA2-61ABEB9386E9}"/>
               </a:ext>
             </a:extLst>
           </p:cNvPr>
@@ -11179,8 +10748,8 @@
         </p:nvSpPr>
         <p:spPr>
           <a:xfrm>
-            <a:off x="185056" y="158620"/>
-            <a:ext cx="11821884" cy="623245"/>
+            <a:off x="0" y="6451137"/>
+            <a:ext cx="12191996" cy="577077"/>
           </a:xfrm>
           <a:prstGeom prst="rect">
             <a:avLst/>
@@ -11191,71 +10760,124 @@
           </a:ln>
         </p:spPr>
         <p:txBody>
+          <a:bodyPr vert="horz" wrap="square" lIns="91440" tIns="45720" rIns="91440" bIns="45720" anchor="t" anchorCtr="0" compatLnSpc="1">
+            <a:spAutoFit/>
+          </a:bodyPr>
+          <a:lstStyle/>
+          <a:p>
+            <a:pPr marL="0" marR="0" lvl="0" indent="0" algn="l" defTabSz="457200" rtl="0" fontAlgn="auto" hangingPunct="1">
+              <a:lnSpc>
+                <a:spcPct val="100000"/>
+              </a:lnSpc>
+              <a:spcBef>
+                <a:spcPts val="0"/>
+              </a:spcBef>
+              <a:spcAft>
+                <a:spcPts val="0"/>
+              </a:spcAft>
+              <a:buNone/>
+              <a:tabLst/>
+              <a:defRPr sz="1800" b="0" i="0" u="none" strike="noStrike" kern="0" cap="none" spc="0" baseline="0">
+                <a:solidFill>
+                  <a:srgbClr val="000000"/>
+                </a:solidFill>
+                <a:uFillTx/>
+              </a:defRPr>
+            </a:pPr>
+            <a:r>
+              <a:rPr lang="fr-FR" sz="1050" b="0" i="0" u="none" strike="noStrike" kern="1200" cap="none" spc="0" baseline="0">
+                <a:solidFill>
+                  <a:srgbClr val="FFFFFF"/>
+                </a:solidFill>
+                <a:uFillTx/>
+                <a:latin typeface="Century Gothic"/>
+              </a:rPr>
+              <a:t>Nicolas MEYNIEL, Damien PIEDANNA, Axel PISANI, Aurélien ROBINEAU													     Mercredi 7 novembre 2018 </a:t>
+            </a:r>
+          </a:p>
+          <a:p>
+            <a:pPr marL="0" marR="0" lvl="0" indent="0" algn="l" defTabSz="457200" rtl="0" fontAlgn="auto" hangingPunct="1">
+              <a:lnSpc>
+                <a:spcPct val="100000"/>
+              </a:lnSpc>
+              <a:spcBef>
+                <a:spcPts val="0"/>
+              </a:spcBef>
+              <a:spcAft>
+                <a:spcPts val="0"/>
+              </a:spcAft>
+              <a:buNone/>
+              <a:tabLst/>
+              <a:defRPr sz="1800" b="0" i="0" u="none" strike="noStrike" kern="0" cap="none" spc="0" baseline="0">
+                <a:solidFill>
+                  <a:srgbClr val="000000"/>
+                </a:solidFill>
+                <a:uFillTx/>
+              </a:defRPr>
+            </a:pPr>
+            <a:r>
+              <a:rPr lang="fr-FR" sz="1050" b="0" i="0" u="none" strike="noStrike" kern="1200" cap="none" spc="0" baseline="0">
+                <a:solidFill>
+                  <a:srgbClr val="FFFFFF"/>
+                </a:solidFill>
+                <a:uFillTx/>
+                <a:latin typeface="Century Gothic"/>
+              </a:rPr>
+              <a:t>Groupe 3B – 2</a:t>
+            </a:r>
+            <a:r>
+              <a:rPr lang="fr-FR" sz="1050" b="0" i="0" u="none" strike="noStrike" kern="1200" cap="none" spc="0" baseline="30000">
+                <a:solidFill>
+                  <a:srgbClr val="FFFFFF"/>
+                </a:solidFill>
+                <a:uFillTx/>
+                <a:latin typeface="Century Gothic"/>
+              </a:rPr>
+              <a:t>nd</a:t>
+            </a:r>
+            <a:r>
+              <a:rPr lang="fr-FR" sz="1050" b="0" i="0" u="none" strike="noStrike" kern="1200" cap="none" spc="0" baseline="0">
+                <a:solidFill>
+                  <a:srgbClr val="FFFFFF"/>
+                </a:solidFill>
+                <a:uFillTx/>
+                <a:latin typeface="Century Gothic"/>
+              </a:rPr>
+              <a:t> année															 				     													</a:t>
+            </a:r>
+          </a:p>
+        </p:txBody>
+      </p:sp>
+      <p:sp>
+        <p:nvSpPr>
+          <p:cNvPr id="3" name="ZoneTexte 2">
+            <a:extLst>
+              <a:ext uri="{FF2B5EF4-FFF2-40B4-BE49-F238E27FC236}">
+                <a16:creationId xmlns:a16="http://schemas.microsoft.com/office/drawing/2014/main" id="{E9FAD394-BBB6-4099-8D7A-5A8B1FF4B6D6}"/>
+              </a:ext>
+            </a:extLst>
+          </p:cNvPr>
+          <p:cNvSpPr txBox="1"/>
+          <p:nvPr/>
+        </p:nvSpPr>
+        <p:spPr>
+          <a:xfrm>
+            <a:off x="2139819" y="411992"/>
+            <a:ext cx="7912358" cy="707886"/>
+          </a:xfrm>
+          <a:prstGeom prst="rect">
+            <a:avLst/>
+          </a:prstGeom>
+          <a:noFill/>
+          <a:ln cap="rnd">
+            <a:noFill/>
+          </a:ln>
+        </p:spPr>
+        <p:txBody>
           <a:bodyPr vert="horz" wrap="square" lIns="91440" tIns="45720" rIns="91440" bIns="45720" anchor="t" anchorCtr="1" compatLnSpc="1">
             <a:spAutoFit/>
           </a:bodyPr>
           <a:lstStyle/>
-          <a:p>
-            <a:pPr marL="0" marR="0" lvl="0" indent="0" algn="ctr" defTabSz="457200" rtl="0" fontAlgn="auto" hangingPunct="1">
-              <a:lnSpc>
-                <a:spcPct val="150000"/>
-              </a:lnSpc>
-              <a:spcBef>
-                <a:spcPts val="0"/>
-              </a:spcBef>
-              <a:spcAft>
-                <a:spcPts val="0"/>
-              </a:spcAft>
-              <a:buNone/>
-              <a:tabLst/>
-              <a:defRPr sz="1800" b="0" i="0" u="none" strike="noStrike" kern="0" cap="none" spc="0" baseline="0">
-                <a:solidFill>
-                  <a:srgbClr val="000000"/>
-                </a:solidFill>
-                <a:uFillTx/>
-              </a:defRPr>
-            </a:pPr>
-            <a:r>
-              <a:rPr lang="fr-FR" sz="1100" i="0" u="none" strike="noStrike" kern="1200" cap="none" spc="0" baseline="0" dirty="0">
-                <a:solidFill>
-                  <a:srgbClr val="262626"/>
-                </a:solidFill>
-                <a:uFillTx/>
-                <a:latin typeface="Century Gothic"/>
-              </a:rPr>
-              <a:t>Présentation du projet          Les automates cellulaires          </a:t>
-            </a:r>
-            <a:r>
-              <a:rPr lang="fr-FR" sz="1100" b="0" i="0" u="none" strike="noStrike" kern="1200" cap="none" spc="0" baseline="0" dirty="0">
-                <a:solidFill>
-                  <a:srgbClr val="262626"/>
-                </a:solidFill>
-                <a:uFillTx/>
-                <a:latin typeface="Century Gothic"/>
-              </a:rPr>
-              <a:t>Evolution du projet          </a:t>
-            </a:r>
-            <a:r>
-              <a:rPr lang="fr-FR" sz="1100" b="1" i="0" u="none" strike="noStrike" kern="1200" cap="none" spc="0" baseline="0" dirty="0">
-                <a:solidFill>
-                  <a:srgbClr val="262626"/>
-                </a:solidFill>
-                <a:uFillTx/>
-                <a:latin typeface="Century Gothic"/>
-              </a:rPr>
-              <a:t>Etat Final          </a:t>
-            </a:r>
-            <a:r>
-              <a:rPr lang="fr-FR" sz="1100" b="0" i="0" u="none" strike="noStrike" kern="1200" cap="none" spc="0" baseline="0" dirty="0">
-                <a:solidFill>
-                  <a:srgbClr val="262626"/>
-                </a:solidFill>
-                <a:uFillTx/>
-                <a:latin typeface="Century Gothic"/>
-              </a:rPr>
-              <a:t>Les maths</a:t>
-            </a:r>
-          </a:p>
           <a:p>
             <a:pPr marL="0" marR="0" lvl="0" indent="0" algn="ctr" defTabSz="457200" rtl="0" fontAlgn="auto" hangingPunct="1">
               <a:lnSpc>
@@ -11276,204 +10898,24 @@
                 <a:uFillTx/>
               </a:defRPr>
             </a:pPr>
-            <a:endParaRPr lang="fr-FR" sz="1800" b="0" i="0" u="none" strike="noStrike" kern="1200" cap="none" spc="0" baseline="0" dirty="0">
-              <a:solidFill>
-                <a:srgbClr val="FFFFFF"/>
-              </a:solidFill>
-              <a:uFillTx/>
-              <a:latin typeface="Century Gothic"/>
-            </a:endParaRPr>
-          </a:p>
-        </p:txBody>
-      </p:sp>
-      <p:cxnSp>
-        <p:nvCxnSpPr>
-          <p:cNvPr id="13" name="Connecteur droit avec flèche 6">
-            <a:extLst>
-              <a:ext uri="{FF2B5EF4-FFF2-40B4-BE49-F238E27FC236}">
-                <a16:creationId xmlns:a16="http://schemas.microsoft.com/office/drawing/2014/main" id="{74955A6A-DEAC-4B40-8D3B-7C4B72C94859}"/>
-              </a:ext>
-            </a:extLst>
-          </p:cNvPr>
-          <p:cNvCxnSpPr>
-            <a:cxnSpLocks/>
-          </p:cNvCxnSpPr>
-          <p:nvPr/>
-        </p:nvCxnSpPr>
-        <p:spPr>
-          <a:xfrm>
-            <a:off x="4026313" y="342287"/>
-            <a:ext cx="280218" cy="0"/>
-          </a:xfrm>
-          <a:prstGeom prst="straightConnector1">
-            <a:avLst/>
-          </a:prstGeom>
-          <a:ln w="9525" cap="flat" cmpd="sng" algn="ctr">
-            <a:solidFill>
-              <a:schemeClr val="dk1"/>
-            </a:solidFill>
-            <a:prstDash val="solid"/>
-            <a:round/>
-            <a:headEnd type="none" w="med" len="med"/>
-            <a:tailEnd type="arrow" w="med" len="med"/>
-          </a:ln>
-        </p:spPr>
-        <p:style>
-          <a:lnRef idx="0">
-            <a:scrgbClr r="0" g="0" b="0"/>
-          </a:lnRef>
-          <a:fillRef idx="0">
-            <a:scrgbClr r="0" g="0" b="0"/>
-          </a:fillRef>
-          <a:effectRef idx="0">
-            <a:scrgbClr r="0" g="0" b="0"/>
-          </a:effectRef>
-          <a:fontRef idx="minor">
-            <a:schemeClr val="tx1"/>
-          </a:fontRef>
-        </p:style>
-      </p:cxnSp>
-      <p:cxnSp>
-        <p:nvCxnSpPr>
-          <p:cNvPr id="14" name="Connecteur droit avec flèche 8">
-            <a:extLst>
-              <a:ext uri="{FF2B5EF4-FFF2-40B4-BE49-F238E27FC236}">
-                <a16:creationId xmlns:a16="http://schemas.microsoft.com/office/drawing/2014/main" id="{6B319ED6-9D2C-4CA8-960A-F734FF386CD4}"/>
-              </a:ext>
-            </a:extLst>
-          </p:cNvPr>
-          <p:cNvCxnSpPr/>
-          <p:nvPr/>
-        </p:nvCxnSpPr>
-        <p:spPr>
-          <a:xfrm>
-            <a:off x="6096003" y="342287"/>
-            <a:ext cx="280217" cy="0"/>
-          </a:xfrm>
-          <a:prstGeom prst="straightConnector1">
-            <a:avLst/>
-          </a:prstGeom>
-          <a:ln w="9525" cap="flat" cmpd="sng" algn="ctr">
-            <a:solidFill>
-              <a:schemeClr val="dk1"/>
-            </a:solidFill>
-            <a:prstDash val="solid"/>
-            <a:round/>
-            <a:headEnd type="none" w="med" len="med"/>
-            <a:tailEnd type="arrow" w="med" len="med"/>
-          </a:ln>
-        </p:spPr>
-        <p:style>
-          <a:lnRef idx="0">
-            <a:scrgbClr r="0" g="0" b="0"/>
-          </a:lnRef>
-          <a:fillRef idx="0">
-            <a:scrgbClr r="0" g="0" b="0"/>
-          </a:fillRef>
-          <a:effectRef idx="0">
-            <a:scrgbClr r="0" g="0" b="0"/>
-          </a:effectRef>
-          <a:fontRef idx="minor">
-            <a:schemeClr val="tx1"/>
-          </a:fontRef>
-        </p:style>
-      </p:cxnSp>
-      <p:cxnSp>
-        <p:nvCxnSpPr>
-          <p:cNvPr id="15" name="Connecteur droit avec flèche 9">
-            <a:extLst>
-              <a:ext uri="{FF2B5EF4-FFF2-40B4-BE49-F238E27FC236}">
-                <a16:creationId xmlns:a16="http://schemas.microsoft.com/office/drawing/2014/main" id="{D3BEEAA2-BAAB-4FBD-A7F2-5C3D2B67909C}"/>
-              </a:ext>
-            </a:extLst>
-          </p:cNvPr>
-          <p:cNvCxnSpPr/>
-          <p:nvPr/>
-        </p:nvCxnSpPr>
-        <p:spPr>
-          <a:xfrm>
-            <a:off x="7740441" y="332759"/>
-            <a:ext cx="280218" cy="0"/>
-          </a:xfrm>
-          <a:prstGeom prst="straightConnector1">
-            <a:avLst/>
-          </a:prstGeom>
-          <a:ln w="9525" cap="flat" cmpd="sng" algn="ctr">
-            <a:solidFill>
-              <a:schemeClr val="dk1"/>
-            </a:solidFill>
-            <a:prstDash val="solid"/>
-            <a:round/>
-            <a:headEnd type="none" w="med" len="med"/>
-            <a:tailEnd type="arrow" w="med" len="med"/>
-          </a:ln>
-        </p:spPr>
-        <p:style>
-          <a:lnRef idx="0">
-            <a:scrgbClr r="0" g="0" b="0"/>
-          </a:lnRef>
-          <a:fillRef idx="0">
-            <a:scrgbClr r="0" g="0" b="0"/>
-          </a:fillRef>
-          <a:effectRef idx="0">
-            <a:scrgbClr r="0" g="0" b="0"/>
-          </a:effectRef>
-          <a:fontRef idx="minor">
-            <a:schemeClr val="tx1"/>
-          </a:fontRef>
-        </p:style>
-      </p:cxnSp>
-      <p:cxnSp>
-        <p:nvCxnSpPr>
-          <p:cNvPr id="16" name="Connecteur droit avec flèche 10">
-            <a:extLst>
-              <a:ext uri="{FF2B5EF4-FFF2-40B4-BE49-F238E27FC236}">
-                <a16:creationId xmlns:a16="http://schemas.microsoft.com/office/drawing/2014/main" id="{72A87FF4-63A6-4784-A646-669B97754B06}"/>
-              </a:ext>
-            </a:extLst>
-          </p:cNvPr>
-          <p:cNvCxnSpPr/>
-          <p:nvPr/>
-        </p:nvCxnSpPr>
-        <p:spPr>
-          <a:xfrm>
-            <a:off x="8735958" y="332448"/>
-            <a:ext cx="280227" cy="0"/>
-          </a:xfrm>
-          <a:prstGeom prst="straightConnector1">
-            <a:avLst/>
-          </a:prstGeom>
-          <a:ln w="9525" cap="flat" cmpd="sng" algn="ctr">
-            <a:solidFill>
-              <a:schemeClr val="dk1"/>
-            </a:solidFill>
-            <a:prstDash val="solid"/>
-            <a:round/>
-            <a:headEnd type="none" w="med" len="med"/>
-            <a:tailEnd type="arrow" w="med" len="med"/>
-          </a:ln>
-        </p:spPr>
-        <p:style>
-          <a:lnRef idx="0">
-            <a:scrgbClr r="0" g="0" b="0"/>
-          </a:lnRef>
-          <a:fillRef idx="0">
-            <a:scrgbClr r="0" g="0" b="0"/>
-          </a:fillRef>
-          <a:effectRef idx="0">
-            <a:scrgbClr r="0" g="0" b="0"/>
-          </a:effectRef>
-          <a:fontRef idx="minor">
-            <a:schemeClr val="tx1"/>
-          </a:fontRef>
-        </p:style>
-      </p:cxnSp>
-      <p:sp>
-        <p:nvSpPr>
-          <p:cNvPr id="17" name="Espace réservé du numéro de diapositive 7">
-            <a:extLst>
-              <a:ext uri="{FF2B5EF4-FFF2-40B4-BE49-F238E27FC236}">
-                <a16:creationId xmlns:a16="http://schemas.microsoft.com/office/drawing/2014/main" id="{1580C8B6-76DB-45B2-86EC-F5A7975892B8}"/>
+            <a:r>
+              <a:rPr lang="fr-FR" sz="4000" b="1" dirty="0">
+                <a:solidFill>
+                  <a:srgbClr val="262626"/>
+                </a:solidFill>
+                <a:latin typeface="Century Gothic"/>
+              </a:rPr>
+              <a:t>État final</a:t>
+            </a:r>
+          </a:p>
+        </p:txBody>
+      </p:sp>
+      <p:sp>
+        <p:nvSpPr>
+          <p:cNvPr id="5" name="Espace réservé du numéro de diapositive 4">
+            <a:extLst>
+              <a:ext uri="{FF2B5EF4-FFF2-40B4-BE49-F238E27FC236}">
+                <a16:creationId xmlns:a16="http://schemas.microsoft.com/office/drawing/2014/main" id="{4AD8B6A5-3781-46CE-9CA4-3A42721726F4}"/>
               </a:ext>
             </a:extLst>
           </p:cNvPr>
@@ -11518,7 +10960,7 @@
                 <a:uFillTx/>
               </a:defRPr>
             </a:pPr>
-            <a:fld id="{1A0F8804-A8AF-488B-BABF-40AC271FABDD}" type="slidenum">
+            <a:fld id="{FD1251E9-295D-4DFD-A63B-58872DCC76F5}" type="slidenum">
               <a:t>16</a:t>
             </a:fld>
             <a:endParaRPr lang="fr-FR" sz="900" b="1" i="0" u="none" strike="noStrike" kern="1200" cap="none" spc="0" baseline="0">
@@ -11536,260 +10978,40 @@
           </a:p>
         </p:txBody>
       </p:sp>
-      <p:sp>
-        <p:nvSpPr>
-          <p:cNvPr id="18" name="ZoneTexte 12">
-            <a:extLst>
-              <a:ext uri="{FF2B5EF4-FFF2-40B4-BE49-F238E27FC236}">
-                <a16:creationId xmlns:a16="http://schemas.microsoft.com/office/drawing/2014/main" id="{E53531DC-3A45-4739-9523-1FC5EEDF4DC5}"/>
-              </a:ext>
-            </a:extLst>
-          </p:cNvPr>
-          <p:cNvSpPr txBox="1"/>
-          <p:nvPr/>
-        </p:nvSpPr>
-        <p:spPr>
-          <a:xfrm>
-            <a:off x="0" y="6451137"/>
-            <a:ext cx="12191996" cy="577077"/>
+      <p:pic>
+        <p:nvPicPr>
+          <p:cNvPr id="4" name="Image 3">
+            <a:extLst>
+              <a:ext uri="{FF2B5EF4-FFF2-40B4-BE49-F238E27FC236}">
+                <a16:creationId xmlns:a16="http://schemas.microsoft.com/office/drawing/2014/main" id="{5036838A-3316-4454-8EE9-A44795A56EA3}"/>
+              </a:ext>
+            </a:extLst>
+          </p:cNvPr>
+          <p:cNvPicPr>
+            <a:picLocks noChangeAspect="1"/>
+          </p:cNvPicPr>
+          <p:nvPr/>
+        </p:nvPicPr>
+        <p:blipFill>
+          <a:blip r:embed="rId2"/>
+          <a:stretch>
+            <a:fillRect/>
+          </a:stretch>
+        </p:blipFill>
+        <p:spPr>
+          <a:xfrm>
+            <a:off x="2162522" y="1376175"/>
+            <a:ext cx="7889655" cy="4985719"/>
           </a:xfrm>
           <a:prstGeom prst="rect">
             <a:avLst/>
           </a:prstGeom>
-          <a:noFill/>
-          <a:ln cap="rnd">
-            <a:noFill/>
-          </a:ln>
-        </p:spPr>
-        <p:txBody>
-          <a:bodyPr vert="horz" wrap="square" lIns="91440" tIns="45720" rIns="91440" bIns="45720" anchor="t" anchorCtr="0" compatLnSpc="1">
-            <a:spAutoFit/>
-          </a:bodyPr>
-          <a:lstStyle/>
-          <a:p>
-            <a:pPr marL="0" marR="0" lvl="0" indent="0" algn="l" defTabSz="457200" rtl="0" fontAlgn="auto" hangingPunct="1">
-              <a:lnSpc>
-                <a:spcPct val="100000"/>
-              </a:lnSpc>
-              <a:spcBef>
-                <a:spcPts val="0"/>
-              </a:spcBef>
-              <a:spcAft>
-                <a:spcPts val="0"/>
-              </a:spcAft>
-              <a:buNone/>
-              <a:tabLst/>
-              <a:defRPr sz="1800" b="0" i="0" u="none" strike="noStrike" kern="0" cap="none" spc="0" baseline="0">
-                <a:solidFill>
-                  <a:srgbClr val="000000"/>
-                </a:solidFill>
-                <a:uFillTx/>
-              </a:defRPr>
-            </a:pPr>
-            <a:r>
-              <a:rPr lang="fr-FR" sz="1050" b="0" i="0" u="none" strike="noStrike" kern="1200" cap="none" spc="0" baseline="0">
-                <a:solidFill>
-                  <a:srgbClr val="FFFFFF"/>
-                </a:solidFill>
-                <a:uFillTx/>
-                <a:latin typeface="Century Gothic"/>
-              </a:rPr>
-              <a:t>Nicolas MEYNIEL, Damien PIEDANNA, Axel PISANI, Aurélien ROBINEAU													     Mercredi 7 novembre 2018 </a:t>
-            </a:r>
-          </a:p>
-          <a:p>
-            <a:pPr marL="0" marR="0" lvl="0" indent="0" algn="l" defTabSz="457200" rtl="0" fontAlgn="auto" hangingPunct="1">
-              <a:lnSpc>
-                <a:spcPct val="100000"/>
-              </a:lnSpc>
-              <a:spcBef>
-                <a:spcPts val="0"/>
-              </a:spcBef>
-              <a:spcAft>
-                <a:spcPts val="0"/>
-              </a:spcAft>
-              <a:buNone/>
-              <a:tabLst/>
-              <a:defRPr sz="1800" b="0" i="0" u="none" strike="noStrike" kern="0" cap="none" spc="0" baseline="0">
-                <a:solidFill>
-                  <a:srgbClr val="000000"/>
-                </a:solidFill>
-                <a:uFillTx/>
-              </a:defRPr>
-            </a:pPr>
-            <a:r>
-              <a:rPr lang="fr-FR" sz="1050" b="0" i="0" u="none" strike="noStrike" kern="1200" cap="none" spc="0" baseline="0">
-                <a:solidFill>
-                  <a:srgbClr val="FFFFFF"/>
-                </a:solidFill>
-                <a:uFillTx/>
-                <a:latin typeface="Century Gothic"/>
-              </a:rPr>
-              <a:t>Groupe 3B – 2</a:t>
-            </a:r>
-            <a:r>
-              <a:rPr lang="fr-FR" sz="1050" b="0" i="0" u="none" strike="noStrike" kern="1200" cap="none" spc="0" baseline="30000">
-                <a:solidFill>
-                  <a:srgbClr val="FFFFFF"/>
-                </a:solidFill>
-                <a:uFillTx/>
-                <a:latin typeface="Century Gothic"/>
-              </a:rPr>
-              <a:t>nd</a:t>
-            </a:r>
-            <a:r>
-              <a:rPr lang="fr-FR" sz="1050" b="0" i="0" u="none" strike="noStrike" kern="1200" cap="none" spc="0" baseline="0">
-                <a:solidFill>
-                  <a:srgbClr val="FFFFFF"/>
-                </a:solidFill>
-                <a:uFillTx/>
-                <a:latin typeface="Century Gothic"/>
-              </a:rPr>
-              <a:t> année															 				     													</a:t>
-            </a:r>
-          </a:p>
-        </p:txBody>
-      </p:sp>
-      <p:sp>
-        <p:nvSpPr>
-          <p:cNvPr id="19" name="ZoneTexte 18">
-            <a:extLst>
-              <a:ext uri="{FF2B5EF4-FFF2-40B4-BE49-F238E27FC236}">
-                <a16:creationId xmlns:a16="http://schemas.microsoft.com/office/drawing/2014/main" id="{B9195FC4-C2E4-43D7-8BAF-97534124B800}"/>
-              </a:ext>
-            </a:extLst>
-          </p:cNvPr>
-          <p:cNvSpPr txBox="1"/>
-          <p:nvPr/>
-        </p:nvSpPr>
-        <p:spPr>
-          <a:xfrm>
-            <a:off x="4101881" y="1743146"/>
-            <a:ext cx="3988233" cy="646331"/>
-          </a:xfrm>
-          <a:prstGeom prst="rect">
-            <a:avLst/>
-          </a:prstGeom>
-          <a:noFill/>
-        </p:spPr>
-        <p:txBody>
-          <a:bodyPr wrap="square" rtlCol="0">
-            <a:spAutoFit/>
-          </a:bodyPr>
-          <a:lstStyle/>
-          <a:p>
-            <a:pPr algn="ctr"/>
-            <a:r>
-              <a:rPr lang="fr-FR" sz="3600" dirty="0">
-                <a:solidFill>
-                  <a:srgbClr val="8ECE55"/>
-                </a:solidFill>
-              </a:rPr>
-              <a:t>Virus</a:t>
-            </a:r>
-          </a:p>
-        </p:txBody>
-      </p:sp>
-      <p:sp>
-        <p:nvSpPr>
-          <p:cNvPr id="20" name="ZoneTexte 19">
-            <a:extLst>
-              <a:ext uri="{FF2B5EF4-FFF2-40B4-BE49-F238E27FC236}">
-                <a16:creationId xmlns:a16="http://schemas.microsoft.com/office/drawing/2014/main" id="{2391022A-6709-4890-8BF0-CF032E9A94BB}"/>
-              </a:ext>
-            </a:extLst>
-          </p:cNvPr>
-          <p:cNvSpPr txBox="1"/>
-          <p:nvPr/>
-        </p:nvSpPr>
-        <p:spPr>
-          <a:xfrm>
-            <a:off x="3150857" y="3049457"/>
-            <a:ext cx="5890279" cy="1938992"/>
-          </a:xfrm>
-          <a:prstGeom prst="rect">
-            <a:avLst/>
-          </a:prstGeom>
-          <a:noFill/>
-        </p:spPr>
-        <p:txBody>
-          <a:bodyPr wrap="square" rtlCol="0">
-            <a:spAutoFit/>
-          </a:bodyPr>
-          <a:lstStyle/>
-          <a:p>
-            <a:pPr algn="ctr"/>
-            <a:r>
-              <a:rPr lang="fr-FR" sz="2400" dirty="0">
-                <a:solidFill>
-                  <a:schemeClr val="bg1"/>
-                </a:solidFill>
-              </a:rPr>
-              <a:t>Plusieurs paramètres</a:t>
-            </a:r>
-          </a:p>
-          <a:p>
-            <a:pPr marL="342900" indent="-342900" algn="ctr">
-              <a:buFontTx/>
-              <a:buChar char="-"/>
-            </a:pPr>
-            <a:r>
-              <a:rPr lang="fr-FR" sz="2400" dirty="0">
-                <a:solidFill>
-                  <a:schemeClr val="bg1"/>
-                </a:solidFill>
-              </a:rPr>
-              <a:t>Taux de reproduction</a:t>
-            </a:r>
-          </a:p>
-          <a:p>
-            <a:pPr marL="342900" indent="-342900" algn="ctr">
-              <a:buFontTx/>
-              <a:buChar char="-"/>
-            </a:pPr>
-            <a:r>
-              <a:rPr lang="fr-FR" sz="2400" dirty="0">
-                <a:solidFill>
-                  <a:schemeClr val="bg1"/>
-                </a:solidFill>
-              </a:rPr>
-              <a:t>Taux de létalité</a:t>
-            </a:r>
-          </a:p>
-          <a:p>
-            <a:pPr marL="342900" indent="-342900" algn="ctr">
-              <a:buFontTx/>
-              <a:buChar char="-"/>
-            </a:pPr>
-            <a:r>
-              <a:rPr lang="fr-FR" sz="2400" dirty="0">
-                <a:solidFill>
-                  <a:schemeClr val="bg1"/>
-                </a:solidFill>
-              </a:rPr>
-              <a:t>Durée minimale et maximale</a:t>
-            </a:r>
-          </a:p>
-          <a:p>
-            <a:pPr marL="342900" indent="-342900" algn="ctr">
-              <a:buFontTx/>
-              <a:buChar char="-"/>
-            </a:pPr>
-            <a:r>
-              <a:rPr lang="fr-FR" sz="2400" dirty="0">
-                <a:solidFill>
-                  <a:schemeClr val="bg1"/>
-                </a:solidFill>
-              </a:rPr>
-              <a:t>Taux de vulnérabilité en fonction de l’âge</a:t>
-            </a:r>
-          </a:p>
-        </p:txBody>
-      </p:sp>
+        </p:spPr>
+      </p:pic>
     </p:spTree>
     <p:extLst>
       <p:ext uri="{BB962C8B-B14F-4D97-AF65-F5344CB8AC3E}">
-        <p14:creationId xmlns:p14="http://schemas.microsoft.com/office/powerpoint/2010/main" val="871385753"/>
+        <p14:creationId xmlns:p14="http://schemas.microsoft.com/office/powerpoint/2010/main" val="1898689614"/>
       </p:ext>
     </p:extLst>
   </p:cSld>
@@ -11824,42 +11046,80 @@
           <a:chExt cx="0" cy="0"/>
         </a:xfrm>
       </p:grpSpPr>
-      <p:pic>
-        <p:nvPicPr>
-          <p:cNvPr id="4" name="Image 3">
-            <a:extLst>
-              <a:ext uri="{FF2B5EF4-FFF2-40B4-BE49-F238E27FC236}">
-                <a16:creationId xmlns:a16="http://schemas.microsoft.com/office/drawing/2014/main" id="{D8F008AD-F2B9-4F28-A088-6D135BB50517}"/>
-              </a:ext>
-            </a:extLst>
-          </p:cNvPr>
-          <p:cNvPicPr>
-            <a:picLocks noChangeAspect="1"/>
-          </p:cNvPicPr>
-          <p:nvPr/>
-        </p:nvPicPr>
-        <p:blipFill>
-          <a:blip r:embed="rId2"/>
-          <a:stretch>
-            <a:fillRect/>
-          </a:stretch>
-        </p:blipFill>
-        <p:spPr>
-          <a:xfrm>
-            <a:off x="0" y="-2171294"/>
-            <a:ext cx="12191996" cy="8617302"/>
+      <p:sp>
+        <p:nvSpPr>
+          <p:cNvPr id="7" name="Espace réservé du numéro de diapositive 1">
+            <a:extLst>
+              <a:ext uri="{FF2B5EF4-FFF2-40B4-BE49-F238E27FC236}">
+                <a16:creationId xmlns:a16="http://schemas.microsoft.com/office/drawing/2014/main" id="{ACAE1147-1386-478E-8609-02524CBEC5A0}"/>
+              </a:ext>
+            </a:extLst>
+          </p:cNvPr>
+          <p:cNvSpPr txBox="1"/>
+          <p:nvPr/>
+        </p:nvSpPr>
+        <p:spPr>
+          <a:xfrm>
+            <a:off x="11640833" y="6557107"/>
+            <a:ext cx="551163" cy="365129"/>
           </a:xfrm>
           <a:prstGeom prst="rect">
             <a:avLst/>
           </a:prstGeom>
-        </p:spPr>
-      </p:pic>
-      <p:sp>
-        <p:nvSpPr>
-          <p:cNvPr id="6" name="Rectangle 5">
-            <a:extLst>
-              <a:ext uri="{FF2B5EF4-FFF2-40B4-BE49-F238E27FC236}">
-                <a16:creationId xmlns:a16="http://schemas.microsoft.com/office/drawing/2014/main" id="{AFC6CE19-1905-4F7B-A53A-8FAE7084F2ED}"/>
+          <a:noFill/>
+          <a:ln cap="rnd">
+            <a:noFill/>
+          </a:ln>
+        </p:spPr>
+        <p:txBody>
+          <a:bodyPr vert="horz" wrap="square" lIns="91440" tIns="45720" rIns="91440" bIns="45720" anchor="ctr" anchorCtr="0" compatLnSpc="1">
+            <a:noAutofit/>
+          </a:bodyPr>
+          <a:lstStyle/>
+          <a:p>
+            <a:pPr marL="0" marR="0" lvl="0" indent="0" algn="r" defTabSz="457200" rtl="0" fontAlgn="auto" hangingPunct="1">
+              <a:lnSpc>
+                <a:spcPct val="100000"/>
+              </a:lnSpc>
+              <a:spcBef>
+                <a:spcPts val="0"/>
+              </a:spcBef>
+              <a:spcAft>
+                <a:spcPts val="0"/>
+              </a:spcAft>
+              <a:buNone/>
+              <a:tabLst/>
+              <a:defRPr sz="1800" b="0" i="0" u="none" strike="noStrike" kern="0" cap="none" spc="0" baseline="0">
+                <a:solidFill>
+                  <a:srgbClr val="000000"/>
+                </a:solidFill>
+                <a:uFillTx/>
+              </a:defRPr>
+            </a:pPr>
+            <a:fld id="{D7BCEA47-A648-4F36-AE1F-D3D50854FB8A}" type="slidenum">
+              <a:t>17</a:t>
+            </a:fld>
+            <a:endParaRPr lang="fr-FR" sz="900" b="1" i="0" u="none" strike="noStrike" kern="1200" cap="none" spc="0" baseline="0">
+              <a:solidFill>
+                <a:srgbClr val="BFBFBF"/>
+              </a:solidFill>
+              <a:effectLst>
+                <a:outerShdw dist="38096" dir="2700000">
+                  <a:srgbClr val="000000"/>
+                </a:outerShdw>
+              </a:effectLst>
+              <a:uFillTx/>
+              <a:latin typeface="Century Gothic"/>
+            </a:endParaRPr>
+          </a:p>
+        </p:txBody>
+      </p:sp>
+      <p:sp>
+        <p:nvSpPr>
+          <p:cNvPr id="11" name="Rectangle 10">
+            <a:extLst>
+              <a:ext uri="{FF2B5EF4-FFF2-40B4-BE49-F238E27FC236}">
+                <a16:creationId xmlns:a16="http://schemas.microsoft.com/office/drawing/2014/main" id="{E9AAA5E3-744A-413A-B973-FD1D5EEF70C1}"/>
               </a:ext>
             </a:extLst>
           </p:cNvPr>
@@ -11868,8 +11128,8 @@
         </p:nvSpPr>
         <p:spPr>
           <a:xfrm>
-            <a:off x="0" y="270589"/>
-            <a:ext cx="12191996" cy="1016344"/>
+            <a:off x="4" y="0"/>
+            <a:ext cx="12191996" cy="653909"/>
           </a:xfrm>
           <a:prstGeom prst="rect">
             <a:avLst/>
@@ -11908,10 +11168,10 @@
       </p:sp>
       <p:sp>
         <p:nvSpPr>
-          <p:cNvPr id="2" name="ZoneTexte 24">
-            <a:extLst>
-              <a:ext uri="{FF2B5EF4-FFF2-40B4-BE49-F238E27FC236}">
-                <a16:creationId xmlns:a16="http://schemas.microsoft.com/office/drawing/2014/main" id="{57B0DD9B-C8B0-4303-BDA2-61ABEB9386E9}"/>
+          <p:cNvPr id="12" name="ZoneTexte 2">
+            <a:extLst>
+              <a:ext uri="{FF2B5EF4-FFF2-40B4-BE49-F238E27FC236}">
+                <a16:creationId xmlns:a16="http://schemas.microsoft.com/office/drawing/2014/main" id="{B9839CA4-5015-43A2-97D5-F9425CF60E56}"/>
               </a:ext>
             </a:extLst>
           </p:cNvPr>
@@ -11920,8 +11180,8 @@
         </p:nvSpPr>
         <p:spPr>
           <a:xfrm>
-            <a:off x="0" y="6451137"/>
-            <a:ext cx="12191996" cy="577077"/>
+            <a:off x="185056" y="158620"/>
+            <a:ext cx="11821884" cy="623245"/>
           </a:xfrm>
           <a:prstGeom prst="rect">
             <a:avLst/>
@@ -11932,14 +11192,14 @@
           </a:ln>
         </p:spPr>
         <p:txBody>
-          <a:bodyPr vert="horz" wrap="square" lIns="91440" tIns="45720" rIns="91440" bIns="45720" anchor="t" anchorCtr="0" compatLnSpc="1">
+          <a:bodyPr vert="horz" wrap="square" lIns="91440" tIns="45720" rIns="91440" bIns="45720" anchor="t" anchorCtr="1" compatLnSpc="1">
             <a:spAutoFit/>
           </a:bodyPr>
           <a:lstStyle/>
           <a:p>
-            <a:pPr marL="0" marR="0" lvl="0" indent="0" algn="l" defTabSz="457200" rtl="0" fontAlgn="auto" hangingPunct="1">
+            <a:pPr marL="0" marR="0" lvl="0" indent="0" algn="ctr" defTabSz="457200" rtl="0" fontAlgn="auto" hangingPunct="1">
               <a:lnSpc>
-                <a:spcPct val="100000"/>
+                <a:spcPct val="150000"/>
               </a:lnSpc>
               <a:spcBef>
                 <a:spcPts val="0"/>
@@ -11957,99 +11217,46 @@
               </a:defRPr>
             </a:pPr>
             <a:r>
-              <a:rPr lang="fr-FR" sz="1050" b="0" i="0" u="none" strike="noStrike" kern="1200" cap="none" spc="0" baseline="0">
-                <a:solidFill>
-                  <a:srgbClr val="FFFFFF"/>
+              <a:rPr lang="fr-FR" sz="1100" i="0" u="none" strike="noStrike" kern="1200" cap="none" spc="0" baseline="0" dirty="0">
+                <a:solidFill>
+                  <a:srgbClr val="262626"/>
                 </a:solidFill>
                 <a:uFillTx/>
                 <a:latin typeface="Century Gothic"/>
               </a:rPr>
-              <a:t>Nicolas MEYNIEL, Damien PIEDANNA, Axel PISANI, Aurélien ROBINEAU													     Mercredi 7 novembre 2018 </a:t>
-            </a:r>
-          </a:p>
-          <a:p>
-            <a:pPr marL="0" marR="0" lvl="0" indent="0" algn="l" defTabSz="457200" rtl="0" fontAlgn="auto" hangingPunct="1">
-              <a:lnSpc>
-                <a:spcPct val="100000"/>
-              </a:lnSpc>
-              <a:spcBef>
-                <a:spcPts val="0"/>
-              </a:spcBef>
-              <a:spcAft>
-                <a:spcPts val="0"/>
-              </a:spcAft>
-              <a:buNone/>
-              <a:tabLst/>
-              <a:defRPr sz="1800" b="0" i="0" u="none" strike="noStrike" kern="0" cap="none" spc="0" baseline="0">
-                <a:solidFill>
-                  <a:srgbClr val="000000"/>
-                </a:solidFill>
-                <a:uFillTx/>
-              </a:defRPr>
-            </a:pPr>
-            <a:r>
-              <a:rPr lang="fr-FR" sz="1050" b="0" i="0" u="none" strike="noStrike" kern="1200" cap="none" spc="0" baseline="0">
-                <a:solidFill>
-                  <a:srgbClr val="FFFFFF"/>
+              <a:t>Présentation du projet          Les automates cellulaires          </a:t>
+            </a:r>
+            <a:r>
+              <a:rPr lang="fr-FR" sz="1100" b="0" i="0" u="none" strike="noStrike" kern="1200" cap="none" spc="0" baseline="0" dirty="0">
+                <a:solidFill>
+                  <a:srgbClr val="262626"/>
                 </a:solidFill>
                 <a:uFillTx/>
                 <a:latin typeface="Century Gothic"/>
               </a:rPr>
-              <a:t>Groupe 3B – 2</a:t>
-            </a:r>
-            <a:r>
-              <a:rPr lang="fr-FR" sz="1050" b="0" i="0" u="none" strike="noStrike" kern="1200" cap="none" spc="0" baseline="30000">
-                <a:solidFill>
-                  <a:srgbClr val="FFFFFF"/>
+              <a:t>Evolution du projet          </a:t>
+            </a:r>
+            <a:r>
+              <a:rPr lang="fr-FR" sz="1100" b="1" i="0" u="none" strike="noStrike" kern="1200" cap="none" spc="0" baseline="0" dirty="0">
+                <a:solidFill>
+                  <a:srgbClr val="262626"/>
                 </a:solidFill>
                 <a:uFillTx/>
                 <a:latin typeface="Century Gothic"/>
               </a:rPr>
-              <a:t>nd</a:t>
-            </a:r>
-            <a:r>
-              <a:rPr lang="fr-FR" sz="1050" b="0" i="0" u="none" strike="noStrike" kern="1200" cap="none" spc="0" baseline="0">
-                <a:solidFill>
-                  <a:srgbClr val="FFFFFF"/>
+              <a:t>Etat Final          </a:t>
+            </a:r>
+            <a:r>
+              <a:rPr lang="fr-FR" sz="1100" b="0" i="0" u="none" strike="noStrike" kern="1200" cap="none" spc="0" baseline="0" dirty="0">
+                <a:solidFill>
+                  <a:srgbClr val="262626"/>
                 </a:solidFill>
                 <a:uFillTx/>
                 <a:latin typeface="Century Gothic"/>
               </a:rPr>
-              <a:t> année															 				     													</a:t>
-            </a:r>
-          </a:p>
-        </p:txBody>
-      </p:sp>
-      <p:sp>
-        <p:nvSpPr>
-          <p:cNvPr id="3" name="ZoneTexte 2">
-            <a:extLst>
-              <a:ext uri="{FF2B5EF4-FFF2-40B4-BE49-F238E27FC236}">
-                <a16:creationId xmlns:a16="http://schemas.microsoft.com/office/drawing/2014/main" id="{E9FAD394-BBB6-4099-8D7A-5A8B1FF4B6D6}"/>
-              </a:ext>
-            </a:extLst>
-          </p:cNvPr>
-          <p:cNvSpPr txBox="1"/>
-          <p:nvPr/>
-        </p:nvSpPr>
-        <p:spPr>
-          <a:xfrm>
-            <a:off x="2139819" y="411992"/>
-            <a:ext cx="7912358" cy="707882"/>
-          </a:xfrm>
-          <a:prstGeom prst="rect">
-            <a:avLst/>
-          </a:prstGeom>
-          <a:noFill/>
-          <a:ln cap="rnd">
-            <a:noFill/>
-          </a:ln>
-        </p:spPr>
-        <p:txBody>
-          <a:bodyPr vert="horz" wrap="square" lIns="91440" tIns="45720" rIns="91440" bIns="45720" anchor="t" anchorCtr="1" compatLnSpc="1">
-            <a:spAutoFit/>
-          </a:bodyPr>
-          <a:lstStyle/>
+              <a:t>Les maths</a:t>
+            </a:r>
+          </a:p>
           <a:p>
             <a:pPr marL="0" marR="0" lvl="0" indent="0" algn="ctr" defTabSz="457200" rtl="0" fontAlgn="auto" hangingPunct="1">
               <a:lnSpc>
@@ -12070,25 +11277,204 @@
                 <a:uFillTx/>
               </a:defRPr>
             </a:pPr>
-            <a:r>
-              <a:rPr lang="fr-FR" sz="4000" b="1" i="0" u="none" strike="noStrike" kern="1200" cap="none" spc="0" baseline="0" dirty="0">
-                <a:solidFill>
-                  <a:srgbClr val="262626"/>
-                </a:solidFill>
-                <a:uFillTx/>
-                <a:latin typeface="Century Gothic"/>
-              </a:rPr>
-              <a:t>Les maths</a:t>
-            </a:r>
-          </a:p>
-        </p:txBody>
-      </p:sp>
-      <p:sp>
-        <p:nvSpPr>
-          <p:cNvPr id="5" name="Espace réservé du numéro de diapositive 4">
-            <a:extLst>
-              <a:ext uri="{FF2B5EF4-FFF2-40B4-BE49-F238E27FC236}">
-                <a16:creationId xmlns:a16="http://schemas.microsoft.com/office/drawing/2014/main" id="{4AD8B6A5-3781-46CE-9CA4-3A42721726F4}"/>
+            <a:endParaRPr lang="fr-FR" sz="1800" b="0" i="0" u="none" strike="noStrike" kern="1200" cap="none" spc="0" baseline="0" dirty="0">
+              <a:solidFill>
+                <a:srgbClr val="FFFFFF"/>
+              </a:solidFill>
+              <a:uFillTx/>
+              <a:latin typeface="Century Gothic"/>
+            </a:endParaRPr>
+          </a:p>
+        </p:txBody>
+      </p:sp>
+      <p:cxnSp>
+        <p:nvCxnSpPr>
+          <p:cNvPr id="13" name="Connecteur droit avec flèche 6">
+            <a:extLst>
+              <a:ext uri="{FF2B5EF4-FFF2-40B4-BE49-F238E27FC236}">
+                <a16:creationId xmlns:a16="http://schemas.microsoft.com/office/drawing/2014/main" id="{74955A6A-DEAC-4B40-8D3B-7C4B72C94859}"/>
+              </a:ext>
+            </a:extLst>
+          </p:cNvPr>
+          <p:cNvCxnSpPr>
+            <a:cxnSpLocks/>
+          </p:cNvCxnSpPr>
+          <p:nvPr/>
+        </p:nvCxnSpPr>
+        <p:spPr>
+          <a:xfrm>
+            <a:off x="4026313" y="342287"/>
+            <a:ext cx="280218" cy="0"/>
+          </a:xfrm>
+          <a:prstGeom prst="straightConnector1">
+            <a:avLst/>
+          </a:prstGeom>
+          <a:ln w="9525" cap="flat" cmpd="sng" algn="ctr">
+            <a:solidFill>
+              <a:schemeClr val="dk1"/>
+            </a:solidFill>
+            <a:prstDash val="solid"/>
+            <a:round/>
+            <a:headEnd type="none" w="med" len="med"/>
+            <a:tailEnd type="arrow" w="med" len="med"/>
+          </a:ln>
+        </p:spPr>
+        <p:style>
+          <a:lnRef idx="0">
+            <a:scrgbClr r="0" g="0" b="0"/>
+          </a:lnRef>
+          <a:fillRef idx="0">
+            <a:scrgbClr r="0" g="0" b="0"/>
+          </a:fillRef>
+          <a:effectRef idx="0">
+            <a:scrgbClr r="0" g="0" b="0"/>
+          </a:effectRef>
+          <a:fontRef idx="minor">
+            <a:schemeClr val="tx1"/>
+          </a:fontRef>
+        </p:style>
+      </p:cxnSp>
+      <p:cxnSp>
+        <p:nvCxnSpPr>
+          <p:cNvPr id="14" name="Connecteur droit avec flèche 8">
+            <a:extLst>
+              <a:ext uri="{FF2B5EF4-FFF2-40B4-BE49-F238E27FC236}">
+                <a16:creationId xmlns:a16="http://schemas.microsoft.com/office/drawing/2014/main" id="{6B319ED6-9D2C-4CA8-960A-F734FF386CD4}"/>
+              </a:ext>
+            </a:extLst>
+          </p:cNvPr>
+          <p:cNvCxnSpPr/>
+          <p:nvPr/>
+        </p:nvCxnSpPr>
+        <p:spPr>
+          <a:xfrm>
+            <a:off x="6096003" y="342287"/>
+            <a:ext cx="280217" cy="0"/>
+          </a:xfrm>
+          <a:prstGeom prst="straightConnector1">
+            <a:avLst/>
+          </a:prstGeom>
+          <a:ln w="9525" cap="flat" cmpd="sng" algn="ctr">
+            <a:solidFill>
+              <a:schemeClr val="dk1"/>
+            </a:solidFill>
+            <a:prstDash val="solid"/>
+            <a:round/>
+            <a:headEnd type="none" w="med" len="med"/>
+            <a:tailEnd type="arrow" w="med" len="med"/>
+          </a:ln>
+        </p:spPr>
+        <p:style>
+          <a:lnRef idx="0">
+            <a:scrgbClr r="0" g="0" b="0"/>
+          </a:lnRef>
+          <a:fillRef idx="0">
+            <a:scrgbClr r="0" g="0" b="0"/>
+          </a:fillRef>
+          <a:effectRef idx="0">
+            <a:scrgbClr r="0" g="0" b="0"/>
+          </a:effectRef>
+          <a:fontRef idx="minor">
+            <a:schemeClr val="tx1"/>
+          </a:fontRef>
+        </p:style>
+      </p:cxnSp>
+      <p:cxnSp>
+        <p:nvCxnSpPr>
+          <p:cNvPr id="15" name="Connecteur droit avec flèche 9">
+            <a:extLst>
+              <a:ext uri="{FF2B5EF4-FFF2-40B4-BE49-F238E27FC236}">
+                <a16:creationId xmlns:a16="http://schemas.microsoft.com/office/drawing/2014/main" id="{D3BEEAA2-BAAB-4FBD-A7F2-5C3D2B67909C}"/>
+              </a:ext>
+            </a:extLst>
+          </p:cNvPr>
+          <p:cNvCxnSpPr/>
+          <p:nvPr/>
+        </p:nvCxnSpPr>
+        <p:spPr>
+          <a:xfrm>
+            <a:off x="7740441" y="332759"/>
+            <a:ext cx="280218" cy="0"/>
+          </a:xfrm>
+          <a:prstGeom prst="straightConnector1">
+            <a:avLst/>
+          </a:prstGeom>
+          <a:ln w="9525" cap="flat" cmpd="sng" algn="ctr">
+            <a:solidFill>
+              <a:schemeClr val="dk1"/>
+            </a:solidFill>
+            <a:prstDash val="solid"/>
+            <a:round/>
+            <a:headEnd type="none" w="med" len="med"/>
+            <a:tailEnd type="arrow" w="med" len="med"/>
+          </a:ln>
+        </p:spPr>
+        <p:style>
+          <a:lnRef idx="0">
+            <a:scrgbClr r="0" g="0" b="0"/>
+          </a:lnRef>
+          <a:fillRef idx="0">
+            <a:scrgbClr r="0" g="0" b="0"/>
+          </a:fillRef>
+          <a:effectRef idx="0">
+            <a:scrgbClr r="0" g="0" b="0"/>
+          </a:effectRef>
+          <a:fontRef idx="minor">
+            <a:schemeClr val="tx1"/>
+          </a:fontRef>
+        </p:style>
+      </p:cxnSp>
+      <p:cxnSp>
+        <p:nvCxnSpPr>
+          <p:cNvPr id="16" name="Connecteur droit avec flèche 10">
+            <a:extLst>
+              <a:ext uri="{FF2B5EF4-FFF2-40B4-BE49-F238E27FC236}">
+                <a16:creationId xmlns:a16="http://schemas.microsoft.com/office/drawing/2014/main" id="{72A87FF4-63A6-4784-A646-669B97754B06}"/>
+              </a:ext>
+            </a:extLst>
+          </p:cNvPr>
+          <p:cNvCxnSpPr/>
+          <p:nvPr/>
+        </p:nvCxnSpPr>
+        <p:spPr>
+          <a:xfrm>
+            <a:off x="8735958" y="332448"/>
+            <a:ext cx="280227" cy="0"/>
+          </a:xfrm>
+          <a:prstGeom prst="straightConnector1">
+            <a:avLst/>
+          </a:prstGeom>
+          <a:ln w="9525" cap="flat" cmpd="sng" algn="ctr">
+            <a:solidFill>
+              <a:schemeClr val="dk1"/>
+            </a:solidFill>
+            <a:prstDash val="solid"/>
+            <a:round/>
+            <a:headEnd type="none" w="med" len="med"/>
+            <a:tailEnd type="arrow" w="med" len="med"/>
+          </a:ln>
+        </p:spPr>
+        <p:style>
+          <a:lnRef idx="0">
+            <a:scrgbClr r="0" g="0" b="0"/>
+          </a:lnRef>
+          <a:fillRef idx="0">
+            <a:scrgbClr r="0" g="0" b="0"/>
+          </a:fillRef>
+          <a:effectRef idx="0">
+            <a:scrgbClr r="0" g="0" b="0"/>
+          </a:effectRef>
+          <a:fontRef idx="minor">
+            <a:schemeClr val="tx1"/>
+          </a:fontRef>
+        </p:style>
+      </p:cxnSp>
+      <p:sp>
+        <p:nvSpPr>
+          <p:cNvPr id="17" name="Espace réservé du numéro de diapositive 7">
+            <a:extLst>
+              <a:ext uri="{FF2B5EF4-FFF2-40B4-BE49-F238E27FC236}">
+                <a16:creationId xmlns:a16="http://schemas.microsoft.com/office/drawing/2014/main" id="{1580C8B6-76DB-45B2-86EC-F5A7975892B8}"/>
               </a:ext>
             </a:extLst>
           </p:cNvPr>
@@ -12133,7 +11519,7 @@
                 <a:uFillTx/>
               </a:defRPr>
             </a:pPr>
-            <a:fld id="{FD1251E9-295D-4DFD-A63B-58872DCC76F5}" type="slidenum">
+            <a:fld id="{1A0F8804-A8AF-488B-BABF-40AC271FABDD}" type="slidenum">
               <a:t>17</a:t>
             </a:fld>
             <a:endParaRPr lang="fr-FR" sz="900" b="1" i="0" u="none" strike="noStrike" kern="1200" cap="none" spc="0" baseline="0">
@@ -12151,10 +11537,304 @@
           </a:p>
         </p:txBody>
       </p:sp>
+      <p:sp>
+        <p:nvSpPr>
+          <p:cNvPr id="18" name="ZoneTexte 12">
+            <a:extLst>
+              <a:ext uri="{FF2B5EF4-FFF2-40B4-BE49-F238E27FC236}">
+                <a16:creationId xmlns:a16="http://schemas.microsoft.com/office/drawing/2014/main" id="{E53531DC-3A45-4739-9523-1FC5EEDF4DC5}"/>
+              </a:ext>
+            </a:extLst>
+          </p:cNvPr>
+          <p:cNvSpPr txBox="1"/>
+          <p:nvPr/>
+        </p:nvSpPr>
+        <p:spPr>
+          <a:xfrm>
+            <a:off x="0" y="6451137"/>
+            <a:ext cx="12191996" cy="577077"/>
+          </a:xfrm>
+          <a:prstGeom prst="rect">
+            <a:avLst/>
+          </a:prstGeom>
+          <a:noFill/>
+          <a:ln cap="rnd">
+            <a:noFill/>
+          </a:ln>
+        </p:spPr>
+        <p:txBody>
+          <a:bodyPr vert="horz" wrap="square" lIns="91440" tIns="45720" rIns="91440" bIns="45720" anchor="t" anchorCtr="0" compatLnSpc="1">
+            <a:spAutoFit/>
+          </a:bodyPr>
+          <a:lstStyle/>
+          <a:p>
+            <a:pPr marL="0" marR="0" lvl="0" indent="0" algn="l" defTabSz="457200" rtl="0" fontAlgn="auto" hangingPunct="1">
+              <a:lnSpc>
+                <a:spcPct val="100000"/>
+              </a:lnSpc>
+              <a:spcBef>
+                <a:spcPts val="0"/>
+              </a:spcBef>
+              <a:spcAft>
+                <a:spcPts val="0"/>
+              </a:spcAft>
+              <a:buNone/>
+              <a:tabLst/>
+              <a:defRPr sz="1800" b="0" i="0" u="none" strike="noStrike" kern="0" cap="none" spc="0" baseline="0">
+                <a:solidFill>
+                  <a:srgbClr val="000000"/>
+                </a:solidFill>
+                <a:uFillTx/>
+              </a:defRPr>
+            </a:pPr>
+            <a:r>
+              <a:rPr lang="fr-FR" sz="1050" b="0" i="0" u="none" strike="noStrike" kern="1200" cap="none" spc="0" baseline="0">
+                <a:solidFill>
+                  <a:srgbClr val="FFFFFF"/>
+                </a:solidFill>
+                <a:uFillTx/>
+                <a:latin typeface="Century Gothic"/>
+              </a:rPr>
+              <a:t>Nicolas MEYNIEL, Damien PIEDANNA, Axel PISANI, Aurélien ROBINEAU													     Mercredi 7 novembre 2018 </a:t>
+            </a:r>
+          </a:p>
+          <a:p>
+            <a:pPr marL="0" marR="0" lvl="0" indent="0" algn="l" defTabSz="457200" rtl="0" fontAlgn="auto" hangingPunct="1">
+              <a:lnSpc>
+                <a:spcPct val="100000"/>
+              </a:lnSpc>
+              <a:spcBef>
+                <a:spcPts val="0"/>
+              </a:spcBef>
+              <a:spcAft>
+                <a:spcPts val="0"/>
+              </a:spcAft>
+              <a:buNone/>
+              <a:tabLst/>
+              <a:defRPr sz="1800" b="0" i="0" u="none" strike="noStrike" kern="0" cap="none" spc="0" baseline="0">
+                <a:solidFill>
+                  <a:srgbClr val="000000"/>
+                </a:solidFill>
+                <a:uFillTx/>
+              </a:defRPr>
+            </a:pPr>
+            <a:r>
+              <a:rPr lang="fr-FR" sz="1050" b="0" i="0" u="none" strike="noStrike" kern="1200" cap="none" spc="0" baseline="0">
+                <a:solidFill>
+                  <a:srgbClr val="FFFFFF"/>
+                </a:solidFill>
+                <a:uFillTx/>
+                <a:latin typeface="Century Gothic"/>
+              </a:rPr>
+              <a:t>Groupe 3B – 2</a:t>
+            </a:r>
+            <a:r>
+              <a:rPr lang="fr-FR" sz="1050" b="0" i="0" u="none" strike="noStrike" kern="1200" cap="none" spc="0" baseline="30000">
+                <a:solidFill>
+                  <a:srgbClr val="FFFFFF"/>
+                </a:solidFill>
+                <a:uFillTx/>
+                <a:latin typeface="Century Gothic"/>
+              </a:rPr>
+              <a:t>nd</a:t>
+            </a:r>
+            <a:r>
+              <a:rPr lang="fr-FR" sz="1050" b="0" i="0" u="none" strike="noStrike" kern="1200" cap="none" spc="0" baseline="0">
+                <a:solidFill>
+                  <a:srgbClr val="FFFFFF"/>
+                </a:solidFill>
+                <a:uFillTx/>
+                <a:latin typeface="Century Gothic"/>
+              </a:rPr>
+              <a:t> année															 				     													</a:t>
+            </a:r>
+          </a:p>
+        </p:txBody>
+      </p:sp>
+      <p:sp>
+        <p:nvSpPr>
+          <p:cNvPr id="19" name="ZoneTexte 18">
+            <a:extLst>
+              <a:ext uri="{FF2B5EF4-FFF2-40B4-BE49-F238E27FC236}">
+                <a16:creationId xmlns:a16="http://schemas.microsoft.com/office/drawing/2014/main" id="{B9195FC4-C2E4-43D7-8BAF-97534124B800}"/>
+              </a:ext>
+            </a:extLst>
+          </p:cNvPr>
+          <p:cNvSpPr txBox="1"/>
+          <p:nvPr/>
+        </p:nvSpPr>
+        <p:spPr>
+          <a:xfrm>
+            <a:off x="4101881" y="1743146"/>
+            <a:ext cx="3988233" cy="646331"/>
+          </a:xfrm>
+          <a:prstGeom prst="rect">
+            <a:avLst/>
+          </a:prstGeom>
+          <a:noFill/>
+        </p:spPr>
+        <p:txBody>
+          <a:bodyPr wrap="square" rtlCol="0">
+            <a:spAutoFit/>
+          </a:bodyPr>
+          <a:lstStyle/>
+          <a:p>
+            <a:pPr algn="ctr"/>
+            <a:r>
+              <a:rPr lang="fr-FR" sz="3600" dirty="0">
+                <a:solidFill>
+                  <a:srgbClr val="8ECE55"/>
+                </a:solidFill>
+              </a:rPr>
+              <a:t>Cellules</a:t>
+            </a:r>
+          </a:p>
+        </p:txBody>
+      </p:sp>
+      <p:sp>
+        <p:nvSpPr>
+          <p:cNvPr id="20" name="ZoneTexte 19">
+            <a:extLst>
+              <a:ext uri="{FF2B5EF4-FFF2-40B4-BE49-F238E27FC236}">
+                <a16:creationId xmlns:a16="http://schemas.microsoft.com/office/drawing/2014/main" id="{2391022A-6709-4890-8BF0-CF032E9A94BB}"/>
+              </a:ext>
+            </a:extLst>
+          </p:cNvPr>
+          <p:cNvSpPr txBox="1"/>
+          <p:nvPr/>
+        </p:nvSpPr>
+        <p:spPr>
+          <a:xfrm>
+            <a:off x="557076" y="2875001"/>
+            <a:ext cx="4419597" cy="1938992"/>
+          </a:xfrm>
+          <a:prstGeom prst="rect">
+            <a:avLst/>
+          </a:prstGeom>
+          <a:noFill/>
+        </p:spPr>
+        <p:txBody>
+          <a:bodyPr wrap="square" rtlCol="0">
+            <a:spAutoFit/>
+          </a:bodyPr>
+          <a:lstStyle/>
+          <a:p>
+            <a:pPr algn="ctr"/>
+            <a:r>
+              <a:rPr lang="fr-FR" sz="2400" dirty="0">
+                <a:solidFill>
+                  <a:srgbClr val="8ECE55"/>
+                </a:solidFill>
+              </a:rPr>
+              <a:t>Type</a:t>
+            </a:r>
+          </a:p>
+          <a:p>
+            <a:pPr algn="ctr"/>
+            <a:endParaRPr lang="fr-FR" sz="2400" dirty="0">
+              <a:solidFill>
+                <a:srgbClr val="8ECE55"/>
+              </a:solidFill>
+            </a:endParaRPr>
+          </a:p>
+          <a:p>
+            <a:pPr algn="ctr"/>
+            <a:r>
+              <a:rPr lang="fr-FR" sz="2400" dirty="0">
+                <a:solidFill>
+                  <a:schemeClr val="bg1"/>
+                </a:solidFill>
+              </a:rPr>
+              <a:t>Saine, Infectée, Guérie, Morte</a:t>
+            </a:r>
+          </a:p>
+          <a:p>
+            <a:pPr algn="ctr"/>
+            <a:r>
+              <a:rPr lang="fr-FR" sz="2400" dirty="0">
+                <a:solidFill>
+                  <a:schemeClr val="bg1"/>
+                </a:solidFill>
+              </a:rPr>
+              <a:t>ou</a:t>
+            </a:r>
+          </a:p>
+          <a:p>
+            <a:pPr algn="ctr"/>
+            <a:r>
+              <a:rPr lang="fr-FR" sz="2400" dirty="0">
+                <a:solidFill>
+                  <a:schemeClr val="bg1"/>
+                </a:solidFill>
+              </a:rPr>
+              <a:t>Vide, Eau</a:t>
+            </a:r>
+          </a:p>
+        </p:txBody>
+      </p:sp>
+      <p:sp>
+        <p:nvSpPr>
+          <p:cNvPr id="21" name="ZoneTexte 20">
+            <a:extLst>
+              <a:ext uri="{FF2B5EF4-FFF2-40B4-BE49-F238E27FC236}">
+                <a16:creationId xmlns:a16="http://schemas.microsoft.com/office/drawing/2014/main" id="{D0B369AD-0C88-44D0-BE6D-458FF3198E8B}"/>
+              </a:ext>
+            </a:extLst>
+          </p:cNvPr>
+          <p:cNvSpPr txBox="1"/>
+          <p:nvPr/>
+        </p:nvSpPr>
+        <p:spPr>
+          <a:xfrm>
+            <a:off x="8090114" y="3244332"/>
+            <a:ext cx="3027243" cy="1200329"/>
+          </a:xfrm>
+          <a:prstGeom prst="rect">
+            <a:avLst/>
+          </a:prstGeom>
+          <a:noFill/>
+        </p:spPr>
+        <p:txBody>
+          <a:bodyPr wrap="square" rtlCol="0">
+            <a:spAutoFit/>
+          </a:bodyPr>
+          <a:lstStyle/>
+          <a:p>
+            <a:pPr algn="ctr"/>
+            <a:r>
+              <a:rPr lang="fr-FR" sz="2400" dirty="0">
+                <a:solidFill>
+                  <a:srgbClr val="8ECE55"/>
+                </a:solidFill>
+              </a:rPr>
+              <a:t>Age moyen</a:t>
+            </a:r>
+          </a:p>
+          <a:p>
+            <a:pPr algn="ctr"/>
+            <a:endParaRPr lang="fr-FR" sz="2400" dirty="0">
+              <a:solidFill>
+                <a:srgbClr val="8ECE55"/>
+              </a:solidFill>
+            </a:endParaRPr>
+          </a:p>
+          <a:p>
+            <a:pPr algn="ctr"/>
+            <a:r>
+              <a:rPr lang="fr-FR" sz="2400" dirty="0">
+                <a:solidFill>
+                  <a:schemeClr val="bg1"/>
+                </a:solidFill>
+              </a:rPr>
+              <a:t>Entre 0 et 100 ans</a:t>
+            </a:r>
+          </a:p>
+        </p:txBody>
+      </p:sp>
     </p:spTree>
     <p:extLst>
       <p:ext uri="{BB962C8B-B14F-4D97-AF65-F5344CB8AC3E}">
-        <p14:creationId xmlns:p14="http://schemas.microsoft.com/office/powerpoint/2010/main" val="226198178"/>
+        <p14:creationId xmlns:p14="http://schemas.microsoft.com/office/powerpoint/2010/main" val="2906320731"/>
       </p:ext>
     </p:extLst>
   </p:cSld>
@@ -12166,7 +11846,7 @@
 
 <file path=ppt/slides/slide18.xml><?xml version="1.0" encoding="utf-8"?>
 <p:sld xmlns:a="http://schemas.openxmlformats.org/drawingml/2006/main" xmlns:r="http://schemas.openxmlformats.org/officeDocument/2006/relationships" xmlns:p="http://schemas.openxmlformats.org/presentationml/2006/main">
-  <p:cSld name="Slide7">
+  <p:cSld>
     <p:bg>
       <p:bgPr>
         <a:solidFill>
@@ -12191,10 +11871,78 @@
       </p:grpSpPr>
       <p:sp>
         <p:nvSpPr>
-          <p:cNvPr id="10" name="Rectangle 9">
-            <a:extLst>
-              <a:ext uri="{FF2B5EF4-FFF2-40B4-BE49-F238E27FC236}">
-                <a16:creationId xmlns:a16="http://schemas.microsoft.com/office/drawing/2014/main" id="{AE8623B3-E4EC-455E-BF32-A13679F9B2A7}"/>
+          <p:cNvPr id="7" name="Espace réservé du numéro de diapositive 1">
+            <a:extLst>
+              <a:ext uri="{FF2B5EF4-FFF2-40B4-BE49-F238E27FC236}">
+                <a16:creationId xmlns:a16="http://schemas.microsoft.com/office/drawing/2014/main" id="{ACAE1147-1386-478E-8609-02524CBEC5A0}"/>
+              </a:ext>
+            </a:extLst>
+          </p:cNvPr>
+          <p:cNvSpPr txBox="1"/>
+          <p:nvPr/>
+        </p:nvSpPr>
+        <p:spPr>
+          <a:xfrm>
+            <a:off x="11640833" y="6557107"/>
+            <a:ext cx="551163" cy="365129"/>
+          </a:xfrm>
+          <a:prstGeom prst="rect">
+            <a:avLst/>
+          </a:prstGeom>
+          <a:noFill/>
+          <a:ln cap="rnd">
+            <a:noFill/>
+          </a:ln>
+        </p:spPr>
+        <p:txBody>
+          <a:bodyPr vert="horz" wrap="square" lIns="91440" tIns="45720" rIns="91440" bIns="45720" anchor="ctr" anchorCtr="0" compatLnSpc="1">
+            <a:noAutofit/>
+          </a:bodyPr>
+          <a:lstStyle/>
+          <a:p>
+            <a:pPr marL="0" marR="0" lvl="0" indent="0" algn="r" defTabSz="457200" rtl="0" fontAlgn="auto" hangingPunct="1">
+              <a:lnSpc>
+                <a:spcPct val="100000"/>
+              </a:lnSpc>
+              <a:spcBef>
+                <a:spcPts val="0"/>
+              </a:spcBef>
+              <a:spcAft>
+                <a:spcPts val="0"/>
+              </a:spcAft>
+              <a:buNone/>
+              <a:tabLst/>
+              <a:defRPr sz="1800" b="0" i="0" u="none" strike="noStrike" kern="0" cap="none" spc="0" baseline="0">
+                <a:solidFill>
+                  <a:srgbClr val="000000"/>
+                </a:solidFill>
+                <a:uFillTx/>
+              </a:defRPr>
+            </a:pPr>
+            <a:fld id="{D7BCEA47-A648-4F36-AE1F-D3D50854FB8A}" type="slidenum">
+              <a:t>18</a:t>
+            </a:fld>
+            <a:endParaRPr lang="fr-FR" sz="900" b="1" i="0" u="none" strike="noStrike" kern="1200" cap="none" spc="0" baseline="0">
+              <a:solidFill>
+                <a:srgbClr val="BFBFBF"/>
+              </a:solidFill>
+              <a:effectLst>
+                <a:outerShdw dist="38096" dir="2700000">
+                  <a:srgbClr val="000000"/>
+                </a:outerShdw>
+              </a:effectLst>
+              <a:uFillTx/>
+              <a:latin typeface="Century Gothic"/>
+            </a:endParaRPr>
+          </a:p>
+        </p:txBody>
+      </p:sp>
+      <p:sp>
+        <p:nvSpPr>
+          <p:cNvPr id="11" name="Rectangle 10">
+            <a:extLst>
+              <a:ext uri="{FF2B5EF4-FFF2-40B4-BE49-F238E27FC236}">
+                <a16:creationId xmlns:a16="http://schemas.microsoft.com/office/drawing/2014/main" id="{E9AAA5E3-744A-413A-B973-FD1D5EEF70C1}"/>
               </a:ext>
             </a:extLst>
           </p:cNvPr>
@@ -12243,10 +11991,10 @@
       </p:sp>
       <p:sp>
         <p:nvSpPr>
-          <p:cNvPr id="11" name="ZoneTexte 2">
-            <a:extLst>
-              <a:ext uri="{FF2B5EF4-FFF2-40B4-BE49-F238E27FC236}">
-                <a16:creationId xmlns:a16="http://schemas.microsoft.com/office/drawing/2014/main" id="{0EB27BA8-B711-47F6-8765-00911875577A}"/>
+          <p:cNvPr id="12" name="ZoneTexte 2">
+            <a:extLst>
+              <a:ext uri="{FF2B5EF4-FFF2-40B4-BE49-F238E27FC236}">
+                <a16:creationId xmlns:a16="http://schemas.microsoft.com/office/drawing/2014/main" id="{B9839CA4-5015-43A2-97D5-F9425CF60E56}"/>
               </a:ext>
             </a:extLst>
           </p:cNvPr>
@@ -12299,7 +12047,7 @@
                 <a:uFillTx/>
                 <a:latin typeface="Century Gothic"/>
               </a:rPr>
-              <a:t>Présentation du projet          </a:t>
+              <a:t>Présentation du projet          Les automates cellulaires          </a:t>
             </a:r>
             <a:r>
               <a:rPr lang="fr-FR" sz="1100" b="0" i="0" u="none" strike="noStrike" kern="1200" cap="none" spc="0" baseline="0" dirty="0">
@@ -12309,10 +12057,20 @@
                 <a:uFillTx/>
                 <a:latin typeface="Century Gothic"/>
               </a:rPr>
-              <a:t>Les automates cellulaires          Evolution du projet          Etat Final          </a:t>
-            </a:r>
-            <a:r>
-              <a:rPr lang="fr-FR" sz="1100" b="1" u="none" strike="noStrike" kern="1200" cap="none" spc="0" baseline="0" dirty="0">
+              <a:t>Evolution du projet          </a:t>
+            </a:r>
+            <a:r>
+              <a:rPr lang="fr-FR" sz="1100" b="1" i="0" u="none" strike="noStrike" kern="1200" cap="none" spc="0" baseline="0" dirty="0">
+                <a:solidFill>
+                  <a:srgbClr val="262626"/>
+                </a:solidFill>
+                <a:uFillTx/>
+                <a:latin typeface="Century Gothic"/>
+              </a:rPr>
+              <a:t>Etat Final          </a:t>
+            </a:r>
+            <a:r>
+              <a:rPr lang="fr-FR" sz="1100" b="0" i="0" u="none" strike="noStrike" kern="1200" cap="none" spc="0" baseline="0" dirty="0">
                 <a:solidFill>
                   <a:srgbClr val="262626"/>
                 </a:solidFill>
@@ -12354,10 +12112,10 @@
       </p:sp>
       <p:cxnSp>
         <p:nvCxnSpPr>
-          <p:cNvPr id="12" name="Connecteur droit avec flèche 6">
-            <a:extLst>
-              <a:ext uri="{FF2B5EF4-FFF2-40B4-BE49-F238E27FC236}">
-                <a16:creationId xmlns:a16="http://schemas.microsoft.com/office/drawing/2014/main" id="{C0C8AB16-9AE0-4F10-9872-57F70A001BA6}"/>
+          <p:cNvPr id="13" name="Connecteur droit avec flèche 6">
+            <a:extLst>
+              <a:ext uri="{FF2B5EF4-FFF2-40B4-BE49-F238E27FC236}">
+                <a16:creationId xmlns:a16="http://schemas.microsoft.com/office/drawing/2014/main" id="{74955A6A-DEAC-4B40-8D3B-7C4B72C94859}"/>
               </a:ext>
             </a:extLst>
           </p:cNvPr>
@@ -12401,10 +12159,10 @@
       </p:cxnSp>
       <p:cxnSp>
         <p:nvCxnSpPr>
-          <p:cNvPr id="13" name="Connecteur droit avec flèche 8">
-            <a:extLst>
-              <a:ext uri="{FF2B5EF4-FFF2-40B4-BE49-F238E27FC236}">
-                <a16:creationId xmlns:a16="http://schemas.microsoft.com/office/drawing/2014/main" id="{F7C94D04-A3CB-4790-87C1-24E0AD894563}"/>
+          <p:cNvPr id="14" name="Connecteur droit avec flèche 8">
+            <a:extLst>
+              <a:ext uri="{FF2B5EF4-FFF2-40B4-BE49-F238E27FC236}">
+                <a16:creationId xmlns:a16="http://schemas.microsoft.com/office/drawing/2014/main" id="{6B319ED6-9D2C-4CA8-960A-F734FF386CD4}"/>
               </a:ext>
             </a:extLst>
           </p:cNvPr>
@@ -12446,10 +12204,10 @@
       </p:cxnSp>
       <p:cxnSp>
         <p:nvCxnSpPr>
-          <p:cNvPr id="14" name="Connecteur droit avec flèche 9">
-            <a:extLst>
-              <a:ext uri="{FF2B5EF4-FFF2-40B4-BE49-F238E27FC236}">
-                <a16:creationId xmlns:a16="http://schemas.microsoft.com/office/drawing/2014/main" id="{536E14AF-114A-4FBA-9E78-6DC396A8069A}"/>
+          <p:cNvPr id="15" name="Connecteur droit avec flèche 9">
+            <a:extLst>
+              <a:ext uri="{FF2B5EF4-FFF2-40B4-BE49-F238E27FC236}">
+                <a16:creationId xmlns:a16="http://schemas.microsoft.com/office/drawing/2014/main" id="{D3BEEAA2-BAAB-4FBD-A7F2-5C3D2B67909C}"/>
               </a:ext>
             </a:extLst>
           </p:cNvPr>
@@ -12491,10 +12249,10 @@
       </p:cxnSp>
       <p:cxnSp>
         <p:nvCxnSpPr>
-          <p:cNvPr id="15" name="Connecteur droit avec flèche 10">
-            <a:extLst>
-              <a:ext uri="{FF2B5EF4-FFF2-40B4-BE49-F238E27FC236}">
-                <a16:creationId xmlns:a16="http://schemas.microsoft.com/office/drawing/2014/main" id="{B381760C-00E1-4C8B-A4ED-25A0BB38110A}"/>
+          <p:cNvPr id="16" name="Connecteur droit avec flèche 10">
+            <a:extLst>
+              <a:ext uri="{FF2B5EF4-FFF2-40B4-BE49-F238E27FC236}">
+                <a16:creationId xmlns:a16="http://schemas.microsoft.com/office/drawing/2014/main" id="{72A87FF4-63A6-4784-A646-669B97754B06}"/>
               </a:ext>
             </a:extLst>
           </p:cNvPr>
@@ -12536,10 +12294,10 @@
       </p:cxnSp>
       <p:sp>
         <p:nvSpPr>
-          <p:cNvPr id="16" name="Espace réservé du numéro de diapositive 7">
-            <a:extLst>
-              <a:ext uri="{FF2B5EF4-FFF2-40B4-BE49-F238E27FC236}">
-                <a16:creationId xmlns:a16="http://schemas.microsoft.com/office/drawing/2014/main" id="{1635AA11-4E0A-4C6B-A55B-60B572FE8BB7}"/>
+          <p:cNvPr id="17" name="Espace réservé du numéro de diapositive 7">
+            <a:extLst>
+              <a:ext uri="{FF2B5EF4-FFF2-40B4-BE49-F238E27FC236}">
+                <a16:creationId xmlns:a16="http://schemas.microsoft.com/office/drawing/2014/main" id="{1580C8B6-76DB-45B2-86EC-F5A7975892B8}"/>
               </a:ext>
             </a:extLst>
           </p:cNvPr>
@@ -12604,10 +12362,10 @@
       </p:sp>
       <p:sp>
         <p:nvSpPr>
-          <p:cNvPr id="17" name="ZoneTexte 12">
-            <a:extLst>
-              <a:ext uri="{FF2B5EF4-FFF2-40B4-BE49-F238E27FC236}">
-                <a16:creationId xmlns:a16="http://schemas.microsoft.com/office/drawing/2014/main" id="{D9869B71-8155-4E04-83B1-4BA318BE7014}"/>
+          <p:cNvPr id="18" name="ZoneTexte 12">
+            <a:extLst>
+              <a:ext uri="{FF2B5EF4-FFF2-40B4-BE49-F238E27FC236}">
+                <a16:creationId xmlns:a16="http://schemas.microsoft.com/office/drawing/2014/main" id="{E53531DC-3A45-4739-9523-1FC5EEDF4DC5}"/>
               </a:ext>
             </a:extLst>
           </p:cNvPr>
@@ -12718,10 +12476,10 @@
       </p:sp>
       <p:sp>
         <p:nvSpPr>
-          <p:cNvPr id="18" name="ZoneTexte 17">
-            <a:extLst>
-              <a:ext uri="{FF2B5EF4-FFF2-40B4-BE49-F238E27FC236}">
-                <a16:creationId xmlns:a16="http://schemas.microsoft.com/office/drawing/2014/main" id="{65CC5CFE-CFAC-4255-8B85-FBC2CB7E5A38}"/>
+          <p:cNvPr id="19" name="ZoneTexte 18">
+            <a:extLst>
+              <a:ext uri="{FF2B5EF4-FFF2-40B4-BE49-F238E27FC236}">
+                <a16:creationId xmlns:a16="http://schemas.microsoft.com/office/drawing/2014/main" id="{B9195FC4-C2E4-43D7-8BAF-97534124B800}"/>
               </a:ext>
             </a:extLst>
           </p:cNvPr>
@@ -12751,12 +12509,57 @@
                   <a:srgbClr val="8ECE55"/>
                 </a:solidFill>
               </a:rPr>
-              <a:t>Algorithme de Prim</a:t>
+              <a:t>Fleuves</a:t>
+            </a:r>
+          </a:p>
+        </p:txBody>
+      </p:sp>
+      <p:sp>
+        <p:nvSpPr>
+          <p:cNvPr id="20" name="ZoneTexte 19">
+            <a:extLst>
+              <a:ext uri="{FF2B5EF4-FFF2-40B4-BE49-F238E27FC236}">
+                <a16:creationId xmlns:a16="http://schemas.microsoft.com/office/drawing/2014/main" id="{2391022A-6709-4890-8BF0-CF032E9A94BB}"/>
+              </a:ext>
+            </a:extLst>
+          </p:cNvPr>
+          <p:cNvSpPr txBox="1"/>
+          <p:nvPr/>
+        </p:nvSpPr>
+        <p:spPr>
+          <a:xfrm>
+            <a:off x="3886198" y="3727809"/>
+            <a:ext cx="4419597" cy="461665"/>
+          </a:xfrm>
+          <a:prstGeom prst="rect">
+            <a:avLst/>
+          </a:prstGeom>
+          <a:noFill/>
+        </p:spPr>
+        <p:txBody>
+          <a:bodyPr wrap="square" rtlCol="0">
+            <a:spAutoFit/>
+          </a:bodyPr>
+          <a:lstStyle/>
+          <a:p>
+            <a:pPr algn="ctr"/>
+            <a:r>
+              <a:rPr lang="fr-FR" sz="2400" dirty="0">
+                <a:solidFill>
+                  <a:schemeClr val="bg1"/>
+                </a:solidFill>
+              </a:rPr>
+              <a:t>Entravent la propagation du virus</a:t>
             </a:r>
           </a:p>
         </p:txBody>
       </p:sp>
     </p:spTree>
+    <p:extLst>
+      <p:ext uri="{BB962C8B-B14F-4D97-AF65-F5344CB8AC3E}">
+        <p14:creationId xmlns:p14="http://schemas.microsoft.com/office/powerpoint/2010/main" val="3592027150"/>
+      </p:ext>
+    </p:extLst>
   </p:cSld>
   <p:clrMapOvr>
     <a:masterClrMapping/>
@@ -12791,10 +12594,78 @@
       </p:grpSpPr>
       <p:sp>
         <p:nvSpPr>
-          <p:cNvPr id="10" name="Rectangle 9">
-            <a:extLst>
-              <a:ext uri="{FF2B5EF4-FFF2-40B4-BE49-F238E27FC236}">
-                <a16:creationId xmlns:a16="http://schemas.microsoft.com/office/drawing/2014/main" id="{AE8623B3-E4EC-455E-BF32-A13679F9B2A7}"/>
+          <p:cNvPr id="7" name="Espace réservé du numéro de diapositive 1">
+            <a:extLst>
+              <a:ext uri="{FF2B5EF4-FFF2-40B4-BE49-F238E27FC236}">
+                <a16:creationId xmlns:a16="http://schemas.microsoft.com/office/drawing/2014/main" id="{ACAE1147-1386-478E-8609-02524CBEC5A0}"/>
+              </a:ext>
+            </a:extLst>
+          </p:cNvPr>
+          <p:cNvSpPr txBox="1"/>
+          <p:nvPr/>
+        </p:nvSpPr>
+        <p:spPr>
+          <a:xfrm>
+            <a:off x="11640833" y="6557107"/>
+            <a:ext cx="551163" cy="365129"/>
+          </a:xfrm>
+          <a:prstGeom prst="rect">
+            <a:avLst/>
+          </a:prstGeom>
+          <a:noFill/>
+          <a:ln cap="rnd">
+            <a:noFill/>
+          </a:ln>
+        </p:spPr>
+        <p:txBody>
+          <a:bodyPr vert="horz" wrap="square" lIns="91440" tIns="45720" rIns="91440" bIns="45720" anchor="ctr" anchorCtr="0" compatLnSpc="1">
+            <a:noAutofit/>
+          </a:bodyPr>
+          <a:lstStyle/>
+          <a:p>
+            <a:pPr marL="0" marR="0" lvl="0" indent="0" algn="r" defTabSz="457200" rtl="0" fontAlgn="auto" hangingPunct="1">
+              <a:lnSpc>
+                <a:spcPct val="100000"/>
+              </a:lnSpc>
+              <a:spcBef>
+                <a:spcPts val="0"/>
+              </a:spcBef>
+              <a:spcAft>
+                <a:spcPts val="0"/>
+              </a:spcAft>
+              <a:buNone/>
+              <a:tabLst/>
+              <a:defRPr sz="1800" b="0" i="0" u="none" strike="noStrike" kern="0" cap="none" spc="0" baseline="0">
+                <a:solidFill>
+                  <a:srgbClr val="000000"/>
+                </a:solidFill>
+                <a:uFillTx/>
+              </a:defRPr>
+            </a:pPr>
+            <a:fld id="{D7BCEA47-A648-4F36-AE1F-D3D50854FB8A}" type="slidenum">
+              <a:t>19</a:t>
+            </a:fld>
+            <a:endParaRPr lang="fr-FR" sz="900" b="1" i="0" u="none" strike="noStrike" kern="1200" cap="none" spc="0" baseline="0">
+              <a:solidFill>
+                <a:srgbClr val="BFBFBF"/>
+              </a:solidFill>
+              <a:effectLst>
+                <a:outerShdw dist="38096" dir="2700000">
+                  <a:srgbClr val="000000"/>
+                </a:outerShdw>
+              </a:effectLst>
+              <a:uFillTx/>
+              <a:latin typeface="Century Gothic"/>
+            </a:endParaRPr>
+          </a:p>
+        </p:txBody>
+      </p:sp>
+      <p:sp>
+        <p:nvSpPr>
+          <p:cNvPr id="11" name="Rectangle 10">
+            <a:extLst>
+              <a:ext uri="{FF2B5EF4-FFF2-40B4-BE49-F238E27FC236}">
+                <a16:creationId xmlns:a16="http://schemas.microsoft.com/office/drawing/2014/main" id="{E9AAA5E3-744A-413A-B973-FD1D5EEF70C1}"/>
               </a:ext>
             </a:extLst>
           </p:cNvPr>
@@ -12843,10 +12714,10 @@
       </p:sp>
       <p:sp>
         <p:nvSpPr>
-          <p:cNvPr id="11" name="ZoneTexte 2">
-            <a:extLst>
-              <a:ext uri="{FF2B5EF4-FFF2-40B4-BE49-F238E27FC236}">
-                <a16:creationId xmlns:a16="http://schemas.microsoft.com/office/drawing/2014/main" id="{0EB27BA8-B711-47F6-8765-00911875577A}"/>
+          <p:cNvPr id="12" name="ZoneTexte 2">
+            <a:extLst>
+              <a:ext uri="{FF2B5EF4-FFF2-40B4-BE49-F238E27FC236}">
+                <a16:creationId xmlns:a16="http://schemas.microsoft.com/office/drawing/2014/main" id="{B9839CA4-5015-43A2-97D5-F9425CF60E56}"/>
               </a:ext>
             </a:extLst>
           </p:cNvPr>
@@ -12899,7 +12770,7 @@
                 <a:uFillTx/>
                 <a:latin typeface="Century Gothic"/>
               </a:rPr>
-              <a:t>Présentation du projet          </a:t>
+              <a:t>Présentation du projet          Les automates cellulaires          </a:t>
             </a:r>
             <a:r>
               <a:rPr lang="fr-FR" sz="1100" b="0" i="0" u="none" strike="noStrike" kern="1200" cap="none" spc="0" baseline="0" dirty="0">
@@ -12909,10 +12780,20 @@
                 <a:uFillTx/>
                 <a:latin typeface="Century Gothic"/>
               </a:rPr>
-              <a:t>Les automates cellulaires          Evolution du projet          Etat Final          </a:t>
-            </a:r>
-            <a:r>
-              <a:rPr lang="fr-FR" sz="1100" b="1" u="none" strike="noStrike" kern="1200" cap="none" spc="0" baseline="0" dirty="0">
+              <a:t>Evolution du projet          </a:t>
+            </a:r>
+            <a:r>
+              <a:rPr lang="fr-FR" sz="1100" b="1" i="0" u="none" strike="noStrike" kern="1200" cap="none" spc="0" baseline="0" dirty="0">
+                <a:solidFill>
+                  <a:srgbClr val="262626"/>
+                </a:solidFill>
+                <a:uFillTx/>
+                <a:latin typeface="Century Gothic"/>
+              </a:rPr>
+              <a:t>Etat Final          </a:t>
+            </a:r>
+            <a:r>
+              <a:rPr lang="fr-FR" sz="1100" b="0" i="0" u="none" strike="noStrike" kern="1200" cap="none" spc="0" baseline="0" dirty="0">
                 <a:solidFill>
                   <a:srgbClr val="262626"/>
                 </a:solidFill>
@@ -12954,10 +12835,10 @@
       </p:sp>
       <p:cxnSp>
         <p:nvCxnSpPr>
-          <p:cNvPr id="12" name="Connecteur droit avec flèche 6">
-            <a:extLst>
-              <a:ext uri="{FF2B5EF4-FFF2-40B4-BE49-F238E27FC236}">
-                <a16:creationId xmlns:a16="http://schemas.microsoft.com/office/drawing/2014/main" id="{C0C8AB16-9AE0-4F10-9872-57F70A001BA6}"/>
+          <p:cNvPr id="13" name="Connecteur droit avec flèche 6">
+            <a:extLst>
+              <a:ext uri="{FF2B5EF4-FFF2-40B4-BE49-F238E27FC236}">
+                <a16:creationId xmlns:a16="http://schemas.microsoft.com/office/drawing/2014/main" id="{74955A6A-DEAC-4B40-8D3B-7C4B72C94859}"/>
               </a:ext>
             </a:extLst>
           </p:cNvPr>
@@ -13001,10 +12882,10 @@
       </p:cxnSp>
       <p:cxnSp>
         <p:nvCxnSpPr>
-          <p:cNvPr id="13" name="Connecteur droit avec flèche 8">
-            <a:extLst>
-              <a:ext uri="{FF2B5EF4-FFF2-40B4-BE49-F238E27FC236}">
-                <a16:creationId xmlns:a16="http://schemas.microsoft.com/office/drawing/2014/main" id="{F7C94D04-A3CB-4790-87C1-24E0AD894563}"/>
+          <p:cNvPr id="14" name="Connecteur droit avec flèche 8">
+            <a:extLst>
+              <a:ext uri="{FF2B5EF4-FFF2-40B4-BE49-F238E27FC236}">
+                <a16:creationId xmlns:a16="http://schemas.microsoft.com/office/drawing/2014/main" id="{6B319ED6-9D2C-4CA8-960A-F734FF386CD4}"/>
               </a:ext>
             </a:extLst>
           </p:cNvPr>
@@ -13046,10 +12927,10 @@
       </p:cxnSp>
       <p:cxnSp>
         <p:nvCxnSpPr>
-          <p:cNvPr id="14" name="Connecteur droit avec flèche 9">
-            <a:extLst>
-              <a:ext uri="{FF2B5EF4-FFF2-40B4-BE49-F238E27FC236}">
-                <a16:creationId xmlns:a16="http://schemas.microsoft.com/office/drawing/2014/main" id="{536E14AF-114A-4FBA-9E78-6DC396A8069A}"/>
+          <p:cNvPr id="15" name="Connecteur droit avec flèche 9">
+            <a:extLst>
+              <a:ext uri="{FF2B5EF4-FFF2-40B4-BE49-F238E27FC236}">
+                <a16:creationId xmlns:a16="http://schemas.microsoft.com/office/drawing/2014/main" id="{D3BEEAA2-BAAB-4FBD-A7F2-5C3D2B67909C}"/>
               </a:ext>
             </a:extLst>
           </p:cNvPr>
@@ -13091,10 +12972,10 @@
       </p:cxnSp>
       <p:cxnSp>
         <p:nvCxnSpPr>
-          <p:cNvPr id="15" name="Connecteur droit avec flèche 10">
-            <a:extLst>
-              <a:ext uri="{FF2B5EF4-FFF2-40B4-BE49-F238E27FC236}">
-                <a16:creationId xmlns:a16="http://schemas.microsoft.com/office/drawing/2014/main" id="{B381760C-00E1-4C8B-A4ED-25A0BB38110A}"/>
+          <p:cNvPr id="16" name="Connecteur droit avec flèche 10">
+            <a:extLst>
+              <a:ext uri="{FF2B5EF4-FFF2-40B4-BE49-F238E27FC236}">
+                <a16:creationId xmlns:a16="http://schemas.microsoft.com/office/drawing/2014/main" id="{72A87FF4-63A6-4784-A646-669B97754B06}"/>
               </a:ext>
             </a:extLst>
           </p:cNvPr>
@@ -13136,10 +13017,10 @@
       </p:cxnSp>
       <p:sp>
         <p:nvSpPr>
-          <p:cNvPr id="16" name="Espace réservé du numéro de diapositive 7">
-            <a:extLst>
-              <a:ext uri="{FF2B5EF4-FFF2-40B4-BE49-F238E27FC236}">
-                <a16:creationId xmlns:a16="http://schemas.microsoft.com/office/drawing/2014/main" id="{1635AA11-4E0A-4C6B-A55B-60B572FE8BB7}"/>
+          <p:cNvPr id="17" name="Espace réservé du numéro de diapositive 7">
+            <a:extLst>
+              <a:ext uri="{FF2B5EF4-FFF2-40B4-BE49-F238E27FC236}">
+                <a16:creationId xmlns:a16="http://schemas.microsoft.com/office/drawing/2014/main" id="{1580C8B6-76DB-45B2-86EC-F5A7975892B8}"/>
               </a:ext>
             </a:extLst>
           </p:cNvPr>
@@ -13204,10 +13085,10 @@
       </p:sp>
       <p:sp>
         <p:nvSpPr>
-          <p:cNvPr id="17" name="ZoneTexte 12">
-            <a:extLst>
-              <a:ext uri="{FF2B5EF4-FFF2-40B4-BE49-F238E27FC236}">
-                <a16:creationId xmlns:a16="http://schemas.microsoft.com/office/drawing/2014/main" id="{D9869B71-8155-4E04-83B1-4BA318BE7014}"/>
+          <p:cNvPr id="18" name="ZoneTexte 12">
+            <a:extLst>
+              <a:ext uri="{FF2B5EF4-FFF2-40B4-BE49-F238E27FC236}">
+                <a16:creationId xmlns:a16="http://schemas.microsoft.com/office/drawing/2014/main" id="{E53531DC-3A45-4739-9523-1FC5EEDF4DC5}"/>
               </a:ext>
             </a:extLst>
           </p:cNvPr>
@@ -13318,10 +13199,10 @@
       </p:sp>
       <p:sp>
         <p:nvSpPr>
-          <p:cNvPr id="18" name="ZoneTexte 17">
-            <a:extLst>
-              <a:ext uri="{FF2B5EF4-FFF2-40B4-BE49-F238E27FC236}">
-                <a16:creationId xmlns:a16="http://schemas.microsoft.com/office/drawing/2014/main" id="{65CC5CFE-CFAC-4255-8B85-FBC2CB7E5A38}"/>
+          <p:cNvPr id="19" name="ZoneTexte 18">
+            <a:extLst>
+              <a:ext uri="{FF2B5EF4-FFF2-40B4-BE49-F238E27FC236}">
+                <a16:creationId xmlns:a16="http://schemas.microsoft.com/office/drawing/2014/main" id="{B9195FC4-C2E4-43D7-8BAF-97534124B800}"/>
               </a:ext>
             </a:extLst>
           </p:cNvPr>
@@ -13351,7 +13232,103 @@
                   <a:srgbClr val="8ECE55"/>
                 </a:solidFill>
               </a:rPr>
-              <a:t>Probabilités</a:t>
+              <a:t>Zones urbaines</a:t>
+            </a:r>
+          </a:p>
+        </p:txBody>
+      </p:sp>
+      <p:sp>
+        <p:nvSpPr>
+          <p:cNvPr id="20" name="ZoneTexte 19">
+            <a:extLst>
+              <a:ext uri="{FF2B5EF4-FFF2-40B4-BE49-F238E27FC236}">
+                <a16:creationId xmlns:a16="http://schemas.microsoft.com/office/drawing/2014/main" id="{2391022A-6709-4890-8BF0-CF032E9A94BB}"/>
+              </a:ext>
+            </a:extLst>
+          </p:cNvPr>
+          <p:cNvSpPr txBox="1"/>
+          <p:nvPr/>
+        </p:nvSpPr>
+        <p:spPr>
+          <a:xfrm>
+            <a:off x="3021185" y="3350758"/>
+            <a:ext cx="6149624" cy="1938992"/>
+          </a:xfrm>
+          <a:prstGeom prst="rect">
+            <a:avLst/>
+          </a:prstGeom>
+          <a:noFill/>
+        </p:spPr>
+        <p:txBody>
+          <a:bodyPr wrap="square" rtlCol="0">
+            <a:spAutoFit/>
+          </a:bodyPr>
+          <a:lstStyle/>
+          <a:p>
+            <a:pPr algn="ctr"/>
+            <a:r>
+              <a:rPr lang="fr-FR" sz="2400" dirty="0">
+                <a:solidFill>
+                  <a:schemeClr val="bg1"/>
+                </a:solidFill>
+              </a:rPr>
+              <a:t>Concentrations de population.</a:t>
+            </a:r>
+          </a:p>
+          <a:p>
+            <a:pPr marL="342900" indent="-342900" algn="ctr">
+              <a:buFontTx/>
+              <a:buChar char="-"/>
+            </a:pPr>
+            <a:r>
+              <a:rPr lang="fr-FR" sz="2400" dirty="0">
+                <a:solidFill>
+                  <a:schemeClr val="bg1"/>
+                </a:solidFill>
+              </a:rPr>
+              <a:t>Métropoles</a:t>
+            </a:r>
+          </a:p>
+          <a:p>
+            <a:pPr marL="342900" indent="-342900" algn="ctr">
+              <a:buFontTx/>
+              <a:buChar char="-"/>
+            </a:pPr>
+            <a:r>
+              <a:rPr lang="fr-FR" sz="2400" dirty="0">
+                <a:solidFill>
+                  <a:schemeClr val="bg1"/>
+                </a:solidFill>
+              </a:rPr>
+              <a:t>Villes</a:t>
+            </a:r>
+          </a:p>
+          <a:p>
+            <a:pPr marL="342900" indent="-342900" algn="ctr">
+              <a:buFontTx/>
+              <a:buChar char="-"/>
+            </a:pPr>
+            <a:r>
+              <a:rPr lang="fr-FR" sz="2400" dirty="0">
+                <a:solidFill>
+                  <a:schemeClr val="bg1"/>
+                </a:solidFill>
+              </a:rPr>
+              <a:t>Villages</a:t>
+            </a:r>
+          </a:p>
+          <a:p>
+            <a:pPr marL="342900" indent="-342900" algn="ctr">
+              <a:buFontTx/>
+              <a:buChar char="-"/>
+            </a:pPr>
+            <a:r>
+              <a:rPr lang="fr-FR" sz="2400" dirty="0">
+                <a:solidFill>
+                  <a:schemeClr val="bg1"/>
+                </a:solidFill>
+              </a:rPr>
+              <a:t>Zones peuplées</a:t>
             </a:r>
           </a:p>
         </p:txBody>
@@ -13359,7 +13336,7 @@
     </p:spTree>
     <p:extLst>
       <p:ext uri="{BB962C8B-B14F-4D97-AF65-F5344CB8AC3E}">
-        <p14:creationId xmlns:p14="http://schemas.microsoft.com/office/powerpoint/2010/main" val="1305622485"/>
+        <p14:creationId xmlns:p14="http://schemas.microsoft.com/office/powerpoint/2010/main" val="3557088708"/>
       </p:ext>
     </p:extLst>
   </p:cSld>
@@ -13942,10 +13919,78 @@
       </p:grpSpPr>
       <p:sp>
         <p:nvSpPr>
-          <p:cNvPr id="10" name="Rectangle 9">
-            <a:extLst>
-              <a:ext uri="{FF2B5EF4-FFF2-40B4-BE49-F238E27FC236}">
-                <a16:creationId xmlns:a16="http://schemas.microsoft.com/office/drawing/2014/main" id="{AE8623B3-E4EC-455E-BF32-A13679F9B2A7}"/>
+          <p:cNvPr id="7" name="Espace réservé du numéro de diapositive 1">
+            <a:extLst>
+              <a:ext uri="{FF2B5EF4-FFF2-40B4-BE49-F238E27FC236}">
+                <a16:creationId xmlns:a16="http://schemas.microsoft.com/office/drawing/2014/main" id="{ACAE1147-1386-478E-8609-02524CBEC5A0}"/>
+              </a:ext>
+            </a:extLst>
+          </p:cNvPr>
+          <p:cNvSpPr txBox="1"/>
+          <p:nvPr/>
+        </p:nvSpPr>
+        <p:spPr>
+          <a:xfrm>
+            <a:off x="11640833" y="6557107"/>
+            <a:ext cx="551163" cy="365129"/>
+          </a:xfrm>
+          <a:prstGeom prst="rect">
+            <a:avLst/>
+          </a:prstGeom>
+          <a:noFill/>
+          <a:ln cap="rnd">
+            <a:noFill/>
+          </a:ln>
+        </p:spPr>
+        <p:txBody>
+          <a:bodyPr vert="horz" wrap="square" lIns="91440" tIns="45720" rIns="91440" bIns="45720" anchor="ctr" anchorCtr="0" compatLnSpc="1">
+            <a:noAutofit/>
+          </a:bodyPr>
+          <a:lstStyle/>
+          <a:p>
+            <a:pPr marL="0" marR="0" lvl="0" indent="0" algn="r" defTabSz="457200" rtl="0" fontAlgn="auto" hangingPunct="1">
+              <a:lnSpc>
+                <a:spcPct val="100000"/>
+              </a:lnSpc>
+              <a:spcBef>
+                <a:spcPts val="0"/>
+              </a:spcBef>
+              <a:spcAft>
+                <a:spcPts val="0"/>
+              </a:spcAft>
+              <a:buNone/>
+              <a:tabLst/>
+              <a:defRPr sz="1800" b="0" i="0" u="none" strike="noStrike" kern="0" cap="none" spc="0" baseline="0">
+                <a:solidFill>
+                  <a:srgbClr val="000000"/>
+                </a:solidFill>
+                <a:uFillTx/>
+              </a:defRPr>
+            </a:pPr>
+            <a:fld id="{D7BCEA47-A648-4F36-AE1F-D3D50854FB8A}" type="slidenum">
+              <a:t>20</a:t>
+            </a:fld>
+            <a:endParaRPr lang="fr-FR" sz="900" b="1" i="0" u="none" strike="noStrike" kern="1200" cap="none" spc="0" baseline="0">
+              <a:solidFill>
+                <a:srgbClr val="BFBFBF"/>
+              </a:solidFill>
+              <a:effectLst>
+                <a:outerShdw dist="38096" dir="2700000">
+                  <a:srgbClr val="000000"/>
+                </a:outerShdw>
+              </a:effectLst>
+              <a:uFillTx/>
+              <a:latin typeface="Century Gothic"/>
+            </a:endParaRPr>
+          </a:p>
+        </p:txBody>
+      </p:sp>
+      <p:sp>
+        <p:nvSpPr>
+          <p:cNvPr id="11" name="Rectangle 10">
+            <a:extLst>
+              <a:ext uri="{FF2B5EF4-FFF2-40B4-BE49-F238E27FC236}">
+                <a16:creationId xmlns:a16="http://schemas.microsoft.com/office/drawing/2014/main" id="{E9AAA5E3-744A-413A-B973-FD1D5EEF70C1}"/>
               </a:ext>
             </a:extLst>
           </p:cNvPr>
@@ -13994,10 +14039,10 @@
       </p:sp>
       <p:sp>
         <p:nvSpPr>
-          <p:cNvPr id="11" name="ZoneTexte 2">
-            <a:extLst>
-              <a:ext uri="{FF2B5EF4-FFF2-40B4-BE49-F238E27FC236}">
-                <a16:creationId xmlns:a16="http://schemas.microsoft.com/office/drawing/2014/main" id="{0EB27BA8-B711-47F6-8765-00911875577A}"/>
+          <p:cNvPr id="12" name="ZoneTexte 2">
+            <a:extLst>
+              <a:ext uri="{FF2B5EF4-FFF2-40B4-BE49-F238E27FC236}">
+                <a16:creationId xmlns:a16="http://schemas.microsoft.com/office/drawing/2014/main" id="{B9839CA4-5015-43A2-97D5-F9425CF60E56}"/>
               </a:ext>
             </a:extLst>
           </p:cNvPr>
@@ -14050,7 +14095,7 @@
                 <a:uFillTx/>
                 <a:latin typeface="Century Gothic"/>
               </a:rPr>
-              <a:t>Présentation du projet          </a:t>
+              <a:t>Présentation du projet          Les automates cellulaires          </a:t>
             </a:r>
             <a:r>
               <a:rPr lang="fr-FR" sz="1100" b="0" i="0" u="none" strike="noStrike" kern="1200" cap="none" spc="0" baseline="0" dirty="0">
@@ -14060,10 +14105,20 @@
                 <a:uFillTx/>
                 <a:latin typeface="Century Gothic"/>
               </a:rPr>
-              <a:t>Les automates cellulaires          Evolution du projet          Etat Final          </a:t>
-            </a:r>
-            <a:r>
-              <a:rPr lang="fr-FR" sz="1100" b="1" u="none" strike="noStrike" kern="1200" cap="none" spc="0" baseline="0" dirty="0">
+              <a:t>Evolution du projet          </a:t>
+            </a:r>
+            <a:r>
+              <a:rPr lang="fr-FR" sz="1100" b="1" i="0" u="none" strike="noStrike" kern="1200" cap="none" spc="0" baseline="0" dirty="0">
+                <a:solidFill>
+                  <a:srgbClr val="262626"/>
+                </a:solidFill>
+                <a:uFillTx/>
+                <a:latin typeface="Century Gothic"/>
+              </a:rPr>
+              <a:t>Etat Final          </a:t>
+            </a:r>
+            <a:r>
+              <a:rPr lang="fr-FR" sz="1100" b="0" i="0" u="none" strike="noStrike" kern="1200" cap="none" spc="0" baseline="0" dirty="0">
                 <a:solidFill>
                   <a:srgbClr val="262626"/>
                 </a:solidFill>
@@ -14105,10 +14160,10 @@
       </p:sp>
       <p:cxnSp>
         <p:nvCxnSpPr>
-          <p:cNvPr id="12" name="Connecteur droit avec flèche 6">
-            <a:extLst>
-              <a:ext uri="{FF2B5EF4-FFF2-40B4-BE49-F238E27FC236}">
-                <a16:creationId xmlns:a16="http://schemas.microsoft.com/office/drawing/2014/main" id="{C0C8AB16-9AE0-4F10-9872-57F70A001BA6}"/>
+          <p:cNvPr id="13" name="Connecteur droit avec flèche 6">
+            <a:extLst>
+              <a:ext uri="{FF2B5EF4-FFF2-40B4-BE49-F238E27FC236}">
+                <a16:creationId xmlns:a16="http://schemas.microsoft.com/office/drawing/2014/main" id="{74955A6A-DEAC-4B40-8D3B-7C4B72C94859}"/>
               </a:ext>
             </a:extLst>
           </p:cNvPr>
@@ -14152,10 +14207,10 @@
       </p:cxnSp>
       <p:cxnSp>
         <p:nvCxnSpPr>
-          <p:cNvPr id="13" name="Connecteur droit avec flèche 8">
-            <a:extLst>
-              <a:ext uri="{FF2B5EF4-FFF2-40B4-BE49-F238E27FC236}">
-                <a16:creationId xmlns:a16="http://schemas.microsoft.com/office/drawing/2014/main" id="{F7C94D04-A3CB-4790-87C1-24E0AD894563}"/>
+          <p:cNvPr id="14" name="Connecteur droit avec flèche 8">
+            <a:extLst>
+              <a:ext uri="{FF2B5EF4-FFF2-40B4-BE49-F238E27FC236}">
+                <a16:creationId xmlns:a16="http://schemas.microsoft.com/office/drawing/2014/main" id="{6B319ED6-9D2C-4CA8-960A-F734FF386CD4}"/>
               </a:ext>
             </a:extLst>
           </p:cNvPr>
@@ -14197,10 +14252,10 @@
       </p:cxnSp>
       <p:cxnSp>
         <p:nvCxnSpPr>
-          <p:cNvPr id="14" name="Connecteur droit avec flèche 9">
-            <a:extLst>
-              <a:ext uri="{FF2B5EF4-FFF2-40B4-BE49-F238E27FC236}">
-                <a16:creationId xmlns:a16="http://schemas.microsoft.com/office/drawing/2014/main" id="{536E14AF-114A-4FBA-9E78-6DC396A8069A}"/>
+          <p:cNvPr id="15" name="Connecteur droit avec flèche 9">
+            <a:extLst>
+              <a:ext uri="{FF2B5EF4-FFF2-40B4-BE49-F238E27FC236}">
+                <a16:creationId xmlns:a16="http://schemas.microsoft.com/office/drawing/2014/main" id="{D3BEEAA2-BAAB-4FBD-A7F2-5C3D2B67909C}"/>
               </a:ext>
             </a:extLst>
           </p:cNvPr>
@@ -14242,10 +14297,10 @@
       </p:cxnSp>
       <p:cxnSp>
         <p:nvCxnSpPr>
-          <p:cNvPr id="15" name="Connecteur droit avec flèche 10">
-            <a:extLst>
-              <a:ext uri="{FF2B5EF4-FFF2-40B4-BE49-F238E27FC236}">
-                <a16:creationId xmlns:a16="http://schemas.microsoft.com/office/drawing/2014/main" id="{B381760C-00E1-4C8B-A4ED-25A0BB38110A}"/>
+          <p:cNvPr id="16" name="Connecteur droit avec flèche 10">
+            <a:extLst>
+              <a:ext uri="{FF2B5EF4-FFF2-40B4-BE49-F238E27FC236}">
+                <a16:creationId xmlns:a16="http://schemas.microsoft.com/office/drawing/2014/main" id="{72A87FF4-63A6-4784-A646-669B97754B06}"/>
               </a:ext>
             </a:extLst>
           </p:cNvPr>
@@ -14287,10 +14342,10 @@
       </p:cxnSp>
       <p:sp>
         <p:nvSpPr>
-          <p:cNvPr id="16" name="Espace réservé du numéro de diapositive 7">
-            <a:extLst>
-              <a:ext uri="{FF2B5EF4-FFF2-40B4-BE49-F238E27FC236}">
-                <a16:creationId xmlns:a16="http://schemas.microsoft.com/office/drawing/2014/main" id="{1635AA11-4E0A-4C6B-A55B-60B572FE8BB7}"/>
+          <p:cNvPr id="17" name="Espace réservé du numéro de diapositive 7">
+            <a:extLst>
+              <a:ext uri="{FF2B5EF4-FFF2-40B4-BE49-F238E27FC236}">
+                <a16:creationId xmlns:a16="http://schemas.microsoft.com/office/drawing/2014/main" id="{1580C8B6-76DB-45B2-86EC-F5A7975892B8}"/>
               </a:ext>
             </a:extLst>
           </p:cNvPr>
@@ -14355,10 +14410,10 @@
       </p:sp>
       <p:sp>
         <p:nvSpPr>
-          <p:cNvPr id="17" name="ZoneTexte 12">
-            <a:extLst>
-              <a:ext uri="{FF2B5EF4-FFF2-40B4-BE49-F238E27FC236}">
-                <a16:creationId xmlns:a16="http://schemas.microsoft.com/office/drawing/2014/main" id="{D9869B71-8155-4E04-83B1-4BA318BE7014}"/>
+          <p:cNvPr id="18" name="ZoneTexte 12">
+            <a:extLst>
+              <a:ext uri="{FF2B5EF4-FFF2-40B4-BE49-F238E27FC236}">
+                <a16:creationId xmlns:a16="http://schemas.microsoft.com/office/drawing/2014/main" id="{E53531DC-3A45-4739-9523-1FC5EEDF4DC5}"/>
               </a:ext>
             </a:extLst>
           </p:cNvPr>
@@ -14469,10 +14524,10 @@
       </p:sp>
       <p:sp>
         <p:nvSpPr>
-          <p:cNvPr id="18" name="ZoneTexte 17">
-            <a:extLst>
-              <a:ext uri="{FF2B5EF4-FFF2-40B4-BE49-F238E27FC236}">
-                <a16:creationId xmlns:a16="http://schemas.microsoft.com/office/drawing/2014/main" id="{65CC5CFE-CFAC-4255-8B85-FBC2CB7E5A38}"/>
+          <p:cNvPr id="19" name="ZoneTexte 18">
+            <a:extLst>
+              <a:ext uri="{FF2B5EF4-FFF2-40B4-BE49-F238E27FC236}">
+                <a16:creationId xmlns:a16="http://schemas.microsoft.com/office/drawing/2014/main" id="{B9195FC4-C2E4-43D7-8BAF-97534124B800}"/>
               </a:ext>
             </a:extLst>
           </p:cNvPr>
@@ -14502,7 +14557,143 @@
                   <a:srgbClr val="8ECE55"/>
                 </a:solidFill>
               </a:rPr>
-              <a:t>Matrices</a:t>
+              <a:t>Déplacements</a:t>
+            </a:r>
+          </a:p>
+        </p:txBody>
+      </p:sp>
+      <p:sp>
+        <p:nvSpPr>
+          <p:cNvPr id="20" name="ZoneTexte 19">
+            <a:extLst>
+              <a:ext uri="{FF2B5EF4-FFF2-40B4-BE49-F238E27FC236}">
+                <a16:creationId xmlns:a16="http://schemas.microsoft.com/office/drawing/2014/main" id="{2391022A-6709-4890-8BF0-CF032E9A94BB}"/>
+              </a:ext>
+            </a:extLst>
+          </p:cNvPr>
+          <p:cNvSpPr txBox="1"/>
+          <p:nvPr/>
+        </p:nvSpPr>
+        <p:spPr>
+          <a:xfrm>
+            <a:off x="418918" y="3124075"/>
+            <a:ext cx="3607395" cy="1569660"/>
+          </a:xfrm>
+          <a:prstGeom prst="rect">
+            <a:avLst/>
+          </a:prstGeom>
+          <a:noFill/>
+        </p:spPr>
+        <p:txBody>
+          <a:bodyPr wrap="square" rtlCol="0">
+            <a:spAutoFit/>
+          </a:bodyPr>
+          <a:lstStyle/>
+          <a:p>
+            <a:pPr algn="ctr"/>
+            <a:r>
+              <a:rPr lang="fr-FR" sz="2400" dirty="0">
+                <a:solidFill>
+                  <a:srgbClr val="8ECE55"/>
+                </a:solidFill>
+              </a:rPr>
+              <a:t>Entre deux zones urbaines</a:t>
+            </a:r>
+          </a:p>
+          <a:p>
+            <a:pPr marL="342900" indent="-342900" algn="ctr">
+              <a:buFontTx/>
+              <a:buChar char="-"/>
+            </a:pPr>
+            <a:r>
+              <a:rPr lang="fr-FR" sz="2400" dirty="0">
+                <a:solidFill>
+                  <a:schemeClr val="bg1"/>
+                </a:solidFill>
+              </a:rPr>
+              <a:t>Lignes aériennes</a:t>
+            </a:r>
+          </a:p>
+          <a:p>
+            <a:pPr marL="342900" indent="-342900" algn="ctr">
+              <a:buFontTx/>
+              <a:buChar char="-"/>
+            </a:pPr>
+            <a:r>
+              <a:rPr lang="fr-FR" sz="2400" dirty="0">
+                <a:solidFill>
+                  <a:schemeClr val="bg1"/>
+                </a:solidFill>
+              </a:rPr>
+              <a:t>Voies ferrées</a:t>
+            </a:r>
+          </a:p>
+          <a:p>
+            <a:pPr marL="342900" indent="-342900" algn="ctr">
+              <a:buFontTx/>
+              <a:buChar char="-"/>
+            </a:pPr>
+            <a:r>
+              <a:rPr lang="fr-FR" sz="2400" dirty="0">
+                <a:solidFill>
+                  <a:schemeClr val="bg1"/>
+                </a:solidFill>
+              </a:rPr>
+              <a:t>Routes</a:t>
+            </a:r>
+          </a:p>
+        </p:txBody>
+      </p:sp>
+      <p:sp>
+        <p:nvSpPr>
+          <p:cNvPr id="21" name="ZoneTexte 20">
+            <a:extLst>
+              <a:ext uri="{FF2B5EF4-FFF2-40B4-BE49-F238E27FC236}">
+                <a16:creationId xmlns:a16="http://schemas.microsoft.com/office/drawing/2014/main" id="{1F002734-F226-42B9-99EE-CCEC449848F8}"/>
+              </a:ext>
+            </a:extLst>
+          </p:cNvPr>
+          <p:cNvSpPr txBox="1"/>
+          <p:nvPr/>
+        </p:nvSpPr>
+        <p:spPr>
+          <a:xfrm>
+            <a:off x="7692367" y="3350758"/>
+            <a:ext cx="4224047" cy="830997"/>
+          </a:xfrm>
+          <a:prstGeom prst="rect">
+            <a:avLst/>
+          </a:prstGeom>
+          <a:noFill/>
+        </p:spPr>
+        <p:txBody>
+          <a:bodyPr wrap="square" rtlCol="0">
+            <a:spAutoFit/>
+          </a:bodyPr>
+          <a:lstStyle/>
+          <a:p>
+            <a:pPr algn="ctr"/>
+            <a:r>
+              <a:rPr lang="fr-FR" sz="2400" dirty="0">
+                <a:solidFill>
+                  <a:srgbClr val="8ECE55"/>
+                </a:solidFill>
+              </a:rPr>
+              <a:t>D’une rive à l’autre d’un fleuve</a:t>
+            </a:r>
+          </a:p>
+          <a:p>
+            <a:pPr marL="342900" indent="-342900" algn="ctr">
+              <a:buFontTx/>
+              <a:buChar char="-"/>
+            </a:pPr>
+            <a:r>
+              <a:rPr lang="fr-FR" sz="2400" dirty="0">
+                <a:solidFill>
+                  <a:schemeClr val="bg1"/>
+                </a:solidFill>
+              </a:rPr>
+              <a:t>Ponts</a:t>
             </a:r>
           </a:p>
         </p:txBody>
@@ -14510,7 +14701,7 @@
     </p:spTree>
     <p:extLst>
       <p:ext uri="{BB962C8B-B14F-4D97-AF65-F5344CB8AC3E}">
-        <p14:creationId xmlns:p14="http://schemas.microsoft.com/office/powerpoint/2010/main" val="3432815511"/>
+        <p14:creationId xmlns:p14="http://schemas.microsoft.com/office/powerpoint/2010/main" val="3882061957"/>
       </p:ext>
     </p:extLst>
   </p:cSld>
@@ -14547,10 +14738,78 @@
       </p:grpSpPr>
       <p:sp>
         <p:nvSpPr>
-          <p:cNvPr id="10" name="Rectangle 9">
-            <a:extLst>
-              <a:ext uri="{FF2B5EF4-FFF2-40B4-BE49-F238E27FC236}">
-                <a16:creationId xmlns:a16="http://schemas.microsoft.com/office/drawing/2014/main" id="{AE8623B3-E4EC-455E-BF32-A13679F9B2A7}"/>
+          <p:cNvPr id="7" name="Espace réservé du numéro de diapositive 1">
+            <a:extLst>
+              <a:ext uri="{FF2B5EF4-FFF2-40B4-BE49-F238E27FC236}">
+                <a16:creationId xmlns:a16="http://schemas.microsoft.com/office/drawing/2014/main" id="{ACAE1147-1386-478E-8609-02524CBEC5A0}"/>
+              </a:ext>
+            </a:extLst>
+          </p:cNvPr>
+          <p:cNvSpPr txBox="1"/>
+          <p:nvPr/>
+        </p:nvSpPr>
+        <p:spPr>
+          <a:xfrm>
+            <a:off x="11640833" y="6557107"/>
+            <a:ext cx="551163" cy="365129"/>
+          </a:xfrm>
+          <a:prstGeom prst="rect">
+            <a:avLst/>
+          </a:prstGeom>
+          <a:noFill/>
+          <a:ln cap="rnd">
+            <a:noFill/>
+          </a:ln>
+        </p:spPr>
+        <p:txBody>
+          <a:bodyPr vert="horz" wrap="square" lIns="91440" tIns="45720" rIns="91440" bIns="45720" anchor="ctr" anchorCtr="0" compatLnSpc="1">
+            <a:noAutofit/>
+          </a:bodyPr>
+          <a:lstStyle/>
+          <a:p>
+            <a:pPr marL="0" marR="0" lvl="0" indent="0" algn="r" defTabSz="457200" rtl="0" fontAlgn="auto" hangingPunct="1">
+              <a:lnSpc>
+                <a:spcPct val="100000"/>
+              </a:lnSpc>
+              <a:spcBef>
+                <a:spcPts val="0"/>
+              </a:spcBef>
+              <a:spcAft>
+                <a:spcPts val="0"/>
+              </a:spcAft>
+              <a:buNone/>
+              <a:tabLst/>
+              <a:defRPr sz="1800" b="0" i="0" u="none" strike="noStrike" kern="0" cap="none" spc="0" baseline="0">
+                <a:solidFill>
+                  <a:srgbClr val="000000"/>
+                </a:solidFill>
+                <a:uFillTx/>
+              </a:defRPr>
+            </a:pPr>
+            <a:fld id="{D7BCEA47-A648-4F36-AE1F-D3D50854FB8A}" type="slidenum">
+              <a:t>21</a:t>
+            </a:fld>
+            <a:endParaRPr lang="fr-FR" sz="900" b="1" i="0" u="none" strike="noStrike" kern="1200" cap="none" spc="0" baseline="0">
+              <a:solidFill>
+                <a:srgbClr val="BFBFBF"/>
+              </a:solidFill>
+              <a:effectLst>
+                <a:outerShdw dist="38096" dir="2700000">
+                  <a:srgbClr val="000000"/>
+                </a:outerShdw>
+              </a:effectLst>
+              <a:uFillTx/>
+              <a:latin typeface="Century Gothic"/>
+            </a:endParaRPr>
+          </a:p>
+        </p:txBody>
+      </p:sp>
+      <p:sp>
+        <p:nvSpPr>
+          <p:cNvPr id="11" name="Rectangle 10">
+            <a:extLst>
+              <a:ext uri="{FF2B5EF4-FFF2-40B4-BE49-F238E27FC236}">
+                <a16:creationId xmlns:a16="http://schemas.microsoft.com/office/drawing/2014/main" id="{E9AAA5E3-744A-413A-B973-FD1D5EEF70C1}"/>
               </a:ext>
             </a:extLst>
           </p:cNvPr>
@@ -14599,10 +14858,10 @@
       </p:sp>
       <p:sp>
         <p:nvSpPr>
-          <p:cNvPr id="11" name="ZoneTexte 2">
-            <a:extLst>
-              <a:ext uri="{FF2B5EF4-FFF2-40B4-BE49-F238E27FC236}">
-                <a16:creationId xmlns:a16="http://schemas.microsoft.com/office/drawing/2014/main" id="{0EB27BA8-B711-47F6-8765-00911875577A}"/>
+          <p:cNvPr id="12" name="ZoneTexte 2">
+            <a:extLst>
+              <a:ext uri="{FF2B5EF4-FFF2-40B4-BE49-F238E27FC236}">
+                <a16:creationId xmlns:a16="http://schemas.microsoft.com/office/drawing/2014/main" id="{B9839CA4-5015-43A2-97D5-F9425CF60E56}"/>
               </a:ext>
             </a:extLst>
           </p:cNvPr>
@@ -14655,7 +14914,7 @@
                 <a:uFillTx/>
                 <a:latin typeface="Century Gothic"/>
               </a:rPr>
-              <a:t>Présentation du projet          </a:t>
+              <a:t>Présentation du projet          Les automates cellulaires          </a:t>
             </a:r>
             <a:r>
               <a:rPr lang="fr-FR" sz="1100" b="0" i="0" u="none" strike="noStrike" kern="1200" cap="none" spc="0" baseline="0" dirty="0">
@@ -14665,10 +14924,20 @@
                 <a:uFillTx/>
                 <a:latin typeface="Century Gothic"/>
               </a:rPr>
-              <a:t>Les automates cellulaires          Evolution du projet          Etat Final          </a:t>
-            </a:r>
-            <a:r>
-              <a:rPr lang="fr-FR" sz="1100" b="1" u="none" strike="noStrike" kern="1200" cap="none" spc="0" baseline="0" dirty="0">
+              <a:t>Evolution du projet          </a:t>
+            </a:r>
+            <a:r>
+              <a:rPr lang="fr-FR" sz="1100" b="1" i="0" u="none" strike="noStrike" kern="1200" cap="none" spc="0" baseline="0" dirty="0">
+                <a:solidFill>
+                  <a:srgbClr val="262626"/>
+                </a:solidFill>
+                <a:uFillTx/>
+                <a:latin typeface="Century Gothic"/>
+              </a:rPr>
+              <a:t>Etat Final          </a:t>
+            </a:r>
+            <a:r>
+              <a:rPr lang="fr-FR" sz="1100" b="0" i="0" u="none" strike="noStrike" kern="1200" cap="none" spc="0" baseline="0" dirty="0">
                 <a:solidFill>
                   <a:srgbClr val="262626"/>
                 </a:solidFill>
@@ -14710,10 +14979,10 @@
       </p:sp>
       <p:cxnSp>
         <p:nvCxnSpPr>
-          <p:cNvPr id="12" name="Connecteur droit avec flèche 6">
-            <a:extLst>
-              <a:ext uri="{FF2B5EF4-FFF2-40B4-BE49-F238E27FC236}">
-                <a16:creationId xmlns:a16="http://schemas.microsoft.com/office/drawing/2014/main" id="{C0C8AB16-9AE0-4F10-9872-57F70A001BA6}"/>
+          <p:cNvPr id="13" name="Connecteur droit avec flèche 6">
+            <a:extLst>
+              <a:ext uri="{FF2B5EF4-FFF2-40B4-BE49-F238E27FC236}">
+                <a16:creationId xmlns:a16="http://schemas.microsoft.com/office/drawing/2014/main" id="{74955A6A-DEAC-4B40-8D3B-7C4B72C94859}"/>
               </a:ext>
             </a:extLst>
           </p:cNvPr>
@@ -14757,10 +15026,10 @@
       </p:cxnSp>
       <p:cxnSp>
         <p:nvCxnSpPr>
-          <p:cNvPr id="13" name="Connecteur droit avec flèche 8">
-            <a:extLst>
-              <a:ext uri="{FF2B5EF4-FFF2-40B4-BE49-F238E27FC236}">
-                <a16:creationId xmlns:a16="http://schemas.microsoft.com/office/drawing/2014/main" id="{F7C94D04-A3CB-4790-87C1-24E0AD894563}"/>
+          <p:cNvPr id="14" name="Connecteur droit avec flèche 8">
+            <a:extLst>
+              <a:ext uri="{FF2B5EF4-FFF2-40B4-BE49-F238E27FC236}">
+                <a16:creationId xmlns:a16="http://schemas.microsoft.com/office/drawing/2014/main" id="{6B319ED6-9D2C-4CA8-960A-F734FF386CD4}"/>
               </a:ext>
             </a:extLst>
           </p:cNvPr>
@@ -14802,10 +15071,10 @@
       </p:cxnSp>
       <p:cxnSp>
         <p:nvCxnSpPr>
-          <p:cNvPr id="14" name="Connecteur droit avec flèche 9">
-            <a:extLst>
-              <a:ext uri="{FF2B5EF4-FFF2-40B4-BE49-F238E27FC236}">
-                <a16:creationId xmlns:a16="http://schemas.microsoft.com/office/drawing/2014/main" id="{536E14AF-114A-4FBA-9E78-6DC396A8069A}"/>
+          <p:cNvPr id="15" name="Connecteur droit avec flèche 9">
+            <a:extLst>
+              <a:ext uri="{FF2B5EF4-FFF2-40B4-BE49-F238E27FC236}">
+                <a16:creationId xmlns:a16="http://schemas.microsoft.com/office/drawing/2014/main" id="{D3BEEAA2-BAAB-4FBD-A7F2-5C3D2B67909C}"/>
               </a:ext>
             </a:extLst>
           </p:cNvPr>
@@ -14847,10 +15116,10 @@
       </p:cxnSp>
       <p:cxnSp>
         <p:nvCxnSpPr>
-          <p:cNvPr id="15" name="Connecteur droit avec flèche 10">
-            <a:extLst>
-              <a:ext uri="{FF2B5EF4-FFF2-40B4-BE49-F238E27FC236}">
-                <a16:creationId xmlns:a16="http://schemas.microsoft.com/office/drawing/2014/main" id="{B381760C-00E1-4C8B-A4ED-25A0BB38110A}"/>
+          <p:cNvPr id="16" name="Connecteur droit avec flèche 10">
+            <a:extLst>
+              <a:ext uri="{FF2B5EF4-FFF2-40B4-BE49-F238E27FC236}">
+                <a16:creationId xmlns:a16="http://schemas.microsoft.com/office/drawing/2014/main" id="{72A87FF4-63A6-4784-A646-669B97754B06}"/>
               </a:ext>
             </a:extLst>
           </p:cNvPr>
@@ -14892,10 +15161,10 @@
       </p:cxnSp>
       <p:sp>
         <p:nvSpPr>
-          <p:cNvPr id="16" name="Espace réservé du numéro de diapositive 7">
-            <a:extLst>
-              <a:ext uri="{FF2B5EF4-FFF2-40B4-BE49-F238E27FC236}">
-                <a16:creationId xmlns:a16="http://schemas.microsoft.com/office/drawing/2014/main" id="{1635AA11-4E0A-4C6B-A55B-60B572FE8BB7}"/>
+          <p:cNvPr id="17" name="Espace réservé du numéro de diapositive 7">
+            <a:extLst>
+              <a:ext uri="{FF2B5EF4-FFF2-40B4-BE49-F238E27FC236}">
+                <a16:creationId xmlns:a16="http://schemas.microsoft.com/office/drawing/2014/main" id="{1580C8B6-76DB-45B2-86EC-F5A7975892B8}"/>
               </a:ext>
             </a:extLst>
           </p:cNvPr>
@@ -14960,10 +15229,10 @@
       </p:sp>
       <p:sp>
         <p:nvSpPr>
-          <p:cNvPr id="17" name="ZoneTexte 12">
-            <a:extLst>
-              <a:ext uri="{FF2B5EF4-FFF2-40B4-BE49-F238E27FC236}">
-                <a16:creationId xmlns:a16="http://schemas.microsoft.com/office/drawing/2014/main" id="{D9869B71-8155-4E04-83B1-4BA318BE7014}"/>
+          <p:cNvPr id="18" name="ZoneTexte 12">
+            <a:extLst>
+              <a:ext uri="{FF2B5EF4-FFF2-40B4-BE49-F238E27FC236}">
+                <a16:creationId xmlns:a16="http://schemas.microsoft.com/office/drawing/2014/main" id="{E53531DC-3A45-4739-9523-1FC5EEDF4DC5}"/>
               </a:ext>
             </a:extLst>
           </p:cNvPr>
@@ -15074,10 +15343,10 @@
       </p:sp>
       <p:sp>
         <p:nvSpPr>
-          <p:cNvPr id="18" name="ZoneTexte 17">
-            <a:extLst>
-              <a:ext uri="{FF2B5EF4-FFF2-40B4-BE49-F238E27FC236}">
-                <a16:creationId xmlns:a16="http://schemas.microsoft.com/office/drawing/2014/main" id="{65CC5CFE-CFAC-4255-8B85-FBC2CB7E5A38}"/>
+          <p:cNvPr id="19" name="ZoneTexte 18">
+            <a:extLst>
+              <a:ext uri="{FF2B5EF4-FFF2-40B4-BE49-F238E27FC236}">
+                <a16:creationId xmlns:a16="http://schemas.microsoft.com/office/drawing/2014/main" id="{B9195FC4-C2E4-43D7-8BAF-97534124B800}"/>
               </a:ext>
             </a:extLst>
           </p:cNvPr>
@@ -15086,8 +15355,8 @@
         </p:nvSpPr>
         <p:spPr>
           <a:xfrm>
-            <a:off x="3467696" y="1709279"/>
-            <a:ext cx="5256603" cy="646331"/>
+            <a:off x="4101881" y="1743146"/>
+            <a:ext cx="3988233" cy="646331"/>
           </a:xfrm>
           <a:prstGeom prst="rect">
             <a:avLst/>
@@ -15107,7 +15376,103 @@
                   <a:srgbClr val="8ECE55"/>
                 </a:solidFill>
               </a:rPr>
-              <a:t>Incidence proportionnelle</a:t>
+              <a:t>Virus</a:t>
+            </a:r>
+          </a:p>
+        </p:txBody>
+      </p:sp>
+      <p:sp>
+        <p:nvSpPr>
+          <p:cNvPr id="20" name="ZoneTexte 19">
+            <a:extLst>
+              <a:ext uri="{FF2B5EF4-FFF2-40B4-BE49-F238E27FC236}">
+                <a16:creationId xmlns:a16="http://schemas.microsoft.com/office/drawing/2014/main" id="{2391022A-6709-4890-8BF0-CF032E9A94BB}"/>
+              </a:ext>
+            </a:extLst>
+          </p:cNvPr>
+          <p:cNvSpPr txBox="1"/>
+          <p:nvPr/>
+        </p:nvSpPr>
+        <p:spPr>
+          <a:xfrm>
+            <a:off x="3150857" y="3049457"/>
+            <a:ext cx="5890279" cy="1938992"/>
+          </a:xfrm>
+          <a:prstGeom prst="rect">
+            <a:avLst/>
+          </a:prstGeom>
+          <a:noFill/>
+        </p:spPr>
+        <p:txBody>
+          <a:bodyPr wrap="square" rtlCol="0">
+            <a:spAutoFit/>
+          </a:bodyPr>
+          <a:lstStyle/>
+          <a:p>
+            <a:pPr algn="ctr"/>
+            <a:r>
+              <a:rPr lang="fr-FR" sz="2400" dirty="0">
+                <a:solidFill>
+                  <a:schemeClr val="bg1"/>
+                </a:solidFill>
+              </a:rPr>
+              <a:t>Plusieurs paramètres</a:t>
+            </a:r>
+          </a:p>
+          <a:p>
+            <a:pPr marL="342900" indent="-342900" algn="ctr">
+              <a:buFontTx/>
+              <a:buChar char="-"/>
+            </a:pPr>
+            <a:r>
+              <a:rPr lang="fr-FR" sz="2400" dirty="0">
+                <a:solidFill>
+                  <a:schemeClr val="bg1"/>
+                </a:solidFill>
+              </a:rPr>
+              <a:t>Taux de reproduction</a:t>
+            </a:r>
+          </a:p>
+          <a:p>
+            <a:pPr marL="342900" indent="-342900" algn="ctr">
+              <a:buFontTx/>
+              <a:buChar char="-"/>
+            </a:pPr>
+            <a:r>
+              <a:rPr lang="fr-FR" sz="2400" dirty="0">
+                <a:solidFill>
+                  <a:schemeClr val="bg1"/>
+                </a:solidFill>
+              </a:rPr>
+              <a:t>Taux de létalité</a:t>
+            </a:r>
+          </a:p>
+          <a:p>
+            <a:pPr marL="342900" indent="-342900" algn="ctr">
+              <a:buFontTx/>
+              <a:buChar char="-"/>
+            </a:pPr>
+            <a:r>
+              <a:rPr lang="fr-FR" sz="2400" dirty="0">
+                <a:solidFill>
+                  <a:schemeClr val="bg1"/>
+                </a:solidFill>
+              </a:rPr>
+              <a:t>Durée minimale et maximale</a:t>
+            </a:r>
+          </a:p>
+          <a:p>
+            <a:pPr marL="342900" indent="-342900" algn="ctr">
+              <a:buFontTx/>
+              <a:buChar char="-"/>
+            </a:pPr>
+            <a:r>
+              <a:rPr lang="fr-FR" sz="2400" dirty="0">
+                <a:solidFill>
+                  <a:schemeClr val="bg1"/>
+                </a:solidFill>
+              </a:rPr>
+              <a:t>Taux de vulnérabilité en fonction de l’âge</a:t>
             </a:r>
           </a:p>
         </p:txBody>
@@ -15115,7 +15480,7 @@
     </p:spTree>
     <p:extLst>
       <p:ext uri="{BB962C8B-B14F-4D97-AF65-F5344CB8AC3E}">
-        <p14:creationId xmlns:p14="http://schemas.microsoft.com/office/powerpoint/2010/main" val="1172487627"/>
+        <p14:creationId xmlns:p14="http://schemas.microsoft.com/office/powerpoint/2010/main" val="871385753"/>
       </p:ext>
     </p:extLst>
   </p:cSld>
@@ -15150,12 +15515,42 @@
           <a:chExt cx="0" cy="0"/>
         </a:xfrm>
       </p:grpSpPr>
-      <p:sp>
-        <p:nvSpPr>
-          <p:cNvPr id="10" name="Rectangle 9">
-            <a:extLst>
-              <a:ext uri="{FF2B5EF4-FFF2-40B4-BE49-F238E27FC236}">
-                <a16:creationId xmlns:a16="http://schemas.microsoft.com/office/drawing/2014/main" id="{AE8623B3-E4EC-455E-BF32-A13679F9B2A7}"/>
+      <p:pic>
+        <p:nvPicPr>
+          <p:cNvPr id="4" name="Image 3">
+            <a:extLst>
+              <a:ext uri="{FF2B5EF4-FFF2-40B4-BE49-F238E27FC236}">
+                <a16:creationId xmlns:a16="http://schemas.microsoft.com/office/drawing/2014/main" id="{D8F008AD-F2B9-4F28-A088-6D135BB50517}"/>
+              </a:ext>
+            </a:extLst>
+          </p:cNvPr>
+          <p:cNvPicPr>
+            <a:picLocks noChangeAspect="1"/>
+          </p:cNvPicPr>
+          <p:nvPr/>
+        </p:nvPicPr>
+        <p:blipFill>
+          <a:blip r:embed="rId2"/>
+          <a:stretch>
+            <a:fillRect/>
+          </a:stretch>
+        </p:blipFill>
+        <p:spPr>
+          <a:xfrm>
+            <a:off x="0" y="-2171294"/>
+            <a:ext cx="12191996" cy="8617302"/>
+          </a:xfrm>
+          <a:prstGeom prst="rect">
+            <a:avLst/>
+          </a:prstGeom>
+        </p:spPr>
+      </p:pic>
+      <p:sp>
+        <p:nvSpPr>
+          <p:cNvPr id="6" name="Rectangle 5">
+            <a:extLst>
+              <a:ext uri="{FF2B5EF4-FFF2-40B4-BE49-F238E27FC236}">
+                <a16:creationId xmlns:a16="http://schemas.microsoft.com/office/drawing/2014/main" id="{AFC6CE19-1905-4F7B-A53A-8FAE7084F2ED}"/>
               </a:ext>
             </a:extLst>
           </p:cNvPr>
@@ -15164,8 +15559,8 @@
         </p:nvSpPr>
         <p:spPr>
           <a:xfrm>
-            <a:off x="4" y="0"/>
-            <a:ext cx="12191996" cy="653909"/>
+            <a:off x="0" y="270589"/>
+            <a:ext cx="12191996" cy="1016344"/>
           </a:xfrm>
           <a:prstGeom prst="rect">
             <a:avLst/>
@@ -15204,6 +15599,341 @@
       </p:sp>
       <p:sp>
         <p:nvSpPr>
+          <p:cNvPr id="2" name="ZoneTexte 24">
+            <a:extLst>
+              <a:ext uri="{FF2B5EF4-FFF2-40B4-BE49-F238E27FC236}">
+                <a16:creationId xmlns:a16="http://schemas.microsoft.com/office/drawing/2014/main" id="{57B0DD9B-C8B0-4303-BDA2-61ABEB9386E9}"/>
+              </a:ext>
+            </a:extLst>
+          </p:cNvPr>
+          <p:cNvSpPr txBox="1"/>
+          <p:nvPr/>
+        </p:nvSpPr>
+        <p:spPr>
+          <a:xfrm>
+            <a:off x="0" y="6451137"/>
+            <a:ext cx="12191996" cy="577077"/>
+          </a:xfrm>
+          <a:prstGeom prst="rect">
+            <a:avLst/>
+          </a:prstGeom>
+          <a:noFill/>
+          <a:ln cap="rnd">
+            <a:noFill/>
+          </a:ln>
+        </p:spPr>
+        <p:txBody>
+          <a:bodyPr vert="horz" wrap="square" lIns="91440" tIns="45720" rIns="91440" bIns="45720" anchor="t" anchorCtr="0" compatLnSpc="1">
+            <a:spAutoFit/>
+          </a:bodyPr>
+          <a:lstStyle/>
+          <a:p>
+            <a:pPr marL="0" marR="0" lvl="0" indent="0" algn="l" defTabSz="457200" rtl="0" fontAlgn="auto" hangingPunct="1">
+              <a:lnSpc>
+                <a:spcPct val="100000"/>
+              </a:lnSpc>
+              <a:spcBef>
+                <a:spcPts val="0"/>
+              </a:spcBef>
+              <a:spcAft>
+                <a:spcPts val="0"/>
+              </a:spcAft>
+              <a:buNone/>
+              <a:tabLst/>
+              <a:defRPr sz="1800" b="0" i="0" u="none" strike="noStrike" kern="0" cap="none" spc="0" baseline="0">
+                <a:solidFill>
+                  <a:srgbClr val="000000"/>
+                </a:solidFill>
+                <a:uFillTx/>
+              </a:defRPr>
+            </a:pPr>
+            <a:r>
+              <a:rPr lang="fr-FR" sz="1050" b="0" i="0" u="none" strike="noStrike" kern="1200" cap="none" spc="0" baseline="0">
+                <a:solidFill>
+                  <a:srgbClr val="FFFFFF"/>
+                </a:solidFill>
+                <a:uFillTx/>
+                <a:latin typeface="Century Gothic"/>
+              </a:rPr>
+              <a:t>Nicolas MEYNIEL, Damien PIEDANNA, Axel PISANI, Aurélien ROBINEAU													     Mercredi 7 novembre 2018 </a:t>
+            </a:r>
+          </a:p>
+          <a:p>
+            <a:pPr marL="0" marR="0" lvl="0" indent="0" algn="l" defTabSz="457200" rtl="0" fontAlgn="auto" hangingPunct="1">
+              <a:lnSpc>
+                <a:spcPct val="100000"/>
+              </a:lnSpc>
+              <a:spcBef>
+                <a:spcPts val="0"/>
+              </a:spcBef>
+              <a:spcAft>
+                <a:spcPts val="0"/>
+              </a:spcAft>
+              <a:buNone/>
+              <a:tabLst/>
+              <a:defRPr sz="1800" b="0" i="0" u="none" strike="noStrike" kern="0" cap="none" spc="0" baseline="0">
+                <a:solidFill>
+                  <a:srgbClr val="000000"/>
+                </a:solidFill>
+                <a:uFillTx/>
+              </a:defRPr>
+            </a:pPr>
+            <a:r>
+              <a:rPr lang="fr-FR" sz="1050" b="0" i="0" u="none" strike="noStrike" kern="1200" cap="none" spc="0" baseline="0">
+                <a:solidFill>
+                  <a:srgbClr val="FFFFFF"/>
+                </a:solidFill>
+                <a:uFillTx/>
+                <a:latin typeface="Century Gothic"/>
+              </a:rPr>
+              <a:t>Groupe 3B – 2</a:t>
+            </a:r>
+            <a:r>
+              <a:rPr lang="fr-FR" sz="1050" b="0" i="0" u="none" strike="noStrike" kern="1200" cap="none" spc="0" baseline="30000">
+                <a:solidFill>
+                  <a:srgbClr val="FFFFFF"/>
+                </a:solidFill>
+                <a:uFillTx/>
+                <a:latin typeface="Century Gothic"/>
+              </a:rPr>
+              <a:t>nd</a:t>
+            </a:r>
+            <a:r>
+              <a:rPr lang="fr-FR" sz="1050" b="0" i="0" u="none" strike="noStrike" kern="1200" cap="none" spc="0" baseline="0">
+                <a:solidFill>
+                  <a:srgbClr val="FFFFFF"/>
+                </a:solidFill>
+                <a:uFillTx/>
+                <a:latin typeface="Century Gothic"/>
+              </a:rPr>
+              <a:t> année															 				     													</a:t>
+            </a:r>
+          </a:p>
+        </p:txBody>
+      </p:sp>
+      <p:sp>
+        <p:nvSpPr>
+          <p:cNvPr id="3" name="ZoneTexte 2">
+            <a:extLst>
+              <a:ext uri="{FF2B5EF4-FFF2-40B4-BE49-F238E27FC236}">
+                <a16:creationId xmlns:a16="http://schemas.microsoft.com/office/drawing/2014/main" id="{E9FAD394-BBB6-4099-8D7A-5A8B1FF4B6D6}"/>
+              </a:ext>
+            </a:extLst>
+          </p:cNvPr>
+          <p:cNvSpPr txBox="1"/>
+          <p:nvPr/>
+        </p:nvSpPr>
+        <p:spPr>
+          <a:xfrm>
+            <a:off x="2139819" y="411992"/>
+            <a:ext cx="7912358" cy="707882"/>
+          </a:xfrm>
+          <a:prstGeom prst="rect">
+            <a:avLst/>
+          </a:prstGeom>
+          <a:noFill/>
+          <a:ln cap="rnd">
+            <a:noFill/>
+          </a:ln>
+        </p:spPr>
+        <p:txBody>
+          <a:bodyPr vert="horz" wrap="square" lIns="91440" tIns="45720" rIns="91440" bIns="45720" anchor="t" anchorCtr="1" compatLnSpc="1">
+            <a:spAutoFit/>
+          </a:bodyPr>
+          <a:lstStyle/>
+          <a:p>
+            <a:pPr marL="0" marR="0" lvl="0" indent="0" algn="ctr" defTabSz="457200" rtl="0" fontAlgn="auto" hangingPunct="1">
+              <a:lnSpc>
+                <a:spcPct val="100000"/>
+              </a:lnSpc>
+              <a:spcBef>
+                <a:spcPts val="0"/>
+              </a:spcBef>
+              <a:spcAft>
+                <a:spcPts val="0"/>
+              </a:spcAft>
+              <a:buNone/>
+              <a:tabLst/>
+              <a:defRPr sz="1800" b="0" i="0" u="none" strike="noStrike" kern="0" cap="none" spc="0" baseline="0">
+                <a:solidFill>
+                  <a:srgbClr val="000000"/>
+                </a:solidFill>
+                <a:uFillTx/>
+              </a:defRPr>
+            </a:pPr>
+            <a:r>
+              <a:rPr lang="fr-FR" sz="4000" b="1" i="0" u="none" strike="noStrike" kern="1200" cap="none" spc="0" baseline="0" dirty="0">
+                <a:solidFill>
+                  <a:srgbClr val="262626"/>
+                </a:solidFill>
+                <a:uFillTx/>
+                <a:latin typeface="Century Gothic"/>
+              </a:rPr>
+              <a:t>Les maths</a:t>
+            </a:r>
+          </a:p>
+        </p:txBody>
+      </p:sp>
+      <p:sp>
+        <p:nvSpPr>
+          <p:cNvPr id="5" name="Espace réservé du numéro de diapositive 4">
+            <a:extLst>
+              <a:ext uri="{FF2B5EF4-FFF2-40B4-BE49-F238E27FC236}">
+                <a16:creationId xmlns:a16="http://schemas.microsoft.com/office/drawing/2014/main" id="{4AD8B6A5-3781-46CE-9CA4-3A42721726F4}"/>
+              </a:ext>
+            </a:extLst>
+          </p:cNvPr>
+          <p:cNvSpPr txBox="1"/>
+          <p:nvPr/>
+        </p:nvSpPr>
+        <p:spPr>
+          <a:xfrm>
+            <a:off x="11640833" y="6557107"/>
+            <a:ext cx="551163" cy="365129"/>
+          </a:xfrm>
+          <a:prstGeom prst="rect">
+            <a:avLst/>
+          </a:prstGeom>
+          <a:noFill/>
+          <a:ln cap="rnd">
+            <a:noFill/>
+          </a:ln>
+        </p:spPr>
+        <p:txBody>
+          <a:bodyPr vert="horz" wrap="square" lIns="91440" tIns="45720" rIns="91440" bIns="45720" anchor="ctr" anchorCtr="0" compatLnSpc="1">
+            <a:noAutofit/>
+          </a:bodyPr>
+          <a:lstStyle/>
+          <a:p>
+            <a:pPr marL="0" marR="0" lvl="0" indent="0" algn="r" defTabSz="457200" rtl="0" fontAlgn="auto" hangingPunct="1">
+              <a:lnSpc>
+                <a:spcPct val="100000"/>
+              </a:lnSpc>
+              <a:spcBef>
+                <a:spcPts val="0"/>
+              </a:spcBef>
+              <a:spcAft>
+                <a:spcPts val="0"/>
+              </a:spcAft>
+              <a:buNone/>
+              <a:tabLst/>
+              <a:defRPr sz="1800" b="0" i="0" u="none" strike="noStrike" kern="0" cap="none" spc="0" baseline="0">
+                <a:solidFill>
+                  <a:srgbClr val="000000"/>
+                </a:solidFill>
+                <a:uFillTx/>
+              </a:defRPr>
+            </a:pPr>
+            <a:fld id="{FD1251E9-295D-4DFD-A63B-58872DCC76F5}" type="slidenum">
+              <a:t>22</a:t>
+            </a:fld>
+            <a:endParaRPr lang="fr-FR" sz="900" b="1" i="0" u="none" strike="noStrike" kern="1200" cap="none" spc="0" baseline="0">
+              <a:solidFill>
+                <a:srgbClr val="BFBFBF"/>
+              </a:solidFill>
+              <a:effectLst>
+                <a:outerShdw dist="38096" dir="2700000">
+                  <a:srgbClr val="000000"/>
+                </a:outerShdw>
+              </a:effectLst>
+              <a:uFillTx/>
+              <a:latin typeface="Century Gothic"/>
+            </a:endParaRPr>
+          </a:p>
+        </p:txBody>
+      </p:sp>
+    </p:spTree>
+    <p:extLst>
+      <p:ext uri="{BB962C8B-B14F-4D97-AF65-F5344CB8AC3E}">
+        <p14:creationId xmlns:p14="http://schemas.microsoft.com/office/powerpoint/2010/main" val="226198178"/>
+      </p:ext>
+    </p:extLst>
+  </p:cSld>
+  <p:clrMapOvr>
+    <a:masterClrMapping/>
+  </p:clrMapOvr>
+</p:sld>
+</file>
+
+<file path=ppt/slides/slide23.xml><?xml version="1.0" encoding="utf-8"?>
+<p:sld xmlns:a="http://schemas.openxmlformats.org/drawingml/2006/main" xmlns:r="http://schemas.openxmlformats.org/officeDocument/2006/relationships" xmlns:p="http://schemas.openxmlformats.org/presentationml/2006/main">
+  <p:cSld name="Slide7">
+    <p:bg>
+      <p:bgPr>
+        <a:solidFill>
+          <a:srgbClr val="262626"/>
+        </a:solidFill>
+        <a:effectLst/>
+      </p:bgPr>
+    </p:bg>
+    <p:spTree>
+      <p:nvGrpSpPr>
+        <p:cNvPr id="1" name=""/>
+        <p:cNvGrpSpPr/>
+        <p:nvPr/>
+      </p:nvGrpSpPr>
+      <p:grpSpPr>
+        <a:xfrm>
+          <a:off x="0" y="0"/>
+          <a:ext cx="0" cy="0"/>
+          <a:chOff x="0" y="0"/>
+          <a:chExt cx="0" cy="0"/>
+        </a:xfrm>
+      </p:grpSpPr>
+      <p:sp>
+        <p:nvSpPr>
+          <p:cNvPr id="10" name="Rectangle 9">
+            <a:extLst>
+              <a:ext uri="{FF2B5EF4-FFF2-40B4-BE49-F238E27FC236}">
+                <a16:creationId xmlns:a16="http://schemas.microsoft.com/office/drawing/2014/main" id="{AE8623B3-E4EC-455E-BF32-A13679F9B2A7}"/>
+              </a:ext>
+            </a:extLst>
+          </p:cNvPr>
+          <p:cNvSpPr/>
+          <p:nvPr/>
+        </p:nvSpPr>
+        <p:spPr>
+          <a:xfrm>
+            <a:off x="4" y="0"/>
+            <a:ext cx="12191996" cy="653909"/>
+          </a:xfrm>
+          <a:prstGeom prst="rect">
+            <a:avLst/>
+          </a:prstGeom>
+          <a:solidFill>
+            <a:srgbClr val="8ECE55"/>
+          </a:solidFill>
+          <a:ln>
+            <a:noFill/>
+          </a:ln>
+        </p:spPr>
+        <p:style>
+          <a:lnRef idx="2">
+            <a:schemeClr val="accent1">
+              <a:shade val="50000"/>
+            </a:schemeClr>
+          </a:lnRef>
+          <a:fillRef idx="1">
+            <a:schemeClr val="accent1"/>
+          </a:fillRef>
+          <a:effectRef idx="0">
+            <a:schemeClr val="accent1"/>
+          </a:effectRef>
+          <a:fontRef idx="minor">
+            <a:schemeClr val="lt1"/>
+          </a:fontRef>
+        </p:style>
+        <p:txBody>
+          <a:bodyPr rtlCol="0" anchor="ctr"/>
+          <a:lstStyle/>
+          <a:p>
+            <a:pPr algn="ctr"/>
+            <a:endParaRPr lang="fr-FR"/>
+          </a:p>
+        </p:txBody>
+      </p:sp>
+      <p:sp>
+        <p:nvSpPr>
           <p:cNvPr id="11" name="ZoneTexte 2">
             <a:extLst>
               <a:ext uri="{FF2B5EF4-FFF2-40B4-BE49-F238E27FC236}">
@@ -15546,7 +16276,2422 @@
               </a:defRPr>
             </a:pPr>
             <a:fld id="{1A0F8804-A8AF-488B-BABF-40AC271FABDD}" type="slidenum">
-              <a:t>22</a:t>
+              <a:t>23</a:t>
+            </a:fld>
+            <a:endParaRPr lang="fr-FR" sz="900" b="1" i="0" u="none" strike="noStrike" kern="1200" cap="none" spc="0" baseline="0">
+              <a:solidFill>
+                <a:srgbClr val="BFBFBF"/>
+              </a:solidFill>
+              <a:effectLst>
+                <a:outerShdw dist="38096" dir="2700000">
+                  <a:srgbClr val="000000"/>
+                </a:outerShdw>
+              </a:effectLst>
+              <a:uFillTx/>
+              <a:latin typeface="Century Gothic"/>
+            </a:endParaRPr>
+          </a:p>
+        </p:txBody>
+      </p:sp>
+      <p:sp>
+        <p:nvSpPr>
+          <p:cNvPr id="17" name="ZoneTexte 12">
+            <a:extLst>
+              <a:ext uri="{FF2B5EF4-FFF2-40B4-BE49-F238E27FC236}">
+                <a16:creationId xmlns:a16="http://schemas.microsoft.com/office/drawing/2014/main" id="{D9869B71-8155-4E04-83B1-4BA318BE7014}"/>
+              </a:ext>
+            </a:extLst>
+          </p:cNvPr>
+          <p:cNvSpPr txBox="1"/>
+          <p:nvPr/>
+        </p:nvSpPr>
+        <p:spPr>
+          <a:xfrm>
+            <a:off x="0" y="6451137"/>
+            <a:ext cx="12191996" cy="577077"/>
+          </a:xfrm>
+          <a:prstGeom prst="rect">
+            <a:avLst/>
+          </a:prstGeom>
+          <a:noFill/>
+          <a:ln cap="rnd">
+            <a:noFill/>
+          </a:ln>
+        </p:spPr>
+        <p:txBody>
+          <a:bodyPr vert="horz" wrap="square" lIns="91440" tIns="45720" rIns="91440" bIns="45720" anchor="t" anchorCtr="0" compatLnSpc="1">
+            <a:spAutoFit/>
+          </a:bodyPr>
+          <a:lstStyle/>
+          <a:p>
+            <a:pPr marL="0" marR="0" lvl="0" indent="0" algn="l" defTabSz="457200" rtl="0" fontAlgn="auto" hangingPunct="1">
+              <a:lnSpc>
+                <a:spcPct val="100000"/>
+              </a:lnSpc>
+              <a:spcBef>
+                <a:spcPts val="0"/>
+              </a:spcBef>
+              <a:spcAft>
+                <a:spcPts val="0"/>
+              </a:spcAft>
+              <a:buNone/>
+              <a:tabLst/>
+              <a:defRPr sz="1800" b="0" i="0" u="none" strike="noStrike" kern="0" cap="none" spc="0" baseline="0">
+                <a:solidFill>
+                  <a:srgbClr val="000000"/>
+                </a:solidFill>
+                <a:uFillTx/>
+              </a:defRPr>
+            </a:pPr>
+            <a:r>
+              <a:rPr lang="fr-FR" sz="1050" b="0" i="0" u="none" strike="noStrike" kern="1200" cap="none" spc="0" baseline="0">
+                <a:solidFill>
+                  <a:srgbClr val="FFFFFF"/>
+                </a:solidFill>
+                <a:uFillTx/>
+                <a:latin typeface="Century Gothic"/>
+              </a:rPr>
+              <a:t>Nicolas MEYNIEL, Damien PIEDANNA, Axel PISANI, Aurélien ROBINEAU													     Mercredi 7 novembre 2018 </a:t>
+            </a:r>
+          </a:p>
+          <a:p>
+            <a:pPr marL="0" marR="0" lvl="0" indent="0" algn="l" defTabSz="457200" rtl="0" fontAlgn="auto" hangingPunct="1">
+              <a:lnSpc>
+                <a:spcPct val="100000"/>
+              </a:lnSpc>
+              <a:spcBef>
+                <a:spcPts val="0"/>
+              </a:spcBef>
+              <a:spcAft>
+                <a:spcPts val="0"/>
+              </a:spcAft>
+              <a:buNone/>
+              <a:tabLst/>
+              <a:defRPr sz="1800" b="0" i="0" u="none" strike="noStrike" kern="0" cap="none" spc="0" baseline="0">
+                <a:solidFill>
+                  <a:srgbClr val="000000"/>
+                </a:solidFill>
+                <a:uFillTx/>
+              </a:defRPr>
+            </a:pPr>
+            <a:r>
+              <a:rPr lang="fr-FR" sz="1050" b="0" i="0" u="none" strike="noStrike" kern="1200" cap="none" spc="0" baseline="0">
+                <a:solidFill>
+                  <a:srgbClr val="FFFFFF"/>
+                </a:solidFill>
+                <a:uFillTx/>
+                <a:latin typeface="Century Gothic"/>
+              </a:rPr>
+              <a:t>Groupe 3B – 2</a:t>
+            </a:r>
+            <a:r>
+              <a:rPr lang="fr-FR" sz="1050" b="0" i="0" u="none" strike="noStrike" kern="1200" cap="none" spc="0" baseline="30000">
+                <a:solidFill>
+                  <a:srgbClr val="FFFFFF"/>
+                </a:solidFill>
+                <a:uFillTx/>
+                <a:latin typeface="Century Gothic"/>
+              </a:rPr>
+              <a:t>nd</a:t>
+            </a:r>
+            <a:r>
+              <a:rPr lang="fr-FR" sz="1050" b="0" i="0" u="none" strike="noStrike" kern="1200" cap="none" spc="0" baseline="0">
+                <a:solidFill>
+                  <a:srgbClr val="FFFFFF"/>
+                </a:solidFill>
+                <a:uFillTx/>
+                <a:latin typeface="Century Gothic"/>
+              </a:rPr>
+              <a:t> année															 				     													</a:t>
+            </a:r>
+          </a:p>
+        </p:txBody>
+      </p:sp>
+      <p:sp>
+        <p:nvSpPr>
+          <p:cNvPr id="18" name="ZoneTexte 17">
+            <a:extLst>
+              <a:ext uri="{FF2B5EF4-FFF2-40B4-BE49-F238E27FC236}">
+                <a16:creationId xmlns:a16="http://schemas.microsoft.com/office/drawing/2014/main" id="{65CC5CFE-CFAC-4255-8B85-FBC2CB7E5A38}"/>
+              </a:ext>
+            </a:extLst>
+          </p:cNvPr>
+          <p:cNvSpPr txBox="1"/>
+          <p:nvPr/>
+        </p:nvSpPr>
+        <p:spPr>
+          <a:xfrm>
+            <a:off x="4101881" y="1743146"/>
+            <a:ext cx="3988233" cy="646331"/>
+          </a:xfrm>
+          <a:prstGeom prst="rect">
+            <a:avLst/>
+          </a:prstGeom>
+          <a:noFill/>
+        </p:spPr>
+        <p:txBody>
+          <a:bodyPr wrap="square" rtlCol="0">
+            <a:spAutoFit/>
+          </a:bodyPr>
+          <a:lstStyle/>
+          <a:p>
+            <a:pPr algn="ctr"/>
+            <a:r>
+              <a:rPr lang="fr-FR" sz="3600" dirty="0">
+                <a:solidFill>
+                  <a:srgbClr val="8ECE55"/>
+                </a:solidFill>
+              </a:rPr>
+              <a:t>Algorithme de Prim</a:t>
+            </a:r>
+          </a:p>
+        </p:txBody>
+      </p:sp>
+    </p:spTree>
+  </p:cSld>
+  <p:clrMapOvr>
+    <a:masterClrMapping/>
+  </p:clrMapOvr>
+</p:sld>
+</file>
+
+<file path=ppt/slides/slide24.xml><?xml version="1.0" encoding="utf-8"?>
+<p:sld xmlns:a="http://schemas.openxmlformats.org/drawingml/2006/main" xmlns:r="http://schemas.openxmlformats.org/officeDocument/2006/relationships" xmlns:p="http://schemas.openxmlformats.org/presentationml/2006/main">
+  <p:cSld>
+    <p:bg>
+      <p:bgPr>
+        <a:solidFill>
+          <a:srgbClr val="262626"/>
+        </a:solidFill>
+        <a:effectLst/>
+      </p:bgPr>
+    </p:bg>
+    <p:spTree>
+      <p:nvGrpSpPr>
+        <p:cNvPr id="1" name=""/>
+        <p:cNvGrpSpPr/>
+        <p:nvPr/>
+      </p:nvGrpSpPr>
+      <p:grpSpPr>
+        <a:xfrm>
+          <a:off x="0" y="0"/>
+          <a:ext cx="0" cy="0"/>
+          <a:chOff x="0" y="0"/>
+          <a:chExt cx="0" cy="0"/>
+        </a:xfrm>
+      </p:grpSpPr>
+      <p:sp>
+        <p:nvSpPr>
+          <p:cNvPr id="10" name="Rectangle 9">
+            <a:extLst>
+              <a:ext uri="{FF2B5EF4-FFF2-40B4-BE49-F238E27FC236}">
+                <a16:creationId xmlns:a16="http://schemas.microsoft.com/office/drawing/2014/main" id="{AE8623B3-E4EC-455E-BF32-A13679F9B2A7}"/>
+              </a:ext>
+            </a:extLst>
+          </p:cNvPr>
+          <p:cNvSpPr/>
+          <p:nvPr/>
+        </p:nvSpPr>
+        <p:spPr>
+          <a:xfrm>
+            <a:off x="4" y="0"/>
+            <a:ext cx="12191996" cy="653909"/>
+          </a:xfrm>
+          <a:prstGeom prst="rect">
+            <a:avLst/>
+          </a:prstGeom>
+          <a:solidFill>
+            <a:srgbClr val="8ECE55"/>
+          </a:solidFill>
+          <a:ln>
+            <a:noFill/>
+          </a:ln>
+        </p:spPr>
+        <p:style>
+          <a:lnRef idx="2">
+            <a:schemeClr val="accent1">
+              <a:shade val="50000"/>
+            </a:schemeClr>
+          </a:lnRef>
+          <a:fillRef idx="1">
+            <a:schemeClr val="accent1"/>
+          </a:fillRef>
+          <a:effectRef idx="0">
+            <a:schemeClr val="accent1"/>
+          </a:effectRef>
+          <a:fontRef idx="minor">
+            <a:schemeClr val="lt1"/>
+          </a:fontRef>
+        </p:style>
+        <p:txBody>
+          <a:bodyPr rtlCol="0" anchor="ctr"/>
+          <a:lstStyle/>
+          <a:p>
+            <a:pPr algn="ctr"/>
+            <a:endParaRPr lang="fr-FR"/>
+          </a:p>
+        </p:txBody>
+      </p:sp>
+      <p:sp>
+        <p:nvSpPr>
+          <p:cNvPr id="11" name="ZoneTexte 2">
+            <a:extLst>
+              <a:ext uri="{FF2B5EF4-FFF2-40B4-BE49-F238E27FC236}">
+                <a16:creationId xmlns:a16="http://schemas.microsoft.com/office/drawing/2014/main" id="{0EB27BA8-B711-47F6-8765-00911875577A}"/>
+              </a:ext>
+            </a:extLst>
+          </p:cNvPr>
+          <p:cNvSpPr txBox="1"/>
+          <p:nvPr/>
+        </p:nvSpPr>
+        <p:spPr>
+          <a:xfrm>
+            <a:off x="185056" y="158620"/>
+            <a:ext cx="11821884" cy="623245"/>
+          </a:xfrm>
+          <a:prstGeom prst="rect">
+            <a:avLst/>
+          </a:prstGeom>
+          <a:noFill/>
+          <a:ln cap="rnd">
+            <a:noFill/>
+          </a:ln>
+        </p:spPr>
+        <p:txBody>
+          <a:bodyPr vert="horz" wrap="square" lIns="91440" tIns="45720" rIns="91440" bIns="45720" anchor="t" anchorCtr="1" compatLnSpc="1">
+            <a:spAutoFit/>
+          </a:bodyPr>
+          <a:lstStyle/>
+          <a:p>
+            <a:pPr marL="0" marR="0" lvl="0" indent="0" algn="ctr" defTabSz="457200" rtl="0" fontAlgn="auto" hangingPunct="1">
+              <a:lnSpc>
+                <a:spcPct val="150000"/>
+              </a:lnSpc>
+              <a:spcBef>
+                <a:spcPts val="0"/>
+              </a:spcBef>
+              <a:spcAft>
+                <a:spcPts val="0"/>
+              </a:spcAft>
+              <a:buNone/>
+              <a:tabLst/>
+              <a:defRPr sz="1800" b="0" i="0" u="none" strike="noStrike" kern="0" cap="none" spc="0" baseline="0">
+                <a:solidFill>
+                  <a:srgbClr val="000000"/>
+                </a:solidFill>
+                <a:uFillTx/>
+              </a:defRPr>
+            </a:pPr>
+            <a:r>
+              <a:rPr lang="fr-FR" sz="1100" i="0" u="none" strike="noStrike" kern="1200" cap="none" spc="0" baseline="0" dirty="0">
+                <a:solidFill>
+                  <a:srgbClr val="262626"/>
+                </a:solidFill>
+                <a:uFillTx/>
+                <a:latin typeface="Century Gothic"/>
+              </a:rPr>
+              <a:t>Présentation du projet          </a:t>
+            </a:r>
+            <a:r>
+              <a:rPr lang="fr-FR" sz="1100" b="0" i="0" u="none" strike="noStrike" kern="1200" cap="none" spc="0" baseline="0" dirty="0">
+                <a:solidFill>
+                  <a:srgbClr val="262626"/>
+                </a:solidFill>
+                <a:uFillTx/>
+                <a:latin typeface="Century Gothic"/>
+              </a:rPr>
+              <a:t>Les automates cellulaires          Evolution du projet          Etat Final          </a:t>
+            </a:r>
+            <a:r>
+              <a:rPr lang="fr-FR" sz="1100" b="1" u="none" strike="noStrike" kern="1200" cap="none" spc="0" baseline="0" dirty="0">
+                <a:solidFill>
+                  <a:srgbClr val="262626"/>
+                </a:solidFill>
+                <a:uFillTx/>
+                <a:latin typeface="Century Gothic"/>
+              </a:rPr>
+              <a:t>Les maths</a:t>
+            </a:r>
+          </a:p>
+          <a:p>
+            <a:pPr marL="0" marR="0" lvl="0" indent="0" algn="ctr" defTabSz="457200" rtl="0" fontAlgn="auto" hangingPunct="1">
+              <a:lnSpc>
+                <a:spcPct val="100000"/>
+              </a:lnSpc>
+              <a:spcBef>
+                <a:spcPts val="0"/>
+              </a:spcBef>
+              <a:spcAft>
+                <a:spcPts val="0"/>
+              </a:spcAft>
+              <a:buNone/>
+              <a:tabLst/>
+              <a:defRPr sz="1800" b="0" i="0" u="none" strike="noStrike" kern="0" cap="none" spc="0" baseline="0">
+                <a:solidFill>
+                  <a:srgbClr val="000000"/>
+                </a:solidFill>
+                <a:uFillTx/>
+              </a:defRPr>
+            </a:pPr>
+            <a:endParaRPr lang="fr-FR" sz="1800" b="0" i="0" u="none" strike="noStrike" kern="1200" cap="none" spc="0" baseline="0" dirty="0">
+              <a:solidFill>
+                <a:srgbClr val="FFFFFF"/>
+              </a:solidFill>
+              <a:uFillTx/>
+              <a:latin typeface="Century Gothic"/>
+            </a:endParaRPr>
+          </a:p>
+        </p:txBody>
+      </p:sp>
+      <p:cxnSp>
+        <p:nvCxnSpPr>
+          <p:cNvPr id="12" name="Connecteur droit avec flèche 6">
+            <a:extLst>
+              <a:ext uri="{FF2B5EF4-FFF2-40B4-BE49-F238E27FC236}">
+                <a16:creationId xmlns:a16="http://schemas.microsoft.com/office/drawing/2014/main" id="{C0C8AB16-9AE0-4F10-9872-57F70A001BA6}"/>
+              </a:ext>
+            </a:extLst>
+          </p:cNvPr>
+          <p:cNvCxnSpPr>
+            <a:cxnSpLocks/>
+          </p:cNvCxnSpPr>
+          <p:nvPr/>
+        </p:nvCxnSpPr>
+        <p:spPr>
+          <a:xfrm>
+            <a:off x="4026313" y="342287"/>
+            <a:ext cx="280218" cy="0"/>
+          </a:xfrm>
+          <a:prstGeom prst="straightConnector1">
+            <a:avLst/>
+          </a:prstGeom>
+          <a:ln w="9525" cap="flat" cmpd="sng" algn="ctr">
+            <a:solidFill>
+              <a:schemeClr val="dk1"/>
+            </a:solidFill>
+            <a:prstDash val="solid"/>
+            <a:round/>
+            <a:headEnd type="none" w="med" len="med"/>
+            <a:tailEnd type="arrow" w="med" len="med"/>
+          </a:ln>
+        </p:spPr>
+        <p:style>
+          <a:lnRef idx="0">
+            <a:scrgbClr r="0" g="0" b="0"/>
+          </a:lnRef>
+          <a:fillRef idx="0">
+            <a:scrgbClr r="0" g="0" b="0"/>
+          </a:fillRef>
+          <a:effectRef idx="0">
+            <a:scrgbClr r="0" g="0" b="0"/>
+          </a:effectRef>
+          <a:fontRef idx="minor">
+            <a:schemeClr val="tx1"/>
+          </a:fontRef>
+        </p:style>
+      </p:cxnSp>
+      <p:cxnSp>
+        <p:nvCxnSpPr>
+          <p:cNvPr id="13" name="Connecteur droit avec flèche 8">
+            <a:extLst>
+              <a:ext uri="{FF2B5EF4-FFF2-40B4-BE49-F238E27FC236}">
+                <a16:creationId xmlns:a16="http://schemas.microsoft.com/office/drawing/2014/main" id="{F7C94D04-A3CB-4790-87C1-24E0AD894563}"/>
+              </a:ext>
+            </a:extLst>
+          </p:cNvPr>
+          <p:cNvCxnSpPr/>
+          <p:nvPr/>
+        </p:nvCxnSpPr>
+        <p:spPr>
+          <a:xfrm>
+            <a:off x="6096003" y="342287"/>
+            <a:ext cx="280217" cy="0"/>
+          </a:xfrm>
+          <a:prstGeom prst="straightConnector1">
+            <a:avLst/>
+          </a:prstGeom>
+          <a:ln w="9525" cap="flat" cmpd="sng" algn="ctr">
+            <a:solidFill>
+              <a:schemeClr val="dk1"/>
+            </a:solidFill>
+            <a:prstDash val="solid"/>
+            <a:round/>
+            <a:headEnd type="none" w="med" len="med"/>
+            <a:tailEnd type="arrow" w="med" len="med"/>
+          </a:ln>
+        </p:spPr>
+        <p:style>
+          <a:lnRef idx="0">
+            <a:scrgbClr r="0" g="0" b="0"/>
+          </a:lnRef>
+          <a:fillRef idx="0">
+            <a:scrgbClr r="0" g="0" b="0"/>
+          </a:fillRef>
+          <a:effectRef idx="0">
+            <a:scrgbClr r="0" g="0" b="0"/>
+          </a:effectRef>
+          <a:fontRef idx="minor">
+            <a:schemeClr val="tx1"/>
+          </a:fontRef>
+        </p:style>
+      </p:cxnSp>
+      <p:cxnSp>
+        <p:nvCxnSpPr>
+          <p:cNvPr id="14" name="Connecteur droit avec flèche 9">
+            <a:extLst>
+              <a:ext uri="{FF2B5EF4-FFF2-40B4-BE49-F238E27FC236}">
+                <a16:creationId xmlns:a16="http://schemas.microsoft.com/office/drawing/2014/main" id="{536E14AF-114A-4FBA-9E78-6DC396A8069A}"/>
+              </a:ext>
+            </a:extLst>
+          </p:cNvPr>
+          <p:cNvCxnSpPr/>
+          <p:nvPr/>
+        </p:nvCxnSpPr>
+        <p:spPr>
+          <a:xfrm>
+            <a:off x="7740441" y="332759"/>
+            <a:ext cx="280218" cy="0"/>
+          </a:xfrm>
+          <a:prstGeom prst="straightConnector1">
+            <a:avLst/>
+          </a:prstGeom>
+          <a:ln w="9525" cap="flat" cmpd="sng" algn="ctr">
+            <a:solidFill>
+              <a:schemeClr val="dk1"/>
+            </a:solidFill>
+            <a:prstDash val="solid"/>
+            <a:round/>
+            <a:headEnd type="none" w="med" len="med"/>
+            <a:tailEnd type="arrow" w="med" len="med"/>
+          </a:ln>
+        </p:spPr>
+        <p:style>
+          <a:lnRef idx="0">
+            <a:scrgbClr r="0" g="0" b="0"/>
+          </a:lnRef>
+          <a:fillRef idx="0">
+            <a:scrgbClr r="0" g="0" b="0"/>
+          </a:fillRef>
+          <a:effectRef idx="0">
+            <a:scrgbClr r="0" g="0" b="0"/>
+          </a:effectRef>
+          <a:fontRef idx="minor">
+            <a:schemeClr val="tx1"/>
+          </a:fontRef>
+        </p:style>
+      </p:cxnSp>
+      <p:cxnSp>
+        <p:nvCxnSpPr>
+          <p:cNvPr id="15" name="Connecteur droit avec flèche 10">
+            <a:extLst>
+              <a:ext uri="{FF2B5EF4-FFF2-40B4-BE49-F238E27FC236}">
+                <a16:creationId xmlns:a16="http://schemas.microsoft.com/office/drawing/2014/main" id="{B381760C-00E1-4C8B-A4ED-25A0BB38110A}"/>
+              </a:ext>
+            </a:extLst>
+          </p:cNvPr>
+          <p:cNvCxnSpPr/>
+          <p:nvPr/>
+        </p:nvCxnSpPr>
+        <p:spPr>
+          <a:xfrm>
+            <a:off x="8735958" y="332448"/>
+            <a:ext cx="280227" cy="0"/>
+          </a:xfrm>
+          <a:prstGeom prst="straightConnector1">
+            <a:avLst/>
+          </a:prstGeom>
+          <a:ln w="9525" cap="flat" cmpd="sng" algn="ctr">
+            <a:solidFill>
+              <a:schemeClr val="dk1"/>
+            </a:solidFill>
+            <a:prstDash val="solid"/>
+            <a:round/>
+            <a:headEnd type="none" w="med" len="med"/>
+            <a:tailEnd type="arrow" w="med" len="med"/>
+          </a:ln>
+        </p:spPr>
+        <p:style>
+          <a:lnRef idx="0">
+            <a:scrgbClr r="0" g="0" b="0"/>
+          </a:lnRef>
+          <a:fillRef idx="0">
+            <a:scrgbClr r="0" g="0" b="0"/>
+          </a:fillRef>
+          <a:effectRef idx="0">
+            <a:scrgbClr r="0" g="0" b="0"/>
+          </a:effectRef>
+          <a:fontRef idx="minor">
+            <a:schemeClr val="tx1"/>
+          </a:fontRef>
+        </p:style>
+      </p:cxnSp>
+      <p:sp>
+        <p:nvSpPr>
+          <p:cNvPr id="16" name="Espace réservé du numéro de diapositive 7">
+            <a:extLst>
+              <a:ext uri="{FF2B5EF4-FFF2-40B4-BE49-F238E27FC236}">
+                <a16:creationId xmlns:a16="http://schemas.microsoft.com/office/drawing/2014/main" id="{1635AA11-4E0A-4C6B-A55B-60B572FE8BB7}"/>
+              </a:ext>
+            </a:extLst>
+          </p:cNvPr>
+          <p:cNvSpPr txBox="1"/>
+          <p:nvPr/>
+        </p:nvSpPr>
+        <p:spPr>
+          <a:xfrm>
+            <a:off x="11640833" y="6557107"/>
+            <a:ext cx="551163" cy="365129"/>
+          </a:xfrm>
+          <a:prstGeom prst="rect">
+            <a:avLst/>
+          </a:prstGeom>
+          <a:noFill/>
+          <a:ln cap="rnd">
+            <a:noFill/>
+          </a:ln>
+        </p:spPr>
+        <p:txBody>
+          <a:bodyPr vert="horz" wrap="square" lIns="91440" tIns="45720" rIns="91440" bIns="45720" anchor="ctr" anchorCtr="0" compatLnSpc="1">
+            <a:noAutofit/>
+          </a:bodyPr>
+          <a:lstStyle/>
+          <a:p>
+            <a:pPr marL="0" marR="0" lvl="0" indent="0" algn="r" defTabSz="457200" rtl="0" fontAlgn="auto" hangingPunct="1">
+              <a:lnSpc>
+                <a:spcPct val="100000"/>
+              </a:lnSpc>
+              <a:spcBef>
+                <a:spcPts val="0"/>
+              </a:spcBef>
+              <a:spcAft>
+                <a:spcPts val="0"/>
+              </a:spcAft>
+              <a:buNone/>
+              <a:tabLst/>
+              <a:defRPr sz="1800" b="0" i="0" u="none" strike="noStrike" kern="0" cap="none" spc="0" baseline="0">
+                <a:solidFill>
+                  <a:srgbClr val="000000"/>
+                </a:solidFill>
+                <a:uFillTx/>
+              </a:defRPr>
+            </a:pPr>
+            <a:fld id="{1A0F8804-A8AF-488B-BABF-40AC271FABDD}" type="slidenum">
+              <a:t>24</a:t>
+            </a:fld>
+            <a:endParaRPr lang="fr-FR" sz="900" b="1" i="0" u="none" strike="noStrike" kern="1200" cap="none" spc="0" baseline="0">
+              <a:solidFill>
+                <a:srgbClr val="BFBFBF"/>
+              </a:solidFill>
+              <a:effectLst>
+                <a:outerShdw dist="38096" dir="2700000">
+                  <a:srgbClr val="000000"/>
+                </a:outerShdw>
+              </a:effectLst>
+              <a:uFillTx/>
+              <a:latin typeface="Century Gothic"/>
+            </a:endParaRPr>
+          </a:p>
+        </p:txBody>
+      </p:sp>
+      <p:sp>
+        <p:nvSpPr>
+          <p:cNvPr id="17" name="ZoneTexte 12">
+            <a:extLst>
+              <a:ext uri="{FF2B5EF4-FFF2-40B4-BE49-F238E27FC236}">
+                <a16:creationId xmlns:a16="http://schemas.microsoft.com/office/drawing/2014/main" id="{D9869B71-8155-4E04-83B1-4BA318BE7014}"/>
+              </a:ext>
+            </a:extLst>
+          </p:cNvPr>
+          <p:cNvSpPr txBox="1"/>
+          <p:nvPr/>
+        </p:nvSpPr>
+        <p:spPr>
+          <a:xfrm>
+            <a:off x="0" y="6451137"/>
+            <a:ext cx="12191996" cy="577077"/>
+          </a:xfrm>
+          <a:prstGeom prst="rect">
+            <a:avLst/>
+          </a:prstGeom>
+          <a:noFill/>
+          <a:ln cap="rnd">
+            <a:noFill/>
+          </a:ln>
+        </p:spPr>
+        <p:txBody>
+          <a:bodyPr vert="horz" wrap="square" lIns="91440" tIns="45720" rIns="91440" bIns="45720" anchor="t" anchorCtr="0" compatLnSpc="1">
+            <a:spAutoFit/>
+          </a:bodyPr>
+          <a:lstStyle/>
+          <a:p>
+            <a:pPr marL="0" marR="0" lvl="0" indent="0" algn="l" defTabSz="457200" rtl="0" fontAlgn="auto" hangingPunct="1">
+              <a:lnSpc>
+                <a:spcPct val="100000"/>
+              </a:lnSpc>
+              <a:spcBef>
+                <a:spcPts val="0"/>
+              </a:spcBef>
+              <a:spcAft>
+                <a:spcPts val="0"/>
+              </a:spcAft>
+              <a:buNone/>
+              <a:tabLst/>
+              <a:defRPr sz="1800" b="0" i="0" u="none" strike="noStrike" kern="0" cap="none" spc="0" baseline="0">
+                <a:solidFill>
+                  <a:srgbClr val="000000"/>
+                </a:solidFill>
+                <a:uFillTx/>
+              </a:defRPr>
+            </a:pPr>
+            <a:r>
+              <a:rPr lang="fr-FR" sz="1050" b="0" i="0" u="none" strike="noStrike" kern="1200" cap="none" spc="0" baseline="0">
+                <a:solidFill>
+                  <a:srgbClr val="FFFFFF"/>
+                </a:solidFill>
+                <a:uFillTx/>
+                <a:latin typeface="Century Gothic"/>
+              </a:rPr>
+              <a:t>Nicolas MEYNIEL, Damien PIEDANNA, Axel PISANI, Aurélien ROBINEAU													     Mercredi 7 novembre 2018 </a:t>
+            </a:r>
+          </a:p>
+          <a:p>
+            <a:pPr marL="0" marR="0" lvl="0" indent="0" algn="l" defTabSz="457200" rtl="0" fontAlgn="auto" hangingPunct="1">
+              <a:lnSpc>
+                <a:spcPct val="100000"/>
+              </a:lnSpc>
+              <a:spcBef>
+                <a:spcPts val="0"/>
+              </a:spcBef>
+              <a:spcAft>
+                <a:spcPts val="0"/>
+              </a:spcAft>
+              <a:buNone/>
+              <a:tabLst/>
+              <a:defRPr sz="1800" b="0" i="0" u="none" strike="noStrike" kern="0" cap="none" spc="0" baseline="0">
+                <a:solidFill>
+                  <a:srgbClr val="000000"/>
+                </a:solidFill>
+                <a:uFillTx/>
+              </a:defRPr>
+            </a:pPr>
+            <a:r>
+              <a:rPr lang="fr-FR" sz="1050" b="0" i="0" u="none" strike="noStrike" kern="1200" cap="none" spc="0" baseline="0">
+                <a:solidFill>
+                  <a:srgbClr val="FFFFFF"/>
+                </a:solidFill>
+                <a:uFillTx/>
+                <a:latin typeface="Century Gothic"/>
+              </a:rPr>
+              <a:t>Groupe 3B – 2</a:t>
+            </a:r>
+            <a:r>
+              <a:rPr lang="fr-FR" sz="1050" b="0" i="0" u="none" strike="noStrike" kern="1200" cap="none" spc="0" baseline="30000">
+                <a:solidFill>
+                  <a:srgbClr val="FFFFFF"/>
+                </a:solidFill>
+                <a:uFillTx/>
+                <a:latin typeface="Century Gothic"/>
+              </a:rPr>
+              <a:t>nd</a:t>
+            </a:r>
+            <a:r>
+              <a:rPr lang="fr-FR" sz="1050" b="0" i="0" u="none" strike="noStrike" kern="1200" cap="none" spc="0" baseline="0">
+                <a:solidFill>
+                  <a:srgbClr val="FFFFFF"/>
+                </a:solidFill>
+                <a:uFillTx/>
+                <a:latin typeface="Century Gothic"/>
+              </a:rPr>
+              <a:t> année															 				     													</a:t>
+            </a:r>
+          </a:p>
+        </p:txBody>
+      </p:sp>
+      <p:sp>
+        <p:nvSpPr>
+          <p:cNvPr id="18" name="ZoneTexte 17">
+            <a:extLst>
+              <a:ext uri="{FF2B5EF4-FFF2-40B4-BE49-F238E27FC236}">
+                <a16:creationId xmlns:a16="http://schemas.microsoft.com/office/drawing/2014/main" id="{65CC5CFE-CFAC-4255-8B85-FBC2CB7E5A38}"/>
+              </a:ext>
+            </a:extLst>
+          </p:cNvPr>
+          <p:cNvSpPr txBox="1"/>
+          <p:nvPr/>
+        </p:nvSpPr>
+        <p:spPr>
+          <a:xfrm>
+            <a:off x="4101881" y="1743146"/>
+            <a:ext cx="3988233" cy="646331"/>
+          </a:xfrm>
+          <a:prstGeom prst="rect">
+            <a:avLst/>
+          </a:prstGeom>
+          <a:noFill/>
+        </p:spPr>
+        <p:txBody>
+          <a:bodyPr wrap="square" rtlCol="0">
+            <a:spAutoFit/>
+          </a:bodyPr>
+          <a:lstStyle/>
+          <a:p>
+            <a:pPr algn="ctr"/>
+            <a:r>
+              <a:rPr lang="fr-FR" sz="3600" dirty="0">
+                <a:solidFill>
+                  <a:srgbClr val="8ECE55"/>
+                </a:solidFill>
+              </a:rPr>
+              <a:t>Probabilités</a:t>
+            </a:r>
+          </a:p>
+        </p:txBody>
+      </p:sp>
+    </p:spTree>
+    <p:extLst>
+      <p:ext uri="{BB962C8B-B14F-4D97-AF65-F5344CB8AC3E}">
+        <p14:creationId xmlns:p14="http://schemas.microsoft.com/office/powerpoint/2010/main" val="1305622485"/>
+      </p:ext>
+    </p:extLst>
+  </p:cSld>
+  <p:clrMapOvr>
+    <a:masterClrMapping/>
+  </p:clrMapOvr>
+</p:sld>
+</file>
+
+<file path=ppt/slides/slide25.xml><?xml version="1.0" encoding="utf-8"?>
+<p:sld xmlns:a="http://schemas.openxmlformats.org/drawingml/2006/main" xmlns:r="http://schemas.openxmlformats.org/officeDocument/2006/relationships" xmlns:p="http://schemas.openxmlformats.org/presentationml/2006/main">
+  <p:cSld>
+    <p:bg>
+      <p:bgPr>
+        <a:solidFill>
+          <a:srgbClr val="262626"/>
+        </a:solidFill>
+        <a:effectLst/>
+      </p:bgPr>
+    </p:bg>
+    <p:spTree>
+      <p:nvGrpSpPr>
+        <p:cNvPr id="1" name=""/>
+        <p:cNvGrpSpPr/>
+        <p:nvPr/>
+      </p:nvGrpSpPr>
+      <p:grpSpPr>
+        <a:xfrm>
+          <a:off x="0" y="0"/>
+          <a:ext cx="0" cy="0"/>
+          <a:chOff x="0" y="0"/>
+          <a:chExt cx="0" cy="0"/>
+        </a:xfrm>
+      </p:grpSpPr>
+      <p:sp>
+        <p:nvSpPr>
+          <p:cNvPr id="10" name="Rectangle 9">
+            <a:extLst>
+              <a:ext uri="{FF2B5EF4-FFF2-40B4-BE49-F238E27FC236}">
+                <a16:creationId xmlns:a16="http://schemas.microsoft.com/office/drawing/2014/main" id="{AE8623B3-E4EC-455E-BF32-A13679F9B2A7}"/>
+              </a:ext>
+            </a:extLst>
+          </p:cNvPr>
+          <p:cNvSpPr/>
+          <p:nvPr/>
+        </p:nvSpPr>
+        <p:spPr>
+          <a:xfrm>
+            <a:off x="4" y="0"/>
+            <a:ext cx="12191996" cy="653909"/>
+          </a:xfrm>
+          <a:prstGeom prst="rect">
+            <a:avLst/>
+          </a:prstGeom>
+          <a:solidFill>
+            <a:srgbClr val="8ECE55"/>
+          </a:solidFill>
+          <a:ln>
+            <a:noFill/>
+          </a:ln>
+        </p:spPr>
+        <p:style>
+          <a:lnRef idx="2">
+            <a:schemeClr val="accent1">
+              <a:shade val="50000"/>
+            </a:schemeClr>
+          </a:lnRef>
+          <a:fillRef idx="1">
+            <a:schemeClr val="accent1"/>
+          </a:fillRef>
+          <a:effectRef idx="0">
+            <a:schemeClr val="accent1"/>
+          </a:effectRef>
+          <a:fontRef idx="minor">
+            <a:schemeClr val="lt1"/>
+          </a:fontRef>
+        </p:style>
+        <p:txBody>
+          <a:bodyPr rtlCol="0" anchor="ctr"/>
+          <a:lstStyle/>
+          <a:p>
+            <a:pPr algn="ctr"/>
+            <a:endParaRPr lang="fr-FR"/>
+          </a:p>
+        </p:txBody>
+      </p:sp>
+      <p:sp>
+        <p:nvSpPr>
+          <p:cNvPr id="11" name="ZoneTexte 2">
+            <a:extLst>
+              <a:ext uri="{FF2B5EF4-FFF2-40B4-BE49-F238E27FC236}">
+                <a16:creationId xmlns:a16="http://schemas.microsoft.com/office/drawing/2014/main" id="{0EB27BA8-B711-47F6-8765-00911875577A}"/>
+              </a:ext>
+            </a:extLst>
+          </p:cNvPr>
+          <p:cNvSpPr txBox="1"/>
+          <p:nvPr/>
+        </p:nvSpPr>
+        <p:spPr>
+          <a:xfrm>
+            <a:off x="185056" y="158620"/>
+            <a:ext cx="11821884" cy="623245"/>
+          </a:xfrm>
+          <a:prstGeom prst="rect">
+            <a:avLst/>
+          </a:prstGeom>
+          <a:noFill/>
+          <a:ln cap="rnd">
+            <a:noFill/>
+          </a:ln>
+        </p:spPr>
+        <p:txBody>
+          <a:bodyPr vert="horz" wrap="square" lIns="91440" tIns="45720" rIns="91440" bIns="45720" anchor="t" anchorCtr="1" compatLnSpc="1">
+            <a:spAutoFit/>
+          </a:bodyPr>
+          <a:lstStyle/>
+          <a:p>
+            <a:pPr marL="0" marR="0" lvl="0" indent="0" algn="ctr" defTabSz="457200" rtl="0" fontAlgn="auto" hangingPunct="1">
+              <a:lnSpc>
+                <a:spcPct val="150000"/>
+              </a:lnSpc>
+              <a:spcBef>
+                <a:spcPts val="0"/>
+              </a:spcBef>
+              <a:spcAft>
+                <a:spcPts val="0"/>
+              </a:spcAft>
+              <a:buNone/>
+              <a:tabLst/>
+              <a:defRPr sz="1800" b="0" i="0" u="none" strike="noStrike" kern="0" cap="none" spc="0" baseline="0">
+                <a:solidFill>
+                  <a:srgbClr val="000000"/>
+                </a:solidFill>
+                <a:uFillTx/>
+              </a:defRPr>
+            </a:pPr>
+            <a:r>
+              <a:rPr lang="fr-FR" sz="1100" i="0" u="none" strike="noStrike" kern="1200" cap="none" spc="0" baseline="0" dirty="0">
+                <a:solidFill>
+                  <a:srgbClr val="262626"/>
+                </a:solidFill>
+                <a:uFillTx/>
+                <a:latin typeface="Century Gothic"/>
+              </a:rPr>
+              <a:t>Présentation du projet          </a:t>
+            </a:r>
+            <a:r>
+              <a:rPr lang="fr-FR" sz="1100" b="0" i="0" u="none" strike="noStrike" kern="1200" cap="none" spc="0" baseline="0" dirty="0">
+                <a:solidFill>
+                  <a:srgbClr val="262626"/>
+                </a:solidFill>
+                <a:uFillTx/>
+                <a:latin typeface="Century Gothic"/>
+              </a:rPr>
+              <a:t>Les automates cellulaires          Evolution du projet          Etat Final          </a:t>
+            </a:r>
+            <a:r>
+              <a:rPr lang="fr-FR" sz="1100" b="1" u="none" strike="noStrike" kern="1200" cap="none" spc="0" baseline="0" dirty="0">
+                <a:solidFill>
+                  <a:srgbClr val="262626"/>
+                </a:solidFill>
+                <a:uFillTx/>
+                <a:latin typeface="Century Gothic"/>
+              </a:rPr>
+              <a:t>Les maths</a:t>
+            </a:r>
+          </a:p>
+          <a:p>
+            <a:pPr marL="0" marR="0" lvl="0" indent="0" algn="ctr" defTabSz="457200" rtl="0" fontAlgn="auto" hangingPunct="1">
+              <a:lnSpc>
+                <a:spcPct val="100000"/>
+              </a:lnSpc>
+              <a:spcBef>
+                <a:spcPts val="0"/>
+              </a:spcBef>
+              <a:spcAft>
+                <a:spcPts val="0"/>
+              </a:spcAft>
+              <a:buNone/>
+              <a:tabLst/>
+              <a:defRPr sz="1800" b="0" i="0" u="none" strike="noStrike" kern="0" cap="none" spc="0" baseline="0">
+                <a:solidFill>
+                  <a:srgbClr val="000000"/>
+                </a:solidFill>
+                <a:uFillTx/>
+              </a:defRPr>
+            </a:pPr>
+            <a:endParaRPr lang="fr-FR" sz="1800" b="0" i="0" u="none" strike="noStrike" kern="1200" cap="none" spc="0" baseline="0" dirty="0">
+              <a:solidFill>
+                <a:srgbClr val="FFFFFF"/>
+              </a:solidFill>
+              <a:uFillTx/>
+              <a:latin typeface="Century Gothic"/>
+            </a:endParaRPr>
+          </a:p>
+        </p:txBody>
+      </p:sp>
+      <p:cxnSp>
+        <p:nvCxnSpPr>
+          <p:cNvPr id="12" name="Connecteur droit avec flèche 6">
+            <a:extLst>
+              <a:ext uri="{FF2B5EF4-FFF2-40B4-BE49-F238E27FC236}">
+                <a16:creationId xmlns:a16="http://schemas.microsoft.com/office/drawing/2014/main" id="{C0C8AB16-9AE0-4F10-9872-57F70A001BA6}"/>
+              </a:ext>
+            </a:extLst>
+          </p:cNvPr>
+          <p:cNvCxnSpPr>
+            <a:cxnSpLocks/>
+          </p:cNvCxnSpPr>
+          <p:nvPr/>
+        </p:nvCxnSpPr>
+        <p:spPr>
+          <a:xfrm>
+            <a:off x="4026313" y="342287"/>
+            <a:ext cx="280218" cy="0"/>
+          </a:xfrm>
+          <a:prstGeom prst="straightConnector1">
+            <a:avLst/>
+          </a:prstGeom>
+          <a:ln w="9525" cap="flat" cmpd="sng" algn="ctr">
+            <a:solidFill>
+              <a:schemeClr val="dk1"/>
+            </a:solidFill>
+            <a:prstDash val="solid"/>
+            <a:round/>
+            <a:headEnd type="none" w="med" len="med"/>
+            <a:tailEnd type="arrow" w="med" len="med"/>
+          </a:ln>
+        </p:spPr>
+        <p:style>
+          <a:lnRef idx="0">
+            <a:scrgbClr r="0" g="0" b="0"/>
+          </a:lnRef>
+          <a:fillRef idx="0">
+            <a:scrgbClr r="0" g="0" b="0"/>
+          </a:fillRef>
+          <a:effectRef idx="0">
+            <a:scrgbClr r="0" g="0" b="0"/>
+          </a:effectRef>
+          <a:fontRef idx="minor">
+            <a:schemeClr val="tx1"/>
+          </a:fontRef>
+        </p:style>
+      </p:cxnSp>
+      <p:cxnSp>
+        <p:nvCxnSpPr>
+          <p:cNvPr id="13" name="Connecteur droit avec flèche 8">
+            <a:extLst>
+              <a:ext uri="{FF2B5EF4-FFF2-40B4-BE49-F238E27FC236}">
+                <a16:creationId xmlns:a16="http://schemas.microsoft.com/office/drawing/2014/main" id="{F7C94D04-A3CB-4790-87C1-24E0AD894563}"/>
+              </a:ext>
+            </a:extLst>
+          </p:cNvPr>
+          <p:cNvCxnSpPr/>
+          <p:nvPr/>
+        </p:nvCxnSpPr>
+        <p:spPr>
+          <a:xfrm>
+            <a:off x="6096003" y="342287"/>
+            <a:ext cx="280217" cy="0"/>
+          </a:xfrm>
+          <a:prstGeom prst="straightConnector1">
+            <a:avLst/>
+          </a:prstGeom>
+          <a:ln w="9525" cap="flat" cmpd="sng" algn="ctr">
+            <a:solidFill>
+              <a:schemeClr val="dk1"/>
+            </a:solidFill>
+            <a:prstDash val="solid"/>
+            <a:round/>
+            <a:headEnd type="none" w="med" len="med"/>
+            <a:tailEnd type="arrow" w="med" len="med"/>
+          </a:ln>
+        </p:spPr>
+        <p:style>
+          <a:lnRef idx="0">
+            <a:scrgbClr r="0" g="0" b="0"/>
+          </a:lnRef>
+          <a:fillRef idx="0">
+            <a:scrgbClr r="0" g="0" b="0"/>
+          </a:fillRef>
+          <a:effectRef idx="0">
+            <a:scrgbClr r="0" g="0" b="0"/>
+          </a:effectRef>
+          <a:fontRef idx="minor">
+            <a:schemeClr val="tx1"/>
+          </a:fontRef>
+        </p:style>
+      </p:cxnSp>
+      <p:cxnSp>
+        <p:nvCxnSpPr>
+          <p:cNvPr id="14" name="Connecteur droit avec flèche 9">
+            <a:extLst>
+              <a:ext uri="{FF2B5EF4-FFF2-40B4-BE49-F238E27FC236}">
+                <a16:creationId xmlns:a16="http://schemas.microsoft.com/office/drawing/2014/main" id="{536E14AF-114A-4FBA-9E78-6DC396A8069A}"/>
+              </a:ext>
+            </a:extLst>
+          </p:cNvPr>
+          <p:cNvCxnSpPr/>
+          <p:nvPr/>
+        </p:nvCxnSpPr>
+        <p:spPr>
+          <a:xfrm>
+            <a:off x="7740441" y="332759"/>
+            <a:ext cx="280218" cy="0"/>
+          </a:xfrm>
+          <a:prstGeom prst="straightConnector1">
+            <a:avLst/>
+          </a:prstGeom>
+          <a:ln w="9525" cap="flat" cmpd="sng" algn="ctr">
+            <a:solidFill>
+              <a:schemeClr val="dk1"/>
+            </a:solidFill>
+            <a:prstDash val="solid"/>
+            <a:round/>
+            <a:headEnd type="none" w="med" len="med"/>
+            <a:tailEnd type="arrow" w="med" len="med"/>
+          </a:ln>
+        </p:spPr>
+        <p:style>
+          <a:lnRef idx="0">
+            <a:scrgbClr r="0" g="0" b="0"/>
+          </a:lnRef>
+          <a:fillRef idx="0">
+            <a:scrgbClr r="0" g="0" b="0"/>
+          </a:fillRef>
+          <a:effectRef idx="0">
+            <a:scrgbClr r="0" g="0" b="0"/>
+          </a:effectRef>
+          <a:fontRef idx="minor">
+            <a:schemeClr val="tx1"/>
+          </a:fontRef>
+        </p:style>
+      </p:cxnSp>
+      <p:cxnSp>
+        <p:nvCxnSpPr>
+          <p:cNvPr id="15" name="Connecteur droit avec flèche 10">
+            <a:extLst>
+              <a:ext uri="{FF2B5EF4-FFF2-40B4-BE49-F238E27FC236}">
+                <a16:creationId xmlns:a16="http://schemas.microsoft.com/office/drawing/2014/main" id="{B381760C-00E1-4C8B-A4ED-25A0BB38110A}"/>
+              </a:ext>
+            </a:extLst>
+          </p:cNvPr>
+          <p:cNvCxnSpPr/>
+          <p:nvPr/>
+        </p:nvCxnSpPr>
+        <p:spPr>
+          <a:xfrm>
+            <a:off x="8735958" y="332448"/>
+            <a:ext cx="280227" cy="0"/>
+          </a:xfrm>
+          <a:prstGeom prst="straightConnector1">
+            <a:avLst/>
+          </a:prstGeom>
+          <a:ln w="9525" cap="flat" cmpd="sng" algn="ctr">
+            <a:solidFill>
+              <a:schemeClr val="dk1"/>
+            </a:solidFill>
+            <a:prstDash val="solid"/>
+            <a:round/>
+            <a:headEnd type="none" w="med" len="med"/>
+            <a:tailEnd type="arrow" w="med" len="med"/>
+          </a:ln>
+        </p:spPr>
+        <p:style>
+          <a:lnRef idx="0">
+            <a:scrgbClr r="0" g="0" b="0"/>
+          </a:lnRef>
+          <a:fillRef idx="0">
+            <a:scrgbClr r="0" g="0" b="0"/>
+          </a:fillRef>
+          <a:effectRef idx="0">
+            <a:scrgbClr r="0" g="0" b="0"/>
+          </a:effectRef>
+          <a:fontRef idx="minor">
+            <a:schemeClr val="tx1"/>
+          </a:fontRef>
+        </p:style>
+      </p:cxnSp>
+      <p:sp>
+        <p:nvSpPr>
+          <p:cNvPr id="16" name="Espace réservé du numéro de diapositive 7">
+            <a:extLst>
+              <a:ext uri="{FF2B5EF4-FFF2-40B4-BE49-F238E27FC236}">
+                <a16:creationId xmlns:a16="http://schemas.microsoft.com/office/drawing/2014/main" id="{1635AA11-4E0A-4C6B-A55B-60B572FE8BB7}"/>
+              </a:ext>
+            </a:extLst>
+          </p:cNvPr>
+          <p:cNvSpPr txBox="1"/>
+          <p:nvPr/>
+        </p:nvSpPr>
+        <p:spPr>
+          <a:xfrm>
+            <a:off x="11640833" y="6557107"/>
+            <a:ext cx="551163" cy="365129"/>
+          </a:xfrm>
+          <a:prstGeom prst="rect">
+            <a:avLst/>
+          </a:prstGeom>
+          <a:noFill/>
+          <a:ln cap="rnd">
+            <a:noFill/>
+          </a:ln>
+        </p:spPr>
+        <p:txBody>
+          <a:bodyPr vert="horz" wrap="square" lIns="91440" tIns="45720" rIns="91440" bIns="45720" anchor="ctr" anchorCtr="0" compatLnSpc="1">
+            <a:noAutofit/>
+          </a:bodyPr>
+          <a:lstStyle/>
+          <a:p>
+            <a:pPr marL="0" marR="0" lvl="0" indent="0" algn="r" defTabSz="457200" rtl="0" fontAlgn="auto" hangingPunct="1">
+              <a:lnSpc>
+                <a:spcPct val="100000"/>
+              </a:lnSpc>
+              <a:spcBef>
+                <a:spcPts val="0"/>
+              </a:spcBef>
+              <a:spcAft>
+                <a:spcPts val="0"/>
+              </a:spcAft>
+              <a:buNone/>
+              <a:tabLst/>
+              <a:defRPr sz="1800" b="0" i="0" u="none" strike="noStrike" kern="0" cap="none" spc="0" baseline="0">
+                <a:solidFill>
+                  <a:srgbClr val="000000"/>
+                </a:solidFill>
+                <a:uFillTx/>
+              </a:defRPr>
+            </a:pPr>
+            <a:fld id="{1A0F8804-A8AF-488B-BABF-40AC271FABDD}" type="slidenum">
+              <a:t>25</a:t>
+            </a:fld>
+            <a:endParaRPr lang="fr-FR" sz="900" b="1" i="0" u="none" strike="noStrike" kern="1200" cap="none" spc="0" baseline="0">
+              <a:solidFill>
+                <a:srgbClr val="BFBFBF"/>
+              </a:solidFill>
+              <a:effectLst>
+                <a:outerShdw dist="38096" dir="2700000">
+                  <a:srgbClr val="000000"/>
+                </a:outerShdw>
+              </a:effectLst>
+              <a:uFillTx/>
+              <a:latin typeface="Century Gothic"/>
+            </a:endParaRPr>
+          </a:p>
+        </p:txBody>
+      </p:sp>
+      <p:sp>
+        <p:nvSpPr>
+          <p:cNvPr id="17" name="ZoneTexte 12">
+            <a:extLst>
+              <a:ext uri="{FF2B5EF4-FFF2-40B4-BE49-F238E27FC236}">
+                <a16:creationId xmlns:a16="http://schemas.microsoft.com/office/drawing/2014/main" id="{D9869B71-8155-4E04-83B1-4BA318BE7014}"/>
+              </a:ext>
+            </a:extLst>
+          </p:cNvPr>
+          <p:cNvSpPr txBox="1"/>
+          <p:nvPr/>
+        </p:nvSpPr>
+        <p:spPr>
+          <a:xfrm>
+            <a:off x="0" y="6451137"/>
+            <a:ext cx="12191996" cy="577077"/>
+          </a:xfrm>
+          <a:prstGeom prst="rect">
+            <a:avLst/>
+          </a:prstGeom>
+          <a:noFill/>
+          <a:ln cap="rnd">
+            <a:noFill/>
+          </a:ln>
+        </p:spPr>
+        <p:txBody>
+          <a:bodyPr vert="horz" wrap="square" lIns="91440" tIns="45720" rIns="91440" bIns="45720" anchor="t" anchorCtr="0" compatLnSpc="1">
+            <a:spAutoFit/>
+          </a:bodyPr>
+          <a:lstStyle/>
+          <a:p>
+            <a:pPr marL="0" marR="0" lvl="0" indent="0" algn="l" defTabSz="457200" rtl="0" fontAlgn="auto" hangingPunct="1">
+              <a:lnSpc>
+                <a:spcPct val="100000"/>
+              </a:lnSpc>
+              <a:spcBef>
+                <a:spcPts val="0"/>
+              </a:spcBef>
+              <a:spcAft>
+                <a:spcPts val="0"/>
+              </a:spcAft>
+              <a:buNone/>
+              <a:tabLst/>
+              <a:defRPr sz="1800" b="0" i="0" u="none" strike="noStrike" kern="0" cap="none" spc="0" baseline="0">
+                <a:solidFill>
+                  <a:srgbClr val="000000"/>
+                </a:solidFill>
+                <a:uFillTx/>
+              </a:defRPr>
+            </a:pPr>
+            <a:r>
+              <a:rPr lang="fr-FR" sz="1050" b="0" i="0" u="none" strike="noStrike" kern="1200" cap="none" spc="0" baseline="0">
+                <a:solidFill>
+                  <a:srgbClr val="FFFFFF"/>
+                </a:solidFill>
+                <a:uFillTx/>
+                <a:latin typeface="Century Gothic"/>
+              </a:rPr>
+              <a:t>Nicolas MEYNIEL, Damien PIEDANNA, Axel PISANI, Aurélien ROBINEAU													     Mercredi 7 novembre 2018 </a:t>
+            </a:r>
+          </a:p>
+          <a:p>
+            <a:pPr marL="0" marR="0" lvl="0" indent="0" algn="l" defTabSz="457200" rtl="0" fontAlgn="auto" hangingPunct="1">
+              <a:lnSpc>
+                <a:spcPct val="100000"/>
+              </a:lnSpc>
+              <a:spcBef>
+                <a:spcPts val="0"/>
+              </a:spcBef>
+              <a:spcAft>
+                <a:spcPts val="0"/>
+              </a:spcAft>
+              <a:buNone/>
+              <a:tabLst/>
+              <a:defRPr sz="1800" b="0" i="0" u="none" strike="noStrike" kern="0" cap="none" spc="0" baseline="0">
+                <a:solidFill>
+                  <a:srgbClr val="000000"/>
+                </a:solidFill>
+                <a:uFillTx/>
+              </a:defRPr>
+            </a:pPr>
+            <a:r>
+              <a:rPr lang="fr-FR" sz="1050" b="0" i="0" u="none" strike="noStrike" kern="1200" cap="none" spc="0" baseline="0">
+                <a:solidFill>
+                  <a:srgbClr val="FFFFFF"/>
+                </a:solidFill>
+                <a:uFillTx/>
+                <a:latin typeface="Century Gothic"/>
+              </a:rPr>
+              <a:t>Groupe 3B – 2</a:t>
+            </a:r>
+            <a:r>
+              <a:rPr lang="fr-FR" sz="1050" b="0" i="0" u="none" strike="noStrike" kern="1200" cap="none" spc="0" baseline="30000">
+                <a:solidFill>
+                  <a:srgbClr val="FFFFFF"/>
+                </a:solidFill>
+                <a:uFillTx/>
+                <a:latin typeface="Century Gothic"/>
+              </a:rPr>
+              <a:t>nd</a:t>
+            </a:r>
+            <a:r>
+              <a:rPr lang="fr-FR" sz="1050" b="0" i="0" u="none" strike="noStrike" kern="1200" cap="none" spc="0" baseline="0">
+                <a:solidFill>
+                  <a:srgbClr val="FFFFFF"/>
+                </a:solidFill>
+                <a:uFillTx/>
+                <a:latin typeface="Century Gothic"/>
+              </a:rPr>
+              <a:t> année															 				     													</a:t>
+            </a:r>
+          </a:p>
+        </p:txBody>
+      </p:sp>
+      <p:sp>
+        <p:nvSpPr>
+          <p:cNvPr id="18" name="ZoneTexte 17">
+            <a:extLst>
+              <a:ext uri="{FF2B5EF4-FFF2-40B4-BE49-F238E27FC236}">
+                <a16:creationId xmlns:a16="http://schemas.microsoft.com/office/drawing/2014/main" id="{65CC5CFE-CFAC-4255-8B85-FBC2CB7E5A38}"/>
+              </a:ext>
+            </a:extLst>
+          </p:cNvPr>
+          <p:cNvSpPr txBox="1"/>
+          <p:nvPr/>
+        </p:nvSpPr>
+        <p:spPr>
+          <a:xfrm>
+            <a:off x="4101881" y="1743146"/>
+            <a:ext cx="3988233" cy="646331"/>
+          </a:xfrm>
+          <a:prstGeom prst="rect">
+            <a:avLst/>
+          </a:prstGeom>
+          <a:noFill/>
+        </p:spPr>
+        <p:txBody>
+          <a:bodyPr wrap="square" rtlCol="0">
+            <a:spAutoFit/>
+          </a:bodyPr>
+          <a:lstStyle/>
+          <a:p>
+            <a:pPr algn="ctr"/>
+            <a:r>
+              <a:rPr lang="fr-FR" sz="3600" dirty="0">
+                <a:solidFill>
+                  <a:srgbClr val="8ECE55"/>
+                </a:solidFill>
+              </a:rPr>
+              <a:t>Matrices</a:t>
+            </a:r>
+          </a:p>
+        </p:txBody>
+      </p:sp>
+    </p:spTree>
+    <p:extLst>
+      <p:ext uri="{BB962C8B-B14F-4D97-AF65-F5344CB8AC3E}">
+        <p14:creationId xmlns:p14="http://schemas.microsoft.com/office/powerpoint/2010/main" val="3432815511"/>
+      </p:ext>
+    </p:extLst>
+  </p:cSld>
+  <p:clrMapOvr>
+    <a:masterClrMapping/>
+  </p:clrMapOvr>
+</p:sld>
+</file>
+
+<file path=ppt/slides/slide26.xml><?xml version="1.0" encoding="utf-8"?>
+<p:sld xmlns:a="http://schemas.openxmlformats.org/drawingml/2006/main" xmlns:r="http://schemas.openxmlformats.org/officeDocument/2006/relationships" xmlns:p="http://schemas.openxmlformats.org/presentationml/2006/main">
+  <p:cSld>
+    <p:bg>
+      <p:bgPr>
+        <a:solidFill>
+          <a:srgbClr val="262626"/>
+        </a:solidFill>
+        <a:effectLst/>
+      </p:bgPr>
+    </p:bg>
+    <p:spTree>
+      <p:nvGrpSpPr>
+        <p:cNvPr id="1" name=""/>
+        <p:cNvGrpSpPr/>
+        <p:nvPr/>
+      </p:nvGrpSpPr>
+      <p:grpSpPr>
+        <a:xfrm>
+          <a:off x="0" y="0"/>
+          <a:ext cx="0" cy="0"/>
+          <a:chOff x="0" y="0"/>
+          <a:chExt cx="0" cy="0"/>
+        </a:xfrm>
+      </p:grpSpPr>
+      <p:sp>
+        <p:nvSpPr>
+          <p:cNvPr id="10" name="Rectangle 9">
+            <a:extLst>
+              <a:ext uri="{FF2B5EF4-FFF2-40B4-BE49-F238E27FC236}">
+                <a16:creationId xmlns:a16="http://schemas.microsoft.com/office/drawing/2014/main" id="{AE8623B3-E4EC-455E-BF32-A13679F9B2A7}"/>
+              </a:ext>
+            </a:extLst>
+          </p:cNvPr>
+          <p:cNvSpPr/>
+          <p:nvPr/>
+        </p:nvSpPr>
+        <p:spPr>
+          <a:xfrm>
+            <a:off x="4" y="0"/>
+            <a:ext cx="12191996" cy="653909"/>
+          </a:xfrm>
+          <a:prstGeom prst="rect">
+            <a:avLst/>
+          </a:prstGeom>
+          <a:solidFill>
+            <a:srgbClr val="8ECE55"/>
+          </a:solidFill>
+          <a:ln>
+            <a:noFill/>
+          </a:ln>
+        </p:spPr>
+        <p:style>
+          <a:lnRef idx="2">
+            <a:schemeClr val="accent1">
+              <a:shade val="50000"/>
+            </a:schemeClr>
+          </a:lnRef>
+          <a:fillRef idx="1">
+            <a:schemeClr val="accent1"/>
+          </a:fillRef>
+          <a:effectRef idx="0">
+            <a:schemeClr val="accent1"/>
+          </a:effectRef>
+          <a:fontRef idx="minor">
+            <a:schemeClr val="lt1"/>
+          </a:fontRef>
+        </p:style>
+        <p:txBody>
+          <a:bodyPr rtlCol="0" anchor="ctr"/>
+          <a:lstStyle/>
+          <a:p>
+            <a:pPr algn="ctr"/>
+            <a:endParaRPr lang="fr-FR"/>
+          </a:p>
+        </p:txBody>
+      </p:sp>
+      <p:sp>
+        <p:nvSpPr>
+          <p:cNvPr id="11" name="ZoneTexte 2">
+            <a:extLst>
+              <a:ext uri="{FF2B5EF4-FFF2-40B4-BE49-F238E27FC236}">
+                <a16:creationId xmlns:a16="http://schemas.microsoft.com/office/drawing/2014/main" id="{0EB27BA8-B711-47F6-8765-00911875577A}"/>
+              </a:ext>
+            </a:extLst>
+          </p:cNvPr>
+          <p:cNvSpPr txBox="1"/>
+          <p:nvPr/>
+        </p:nvSpPr>
+        <p:spPr>
+          <a:xfrm>
+            <a:off x="185056" y="158620"/>
+            <a:ext cx="11821884" cy="623245"/>
+          </a:xfrm>
+          <a:prstGeom prst="rect">
+            <a:avLst/>
+          </a:prstGeom>
+          <a:noFill/>
+          <a:ln cap="rnd">
+            <a:noFill/>
+          </a:ln>
+        </p:spPr>
+        <p:txBody>
+          <a:bodyPr vert="horz" wrap="square" lIns="91440" tIns="45720" rIns="91440" bIns="45720" anchor="t" anchorCtr="1" compatLnSpc="1">
+            <a:spAutoFit/>
+          </a:bodyPr>
+          <a:lstStyle/>
+          <a:p>
+            <a:pPr marL="0" marR="0" lvl="0" indent="0" algn="ctr" defTabSz="457200" rtl="0" fontAlgn="auto" hangingPunct="1">
+              <a:lnSpc>
+                <a:spcPct val="150000"/>
+              </a:lnSpc>
+              <a:spcBef>
+                <a:spcPts val="0"/>
+              </a:spcBef>
+              <a:spcAft>
+                <a:spcPts val="0"/>
+              </a:spcAft>
+              <a:buNone/>
+              <a:tabLst/>
+              <a:defRPr sz="1800" b="0" i="0" u="none" strike="noStrike" kern="0" cap="none" spc="0" baseline="0">
+                <a:solidFill>
+                  <a:srgbClr val="000000"/>
+                </a:solidFill>
+                <a:uFillTx/>
+              </a:defRPr>
+            </a:pPr>
+            <a:r>
+              <a:rPr lang="fr-FR" sz="1100" i="0" u="none" strike="noStrike" kern="1200" cap="none" spc="0" baseline="0" dirty="0">
+                <a:solidFill>
+                  <a:srgbClr val="262626"/>
+                </a:solidFill>
+                <a:uFillTx/>
+                <a:latin typeface="Century Gothic"/>
+              </a:rPr>
+              <a:t>Présentation du projet          </a:t>
+            </a:r>
+            <a:r>
+              <a:rPr lang="fr-FR" sz="1100" b="0" i="0" u="none" strike="noStrike" kern="1200" cap="none" spc="0" baseline="0" dirty="0">
+                <a:solidFill>
+                  <a:srgbClr val="262626"/>
+                </a:solidFill>
+                <a:uFillTx/>
+                <a:latin typeface="Century Gothic"/>
+              </a:rPr>
+              <a:t>Les automates cellulaires          Evolution du projet          Etat Final          </a:t>
+            </a:r>
+            <a:r>
+              <a:rPr lang="fr-FR" sz="1100" b="1" u="none" strike="noStrike" kern="1200" cap="none" spc="0" baseline="0" dirty="0">
+                <a:solidFill>
+                  <a:srgbClr val="262626"/>
+                </a:solidFill>
+                <a:uFillTx/>
+                <a:latin typeface="Century Gothic"/>
+              </a:rPr>
+              <a:t>Les maths</a:t>
+            </a:r>
+          </a:p>
+          <a:p>
+            <a:pPr marL="0" marR="0" lvl="0" indent="0" algn="ctr" defTabSz="457200" rtl="0" fontAlgn="auto" hangingPunct="1">
+              <a:lnSpc>
+                <a:spcPct val="100000"/>
+              </a:lnSpc>
+              <a:spcBef>
+                <a:spcPts val="0"/>
+              </a:spcBef>
+              <a:spcAft>
+                <a:spcPts val="0"/>
+              </a:spcAft>
+              <a:buNone/>
+              <a:tabLst/>
+              <a:defRPr sz="1800" b="0" i="0" u="none" strike="noStrike" kern="0" cap="none" spc="0" baseline="0">
+                <a:solidFill>
+                  <a:srgbClr val="000000"/>
+                </a:solidFill>
+                <a:uFillTx/>
+              </a:defRPr>
+            </a:pPr>
+            <a:endParaRPr lang="fr-FR" sz="1800" b="0" i="0" u="none" strike="noStrike" kern="1200" cap="none" spc="0" baseline="0" dirty="0">
+              <a:solidFill>
+                <a:srgbClr val="FFFFFF"/>
+              </a:solidFill>
+              <a:uFillTx/>
+              <a:latin typeface="Century Gothic"/>
+            </a:endParaRPr>
+          </a:p>
+        </p:txBody>
+      </p:sp>
+      <p:cxnSp>
+        <p:nvCxnSpPr>
+          <p:cNvPr id="12" name="Connecteur droit avec flèche 6">
+            <a:extLst>
+              <a:ext uri="{FF2B5EF4-FFF2-40B4-BE49-F238E27FC236}">
+                <a16:creationId xmlns:a16="http://schemas.microsoft.com/office/drawing/2014/main" id="{C0C8AB16-9AE0-4F10-9872-57F70A001BA6}"/>
+              </a:ext>
+            </a:extLst>
+          </p:cNvPr>
+          <p:cNvCxnSpPr>
+            <a:cxnSpLocks/>
+          </p:cNvCxnSpPr>
+          <p:nvPr/>
+        </p:nvCxnSpPr>
+        <p:spPr>
+          <a:xfrm>
+            <a:off x="4026313" y="342287"/>
+            <a:ext cx="280218" cy="0"/>
+          </a:xfrm>
+          <a:prstGeom prst="straightConnector1">
+            <a:avLst/>
+          </a:prstGeom>
+          <a:ln w="9525" cap="flat" cmpd="sng" algn="ctr">
+            <a:solidFill>
+              <a:schemeClr val="dk1"/>
+            </a:solidFill>
+            <a:prstDash val="solid"/>
+            <a:round/>
+            <a:headEnd type="none" w="med" len="med"/>
+            <a:tailEnd type="arrow" w="med" len="med"/>
+          </a:ln>
+        </p:spPr>
+        <p:style>
+          <a:lnRef idx="0">
+            <a:scrgbClr r="0" g="0" b="0"/>
+          </a:lnRef>
+          <a:fillRef idx="0">
+            <a:scrgbClr r="0" g="0" b="0"/>
+          </a:fillRef>
+          <a:effectRef idx="0">
+            <a:scrgbClr r="0" g="0" b="0"/>
+          </a:effectRef>
+          <a:fontRef idx="minor">
+            <a:schemeClr val="tx1"/>
+          </a:fontRef>
+        </p:style>
+      </p:cxnSp>
+      <p:cxnSp>
+        <p:nvCxnSpPr>
+          <p:cNvPr id="13" name="Connecteur droit avec flèche 8">
+            <a:extLst>
+              <a:ext uri="{FF2B5EF4-FFF2-40B4-BE49-F238E27FC236}">
+                <a16:creationId xmlns:a16="http://schemas.microsoft.com/office/drawing/2014/main" id="{F7C94D04-A3CB-4790-87C1-24E0AD894563}"/>
+              </a:ext>
+            </a:extLst>
+          </p:cNvPr>
+          <p:cNvCxnSpPr/>
+          <p:nvPr/>
+        </p:nvCxnSpPr>
+        <p:spPr>
+          <a:xfrm>
+            <a:off x="6096003" y="342287"/>
+            <a:ext cx="280217" cy="0"/>
+          </a:xfrm>
+          <a:prstGeom prst="straightConnector1">
+            <a:avLst/>
+          </a:prstGeom>
+          <a:ln w="9525" cap="flat" cmpd="sng" algn="ctr">
+            <a:solidFill>
+              <a:schemeClr val="dk1"/>
+            </a:solidFill>
+            <a:prstDash val="solid"/>
+            <a:round/>
+            <a:headEnd type="none" w="med" len="med"/>
+            <a:tailEnd type="arrow" w="med" len="med"/>
+          </a:ln>
+        </p:spPr>
+        <p:style>
+          <a:lnRef idx="0">
+            <a:scrgbClr r="0" g="0" b="0"/>
+          </a:lnRef>
+          <a:fillRef idx="0">
+            <a:scrgbClr r="0" g="0" b="0"/>
+          </a:fillRef>
+          <a:effectRef idx="0">
+            <a:scrgbClr r="0" g="0" b="0"/>
+          </a:effectRef>
+          <a:fontRef idx="minor">
+            <a:schemeClr val="tx1"/>
+          </a:fontRef>
+        </p:style>
+      </p:cxnSp>
+      <p:cxnSp>
+        <p:nvCxnSpPr>
+          <p:cNvPr id="14" name="Connecteur droit avec flèche 9">
+            <a:extLst>
+              <a:ext uri="{FF2B5EF4-FFF2-40B4-BE49-F238E27FC236}">
+                <a16:creationId xmlns:a16="http://schemas.microsoft.com/office/drawing/2014/main" id="{536E14AF-114A-4FBA-9E78-6DC396A8069A}"/>
+              </a:ext>
+            </a:extLst>
+          </p:cNvPr>
+          <p:cNvCxnSpPr/>
+          <p:nvPr/>
+        </p:nvCxnSpPr>
+        <p:spPr>
+          <a:xfrm>
+            <a:off x="7740441" y="332759"/>
+            <a:ext cx="280218" cy="0"/>
+          </a:xfrm>
+          <a:prstGeom prst="straightConnector1">
+            <a:avLst/>
+          </a:prstGeom>
+          <a:ln w="9525" cap="flat" cmpd="sng" algn="ctr">
+            <a:solidFill>
+              <a:schemeClr val="dk1"/>
+            </a:solidFill>
+            <a:prstDash val="solid"/>
+            <a:round/>
+            <a:headEnd type="none" w="med" len="med"/>
+            <a:tailEnd type="arrow" w="med" len="med"/>
+          </a:ln>
+        </p:spPr>
+        <p:style>
+          <a:lnRef idx="0">
+            <a:scrgbClr r="0" g="0" b="0"/>
+          </a:lnRef>
+          <a:fillRef idx="0">
+            <a:scrgbClr r="0" g="0" b="0"/>
+          </a:fillRef>
+          <a:effectRef idx="0">
+            <a:scrgbClr r="0" g="0" b="0"/>
+          </a:effectRef>
+          <a:fontRef idx="minor">
+            <a:schemeClr val="tx1"/>
+          </a:fontRef>
+        </p:style>
+      </p:cxnSp>
+      <p:cxnSp>
+        <p:nvCxnSpPr>
+          <p:cNvPr id="15" name="Connecteur droit avec flèche 10">
+            <a:extLst>
+              <a:ext uri="{FF2B5EF4-FFF2-40B4-BE49-F238E27FC236}">
+                <a16:creationId xmlns:a16="http://schemas.microsoft.com/office/drawing/2014/main" id="{B381760C-00E1-4C8B-A4ED-25A0BB38110A}"/>
+              </a:ext>
+            </a:extLst>
+          </p:cNvPr>
+          <p:cNvCxnSpPr/>
+          <p:nvPr/>
+        </p:nvCxnSpPr>
+        <p:spPr>
+          <a:xfrm>
+            <a:off x="8735958" y="332448"/>
+            <a:ext cx="280227" cy="0"/>
+          </a:xfrm>
+          <a:prstGeom prst="straightConnector1">
+            <a:avLst/>
+          </a:prstGeom>
+          <a:ln w="9525" cap="flat" cmpd="sng" algn="ctr">
+            <a:solidFill>
+              <a:schemeClr val="dk1"/>
+            </a:solidFill>
+            <a:prstDash val="solid"/>
+            <a:round/>
+            <a:headEnd type="none" w="med" len="med"/>
+            <a:tailEnd type="arrow" w="med" len="med"/>
+          </a:ln>
+        </p:spPr>
+        <p:style>
+          <a:lnRef idx="0">
+            <a:scrgbClr r="0" g="0" b="0"/>
+          </a:lnRef>
+          <a:fillRef idx="0">
+            <a:scrgbClr r="0" g="0" b="0"/>
+          </a:fillRef>
+          <a:effectRef idx="0">
+            <a:scrgbClr r="0" g="0" b="0"/>
+          </a:effectRef>
+          <a:fontRef idx="minor">
+            <a:schemeClr val="tx1"/>
+          </a:fontRef>
+        </p:style>
+      </p:cxnSp>
+      <p:sp>
+        <p:nvSpPr>
+          <p:cNvPr id="16" name="Espace réservé du numéro de diapositive 7">
+            <a:extLst>
+              <a:ext uri="{FF2B5EF4-FFF2-40B4-BE49-F238E27FC236}">
+                <a16:creationId xmlns:a16="http://schemas.microsoft.com/office/drawing/2014/main" id="{1635AA11-4E0A-4C6B-A55B-60B572FE8BB7}"/>
+              </a:ext>
+            </a:extLst>
+          </p:cNvPr>
+          <p:cNvSpPr txBox="1"/>
+          <p:nvPr/>
+        </p:nvSpPr>
+        <p:spPr>
+          <a:xfrm>
+            <a:off x="11640833" y="6557107"/>
+            <a:ext cx="551163" cy="365129"/>
+          </a:xfrm>
+          <a:prstGeom prst="rect">
+            <a:avLst/>
+          </a:prstGeom>
+          <a:noFill/>
+          <a:ln cap="rnd">
+            <a:noFill/>
+          </a:ln>
+        </p:spPr>
+        <p:txBody>
+          <a:bodyPr vert="horz" wrap="square" lIns="91440" tIns="45720" rIns="91440" bIns="45720" anchor="ctr" anchorCtr="0" compatLnSpc="1">
+            <a:noAutofit/>
+          </a:bodyPr>
+          <a:lstStyle/>
+          <a:p>
+            <a:pPr marL="0" marR="0" lvl="0" indent="0" algn="r" defTabSz="457200" rtl="0" fontAlgn="auto" hangingPunct="1">
+              <a:lnSpc>
+                <a:spcPct val="100000"/>
+              </a:lnSpc>
+              <a:spcBef>
+                <a:spcPts val="0"/>
+              </a:spcBef>
+              <a:spcAft>
+                <a:spcPts val="0"/>
+              </a:spcAft>
+              <a:buNone/>
+              <a:tabLst/>
+              <a:defRPr sz="1800" b="0" i="0" u="none" strike="noStrike" kern="0" cap="none" spc="0" baseline="0">
+                <a:solidFill>
+                  <a:srgbClr val="000000"/>
+                </a:solidFill>
+                <a:uFillTx/>
+              </a:defRPr>
+            </a:pPr>
+            <a:fld id="{1A0F8804-A8AF-488B-BABF-40AC271FABDD}" type="slidenum">
+              <a:t>26</a:t>
+            </a:fld>
+            <a:endParaRPr lang="fr-FR" sz="900" b="1" i="0" u="none" strike="noStrike" kern="1200" cap="none" spc="0" baseline="0">
+              <a:solidFill>
+                <a:srgbClr val="BFBFBF"/>
+              </a:solidFill>
+              <a:effectLst>
+                <a:outerShdw dist="38096" dir="2700000">
+                  <a:srgbClr val="000000"/>
+                </a:outerShdw>
+              </a:effectLst>
+              <a:uFillTx/>
+              <a:latin typeface="Century Gothic"/>
+            </a:endParaRPr>
+          </a:p>
+        </p:txBody>
+      </p:sp>
+      <p:sp>
+        <p:nvSpPr>
+          <p:cNvPr id="17" name="ZoneTexte 12">
+            <a:extLst>
+              <a:ext uri="{FF2B5EF4-FFF2-40B4-BE49-F238E27FC236}">
+                <a16:creationId xmlns:a16="http://schemas.microsoft.com/office/drawing/2014/main" id="{D9869B71-8155-4E04-83B1-4BA318BE7014}"/>
+              </a:ext>
+            </a:extLst>
+          </p:cNvPr>
+          <p:cNvSpPr txBox="1"/>
+          <p:nvPr/>
+        </p:nvSpPr>
+        <p:spPr>
+          <a:xfrm>
+            <a:off x="0" y="6451137"/>
+            <a:ext cx="12191996" cy="577077"/>
+          </a:xfrm>
+          <a:prstGeom prst="rect">
+            <a:avLst/>
+          </a:prstGeom>
+          <a:noFill/>
+          <a:ln cap="rnd">
+            <a:noFill/>
+          </a:ln>
+        </p:spPr>
+        <p:txBody>
+          <a:bodyPr vert="horz" wrap="square" lIns="91440" tIns="45720" rIns="91440" bIns="45720" anchor="t" anchorCtr="0" compatLnSpc="1">
+            <a:spAutoFit/>
+          </a:bodyPr>
+          <a:lstStyle/>
+          <a:p>
+            <a:pPr marL="0" marR="0" lvl="0" indent="0" algn="l" defTabSz="457200" rtl="0" fontAlgn="auto" hangingPunct="1">
+              <a:lnSpc>
+                <a:spcPct val="100000"/>
+              </a:lnSpc>
+              <a:spcBef>
+                <a:spcPts val="0"/>
+              </a:spcBef>
+              <a:spcAft>
+                <a:spcPts val="0"/>
+              </a:spcAft>
+              <a:buNone/>
+              <a:tabLst/>
+              <a:defRPr sz="1800" b="0" i="0" u="none" strike="noStrike" kern="0" cap="none" spc="0" baseline="0">
+                <a:solidFill>
+                  <a:srgbClr val="000000"/>
+                </a:solidFill>
+                <a:uFillTx/>
+              </a:defRPr>
+            </a:pPr>
+            <a:r>
+              <a:rPr lang="fr-FR" sz="1050" b="0" i="0" u="none" strike="noStrike" kern="1200" cap="none" spc="0" baseline="0">
+                <a:solidFill>
+                  <a:srgbClr val="FFFFFF"/>
+                </a:solidFill>
+                <a:uFillTx/>
+                <a:latin typeface="Century Gothic"/>
+              </a:rPr>
+              <a:t>Nicolas MEYNIEL, Damien PIEDANNA, Axel PISANI, Aurélien ROBINEAU													     Mercredi 7 novembre 2018 </a:t>
+            </a:r>
+          </a:p>
+          <a:p>
+            <a:pPr marL="0" marR="0" lvl="0" indent="0" algn="l" defTabSz="457200" rtl="0" fontAlgn="auto" hangingPunct="1">
+              <a:lnSpc>
+                <a:spcPct val="100000"/>
+              </a:lnSpc>
+              <a:spcBef>
+                <a:spcPts val="0"/>
+              </a:spcBef>
+              <a:spcAft>
+                <a:spcPts val="0"/>
+              </a:spcAft>
+              <a:buNone/>
+              <a:tabLst/>
+              <a:defRPr sz="1800" b="0" i="0" u="none" strike="noStrike" kern="0" cap="none" spc="0" baseline="0">
+                <a:solidFill>
+                  <a:srgbClr val="000000"/>
+                </a:solidFill>
+                <a:uFillTx/>
+              </a:defRPr>
+            </a:pPr>
+            <a:r>
+              <a:rPr lang="fr-FR" sz="1050" b="0" i="0" u="none" strike="noStrike" kern="1200" cap="none" spc="0" baseline="0">
+                <a:solidFill>
+                  <a:srgbClr val="FFFFFF"/>
+                </a:solidFill>
+                <a:uFillTx/>
+                <a:latin typeface="Century Gothic"/>
+              </a:rPr>
+              <a:t>Groupe 3B – 2</a:t>
+            </a:r>
+            <a:r>
+              <a:rPr lang="fr-FR" sz="1050" b="0" i="0" u="none" strike="noStrike" kern="1200" cap="none" spc="0" baseline="30000">
+                <a:solidFill>
+                  <a:srgbClr val="FFFFFF"/>
+                </a:solidFill>
+                <a:uFillTx/>
+                <a:latin typeface="Century Gothic"/>
+              </a:rPr>
+              <a:t>nd</a:t>
+            </a:r>
+            <a:r>
+              <a:rPr lang="fr-FR" sz="1050" b="0" i="0" u="none" strike="noStrike" kern="1200" cap="none" spc="0" baseline="0">
+                <a:solidFill>
+                  <a:srgbClr val="FFFFFF"/>
+                </a:solidFill>
+                <a:uFillTx/>
+                <a:latin typeface="Century Gothic"/>
+              </a:rPr>
+              <a:t> année															 				     													</a:t>
+            </a:r>
+          </a:p>
+        </p:txBody>
+      </p:sp>
+      <p:sp>
+        <p:nvSpPr>
+          <p:cNvPr id="18" name="ZoneTexte 17">
+            <a:extLst>
+              <a:ext uri="{FF2B5EF4-FFF2-40B4-BE49-F238E27FC236}">
+                <a16:creationId xmlns:a16="http://schemas.microsoft.com/office/drawing/2014/main" id="{65CC5CFE-CFAC-4255-8B85-FBC2CB7E5A38}"/>
+              </a:ext>
+            </a:extLst>
+          </p:cNvPr>
+          <p:cNvSpPr txBox="1"/>
+          <p:nvPr/>
+        </p:nvSpPr>
+        <p:spPr>
+          <a:xfrm>
+            <a:off x="3467696" y="1709279"/>
+            <a:ext cx="5256603" cy="646331"/>
+          </a:xfrm>
+          <a:prstGeom prst="rect">
+            <a:avLst/>
+          </a:prstGeom>
+          <a:noFill/>
+        </p:spPr>
+        <p:txBody>
+          <a:bodyPr wrap="square" rtlCol="0">
+            <a:spAutoFit/>
+          </a:bodyPr>
+          <a:lstStyle/>
+          <a:p>
+            <a:pPr algn="ctr"/>
+            <a:r>
+              <a:rPr lang="fr-FR" sz="3600" dirty="0">
+                <a:solidFill>
+                  <a:srgbClr val="8ECE55"/>
+                </a:solidFill>
+              </a:rPr>
+              <a:t>Incidence proportionnelle</a:t>
+            </a:r>
+          </a:p>
+        </p:txBody>
+      </p:sp>
+    </p:spTree>
+    <p:extLst>
+      <p:ext uri="{BB962C8B-B14F-4D97-AF65-F5344CB8AC3E}">
+        <p14:creationId xmlns:p14="http://schemas.microsoft.com/office/powerpoint/2010/main" val="1172487627"/>
+      </p:ext>
+    </p:extLst>
+  </p:cSld>
+  <p:clrMapOvr>
+    <a:masterClrMapping/>
+  </p:clrMapOvr>
+</p:sld>
+</file>
+
+<file path=ppt/slides/slide27.xml><?xml version="1.0" encoding="utf-8"?>
+<p:sld xmlns:a="http://schemas.openxmlformats.org/drawingml/2006/main" xmlns:r="http://schemas.openxmlformats.org/officeDocument/2006/relationships" xmlns:p="http://schemas.openxmlformats.org/presentationml/2006/main">
+  <p:cSld>
+    <p:bg>
+      <p:bgPr>
+        <a:solidFill>
+          <a:srgbClr val="262626"/>
+        </a:solidFill>
+        <a:effectLst/>
+      </p:bgPr>
+    </p:bg>
+    <p:spTree>
+      <p:nvGrpSpPr>
+        <p:cNvPr id="1" name=""/>
+        <p:cNvGrpSpPr/>
+        <p:nvPr/>
+      </p:nvGrpSpPr>
+      <p:grpSpPr>
+        <a:xfrm>
+          <a:off x="0" y="0"/>
+          <a:ext cx="0" cy="0"/>
+          <a:chOff x="0" y="0"/>
+          <a:chExt cx="0" cy="0"/>
+        </a:xfrm>
+      </p:grpSpPr>
+      <p:sp>
+        <p:nvSpPr>
+          <p:cNvPr id="10" name="Rectangle 9">
+            <a:extLst>
+              <a:ext uri="{FF2B5EF4-FFF2-40B4-BE49-F238E27FC236}">
+                <a16:creationId xmlns:a16="http://schemas.microsoft.com/office/drawing/2014/main" id="{AE8623B3-E4EC-455E-BF32-A13679F9B2A7}"/>
+              </a:ext>
+            </a:extLst>
+          </p:cNvPr>
+          <p:cNvSpPr/>
+          <p:nvPr/>
+        </p:nvSpPr>
+        <p:spPr>
+          <a:xfrm>
+            <a:off x="4" y="0"/>
+            <a:ext cx="12191996" cy="653909"/>
+          </a:xfrm>
+          <a:prstGeom prst="rect">
+            <a:avLst/>
+          </a:prstGeom>
+          <a:solidFill>
+            <a:srgbClr val="8ECE55"/>
+          </a:solidFill>
+          <a:ln>
+            <a:noFill/>
+          </a:ln>
+        </p:spPr>
+        <p:style>
+          <a:lnRef idx="2">
+            <a:schemeClr val="accent1">
+              <a:shade val="50000"/>
+            </a:schemeClr>
+          </a:lnRef>
+          <a:fillRef idx="1">
+            <a:schemeClr val="accent1"/>
+          </a:fillRef>
+          <a:effectRef idx="0">
+            <a:schemeClr val="accent1"/>
+          </a:effectRef>
+          <a:fontRef idx="minor">
+            <a:schemeClr val="lt1"/>
+          </a:fontRef>
+        </p:style>
+        <p:txBody>
+          <a:bodyPr rtlCol="0" anchor="ctr"/>
+          <a:lstStyle/>
+          <a:p>
+            <a:pPr algn="ctr"/>
+            <a:endParaRPr lang="fr-FR"/>
+          </a:p>
+        </p:txBody>
+      </p:sp>
+      <p:sp>
+        <p:nvSpPr>
+          <p:cNvPr id="11" name="ZoneTexte 2">
+            <a:extLst>
+              <a:ext uri="{FF2B5EF4-FFF2-40B4-BE49-F238E27FC236}">
+                <a16:creationId xmlns:a16="http://schemas.microsoft.com/office/drawing/2014/main" id="{0EB27BA8-B711-47F6-8765-00911875577A}"/>
+              </a:ext>
+            </a:extLst>
+          </p:cNvPr>
+          <p:cNvSpPr txBox="1"/>
+          <p:nvPr/>
+        </p:nvSpPr>
+        <p:spPr>
+          <a:xfrm>
+            <a:off x="185056" y="158620"/>
+            <a:ext cx="11821884" cy="623245"/>
+          </a:xfrm>
+          <a:prstGeom prst="rect">
+            <a:avLst/>
+          </a:prstGeom>
+          <a:noFill/>
+          <a:ln cap="rnd">
+            <a:noFill/>
+          </a:ln>
+        </p:spPr>
+        <p:txBody>
+          <a:bodyPr vert="horz" wrap="square" lIns="91440" tIns="45720" rIns="91440" bIns="45720" anchor="t" anchorCtr="1" compatLnSpc="1">
+            <a:spAutoFit/>
+          </a:bodyPr>
+          <a:lstStyle/>
+          <a:p>
+            <a:pPr marL="0" marR="0" lvl="0" indent="0" algn="ctr" defTabSz="457200" rtl="0" fontAlgn="auto" hangingPunct="1">
+              <a:lnSpc>
+                <a:spcPct val="150000"/>
+              </a:lnSpc>
+              <a:spcBef>
+                <a:spcPts val="0"/>
+              </a:spcBef>
+              <a:spcAft>
+                <a:spcPts val="0"/>
+              </a:spcAft>
+              <a:buNone/>
+              <a:tabLst/>
+              <a:defRPr sz="1800" b="0" i="0" u="none" strike="noStrike" kern="0" cap="none" spc="0" baseline="0">
+                <a:solidFill>
+                  <a:srgbClr val="000000"/>
+                </a:solidFill>
+                <a:uFillTx/>
+              </a:defRPr>
+            </a:pPr>
+            <a:r>
+              <a:rPr lang="fr-FR" sz="1100" i="0" u="none" strike="noStrike" kern="1200" cap="none" spc="0" baseline="0" dirty="0">
+                <a:solidFill>
+                  <a:srgbClr val="262626"/>
+                </a:solidFill>
+                <a:uFillTx/>
+                <a:latin typeface="Century Gothic"/>
+              </a:rPr>
+              <a:t>Présentation du projet          </a:t>
+            </a:r>
+            <a:r>
+              <a:rPr lang="fr-FR" sz="1100" b="0" i="0" u="none" strike="noStrike" kern="1200" cap="none" spc="0" baseline="0" dirty="0">
+                <a:solidFill>
+                  <a:srgbClr val="262626"/>
+                </a:solidFill>
+                <a:uFillTx/>
+                <a:latin typeface="Century Gothic"/>
+              </a:rPr>
+              <a:t>Les automates cellulaires          Evolution du projet          Etat Final          </a:t>
+            </a:r>
+            <a:r>
+              <a:rPr lang="fr-FR" sz="1100" b="1" u="none" strike="noStrike" kern="1200" cap="none" spc="0" baseline="0" dirty="0">
+                <a:solidFill>
+                  <a:srgbClr val="262626"/>
+                </a:solidFill>
+                <a:uFillTx/>
+                <a:latin typeface="Century Gothic"/>
+              </a:rPr>
+              <a:t>Les maths</a:t>
+            </a:r>
+          </a:p>
+          <a:p>
+            <a:pPr marL="0" marR="0" lvl="0" indent="0" algn="ctr" defTabSz="457200" rtl="0" fontAlgn="auto" hangingPunct="1">
+              <a:lnSpc>
+                <a:spcPct val="100000"/>
+              </a:lnSpc>
+              <a:spcBef>
+                <a:spcPts val="0"/>
+              </a:spcBef>
+              <a:spcAft>
+                <a:spcPts val="0"/>
+              </a:spcAft>
+              <a:buNone/>
+              <a:tabLst/>
+              <a:defRPr sz="1800" b="0" i="0" u="none" strike="noStrike" kern="0" cap="none" spc="0" baseline="0">
+                <a:solidFill>
+                  <a:srgbClr val="000000"/>
+                </a:solidFill>
+                <a:uFillTx/>
+              </a:defRPr>
+            </a:pPr>
+            <a:endParaRPr lang="fr-FR" sz="1800" b="0" i="0" u="none" strike="noStrike" kern="1200" cap="none" spc="0" baseline="0" dirty="0">
+              <a:solidFill>
+                <a:srgbClr val="FFFFFF"/>
+              </a:solidFill>
+              <a:uFillTx/>
+              <a:latin typeface="Century Gothic"/>
+            </a:endParaRPr>
+          </a:p>
+        </p:txBody>
+      </p:sp>
+      <p:cxnSp>
+        <p:nvCxnSpPr>
+          <p:cNvPr id="12" name="Connecteur droit avec flèche 6">
+            <a:extLst>
+              <a:ext uri="{FF2B5EF4-FFF2-40B4-BE49-F238E27FC236}">
+                <a16:creationId xmlns:a16="http://schemas.microsoft.com/office/drawing/2014/main" id="{C0C8AB16-9AE0-4F10-9872-57F70A001BA6}"/>
+              </a:ext>
+            </a:extLst>
+          </p:cNvPr>
+          <p:cNvCxnSpPr>
+            <a:cxnSpLocks/>
+          </p:cNvCxnSpPr>
+          <p:nvPr/>
+        </p:nvCxnSpPr>
+        <p:spPr>
+          <a:xfrm>
+            <a:off x="4026313" y="342287"/>
+            <a:ext cx="280218" cy="0"/>
+          </a:xfrm>
+          <a:prstGeom prst="straightConnector1">
+            <a:avLst/>
+          </a:prstGeom>
+          <a:ln w="9525" cap="flat" cmpd="sng" algn="ctr">
+            <a:solidFill>
+              <a:schemeClr val="dk1"/>
+            </a:solidFill>
+            <a:prstDash val="solid"/>
+            <a:round/>
+            <a:headEnd type="none" w="med" len="med"/>
+            <a:tailEnd type="arrow" w="med" len="med"/>
+          </a:ln>
+        </p:spPr>
+        <p:style>
+          <a:lnRef idx="0">
+            <a:scrgbClr r="0" g="0" b="0"/>
+          </a:lnRef>
+          <a:fillRef idx="0">
+            <a:scrgbClr r="0" g="0" b="0"/>
+          </a:fillRef>
+          <a:effectRef idx="0">
+            <a:scrgbClr r="0" g="0" b="0"/>
+          </a:effectRef>
+          <a:fontRef idx="minor">
+            <a:schemeClr val="tx1"/>
+          </a:fontRef>
+        </p:style>
+      </p:cxnSp>
+      <p:cxnSp>
+        <p:nvCxnSpPr>
+          <p:cNvPr id="13" name="Connecteur droit avec flèche 8">
+            <a:extLst>
+              <a:ext uri="{FF2B5EF4-FFF2-40B4-BE49-F238E27FC236}">
+                <a16:creationId xmlns:a16="http://schemas.microsoft.com/office/drawing/2014/main" id="{F7C94D04-A3CB-4790-87C1-24E0AD894563}"/>
+              </a:ext>
+            </a:extLst>
+          </p:cNvPr>
+          <p:cNvCxnSpPr/>
+          <p:nvPr/>
+        </p:nvCxnSpPr>
+        <p:spPr>
+          <a:xfrm>
+            <a:off x="6096003" y="342287"/>
+            <a:ext cx="280217" cy="0"/>
+          </a:xfrm>
+          <a:prstGeom prst="straightConnector1">
+            <a:avLst/>
+          </a:prstGeom>
+          <a:ln w="9525" cap="flat" cmpd="sng" algn="ctr">
+            <a:solidFill>
+              <a:schemeClr val="dk1"/>
+            </a:solidFill>
+            <a:prstDash val="solid"/>
+            <a:round/>
+            <a:headEnd type="none" w="med" len="med"/>
+            <a:tailEnd type="arrow" w="med" len="med"/>
+          </a:ln>
+        </p:spPr>
+        <p:style>
+          <a:lnRef idx="0">
+            <a:scrgbClr r="0" g="0" b="0"/>
+          </a:lnRef>
+          <a:fillRef idx="0">
+            <a:scrgbClr r="0" g="0" b="0"/>
+          </a:fillRef>
+          <a:effectRef idx="0">
+            <a:scrgbClr r="0" g="0" b="0"/>
+          </a:effectRef>
+          <a:fontRef idx="minor">
+            <a:schemeClr val="tx1"/>
+          </a:fontRef>
+        </p:style>
+      </p:cxnSp>
+      <p:cxnSp>
+        <p:nvCxnSpPr>
+          <p:cNvPr id="14" name="Connecteur droit avec flèche 9">
+            <a:extLst>
+              <a:ext uri="{FF2B5EF4-FFF2-40B4-BE49-F238E27FC236}">
+                <a16:creationId xmlns:a16="http://schemas.microsoft.com/office/drawing/2014/main" id="{536E14AF-114A-4FBA-9E78-6DC396A8069A}"/>
+              </a:ext>
+            </a:extLst>
+          </p:cNvPr>
+          <p:cNvCxnSpPr/>
+          <p:nvPr/>
+        </p:nvCxnSpPr>
+        <p:spPr>
+          <a:xfrm>
+            <a:off x="7740441" y="332759"/>
+            <a:ext cx="280218" cy="0"/>
+          </a:xfrm>
+          <a:prstGeom prst="straightConnector1">
+            <a:avLst/>
+          </a:prstGeom>
+          <a:ln w="9525" cap="flat" cmpd="sng" algn="ctr">
+            <a:solidFill>
+              <a:schemeClr val="dk1"/>
+            </a:solidFill>
+            <a:prstDash val="solid"/>
+            <a:round/>
+            <a:headEnd type="none" w="med" len="med"/>
+            <a:tailEnd type="arrow" w="med" len="med"/>
+          </a:ln>
+        </p:spPr>
+        <p:style>
+          <a:lnRef idx="0">
+            <a:scrgbClr r="0" g="0" b="0"/>
+          </a:lnRef>
+          <a:fillRef idx="0">
+            <a:scrgbClr r="0" g="0" b="0"/>
+          </a:fillRef>
+          <a:effectRef idx="0">
+            <a:scrgbClr r="0" g="0" b="0"/>
+          </a:effectRef>
+          <a:fontRef idx="minor">
+            <a:schemeClr val="tx1"/>
+          </a:fontRef>
+        </p:style>
+      </p:cxnSp>
+      <p:cxnSp>
+        <p:nvCxnSpPr>
+          <p:cNvPr id="15" name="Connecteur droit avec flèche 10">
+            <a:extLst>
+              <a:ext uri="{FF2B5EF4-FFF2-40B4-BE49-F238E27FC236}">
+                <a16:creationId xmlns:a16="http://schemas.microsoft.com/office/drawing/2014/main" id="{B381760C-00E1-4C8B-A4ED-25A0BB38110A}"/>
+              </a:ext>
+            </a:extLst>
+          </p:cNvPr>
+          <p:cNvCxnSpPr/>
+          <p:nvPr/>
+        </p:nvCxnSpPr>
+        <p:spPr>
+          <a:xfrm>
+            <a:off x="8735958" y="332448"/>
+            <a:ext cx="280227" cy="0"/>
+          </a:xfrm>
+          <a:prstGeom prst="straightConnector1">
+            <a:avLst/>
+          </a:prstGeom>
+          <a:ln w="9525" cap="flat" cmpd="sng" algn="ctr">
+            <a:solidFill>
+              <a:schemeClr val="dk1"/>
+            </a:solidFill>
+            <a:prstDash val="solid"/>
+            <a:round/>
+            <a:headEnd type="none" w="med" len="med"/>
+            <a:tailEnd type="arrow" w="med" len="med"/>
+          </a:ln>
+        </p:spPr>
+        <p:style>
+          <a:lnRef idx="0">
+            <a:scrgbClr r="0" g="0" b="0"/>
+          </a:lnRef>
+          <a:fillRef idx="0">
+            <a:scrgbClr r="0" g="0" b="0"/>
+          </a:fillRef>
+          <a:effectRef idx="0">
+            <a:scrgbClr r="0" g="0" b="0"/>
+          </a:effectRef>
+          <a:fontRef idx="minor">
+            <a:schemeClr val="tx1"/>
+          </a:fontRef>
+        </p:style>
+      </p:cxnSp>
+      <p:sp>
+        <p:nvSpPr>
+          <p:cNvPr id="16" name="Espace réservé du numéro de diapositive 7">
+            <a:extLst>
+              <a:ext uri="{FF2B5EF4-FFF2-40B4-BE49-F238E27FC236}">
+                <a16:creationId xmlns:a16="http://schemas.microsoft.com/office/drawing/2014/main" id="{1635AA11-4E0A-4C6B-A55B-60B572FE8BB7}"/>
+              </a:ext>
+            </a:extLst>
+          </p:cNvPr>
+          <p:cNvSpPr txBox="1"/>
+          <p:nvPr/>
+        </p:nvSpPr>
+        <p:spPr>
+          <a:xfrm>
+            <a:off x="11640833" y="6557107"/>
+            <a:ext cx="551163" cy="365129"/>
+          </a:xfrm>
+          <a:prstGeom prst="rect">
+            <a:avLst/>
+          </a:prstGeom>
+          <a:noFill/>
+          <a:ln cap="rnd">
+            <a:noFill/>
+          </a:ln>
+        </p:spPr>
+        <p:txBody>
+          <a:bodyPr vert="horz" wrap="square" lIns="91440" tIns="45720" rIns="91440" bIns="45720" anchor="ctr" anchorCtr="0" compatLnSpc="1">
+            <a:noAutofit/>
+          </a:bodyPr>
+          <a:lstStyle/>
+          <a:p>
+            <a:pPr marL="0" marR="0" lvl="0" indent="0" algn="r" defTabSz="457200" rtl="0" fontAlgn="auto" hangingPunct="1">
+              <a:lnSpc>
+                <a:spcPct val="100000"/>
+              </a:lnSpc>
+              <a:spcBef>
+                <a:spcPts val="0"/>
+              </a:spcBef>
+              <a:spcAft>
+                <a:spcPts val="0"/>
+              </a:spcAft>
+              <a:buNone/>
+              <a:tabLst/>
+              <a:defRPr sz="1800" b="0" i="0" u="none" strike="noStrike" kern="0" cap="none" spc="0" baseline="0">
+                <a:solidFill>
+                  <a:srgbClr val="000000"/>
+                </a:solidFill>
+                <a:uFillTx/>
+              </a:defRPr>
+            </a:pPr>
+            <a:fld id="{1A0F8804-A8AF-488B-BABF-40AC271FABDD}" type="slidenum">
+              <a:t>27</a:t>
             </a:fld>
             <a:endParaRPr lang="fr-FR" sz="900" b="1" i="0" u="none" strike="noStrike" kern="1200" cap="none" spc="0" baseline="0">
               <a:solidFill>

--- a/doc/PowerPoint_Modelisation_Mathematique.pptx
+++ b/doc/PowerPoint_Modelisation_Mathematique.pptx
@@ -5,7 +5,7 @@
     <p:sldMasterId id="2147483648" r:id="rId1"/>
   </p:sldMasterIdLst>
   <p:notesMasterIdLst>
-    <p:notesMasterId r:id="rId29"/>
+    <p:notesMasterId r:id="rId28"/>
   </p:notesMasterIdLst>
   <p:sldIdLst>
     <p:sldId id="256" r:id="rId2"/>
@@ -31,10 +31,9 @@
     <p:sldId id="274" r:id="rId22"/>
     <p:sldId id="269" r:id="rId23"/>
     <p:sldId id="262" r:id="rId24"/>
-    <p:sldId id="275" r:id="rId25"/>
-    <p:sldId id="276" r:id="rId26"/>
-    <p:sldId id="277" r:id="rId27"/>
-    <p:sldId id="278" r:id="rId28"/>
+    <p:sldId id="276" r:id="rId25"/>
+    <p:sldId id="277" r:id="rId26"/>
+    <p:sldId id="278" r:id="rId27"/>
   </p:sldIdLst>
   <p:sldSz cx="12192000" cy="6858000"/>
   <p:notesSz cx="6858000" cy="9144000"/>
@@ -133,6 +132,11 @@
       </a:defRPr>
     </a:lvl9pPr>
   </p:defaultTextStyle>
+  <p:extLst>
+    <p:ext uri="{EFAFB233-063F-42B5-8137-9DF3F51BA10A}">
+      <p15:sldGuideLst xmlns:p15="http://schemas.microsoft.com/office/powerpoint/2012/main"/>
+    </p:ext>
+  </p:extLst>
 </p:presentation>
 </file>
 
@@ -282,7 +286,7 @@
             <a:fld id="{9C75336B-C2CB-4009-A3D2-E3BE541024A7}" type="datetime1">
               <a:rPr lang="fr-FR"/>
               <a:pPr lvl="0"/>
-              <a:t>06/11/2018</a:t>
+              <a:t>08/11/2018</a:t>
             </a:fld>
             <a:endParaRPr lang="fr-FR"/>
           </a:p>
@@ -1312,6 +1316,96 @@
 </p:notes>
 </file>
 
+<file path=ppt/notesSlides/notesSlide8.xml><?xml version="1.0" encoding="utf-8"?>
+<p:notes xmlns:a="http://schemas.openxmlformats.org/drawingml/2006/main" xmlns:r="http://schemas.openxmlformats.org/officeDocument/2006/relationships" xmlns:p="http://schemas.openxmlformats.org/presentationml/2006/main">
+  <p:cSld>
+    <p:spTree>
+      <p:nvGrpSpPr>
+        <p:cNvPr id="1" name=""/>
+        <p:cNvGrpSpPr/>
+        <p:nvPr/>
+      </p:nvGrpSpPr>
+      <p:grpSpPr>
+        <a:xfrm>
+          <a:off x="0" y="0"/>
+          <a:ext cx="0" cy="0"/>
+          <a:chOff x="0" y="0"/>
+          <a:chExt cx="0" cy="0"/>
+        </a:xfrm>
+      </p:grpSpPr>
+      <p:sp>
+        <p:nvSpPr>
+          <p:cNvPr id="2" name="Espace réservé de l'image des diapositives 1"/>
+          <p:cNvSpPr>
+            <a:spLocks noGrp="1" noRot="1" noChangeAspect="1"/>
+          </p:cNvSpPr>
+          <p:nvPr>
+            <p:ph type="sldImg"/>
+          </p:nvPr>
+        </p:nvSpPr>
+        <p:spPr>
+          <a:xfrm>
+            <a:off x="685800" y="1143000"/>
+            <a:ext cx="5486400" cy="3086100"/>
+          </a:xfrm>
+        </p:spPr>
+      </p:sp>
+      <p:sp>
+        <p:nvSpPr>
+          <p:cNvPr id="3" name="Espace réservé des notes 2"/>
+          <p:cNvSpPr>
+            <a:spLocks noGrp="1"/>
+          </p:cNvSpPr>
+          <p:nvPr>
+            <p:ph type="body" idx="1"/>
+          </p:nvPr>
+        </p:nvSpPr>
+        <p:spPr/>
+        <p:txBody>
+          <a:bodyPr/>
+          <a:lstStyle/>
+          <a:p>
+            <a:endParaRPr lang="fr-FR" dirty="0"/>
+          </a:p>
+        </p:txBody>
+      </p:sp>
+      <p:sp>
+        <p:nvSpPr>
+          <p:cNvPr id="4" name="Espace réservé du numéro de diapositive 3"/>
+          <p:cNvSpPr>
+            <a:spLocks noGrp="1"/>
+          </p:cNvSpPr>
+          <p:nvPr>
+            <p:ph type="sldNum" sz="quarter" idx="10"/>
+          </p:nvPr>
+        </p:nvSpPr>
+        <p:spPr/>
+        <p:txBody>
+          <a:bodyPr/>
+          <a:lstStyle/>
+          <a:p>
+            <a:pPr lvl="0"/>
+            <a:fld id="{2BC802FF-7E79-4C7B-B763-A088EFA1B92B}" type="slidenum">
+              <a:rPr lang="fr-FR" smtClean="0"/>
+              <a:t>23</a:t>
+            </a:fld>
+            <a:endParaRPr lang="fr-FR"/>
+          </a:p>
+        </p:txBody>
+      </p:sp>
+    </p:spTree>
+    <p:extLst>
+      <p:ext uri="{BB962C8B-B14F-4D97-AF65-F5344CB8AC3E}">
+        <p14:creationId xmlns:p14="http://schemas.microsoft.com/office/powerpoint/2010/main" val="563775733"/>
+      </p:ext>
+    </p:extLst>
+  </p:cSld>
+  <p:clrMapOvr>
+    <a:masterClrMapping/>
+  </p:clrMapOvr>
+</p:notes>
+</file>
+
 <file path=ppt/slideLayouts/slideLayout1.xml><?xml version="1.0" encoding="utf-8"?>
 <p:sldLayout xmlns:a="http://schemas.openxmlformats.org/drawingml/2006/main" xmlns:r="http://schemas.openxmlformats.org/officeDocument/2006/relationships" xmlns:p="http://schemas.openxmlformats.org/presentationml/2006/main" type="title" preserve="1">
   <p:cSld name="Diapositive de titre">
@@ -1443,7 +1537,7 @@
             <a:fld id="{079D7215-C912-4020-8A4C-198FAF026A2C}" type="datetime1">
               <a:rPr lang="fr-FR"/>
               <a:pPr lvl="0"/>
-              <a:t>06/11/2018</a:t>
+              <a:t>08/11/2018</a:t>
             </a:fld>
             <a:endParaRPr lang="fr-FR"/>
           </a:p>
@@ -1701,7 +1795,7 @@
             <a:fld id="{C9D74128-48EE-4123-A1FA-83A3E93D7B2E}" type="datetime1">
               <a:rPr lang="fr-FR"/>
               <a:pPr lvl="0"/>
-              <a:t>06/11/2018</a:t>
+              <a:t>08/11/2018</a:t>
             </a:fld>
             <a:endParaRPr lang="fr-FR"/>
           </a:p>
@@ -1907,7 +2001,7 @@
             <a:fld id="{8B835B16-4962-486A-9408-EC2490B23D83}" type="datetime1">
               <a:rPr lang="fr-FR"/>
               <a:pPr lvl="0"/>
-              <a:t>06/11/2018</a:t>
+              <a:t>08/11/2018</a:t>
             </a:fld>
             <a:endParaRPr lang="fr-FR"/>
           </a:p>
@@ -2292,7 +2386,7 @@
             <a:fld id="{A54C1783-2FAE-4064-A742-88FEFB64879A}" type="datetime1">
               <a:rPr lang="fr-FR"/>
               <a:pPr lvl="0"/>
-              <a:t>06/11/2018</a:t>
+              <a:t>08/11/2018</a:t>
             </a:fld>
             <a:endParaRPr lang="fr-FR"/>
           </a:p>
@@ -2498,7 +2592,7 @@
             <a:fld id="{5DC47E6B-11A0-443D-832E-97EC6FCF6CDA}" type="datetime1">
               <a:rPr lang="fr-FR"/>
               <a:pPr lvl="0"/>
-              <a:t>06/11/2018</a:t>
+              <a:t>08/11/2018</a:t>
             </a:fld>
             <a:endParaRPr lang="fr-FR"/>
           </a:p>
@@ -2891,7 +2985,7 @@
             <a:fld id="{A1F2A80A-BC99-4192-BB51-F43FADA38440}" type="datetime1">
               <a:rPr lang="fr-FR"/>
               <a:pPr lvl="0"/>
-              <a:t>06/11/2018</a:t>
+              <a:t>08/11/2018</a:t>
             </a:fld>
             <a:endParaRPr lang="fr-FR"/>
           </a:p>
@@ -3148,7 +3242,7 @@
             <a:fld id="{F2636869-FB0B-4C8E-A4D9-1DC1A00FA308}" type="datetime1">
               <a:rPr lang="fr-FR"/>
               <a:pPr lvl="0"/>
-              <a:t>06/11/2018</a:t>
+              <a:t>08/11/2018</a:t>
             </a:fld>
             <a:endParaRPr lang="fr-FR"/>
           </a:p>
@@ -3384,7 +3478,7 @@
             <a:fld id="{A8AF487A-8037-4140-8BA5-B37A6D288066}" type="datetime1">
               <a:rPr lang="fr-FR"/>
               <a:pPr lvl="0"/>
-              <a:t>06/11/2018</a:t>
+              <a:t>08/11/2018</a:t>
             </a:fld>
             <a:endParaRPr lang="fr-FR"/>
           </a:p>
@@ -3630,7 +3724,7 @@
             <a:fld id="{47E374A5-D76A-4483-9B68-7CBFC2B355CF}" type="datetime1">
               <a:rPr lang="fr-FR"/>
               <a:pPr lvl="0"/>
-              <a:t>06/11/2018</a:t>
+              <a:t>08/11/2018</a:t>
             </a:fld>
             <a:endParaRPr lang="fr-FR"/>
           </a:p>
@@ -3866,7 +3960,7 @@
             <a:fld id="{53CE4FD5-FB20-4F4F-AE6C-3B3791BEFC94}" type="datetime1">
               <a:rPr lang="fr-FR"/>
               <a:pPr lvl="0"/>
-              <a:t>06/11/2018</a:t>
+              <a:t>08/11/2018</a:t>
             </a:fld>
             <a:endParaRPr lang="fr-FR"/>
           </a:p>
@@ -4072,7 +4166,7 @@
             <a:fld id="{45D57D08-D007-4E4E-A307-D394F78CEDFD}" type="datetime1">
               <a:rPr lang="fr-FR"/>
               <a:pPr lvl="0"/>
-              <a:t>06/11/2018</a:t>
+              <a:t>08/11/2018</a:t>
             </a:fld>
             <a:endParaRPr lang="fr-FR"/>
           </a:p>
@@ -4404,7 +4498,7 @@
             <a:fld id="{7515EFB5-0E49-4178-86D3-ABDD729352D8}" type="datetime1">
               <a:rPr lang="fr-FR"/>
               <a:pPr lvl="0"/>
-              <a:t>06/11/2018</a:t>
+              <a:t>08/11/2018</a:t>
             </a:fld>
             <a:endParaRPr lang="fr-FR"/>
           </a:p>
@@ -4824,7 +4918,7 @@
             <a:fld id="{CEBD1C78-D2C9-4615-8726-26BA2A92B789}" type="datetime1">
               <a:rPr lang="fr-FR"/>
               <a:pPr lvl="0"/>
-              <a:t>06/11/2018</a:t>
+              <a:t>08/11/2018</a:t>
             </a:fld>
             <a:endParaRPr lang="fr-FR"/>
           </a:p>
@@ -4986,7 +5080,7 @@
             <a:fld id="{3786428E-6A3C-4636-BE83-F31BA6C7944D}" type="datetime1">
               <a:rPr lang="fr-FR"/>
               <a:pPr lvl="0"/>
-              <a:t>06/11/2018</a:t>
+              <a:t>08/11/2018</a:t>
             </a:fld>
             <a:endParaRPr lang="fr-FR"/>
           </a:p>
@@ -5114,7 +5208,7 @@
             <a:fld id="{8C75C76C-70CB-4D92-9647-D89FB1954D2B}" type="datetime1">
               <a:rPr lang="fr-FR"/>
               <a:pPr lvl="0"/>
-              <a:t>06/11/2018</a:t>
+              <a:t>08/11/2018</a:t>
             </a:fld>
             <a:endParaRPr lang="fr-FR"/>
           </a:p>
@@ -5402,7 +5496,7 @@
             <a:fld id="{C9FC3589-F269-4A9C-A7F7-7DF96B27701B}" type="datetime1">
               <a:rPr lang="fr-FR"/>
               <a:pPr lvl="0"/>
-              <a:t>06/11/2018</a:t>
+              <a:t>08/11/2018</a:t>
             </a:fld>
             <a:endParaRPr lang="fr-FR"/>
           </a:p>
@@ -5664,7 +5758,7 @@
             <a:fld id="{AFED2A90-4401-41FD-AEE8-0CC173056835}" type="datetime1">
               <a:rPr lang="fr-FR"/>
               <a:pPr lvl="0"/>
-              <a:t>06/11/2018</a:t>
+              <a:t>08/11/2018</a:t>
             </a:fld>
             <a:endParaRPr lang="fr-FR"/>
           </a:p>
@@ -5965,7 +6059,7 @@
             <a:fld id="{D53D08FC-4A7C-4016-9811-97E1F0562A81}" type="datetime1">
               <a:rPr lang="fr-FR"/>
               <a:pPr lvl="0"/>
-              <a:t>06/11/2018</a:t>
+              <a:t>08/11/2018</a:t>
             </a:fld>
             <a:endParaRPr lang="fr-FR"/>
           </a:p>
@@ -6944,6 +7038,13 @@
   <p:clrMapOvr>
     <a:masterClrMapping/>
   </p:clrMapOvr>
+  <p:timing>
+    <p:tnLst>
+      <p:par>
+        <p:cTn id="1" dur="indefinite" restart="never" nodeType="tmRoot"/>
+      </p:par>
+    </p:tnLst>
+  </p:timing>
 </p:sld>
 </file>
 
@@ -7561,6 +7662,13 @@
   <p:clrMapOvr>
     <a:masterClrMapping/>
   </p:clrMapOvr>
+  <p:timing>
+    <p:tnLst>
+      <p:par>
+        <p:cTn id="1" dur="indefinite" restart="never" nodeType="tmRoot"/>
+      </p:par>
+    </p:tnLst>
+  </p:timing>
 </p:sld>
 </file>
 
@@ -8183,6 +8291,13 @@
   <p:clrMapOvr>
     <a:masterClrMapping/>
   </p:clrMapOvr>
+  <p:timing>
+    <p:tnLst>
+      <p:par>
+        <p:cTn id="1" dur="indefinite" restart="never" nodeType="tmRoot"/>
+      </p:par>
+    </p:tnLst>
+  </p:timing>
 </p:sld>
 </file>
 
@@ -8805,6 +8920,13 @@
   <p:clrMapOvr>
     <a:masterClrMapping/>
   </p:clrMapOvr>
+  <p:timing>
+    <p:tnLst>
+      <p:par>
+        <p:cTn id="1" dur="indefinite" restart="never" nodeType="tmRoot"/>
+      </p:par>
+    </p:tnLst>
+  </p:timing>
 </p:sld>
 </file>
 
@@ -9427,6 +9549,13 @@
   <p:clrMapOvr>
     <a:masterClrMapping/>
   </p:clrMapOvr>
+  <p:timing>
+    <p:tnLst>
+      <p:par>
+        <p:cTn id="1" dur="indefinite" restart="never" nodeType="tmRoot"/>
+      </p:par>
+    </p:tnLst>
+  </p:timing>
 </p:sld>
 </file>
 
@@ -10032,6 +10161,13 @@
   <p:clrMapOvr>
     <a:masterClrMapping/>
   </p:clrMapOvr>
+  <p:timing>
+    <p:tnLst>
+      <p:par>
+        <p:cTn id="1" dur="indefinite" restart="never" nodeType="tmRoot"/>
+      </p:par>
+    </p:tnLst>
+  </p:timing>
 </p:sld>
 </file>
 
@@ -10654,6 +10790,13 @@
   <p:clrMapOvr>
     <a:masterClrMapping/>
   </p:clrMapOvr>
+  <p:timing>
+    <p:tnLst>
+      <p:par>
+        <p:cTn id="1" dur="indefinite" restart="never" nodeType="tmRoot"/>
+      </p:par>
+    </p:tnLst>
+  </p:timing>
 </p:sld>
 </file>
 
@@ -11018,6 +11161,13 @@
   <p:clrMapOvr>
     <a:masterClrMapping/>
   </p:clrMapOvr>
+  <p:timing>
+    <p:tnLst>
+      <p:par>
+        <p:cTn id="1" dur="indefinite" restart="never" nodeType="tmRoot"/>
+      </p:par>
+    </p:tnLst>
+  </p:timing>
 </p:sld>
 </file>
 
@@ -11841,6 +11991,13 @@
   <p:clrMapOvr>
     <a:masterClrMapping/>
   </p:clrMapOvr>
+  <p:timing>
+    <p:tnLst>
+      <p:par>
+        <p:cTn id="1" dur="indefinite" restart="never" nodeType="tmRoot"/>
+      </p:par>
+    </p:tnLst>
+  </p:timing>
 </p:sld>
 </file>
 
@@ -12564,6 +12721,13 @@
   <p:clrMapOvr>
     <a:masterClrMapping/>
   </p:clrMapOvr>
+  <p:timing>
+    <p:tnLst>
+      <p:par>
+        <p:cTn id="1" dur="indefinite" restart="never" nodeType="tmRoot"/>
+      </p:par>
+    </p:tnLst>
+  </p:timing>
 </p:sld>
 </file>
 
@@ -13343,6 +13507,13 @@
   <p:clrMapOvr>
     <a:masterClrMapping/>
   </p:clrMapOvr>
+  <p:timing>
+    <p:tnLst>
+      <p:par>
+        <p:cTn id="1" dur="indefinite" restart="never" nodeType="tmRoot"/>
+      </p:par>
+    </p:tnLst>
+  </p:timing>
 </p:sld>
 </file>
 
@@ -13889,6 +14060,13 @@
   <p:clrMapOvr>
     <a:masterClrMapping/>
   </p:clrMapOvr>
+  <p:timing>
+    <p:tnLst>
+      <p:par>
+        <p:cTn id="1" dur="indefinite" restart="never" nodeType="tmRoot"/>
+      </p:par>
+    </p:tnLst>
+  </p:timing>
 </p:sld>
 </file>
 
@@ -14708,6 +14886,13 @@
   <p:clrMapOvr>
     <a:masterClrMapping/>
   </p:clrMapOvr>
+  <p:timing>
+    <p:tnLst>
+      <p:par>
+        <p:cTn id="1" dur="indefinite" restart="never" nodeType="tmRoot"/>
+      </p:par>
+    </p:tnLst>
+  </p:timing>
 </p:sld>
 </file>
 
@@ -15487,6 +15672,13 @@
   <p:clrMapOvr>
     <a:masterClrMapping/>
   </p:clrMapOvr>
+  <p:timing>
+    <p:tnLst>
+      <p:par>
+        <p:cTn id="1" dur="indefinite" restart="never" nodeType="tmRoot"/>
+      </p:par>
+    </p:tnLst>
+  </p:timing>
 </p:sld>
 </file>
 
@@ -15537,7 +15729,7 @@
         </p:blipFill>
         <p:spPr>
           <a:xfrm>
-            <a:off x="0" y="-2171294"/>
+            <a:off x="0" y="-2059328"/>
             <a:ext cx="12191996" cy="8617302"/>
           </a:xfrm>
           <a:prstGeom prst="rect">
@@ -15852,6 +16044,13 @@
   <p:clrMapOvr>
     <a:masterClrMapping/>
   </p:clrMapOvr>
+  <p:timing>
+    <p:tnLst>
+      <p:par>
+        <p:cTn id="1" dur="indefinite" restart="never" nodeType="tmRoot"/>
+      </p:par>
+    </p:tnLst>
+  </p:timing>
 </p:sld>
 </file>
 
@@ -16447,11 +16646,51 @@
           </a:p>
         </p:txBody>
       </p:sp>
+      <p:pic>
+        <p:nvPicPr>
+          <p:cNvPr id="19" name="Image 18" descr="Image associÃ©e"/>
+          <p:cNvPicPr/>
+          <p:nvPr/>
+        </p:nvPicPr>
+        <p:blipFill>
+          <a:blip r:embed="rId3" cstate="print">
+            <a:extLst>
+              <a:ext uri="{28A0092B-C50C-407E-A947-70E740481C1C}">
+                <a14:useLocalDpi xmlns:a14="http://schemas.microsoft.com/office/drawing/2010/main" val="0"/>
+              </a:ext>
+            </a:extLst>
+          </a:blip>
+          <a:srcRect/>
+          <a:stretch>
+            <a:fillRect/>
+          </a:stretch>
+        </p:blipFill>
+        <p:spPr bwMode="auto">
+          <a:xfrm>
+            <a:off x="3434523" y="2366468"/>
+            <a:ext cx="5603176" cy="4055282"/>
+          </a:xfrm>
+          <a:prstGeom prst="rect">
+            <a:avLst/>
+          </a:prstGeom>
+          <a:noFill/>
+          <a:ln>
+            <a:noFill/>
+          </a:ln>
+        </p:spPr>
+      </p:pic>
     </p:spTree>
   </p:cSld>
   <p:clrMapOvr>
     <a:masterClrMapping/>
   </p:clrMapOvr>
+  <p:timing>
+    <p:tnLst>
+      <p:par>
+        <p:cTn id="1" dur="indefinite" restart="never" nodeType="tmRoot"/>
+      </p:par>
+    </p:tnLst>
+  </p:timing>
 </p:sld>
 </file>
 
@@ -17042,7 +17281,7 @@
                   <a:srgbClr val="8ECE55"/>
                 </a:solidFill>
               </a:rPr>
-              <a:t>Probabilités</a:t>
+              <a:t>Matrices</a:t>
             </a:r>
           </a:p>
         </p:txBody>
@@ -17050,13 +17289,20 @@
     </p:spTree>
     <p:extLst>
       <p:ext uri="{BB962C8B-B14F-4D97-AF65-F5344CB8AC3E}">
-        <p14:creationId xmlns:p14="http://schemas.microsoft.com/office/powerpoint/2010/main" val="1305622485"/>
+        <p14:creationId xmlns:p14="http://schemas.microsoft.com/office/powerpoint/2010/main" val="3432815511"/>
       </p:ext>
     </p:extLst>
   </p:cSld>
   <p:clrMapOvr>
     <a:masterClrMapping/>
   </p:clrMapOvr>
+  <p:timing>
+    <p:tnLst>
+      <p:par>
+        <p:cTn id="1" dur="indefinite" restart="never" nodeType="tmRoot"/>
+      </p:par>
+    </p:tnLst>
+  </p:timing>
 </p:sld>
 </file>
 
@@ -17626,8 +17872,8 @@
         </p:nvSpPr>
         <p:spPr>
           <a:xfrm>
-            <a:off x="4101881" y="1743146"/>
-            <a:ext cx="3988233" cy="646331"/>
+            <a:off x="3467696" y="1709279"/>
+            <a:ext cx="5256603" cy="646331"/>
           </a:xfrm>
           <a:prstGeom prst="rect">
             <a:avLst/>
@@ -17647,21 +17893,89 @@
                   <a:srgbClr val="8ECE55"/>
                 </a:solidFill>
               </a:rPr>
-              <a:t>Matrices</a:t>
-            </a:r>
+              <a:t>Incidence proportionnelle</a:t>
+            </a:r>
+          </a:p>
+        </p:txBody>
+      </p:sp>
+      <p:sp>
+        <p:nvSpPr>
+          <p:cNvPr id="19" name="ZoneTexte 18">
+            <a:extLst>
+              <a:ext uri="{FF2B5EF4-FFF2-40B4-BE49-F238E27FC236}">
+                <a16:creationId xmlns:a16="http://schemas.microsoft.com/office/drawing/2014/main" id="{2391022A-6709-4890-8BF0-CF032E9A94BB}"/>
+              </a:ext>
+            </a:extLst>
+          </p:cNvPr>
+          <p:cNvSpPr txBox="1"/>
+          <p:nvPr/>
+        </p:nvSpPr>
+        <p:spPr>
+          <a:xfrm>
+            <a:off x="3886198" y="3727809"/>
+            <a:ext cx="4419597" cy="461665"/>
+          </a:xfrm>
+          <a:prstGeom prst="rect">
+            <a:avLst/>
+          </a:prstGeom>
+          <a:noFill/>
+        </p:spPr>
+        <p:txBody>
+          <a:bodyPr wrap="square" rtlCol="0">
+            <a:spAutoFit/>
+          </a:bodyPr>
+          <a:lstStyle/>
+          <a:p>
+            <a:pPr algn="ctr"/>
+            <a:r>
+              <a:rPr lang="fr-FR" sz="2400" dirty="0">
+                <a:solidFill>
+                  <a:schemeClr val="bg1"/>
+                </a:solidFill>
+              </a:rPr>
+              <a:t>F (S, I) = </a:t>
+            </a:r>
+            <a:r>
+              <a:rPr lang="el-GR" sz="2400" dirty="0">
+                <a:solidFill>
+                  <a:schemeClr val="bg1"/>
+                </a:solidFill>
+              </a:rPr>
+              <a:t>β (</a:t>
+            </a:r>
+            <a:r>
+              <a:rPr lang="fr-FR" sz="2400" dirty="0">
+                <a:solidFill>
+                  <a:schemeClr val="bg1"/>
+                </a:solidFill>
+              </a:rPr>
+              <a:t>SI / S+I) </a:t>
+            </a:r>
+            <a:endParaRPr lang="fr-FR" sz="2400" dirty="0">
+              <a:solidFill>
+                <a:schemeClr val="bg1"/>
+              </a:solidFill>
+            </a:endParaRPr>
           </a:p>
         </p:txBody>
       </p:sp>
     </p:spTree>
     <p:extLst>
       <p:ext uri="{BB962C8B-B14F-4D97-AF65-F5344CB8AC3E}">
-        <p14:creationId xmlns:p14="http://schemas.microsoft.com/office/powerpoint/2010/main" val="3432815511"/>
+        <p14:creationId xmlns:p14="http://schemas.microsoft.com/office/powerpoint/2010/main" val="1172487627"/>
       </p:ext>
     </p:extLst>
   </p:cSld>
   <p:clrMapOvr>
     <a:masterClrMapping/>
   </p:clrMapOvr>
+  <p:timing>
+    <p:tnLst>
+      <p:par>
+        <p:cTn id="1" dur="indefinite" restart="never" nodeType="tmRoot"/>
+      </p:par>
+    </p:tnLst>
+  </p:timing>
 </p:sld>
 </file>
 
@@ -18252,611 +18566,6 @@
                   <a:srgbClr val="8ECE55"/>
                 </a:solidFill>
               </a:rPr>
-              <a:t>Incidence proportionnelle</a:t>
-            </a:r>
-          </a:p>
-        </p:txBody>
-      </p:sp>
-    </p:spTree>
-    <p:extLst>
-      <p:ext uri="{BB962C8B-B14F-4D97-AF65-F5344CB8AC3E}">
-        <p14:creationId xmlns:p14="http://schemas.microsoft.com/office/powerpoint/2010/main" val="1172487627"/>
-      </p:ext>
-    </p:extLst>
-  </p:cSld>
-  <p:clrMapOvr>
-    <a:masterClrMapping/>
-  </p:clrMapOvr>
-</p:sld>
-</file>
-
-<file path=ppt/slides/slide27.xml><?xml version="1.0" encoding="utf-8"?>
-<p:sld xmlns:a="http://schemas.openxmlformats.org/drawingml/2006/main" xmlns:r="http://schemas.openxmlformats.org/officeDocument/2006/relationships" xmlns:p="http://schemas.openxmlformats.org/presentationml/2006/main">
-  <p:cSld>
-    <p:bg>
-      <p:bgPr>
-        <a:solidFill>
-          <a:srgbClr val="262626"/>
-        </a:solidFill>
-        <a:effectLst/>
-      </p:bgPr>
-    </p:bg>
-    <p:spTree>
-      <p:nvGrpSpPr>
-        <p:cNvPr id="1" name=""/>
-        <p:cNvGrpSpPr/>
-        <p:nvPr/>
-      </p:nvGrpSpPr>
-      <p:grpSpPr>
-        <a:xfrm>
-          <a:off x="0" y="0"/>
-          <a:ext cx="0" cy="0"/>
-          <a:chOff x="0" y="0"/>
-          <a:chExt cx="0" cy="0"/>
-        </a:xfrm>
-      </p:grpSpPr>
-      <p:sp>
-        <p:nvSpPr>
-          <p:cNvPr id="10" name="Rectangle 9">
-            <a:extLst>
-              <a:ext uri="{FF2B5EF4-FFF2-40B4-BE49-F238E27FC236}">
-                <a16:creationId xmlns:a16="http://schemas.microsoft.com/office/drawing/2014/main" id="{AE8623B3-E4EC-455E-BF32-A13679F9B2A7}"/>
-              </a:ext>
-            </a:extLst>
-          </p:cNvPr>
-          <p:cNvSpPr/>
-          <p:nvPr/>
-        </p:nvSpPr>
-        <p:spPr>
-          <a:xfrm>
-            <a:off x="4" y="0"/>
-            <a:ext cx="12191996" cy="653909"/>
-          </a:xfrm>
-          <a:prstGeom prst="rect">
-            <a:avLst/>
-          </a:prstGeom>
-          <a:solidFill>
-            <a:srgbClr val="8ECE55"/>
-          </a:solidFill>
-          <a:ln>
-            <a:noFill/>
-          </a:ln>
-        </p:spPr>
-        <p:style>
-          <a:lnRef idx="2">
-            <a:schemeClr val="accent1">
-              <a:shade val="50000"/>
-            </a:schemeClr>
-          </a:lnRef>
-          <a:fillRef idx="1">
-            <a:schemeClr val="accent1"/>
-          </a:fillRef>
-          <a:effectRef idx="0">
-            <a:schemeClr val="accent1"/>
-          </a:effectRef>
-          <a:fontRef idx="minor">
-            <a:schemeClr val="lt1"/>
-          </a:fontRef>
-        </p:style>
-        <p:txBody>
-          <a:bodyPr rtlCol="0" anchor="ctr"/>
-          <a:lstStyle/>
-          <a:p>
-            <a:pPr algn="ctr"/>
-            <a:endParaRPr lang="fr-FR"/>
-          </a:p>
-        </p:txBody>
-      </p:sp>
-      <p:sp>
-        <p:nvSpPr>
-          <p:cNvPr id="11" name="ZoneTexte 2">
-            <a:extLst>
-              <a:ext uri="{FF2B5EF4-FFF2-40B4-BE49-F238E27FC236}">
-                <a16:creationId xmlns:a16="http://schemas.microsoft.com/office/drawing/2014/main" id="{0EB27BA8-B711-47F6-8765-00911875577A}"/>
-              </a:ext>
-            </a:extLst>
-          </p:cNvPr>
-          <p:cNvSpPr txBox="1"/>
-          <p:nvPr/>
-        </p:nvSpPr>
-        <p:spPr>
-          <a:xfrm>
-            <a:off x="185056" y="158620"/>
-            <a:ext cx="11821884" cy="623245"/>
-          </a:xfrm>
-          <a:prstGeom prst="rect">
-            <a:avLst/>
-          </a:prstGeom>
-          <a:noFill/>
-          <a:ln cap="rnd">
-            <a:noFill/>
-          </a:ln>
-        </p:spPr>
-        <p:txBody>
-          <a:bodyPr vert="horz" wrap="square" lIns="91440" tIns="45720" rIns="91440" bIns="45720" anchor="t" anchorCtr="1" compatLnSpc="1">
-            <a:spAutoFit/>
-          </a:bodyPr>
-          <a:lstStyle/>
-          <a:p>
-            <a:pPr marL="0" marR="0" lvl="0" indent="0" algn="ctr" defTabSz="457200" rtl="0" fontAlgn="auto" hangingPunct="1">
-              <a:lnSpc>
-                <a:spcPct val="150000"/>
-              </a:lnSpc>
-              <a:spcBef>
-                <a:spcPts val="0"/>
-              </a:spcBef>
-              <a:spcAft>
-                <a:spcPts val="0"/>
-              </a:spcAft>
-              <a:buNone/>
-              <a:tabLst/>
-              <a:defRPr sz="1800" b="0" i="0" u="none" strike="noStrike" kern="0" cap="none" spc="0" baseline="0">
-                <a:solidFill>
-                  <a:srgbClr val="000000"/>
-                </a:solidFill>
-                <a:uFillTx/>
-              </a:defRPr>
-            </a:pPr>
-            <a:r>
-              <a:rPr lang="fr-FR" sz="1100" i="0" u="none" strike="noStrike" kern="1200" cap="none" spc="0" baseline="0" dirty="0">
-                <a:solidFill>
-                  <a:srgbClr val="262626"/>
-                </a:solidFill>
-                <a:uFillTx/>
-                <a:latin typeface="Century Gothic"/>
-              </a:rPr>
-              <a:t>Présentation du projet          </a:t>
-            </a:r>
-            <a:r>
-              <a:rPr lang="fr-FR" sz="1100" b="0" i="0" u="none" strike="noStrike" kern="1200" cap="none" spc="0" baseline="0" dirty="0">
-                <a:solidFill>
-                  <a:srgbClr val="262626"/>
-                </a:solidFill>
-                <a:uFillTx/>
-                <a:latin typeface="Century Gothic"/>
-              </a:rPr>
-              <a:t>Les automates cellulaires          Evolution du projet          Etat Final          </a:t>
-            </a:r>
-            <a:r>
-              <a:rPr lang="fr-FR" sz="1100" b="1" u="none" strike="noStrike" kern="1200" cap="none" spc="0" baseline="0" dirty="0">
-                <a:solidFill>
-                  <a:srgbClr val="262626"/>
-                </a:solidFill>
-                <a:uFillTx/>
-                <a:latin typeface="Century Gothic"/>
-              </a:rPr>
-              <a:t>Les maths</a:t>
-            </a:r>
-          </a:p>
-          <a:p>
-            <a:pPr marL="0" marR="0" lvl="0" indent="0" algn="ctr" defTabSz="457200" rtl="0" fontAlgn="auto" hangingPunct="1">
-              <a:lnSpc>
-                <a:spcPct val="100000"/>
-              </a:lnSpc>
-              <a:spcBef>
-                <a:spcPts val="0"/>
-              </a:spcBef>
-              <a:spcAft>
-                <a:spcPts val="0"/>
-              </a:spcAft>
-              <a:buNone/>
-              <a:tabLst/>
-              <a:defRPr sz="1800" b="0" i="0" u="none" strike="noStrike" kern="0" cap="none" spc="0" baseline="0">
-                <a:solidFill>
-                  <a:srgbClr val="000000"/>
-                </a:solidFill>
-                <a:uFillTx/>
-              </a:defRPr>
-            </a:pPr>
-            <a:endParaRPr lang="fr-FR" sz="1800" b="0" i="0" u="none" strike="noStrike" kern="1200" cap="none" spc="0" baseline="0" dirty="0">
-              <a:solidFill>
-                <a:srgbClr val="FFFFFF"/>
-              </a:solidFill>
-              <a:uFillTx/>
-              <a:latin typeface="Century Gothic"/>
-            </a:endParaRPr>
-          </a:p>
-        </p:txBody>
-      </p:sp>
-      <p:cxnSp>
-        <p:nvCxnSpPr>
-          <p:cNvPr id="12" name="Connecteur droit avec flèche 6">
-            <a:extLst>
-              <a:ext uri="{FF2B5EF4-FFF2-40B4-BE49-F238E27FC236}">
-                <a16:creationId xmlns:a16="http://schemas.microsoft.com/office/drawing/2014/main" id="{C0C8AB16-9AE0-4F10-9872-57F70A001BA6}"/>
-              </a:ext>
-            </a:extLst>
-          </p:cNvPr>
-          <p:cNvCxnSpPr>
-            <a:cxnSpLocks/>
-          </p:cNvCxnSpPr>
-          <p:nvPr/>
-        </p:nvCxnSpPr>
-        <p:spPr>
-          <a:xfrm>
-            <a:off x="4026313" y="342287"/>
-            <a:ext cx="280218" cy="0"/>
-          </a:xfrm>
-          <a:prstGeom prst="straightConnector1">
-            <a:avLst/>
-          </a:prstGeom>
-          <a:ln w="9525" cap="flat" cmpd="sng" algn="ctr">
-            <a:solidFill>
-              <a:schemeClr val="dk1"/>
-            </a:solidFill>
-            <a:prstDash val="solid"/>
-            <a:round/>
-            <a:headEnd type="none" w="med" len="med"/>
-            <a:tailEnd type="arrow" w="med" len="med"/>
-          </a:ln>
-        </p:spPr>
-        <p:style>
-          <a:lnRef idx="0">
-            <a:scrgbClr r="0" g="0" b="0"/>
-          </a:lnRef>
-          <a:fillRef idx="0">
-            <a:scrgbClr r="0" g="0" b="0"/>
-          </a:fillRef>
-          <a:effectRef idx="0">
-            <a:scrgbClr r="0" g="0" b="0"/>
-          </a:effectRef>
-          <a:fontRef idx="minor">
-            <a:schemeClr val="tx1"/>
-          </a:fontRef>
-        </p:style>
-      </p:cxnSp>
-      <p:cxnSp>
-        <p:nvCxnSpPr>
-          <p:cNvPr id="13" name="Connecteur droit avec flèche 8">
-            <a:extLst>
-              <a:ext uri="{FF2B5EF4-FFF2-40B4-BE49-F238E27FC236}">
-                <a16:creationId xmlns:a16="http://schemas.microsoft.com/office/drawing/2014/main" id="{F7C94D04-A3CB-4790-87C1-24E0AD894563}"/>
-              </a:ext>
-            </a:extLst>
-          </p:cNvPr>
-          <p:cNvCxnSpPr/>
-          <p:nvPr/>
-        </p:nvCxnSpPr>
-        <p:spPr>
-          <a:xfrm>
-            <a:off x="6096003" y="342287"/>
-            <a:ext cx="280217" cy="0"/>
-          </a:xfrm>
-          <a:prstGeom prst="straightConnector1">
-            <a:avLst/>
-          </a:prstGeom>
-          <a:ln w="9525" cap="flat" cmpd="sng" algn="ctr">
-            <a:solidFill>
-              <a:schemeClr val="dk1"/>
-            </a:solidFill>
-            <a:prstDash val="solid"/>
-            <a:round/>
-            <a:headEnd type="none" w="med" len="med"/>
-            <a:tailEnd type="arrow" w="med" len="med"/>
-          </a:ln>
-        </p:spPr>
-        <p:style>
-          <a:lnRef idx="0">
-            <a:scrgbClr r="0" g="0" b="0"/>
-          </a:lnRef>
-          <a:fillRef idx="0">
-            <a:scrgbClr r="0" g="0" b="0"/>
-          </a:fillRef>
-          <a:effectRef idx="0">
-            <a:scrgbClr r="0" g="0" b="0"/>
-          </a:effectRef>
-          <a:fontRef idx="minor">
-            <a:schemeClr val="tx1"/>
-          </a:fontRef>
-        </p:style>
-      </p:cxnSp>
-      <p:cxnSp>
-        <p:nvCxnSpPr>
-          <p:cNvPr id="14" name="Connecteur droit avec flèche 9">
-            <a:extLst>
-              <a:ext uri="{FF2B5EF4-FFF2-40B4-BE49-F238E27FC236}">
-                <a16:creationId xmlns:a16="http://schemas.microsoft.com/office/drawing/2014/main" id="{536E14AF-114A-4FBA-9E78-6DC396A8069A}"/>
-              </a:ext>
-            </a:extLst>
-          </p:cNvPr>
-          <p:cNvCxnSpPr/>
-          <p:nvPr/>
-        </p:nvCxnSpPr>
-        <p:spPr>
-          <a:xfrm>
-            <a:off x="7740441" y="332759"/>
-            <a:ext cx="280218" cy="0"/>
-          </a:xfrm>
-          <a:prstGeom prst="straightConnector1">
-            <a:avLst/>
-          </a:prstGeom>
-          <a:ln w="9525" cap="flat" cmpd="sng" algn="ctr">
-            <a:solidFill>
-              <a:schemeClr val="dk1"/>
-            </a:solidFill>
-            <a:prstDash val="solid"/>
-            <a:round/>
-            <a:headEnd type="none" w="med" len="med"/>
-            <a:tailEnd type="arrow" w="med" len="med"/>
-          </a:ln>
-        </p:spPr>
-        <p:style>
-          <a:lnRef idx="0">
-            <a:scrgbClr r="0" g="0" b="0"/>
-          </a:lnRef>
-          <a:fillRef idx="0">
-            <a:scrgbClr r="0" g="0" b="0"/>
-          </a:fillRef>
-          <a:effectRef idx="0">
-            <a:scrgbClr r="0" g="0" b="0"/>
-          </a:effectRef>
-          <a:fontRef idx="minor">
-            <a:schemeClr val="tx1"/>
-          </a:fontRef>
-        </p:style>
-      </p:cxnSp>
-      <p:cxnSp>
-        <p:nvCxnSpPr>
-          <p:cNvPr id="15" name="Connecteur droit avec flèche 10">
-            <a:extLst>
-              <a:ext uri="{FF2B5EF4-FFF2-40B4-BE49-F238E27FC236}">
-                <a16:creationId xmlns:a16="http://schemas.microsoft.com/office/drawing/2014/main" id="{B381760C-00E1-4C8B-A4ED-25A0BB38110A}"/>
-              </a:ext>
-            </a:extLst>
-          </p:cNvPr>
-          <p:cNvCxnSpPr/>
-          <p:nvPr/>
-        </p:nvCxnSpPr>
-        <p:spPr>
-          <a:xfrm>
-            <a:off x="8735958" y="332448"/>
-            <a:ext cx="280227" cy="0"/>
-          </a:xfrm>
-          <a:prstGeom prst="straightConnector1">
-            <a:avLst/>
-          </a:prstGeom>
-          <a:ln w="9525" cap="flat" cmpd="sng" algn="ctr">
-            <a:solidFill>
-              <a:schemeClr val="dk1"/>
-            </a:solidFill>
-            <a:prstDash val="solid"/>
-            <a:round/>
-            <a:headEnd type="none" w="med" len="med"/>
-            <a:tailEnd type="arrow" w="med" len="med"/>
-          </a:ln>
-        </p:spPr>
-        <p:style>
-          <a:lnRef idx="0">
-            <a:scrgbClr r="0" g="0" b="0"/>
-          </a:lnRef>
-          <a:fillRef idx="0">
-            <a:scrgbClr r="0" g="0" b="0"/>
-          </a:fillRef>
-          <a:effectRef idx="0">
-            <a:scrgbClr r="0" g="0" b="0"/>
-          </a:effectRef>
-          <a:fontRef idx="minor">
-            <a:schemeClr val="tx1"/>
-          </a:fontRef>
-        </p:style>
-      </p:cxnSp>
-      <p:sp>
-        <p:nvSpPr>
-          <p:cNvPr id="16" name="Espace réservé du numéro de diapositive 7">
-            <a:extLst>
-              <a:ext uri="{FF2B5EF4-FFF2-40B4-BE49-F238E27FC236}">
-                <a16:creationId xmlns:a16="http://schemas.microsoft.com/office/drawing/2014/main" id="{1635AA11-4E0A-4C6B-A55B-60B572FE8BB7}"/>
-              </a:ext>
-            </a:extLst>
-          </p:cNvPr>
-          <p:cNvSpPr txBox="1"/>
-          <p:nvPr/>
-        </p:nvSpPr>
-        <p:spPr>
-          <a:xfrm>
-            <a:off x="11640833" y="6557107"/>
-            <a:ext cx="551163" cy="365129"/>
-          </a:xfrm>
-          <a:prstGeom prst="rect">
-            <a:avLst/>
-          </a:prstGeom>
-          <a:noFill/>
-          <a:ln cap="rnd">
-            <a:noFill/>
-          </a:ln>
-        </p:spPr>
-        <p:txBody>
-          <a:bodyPr vert="horz" wrap="square" lIns="91440" tIns="45720" rIns="91440" bIns="45720" anchor="ctr" anchorCtr="0" compatLnSpc="1">
-            <a:noAutofit/>
-          </a:bodyPr>
-          <a:lstStyle/>
-          <a:p>
-            <a:pPr marL="0" marR="0" lvl="0" indent="0" algn="r" defTabSz="457200" rtl="0" fontAlgn="auto" hangingPunct="1">
-              <a:lnSpc>
-                <a:spcPct val="100000"/>
-              </a:lnSpc>
-              <a:spcBef>
-                <a:spcPts val="0"/>
-              </a:spcBef>
-              <a:spcAft>
-                <a:spcPts val="0"/>
-              </a:spcAft>
-              <a:buNone/>
-              <a:tabLst/>
-              <a:defRPr sz="1800" b="0" i="0" u="none" strike="noStrike" kern="0" cap="none" spc="0" baseline="0">
-                <a:solidFill>
-                  <a:srgbClr val="000000"/>
-                </a:solidFill>
-                <a:uFillTx/>
-              </a:defRPr>
-            </a:pPr>
-            <a:fld id="{1A0F8804-A8AF-488B-BABF-40AC271FABDD}" type="slidenum">
-              <a:t>27</a:t>
-            </a:fld>
-            <a:endParaRPr lang="fr-FR" sz="900" b="1" i="0" u="none" strike="noStrike" kern="1200" cap="none" spc="0" baseline="0">
-              <a:solidFill>
-                <a:srgbClr val="BFBFBF"/>
-              </a:solidFill>
-              <a:effectLst>
-                <a:outerShdw dist="38096" dir="2700000">
-                  <a:srgbClr val="000000"/>
-                </a:outerShdw>
-              </a:effectLst>
-              <a:uFillTx/>
-              <a:latin typeface="Century Gothic"/>
-            </a:endParaRPr>
-          </a:p>
-        </p:txBody>
-      </p:sp>
-      <p:sp>
-        <p:nvSpPr>
-          <p:cNvPr id="17" name="ZoneTexte 12">
-            <a:extLst>
-              <a:ext uri="{FF2B5EF4-FFF2-40B4-BE49-F238E27FC236}">
-                <a16:creationId xmlns:a16="http://schemas.microsoft.com/office/drawing/2014/main" id="{D9869B71-8155-4E04-83B1-4BA318BE7014}"/>
-              </a:ext>
-            </a:extLst>
-          </p:cNvPr>
-          <p:cNvSpPr txBox="1"/>
-          <p:nvPr/>
-        </p:nvSpPr>
-        <p:spPr>
-          <a:xfrm>
-            <a:off x="0" y="6451137"/>
-            <a:ext cx="12191996" cy="577077"/>
-          </a:xfrm>
-          <a:prstGeom prst="rect">
-            <a:avLst/>
-          </a:prstGeom>
-          <a:noFill/>
-          <a:ln cap="rnd">
-            <a:noFill/>
-          </a:ln>
-        </p:spPr>
-        <p:txBody>
-          <a:bodyPr vert="horz" wrap="square" lIns="91440" tIns="45720" rIns="91440" bIns="45720" anchor="t" anchorCtr="0" compatLnSpc="1">
-            <a:spAutoFit/>
-          </a:bodyPr>
-          <a:lstStyle/>
-          <a:p>
-            <a:pPr marL="0" marR="0" lvl="0" indent="0" algn="l" defTabSz="457200" rtl="0" fontAlgn="auto" hangingPunct="1">
-              <a:lnSpc>
-                <a:spcPct val="100000"/>
-              </a:lnSpc>
-              <a:spcBef>
-                <a:spcPts val="0"/>
-              </a:spcBef>
-              <a:spcAft>
-                <a:spcPts val="0"/>
-              </a:spcAft>
-              <a:buNone/>
-              <a:tabLst/>
-              <a:defRPr sz="1800" b="0" i="0" u="none" strike="noStrike" kern="0" cap="none" spc="0" baseline="0">
-                <a:solidFill>
-                  <a:srgbClr val="000000"/>
-                </a:solidFill>
-                <a:uFillTx/>
-              </a:defRPr>
-            </a:pPr>
-            <a:r>
-              <a:rPr lang="fr-FR" sz="1050" b="0" i="0" u="none" strike="noStrike" kern="1200" cap="none" spc="0" baseline="0">
-                <a:solidFill>
-                  <a:srgbClr val="FFFFFF"/>
-                </a:solidFill>
-                <a:uFillTx/>
-                <a:latin typeface="Century Gothic"/>
-              </a:rPr>
-              <a:t>Nicolas MEYNIEL, Damien PIEDANNA, Axel PISANI, Aurélien ROBINEAU													     Mercredi 7 novembre 2018 </a:t>
-            </a:r>
-          </a:p>
-          <a:p>
-            <a:pPr marL="0" marR="0" lvl="0" indent="0" algn="l" defTabSz="457200" rtl="0" fontAlgn="auto" hangingPunct="1">
-              <a:lnSpc>
-                <a:spcPct val="100000"/>
-              </a:lnSpc>
-              <a:spcBef>
-                <a:spcPts val="0"/>
-              </a:spcBef>
-              <a:spcAft>
-                <a:spcPts val="0"/>
-              </a:spcAft>
-              <a:buNone/>
-              <a:tabLst/>
-              <a:defRPr sz="1800" b="0" i="0" u="none" strike="noStrike" kern="0" cap="none" spc="0" baseline="0">
-                <a:solidFill>
-                  <a:srgbClr val="000000"/>
-                </a:solidFill>
-                <a:uFillTx/>
-              </a:defRPr>
-            </a:pPr>
-            <a:r>
-              <a:rPr lang="fr-FR" sz="1050" b="0" i="0" u="none" strike="noStrike" kern="1200" cap="none" spc="0" baseline="0">
-                <a:solidFill>
-                  <a:srgbClr val="FFFFFF"/>
-                </a:solidFill>
-                <a:uFillTx/>
-                <a:latin typeface="Century Gothic"/>
-              </a:rPr>
-              <a:t>Groupe 3B – 2</a:t>
-            </a:r>
-            <a:r>
-              <a:rPr lang="fr-FR" sz="1050" b="0" i="0" u="none" strike="noStrike" kern="1200" cap="none" spc="0" baseline="30000">
-                <a:solidFill>
-                  <a:srgbClr val="FFFFFF"/>
-                </a:solidFill>
-                <a:uFillTx/>
-                <a:latin typeface="Century Gothic"/>
-              </a:rPr>
-              <a:t>nd</a:t>
-            </a:r>
-            <a:r>
-              <a:rPr lang="fr-FR" sz="1050" b="0" i="0" u="none" strike="noStrike" kern="1200" cap="none" spc="0" baseline="0">
-                <a:solidFill>
-                  <a:srgbClr val="FFFFFF"/>
-                </a:solidFill>
-                <a:uFillTx/>
-                <a:latin typeface="Century Gothic"/>
-              </a:rPr>
-              <a:t> année															 				     													</a:t>
-            </a:r>
-          </a:p>
-        </p:txBody>
-      </p:sp>
-      <p:sp>
-        <p:nvSpPr>
-          <p:cNvPr id="18" name="ZoneTexte 17">
-            <a:extLst>
-              <a:ext uri="{FF2B5EF4-FFF2-40B4-BE49-F238E27FC236}">
-                <a16:creationId xmlns:a16="http://schemas.microsoft.com/office/drawing/2014/main" id="{65CC5CFE-CFAC-4255-8B85-FBC2CB7E5A38}"/>
-              </a:ext>
-            </a:extLst>
-          </p:cNvPr>
-          <p:cNvSpPr txBox="1"/>
-          <p:nvPr/>
-        </p:nvSpPr>
-        <p:spPr>
-          <a:xfrm>
-            <a:off x="3467696" y="1709279"/>
-            <a:ext cx="5256603" cy="646331"/>
-          </a:xfrm>
-          <a:prstGeom prst="rect">
-            <a:avLst/>
-          </a:prstGeom>
-          <a:noFill/>
-        </p:spPr>
-        <p:txBody>
-          <a:bodyPr wrap="square" rtlCol="0">
-            <a:spAutoFit/>
-          </a:bodyPr>
-          <a:lstStyle/>
-          <a:p>
-            <a:pPr algn="ctr"/>
-            <a:r>
-              <a:rPr lang="fr-FR" sz="3600" dirty="0">
-                <a:solidFill>
-                  <a:srgbClr val="8ECE55"/>
-                </a:solidFill>
-              </a:rPr>
               <a:t>Densité des zones urbaines</a:t>
             </a:r>
           </a:p>
@@ -18872,6 +18581,13 @@
   <p:clrMapOvr>
     <a:masterClrMapping/>
   </p:clrMapOvr>
+  <p:timing>
+    <p:tnLst>
+      <p:par>
+        <p:cTn id="1" dur="indefinite" restart="never" nodeType="tmRoot"/>
+      </p:par>
+    </p:tnLst>
+  </p:timing>
 </p:sld>
 </file>
 
@@ -19254,6 +18970,13 @@
   <p:clrMapOvr>
     <a:masterClrMapping/>
   </p:clrMapOvr>
+  <p:timing>
+    <p:tnLst>
+      <p:par>
+        <p:cTn id="1" dur="indefinite" restart="never" nodeType="tmRoot"/>
+      </p:par>
+    </p:tnLst>
+  </p:timing>
 </p:sld>
 </file>
 
@@ -19910,6 +19633,13 @@
   <p:clrMapOvr>
     <a:masterClrMapping/>
   </p:clrMapOvr>
+  <p:timing>
+    <p:tnLst>
+      <p:par>
+        <p:cTn id="1" dur="indefinite" restart="never" nodeType="tmRoot"/>
+      </p:par>
+    </p:tnLst>
+  </p:timing>
 </p:sld>
 </file>
 
@@ -20544,6 +20274,13 @@
   <p:clrMapOvr>
     <a:masterClrMapping/>
   </p:clrMapOvr>
+  <p:timing>
+    <p:tnLst>
+      <p:par>
+        <p:cTn id="1" dur="indefinite" restart="never" nodeType="tmRoot"/>
+      </p:par>
+    </p:tnLst>
+  </p:timing>
 </p:sld>
 </file>
 
@@ -20913,6 +20650,13 @@
   <p:clrMapOvr>
     <a:masterClrMapping/>
   </p:clrMapOvr>
+  <p:timing>
+    <p:tnLst>
+      <p:par>
+        <p:cTn id="1" dur="indefinite" restart="never" nodeType="tmRoot"/>
+      </p:par>
+    </p:tnLst>
+  </p:timing>
 </p:sld>
 </file>
 
@@ -21620,6 +21364,13 @@
   <p:clrMapOvr>
     <a:masterClrMapping/>
   </p:clrMapOvr>
+  <p:timing>
+    <p:tnLst>
+      <p:par>
+        <p:cTn id="1" dur="indefinite" restart="never" nodeType="tmRoot"/>
+      </p:par>
+    </p:tnLst>
+  </p:timing>
 </p:sld>
 </file>
 
@@ -22332,6 +22083,13 @@
   <p:clrMapOvr>
     <a:masterClrMapping/>
   </p:clrMapOvr>
+  <p:timing>
+    <p:tnLst>
+      <p:par>
+        <p:cTn id="1" dur="indefinite" restart="never" nodeType="tmRoot"/>
+      </p:par>
+    </p:tnLst>
+  </p:timing>
 </p:sld>
 </file>
 
@@ -22714,6 +22472,13 @@
   <p:clrMapOvr>
     <a:masterClrMapping/>
   </p:clrMapOvr>
+  <p:timing>
+    <p:tnLst>
+      <p:par>
+        <p:cTn id="1" dur="indefinite" restart="never" nodeType="tmRoot"/>
+      </p:par>
+    </p:tnLst>
+  </p:timing>
 </p:sld>
 </file>
 

--- a/doc/PowerPoint_Modelisation_Mathematique.pptx
+++ b/doc/PowerPoint_Modelisation_Mathematique.pptx
@@ -17,23 +17,23 @@
     <p:sldId id="259" r:id="rId8"/>
     <p:sldId id="266" r:id="rId9"/>
     <p:sldId id="267" r:id="rId10"/>
-    <p:sldId id="260" r:id="rId11"/>
-    <p:sldId id="279" r:id="rId12"/>
-    <p:sldId id="280" r:id="rId13"/>
-    <p:sldId id="281" r:id="rId14"/>
-    <p:sldId id="282" r:id="rId15"/>
-    <p:sldId id="283" r:id="rId16"/>
-    <p:sldId id="268" r:id="rId17"/>
-    <p:sldId id="270" r:id="rId18"/>
-    <p:sldId id="271" r:id="rId19"/>
-    <p:sldId id="272" r:id="rId20"/>
-    <p:sldId id="273" r:id="rId21"/>
-    <p:sldId id="274" r:id="rId22"/>
+    <p:sldId id="270" r:id="rId11"/>
+    <p:sldId id="260" r:id="rId12"/>
+    <p:sldId id="274" r:id="rId13"/>
+    <p:sldId id="279" r:id="rId14"/>
+    <p:sldId id="272" r:id="rId15"/>
+    <p:sldId id="280" r:id="rId16"/>
+    <p:sldId id="271" r:id="rId17"/>
+    <p:sldId id="281" r:id="rId18"/>
+    <p:sldId id="273" r:id="rId19"/>
+    <p:sldId id="282" r:id="rId20"/>
+    <p:sldId id="283" r:id="rId21"/>
+    <p:sldId id="268" r:id="rId22"/>
     <p:sldId id="269" r:id="rId23"/>
-    <p:sldId id="262" r:id="rId24"/>
-    <p:sldId id="276" r:id="rId25"/>
-    <p:sldId id="277" r:id="rId26"/>
-    <p:sldId id="278" r:id="rId27"/>
+    <p:sldId id="276" r:id="rId24"/>
+    <p:sldId id="277" r:id="rId25"/>
+    <p:sldId id="278" r:id="rId26"/>
+    <p:sldId id="262" r:id="rId27"/>
   </p:sldIdLst>
   <p:sldSz cx="12192000" cy="6858000"/>
   <p:notesSz cx="6858000" cy="9144000"/>
@@ -937,7 +937,7 @@
             <a:pPr lvl="0"/>
             <a:fld id="{2BC802FF-7E79-4C7B-B763-A088EFA1B92B}" type="slidenum">
               <a:rPr lang="fr-FR" smtClean="0"/>
-              <a:t>17</a:t>
+              <a:t>10</a:t>
             </a:fld>
             <a:endParaRPr lang="fr-FR"/>
           </a:p>
@@ -1027,7 +1027,7 @@
             <a:pPr lvl="0"/>
             <a:fld id="{2BC802FF-7E79-4C7B-B763-A088EFA1B92B}" type="slidenum">
               <a:rPr lang="fr-FR" smtClean="0"/>
-              <a:t>18</a:t>
+              <a:t>12</a:t>
             </a:fld>
             <a:endParaRPr lang="fr-FR"/>
           </a:p>
@@ -1036,7 +1036,7 @@
     </p:spTree>
     <p:extLst>
       <p:ext uri="{BB962C8B-B14F-4D97-AF65-F5344CB8AC3E}">
-        <p14:creationId xmlns:p14="http://schemas.microsoft.com/office/powerpoint/2010/main" val="1055820358"/>
+        <p14:creationId xmlns:p14="http://schemas.microsoft.com/office/powerpoint/2010/main" val="3969733664"/>
       </p:ext>
     </p:extLst>
   </p:cSld>
@@ -1117,7 +1117,7 @@
             <a:pPr lvl="0"/>
             <a:fld id="{2BC802FF-7E79-4C7B-B763-A088EFA1B92B}" type="slidenum">
               <a:rPr lang="fr-FR" smtClean="0"/>
-              <a:t>19</a:t>
+              <a:t>14</a:t>
             </a:fld>
             <a:endParaRPr lang="fr-FR"/>
           </a:p>
@@ -1207,7 +1207,7 @@
             <a:pPr lvl="0"/>
             <a:fld id="{2BC802FF-7E79-4C7B-B763-A088EFA1B92B}" type="slidenum">
               <a:rPr lang="fr-FR" smtClean="0"/>
-              <a:t>20</a:t>
+              <a:t>16</a:t>
             </a:fld>
             <a:endParaRPr lang="fr-FR"/>
           </a:p>
@@ -1216,7 +1216,7 @@
     </p:spTree>
     <p:extLst>
       <p:ext uri="{BB962C8B-B14F-4D97-AF65-F5344CB8AC3E}">
-        <p14:creationId xmlns:p14="http://schemas.microsoft.com/office/powerpoint/2010/main" val="2974241833"/>
+        <p14:creationId xmlns:p14="http://schemas.microsoft.com/office/powerpoint/2010/main" val="1055820358"/>
       </p:ext>
     </p:extLst>
   </p:cSld>
@@ -1297,7 +1297,7 @@
             <a:pPr lvl="0"/>
             <a:fld id="{2BC802FF-7E79-4C7B-B763-A088EFA1B92B}" type="slidenum">
               <a:rPr lang="fr-FR" smtClean="0"/>
-              <a:t>21</a:t>
+              <a:t>18</a:t>
             </a:fld>
             <a:endParaRPr lang="fr-FR"/>
           </a:p>
@@ -1306,7 +1306,7 @@
     </p:spTree>
     <p:extLst>
       <p:ext uri="{BB962C8B-B14F-4D97-AF65-F5344CB8AC3E}">
-        <p14:creationId xmlns:p14="http://schemas.microsoft.com/office/powerpoint/2010/main" val="3969733664"/>
+        <p14:creationId xmlns:p14="http://schemas.microsoft.com/office/powerpoint/2010/main" val="2974241833"/>
       </p:ext>
     </p:extLst>
   </p:cSld>
@@ -1387,7 +1387,7 @@
             <a:pPr lvl="0"/>
             <a:fld id="{2BC802FF-7E79-4C7B-B763-A088EFA1B92B}" type="slidenum">
               <a:rPr lang="fr-FR" smtClean="0"/>
-              <a:t>23</a:t>
+              <a:t>26</a:t>
             </a:fld>
             <a:endParaRPr lang="fr-FR"/>
           </a:p>
@@ -7050,6 +7050,836 @@
 
 <file path=ppt/slides/slide10.xml><?xml version="1.0" encoding="utf-8"?>
 <p:sld xmlns:a="http://schemas.openxmlformats.org/drawingml/2006/main" xmlns:r="http://schemas.openxmlformats.org/officeDocument/2006/relationships" xmlns:p="http://schemas.openxmlformats.org/presentationml/2006/main">
+  <p:cSld>
+    <p:bg>
+      <p:bgPr>
+        <a:solidFill>
+          <a:srgbClr val="262626"/>
+        </a:solidFill>
+        <a:effectLst/>
+      </p:bgPr>
+    </p:bg>
+    <p:spTree>
+      <p:nvGrpSpPr>
+        <p:cNvPr id="1" name=""/>
+        <p:cNvGrpSpPr/>
+        <p:nvPr/>
+      </p:nvGrpSpPr>
+      <p:grpSpPr>
+        <a:xfrm>
+          <a:off x="0" y="0"/>
+          <a:ext cx="0" cy="0"/>
+          <a:chOff x="0" y="0"/>
+          <a:chExt cx="0" cy="0"/>
+        </a:xfrm>
+      </p:grpSpPr>
+      <p:sp>
+        <p:nvSpPr>
+          <p:cNvPr id="7" name="Espace réservé du numéro de diapositive 1">
+            <a:extLst>
+              <a:ext uri="{FF2B5EF4-FFF2-40B4-BE49-F238E27FC236}">
+                <a16:creationId xmlns:a16="http://schemas.microsoft.com/office/drawing/2014/main" id="{ACAE1147-1386-478E-8609-02524CBEC5A0}"/>
+              </a:ext>
+            </a:extLst>
+          </p:cNvPr>
+          <p:cNvSpPr txBox="1"/>
+          <p:nvPr/>
+        </p:nvSpPr>
+        <p:spPr>
+          <a:xfrm>
+            <a:off x="11640833" y="6557107"/>
+            <a:ext cx="551163" cy="365129"/>
+          </a:xfrm>
+          <a:prstGeom prst="rect">
+            <a:avLst/>
+          </a:prstGeom>
+          <a:noFill/>
+          <a:ln cap="rnd">
+            <a:noFill/>
+          </a:ln>
+        </p:spPr>
+        <p:txBody>
+          <a:bodyPr vert="horz" wrap="square" lIns="91440" tIns="45720" rIns="91440" bIns="45720" anchor="ctr" anchorCtr="0" compatLnSpc="1">
+            <a:noAutofit/>
+          </a:bodyPr>
+          <a:lstStyle/>
+          <a:p>
+            <a:pPr marL="0" marR="0" lvl="0" indent="0" algn="r" defTabSz="457200" rtl="0" fontAlgn="auto" hangingPunct="1">
+              <a:lnSpc>
+                <a:spcPct val="100000"/>
+              </a:lnSpc>
+              <a:spcBef>
+                <a:spcPts val="0"/>
+              </a:spcBef>
+              <a:spcAft>
+                <a:spcPts val="0"/>
+              </a:spcAft>
+              <a:buNone/>
+              <a:tabLst/>
+              <a:defRPr sz="1800" b="0" i="0" u="none" strike="noStrike" kern="0" cap="none" spc="0" baseline="0">
+                <a:solidFill>
+                  <a:srgbClr val="000000"/>
+                </a:solidFill>
+                <a:uFillTx/>
+              </a:defRPr>
+            </a:pPr>
+            <a:fld id="{D7BCEA47-A648-4F36-AE1F-D3D50854FB8A}" type="slidenum">
+              <a:t>10</a:t>
+            </a:fld>
+            <a:endParaRPr lang="fr-FR" sz="900" b="1" i="0" u="none" strike="noStrike" kern="1200" cap="none" spc="0" baseline="0">
+              <a:solidFill>
+                <a:srgbClr val="BFBFBF"/>
+              </a:solidFill>
+              <a:effectLst>
+                <a:outerShdw dist="38096" dir="2700000">
+                  <a:srgbClr val="000000"/>
+                </a:outerShdw>
+              </a:effectLst>
+              <a:uFillTx/>
+              <a:latin typeface="Century Gothic"/>
+            </a:endParaRPr>
+          </a:p>
+        </p:txBody>
+      </p:sp>
+      <p:sp>
+        <p:nvSpPr>
+          <p:cNvPr id="11" name="Rectangle 10">
+            <a:extLst>
+              <a:ext uri="{FF2B5EF4-FFF2-40B4-BE49-F238E27FC236}">
+                <a16:creationId xmlns:a16="http://schemas.microsoft.com/office/drawing/2014/main" id="{E9AAA5E3-744A-413A-B973-FD1D5EEF70C1}"/>
+              </a:ext>
+            </a:extLst>
+          </p:cNvPr>
+          <p:cNvSpPr/>
+          <p:nvPr/>
+        </p:nvSpPr>
+        <p:spPr>
+          <a:xfrm>
+            <a:off x="4" y="0"/>
+            <a:ext cx="12191996" cy="653909"/>
+          </a:xfrm>
+          <a:prstGeom prst="rect">
+            <a:avLst/>
+          </a:prstGeom>
+          <a:solidFill>
+            <a:srgbClr val="8ECE55"/>
+          </a:solidFill>
+          <a:ln>
+            <a:noFill/>
+          </a:ln>
+        </p:spPr>
+        <p:style>
+          <a:lnRef idx="2">
+            <a:schemeClr val="accent1">
+              <a:shade val="50000"/>
+            </a:schemeClr>
+          </a:lnRef>
+          <a:fillRef idx="1">
+            <a:schemeClr val="accent1"/>
+          </a:fillRef>
+          <a:effectRef idx="0">
+            <a:schemeClr val="accent1"/>
+          </a:effectRef>
+          <a:fontRef idx="minor">
+            <a:schemeClr val="lt1"/>
+          </a:fontRef>
+        </p:style>
+        <p:txBody>
+          <a:bodyPr rtlCol="0" anchor="ctr"/>
+          <a:lstStyle/>
+          <a:p>
+            <a:pPr algn="ctr"/>
+            <a:endParaRPr lang="fr-FR"/>
+          </a:p>
+        </p:txBody>
+      </p:sp>
+      <p:sp>
+        <p:nvSpPr>
+          <p:cNvPr id="12" name="ZoneTexte 2">
+            <a:extLst>
+              <a:ext uri="{FF2B5EF4-FFF2-40B4-BE49-F238E27FC236}">
+                <a16:creationId xmlns:a16="http://schemas.microsoft.com/office/drawing/2014/main" id="{B9839CA4-5015-43A2-97D5-F9425CF60E56}"/>
+              </a:ext>
+            </a:extLst>
+          </p:cNvPr>
+          <p:cNvSpPr txBox="1"/>
+          <p:nvPr/>
+        </p:nvSpPr>
+        <p:spPr>
+          <a:xfrm>
+            <a:off x="185056" y="158620"/>
+            <a:ext cx="11821884" cy="623245"/>
+          </a:xfrm>
+          <a:prstGeom prst="rect">
+            <a:avLst/>
+          </a:prstGeom>
+          <a:noFill/>
+          <a:ln cap="rnd">
+            <a:noFill/>
+          </a:ln>
+        </p:spPr>
+        <p:txBody>
+          <a:bodyPr vert="horz" wrap="square" lIns="91440" tIns="45720" rIns="91440" bIns="45720" anchor="t" anchorCtr="1" compatLnSpc="1">
+            <a:spAutoFit/>
+          </a:bodyPr>
+          <a:lstStyle/>
+          <a:p>
+            <a:pPr marL="0" marR="0" lvl="0" indent="0" algn="ctr" defTabSz="457200" rtl="0" fontAlgn="auto" hangingPunct="1">
+              <a:lnSpc>
+                <a:spcPct val="150000"/>
+              </a:lnSpc>
+              <a:spcBef>
+                <a:spcPts val="0"/>
+              </a:spcBef>
+              <a:spcAft>
+                <a:spcPts val="0"/>
+              </a:spcAft>
+              <a:buNone/>
+              <a:tabLst/>
+              <a:defRPr sz="1800" b="0" i="0" u="none" strike="noStrike" kern="0" cap="none" spc="0" baseline="0">
+                <a:solidFill>
+                  <a:srgbClr val="000000"/>
+                </a:solidFill>
+                <a:uFillTx/>
+              </a:defRPr>
+            </a:pPr>
+            <a:r>
+              <a:rPr lang="fr-FR" sz="1100" i="0" u="none" strike="noStrike" kern="1200" cap="none" spc="0" baseline="0" dirty="0">
+                <a:solidFill>
+                  <a:srgbClr val="262626"/>
+                </a:solidFill>
+                <a:uFillTx/>
+                <a:latin typeface="Century Gothic"/>
+              </a:rPr>
+              <a:t>Présentation du projet          Les automates cellulaires          </a:t>
+            </a:r>
+            <a:r>
+              <a:rPr lang="fr-FR" sz="1100" b="1" i="0" u="none" strike="noStrike" kern="1200" cap="none" spc="0" baseline="0" dirty="0">
+                <a:solidFill>
+                  <a:srgbClr val="262626"/>
+                </a:solidFill>
+                <a:uFillTx/>
+                <a:latin typeface="Century Gothic"/>
+              </a:rPr>
+              <a:t>Evolution du projet          </a:t>
+            </a:r>
+            <a:r>
+              <a:rPr lang="fr-FR" sz="1100" i="0" u="none" strike="noStrike" kern="1200" cap="none" spc="0" baseline="0" dirty="0">
+                <a:solidFill>
+                  <a:srgbClr val="262626"/>
+                </a:solidFill>
+                <a:uFillTx/>
+                <a:latin typeface="Century Gothic"/>
+              </a:rPr>
+              <a:t>Etat Final          </a:t>
+            </a:r>
+            <a:r>
+              <a:rPr lang="fr-FR" sz="1100" b="0" i="0" u="none" strike="noStrike" kern="1200" cap="none" spc="0" baseline="0" dirty="0">
+                <a:solidFill>
+                  <a:srgbClr val="262626"/>
+                </a:solidFill>
+                <a:uFillTx/>
+                <a:latin typeface="Century Gothic"/>
+              </a:rPr>
+              <a:t>Les maths</a:t>
+            </a:r>
+          </a:p>
+          <a:p>
+            <a:pPr marL="0" marR="0" lvl="0" indent="0" algn="ctr" defTabSz="457200" rtl="0" fontAlgn="auto" hangingPunct="1">
+              <a:lnSpc>
+                <a:spcPct val="100000"/>
+              </a:lnSpc>
+              <a:spcBef>
+                <a:spcPts val="0"/>
+              </a:spcBef>
+              <a:spcAft>
+                <a:spcPts val="0"/>
+              </a:spcAft>
+              <a:buNone/>
+              <a:tabLst/>
+              <a:defRPr sz="1800" b="0" i="0" u="none" strike="noStrike" kern="0" cap="none" spc="0" baseline="0">
+                <a:solidFill>
+                  <a:srgbClr val="000000"/>
+                </a:solidFill>
+                <a:uFillTx/>
+              </a:defRPr>
+            </a:pPr>
+            <a:endParaRPr lang="fr-FR" sz="1800" b="0" i="0" u="none" strike="noStrike" kern="1200" cap="none" spc="0" baseline="0" dirty="0">
+              <a:solidFill>
+                <a:srgbClr val="FFFFFF"/>
+              </a:solidFill>
+              <a:uFillTx/>
+              <a:latin typeface="Century Gothic"/>
+            </a:endParaRPr>
+          </a:p>
+        </p:txBody>
+      </p:sp>
+      <p:cxnSp>
+        <p:nvCxnSpPr>
+          <p:cNvPr id="13" name="Connecteur droit avec flèche 6">
+            <a:extLst>
+              <a:ext uri="{FF2B5EF4-FFF2-40B4-BE49-F238E27FC236}">
+                <a16:creationId xmlns:a16="http://schemas.microsoft.com/office/drawing/2014/main" id="{74955A6A-DEAC-4B40-8D3B-7C4B72C94859}"/>
+              </a:ext>
+            </a:extLst>
+          </p:cNvPr>
+          <p:cNvCxnSpPr>
+            <a:cxnSpLocks/>
+          </p:cNvCxnSpPr>
+          <p:nvPr/>
+        </p:nvCxnSpPr>
+        <p:spPr>
+          <a:xfrm>
+            <a:off x="4026313" y="342287"/>
+            <a:ext cx="280218" cy="0"/>
+          </a:xfrm>
+          <a:prstGeom prst="straightConnector1">
+            <a:avLst/>
+          </a:prstGeom>
+          <a:ln w="9525" cap="flat" cmpd="sng" algn="ctr">
+            <a:solidFill>
+              <a:schemeClr val="dk1"/>
+            </a:solidFill>
+            <a:prstDash val="solid"/>
+            <a:round/>
+            <a:headEnd type="none" w="med" len="med"/>
+            <a:tailEnd type="arrow" w="med" len="med"/>
+          </a:ln>
+        </p:spPr>
+        <p:style>
+          <a:lnRef idx="0">
+            <a:scrgbClr r="0" g="0" b="0"/>
+          </a:lnRef>
+          <a:fillRef idx="0">
+            <a:scrgbClr r="0" g="0" b="0"/>
+          </a:fillRef>
+          <a:effectRef idx="0">
+            <a:scrgbClr r="0" g="0" b="0"/>
+          </a:effectRef>
+          <a:fontRef idx="minor">
+            <a:schemeClr val="tx1"/>
+          </a:fontRef>
+        </p:style>
+      </p:cxnSp>
+      <p:cxnSp>
+        <p:nvCxnSpPr>
+          <p:cNvPr id="14" name="Connecteur droit avec flèche 8">
+            <a:extLst>
+              <a:ext uri="{FF2B5EF4-FFF2-40B4-BE49-F238E27FC236}">
+                <a16:creationId xmlns:a16="http://schemas.microsoft.com/office/drawing/2014/main" id="{6B319ED6-9D2C-4CA8-960A-F734FF386CD4}"/>
+              </a:ext>
+            </a:extLst>
+          </p:cNvPr>
+          <p:cNvCxnSpPr/>
+          <p:nvPr/>
+        </p:nvCxnSpPr>
+        <p:spPr>
+          <a:xfrm>
+            <a:off x="6096003" y="342287"/>
+            <a:ext cx="280217" cy="0"/>
+          </a:xfrm>
+          <a:prstGeom prst="straightConnector1">
+            <a:avLst/>
+          </a:prstGeom>
+          <a:ln w="9525" cap="flat" cmpd="sng" algn="ctr">
+            <a:solidFill>
+              <a:schemeClr val="dk1"/>
+            </a:solidFill>
+            <a:prstDash val="solid"/>
+            <a:round/>
+            <a:headEnd type="none" w="med" len="med"/>
+            <a:tailEnd type="arrow" w="med" len="med"/>
+          </a:ln>
+        </p:spPr>
+        <p:style>
+          <a:lnRef idx="0">
+            <a:scrgbClr r="0" g="0" b="0"/>
+          </a:lnRef>
+          <a:fillRef idx="0">
+            <a:scrgbClr r="0" g="0" b="0"/>
+          </a:fillRef>
+          <a:effectRef idx="0">
+            <a:scrgbClr r="0" g="0" b="0"/>
+          </a:effectRef>
+          <a:fontRef idx="minor">
+            <a:schemeClr val="tx1"/>
+          </a:fontRef>
+        </p:style>
+      </p:cxnSp>
+      <p:cxnSp>
+        <p:nvCxnSpPr>
+          <p:cNvPr id="15" name="Connecteur droit avec flèche 9">
+            <a:extLst>
+              <a:ext uri="{FF2B5EF4-FFF2-40B4-BE49-F238E27FC236}">
+                <a16:creationId xmlns:a16="http://schemas.microsoft.com/office/drawing/2014/main" id="{D3BEEAA2-BAAB-4FBD-A7F2-5C3D2B67909C}"/>
+              </a:ext>
+            </a:extLst>
+          </p:cNvPr>
+          <p:cNvCxnSpPr/>
+          <p:nvPr/>
+        </p:nvCxnSpPr>
+        <p:spPr>
+          <a:xfrm>
+            <a:off x="7740441" y="332759"/>
+            <a:ext cx="280218" cy="0"/>
+          </a:xfrm>
+          <a:prstGeom prst="straightConnector1">
+            <a:avLst/>
+          </a:prstGeom>
+          <a:ln w="9525" cap="flat" cmpd="sng" algn="ctr">
+            <a:solidFill>
+              <a:schemeClr val="dk1"/>
+            </a:solidFill>
+            <a:prstDash val="solid"/>
+            <a:round/>
+            <a:headEnd type="none" w="med" len="med"/>
+            <a:tailEnd type="arrow" w="med" len="med"/>
+          </a:ln>
+        </p:spPr>
+        <p:style>
+          <a:lnRef idx="0">
+            <a:scrgbClr r="0" g="0" b="0"/>
+          </a:lnRef>
+          <a:fillRef idx="0">
+            <a:scrgbClr r="0" g="0" b="0"/>
+          </a:fillRef>
+          <a:effectRef idx="0">
+            <a:scrgbClr r="0" g="0" b="0"/>
+          </a:effectRef>
+          <a:fontRef idx="minor">
+            <a:schemeClr val="tx1"/>
+          </a:fontRef>
+        </p:style>
+      </p:cxnSp>
+      <p:cxnSp>
+        <p:nvCxnSpPr>
+          <p:cNvPr id="16" name="Connecteur droit avec flèche 10">
+            <a:extLst>
+              <a:ext uri="{FF2B5EF4-FFF2-40B4-BE49-F238E27FC236}">
+                <a16:creationId xmlns:a16="http://schemas.microsoft.com/office/drawing/2014/main" id="{72A87FF4-63A6-4784-A646-669B97754B06}"/>
+              </a:ext>
+            </a:extLst>
+          </p:cNvPr>
+          <p:cNvCxnSpPr/>
+          <p:nvPr/>
+        </p:nvCxnSpPr>
+        <p:spPr>
+          <a:xfrm>
+            <a:off x="8735958" y="332448"/>
+            <a:ext cx="280227" cy="0"/>
+          </a:xfrm>
+          <a:prstGeom prst="straightConnector1">
+            <a:avLst/>
+          </a:prstGeom>
+          <a:ln w="9525" cap="flat" cmpd="sng" algn="ctr">
+            <a:solidFill>
+              <a:schemeClr val="dk1"/>
+            </a:solidFill>
+            <a:prstDash val="solid"/>
+            <a:round/>
+            <a:headEnd type="none" w="med" len="med"/>
+            <a:tailEnd type="arrow" w="med" len="med"/>
+          </a:ln>
+        </p:spPr>
+        <p:style>
+          <a:lnRef idx="0">
+            <a:scrgbClr r="0" g="0" b="0"/>
+          </a:lnRef>
+          <a:fillRef idx="0">
+            <a:scrgbClr r="0" g="0" b="0"/>
+          </a:fillRef>
+          <a:effectRef idx="0">
+            <a:scrgbClr r="0" g="0" b="0"/>
+          </a:effectRef>
+          <a:fontRef idx="minor">
+            <a:schemeClr val="tx1"/>
+          </a:fontRef>
+        </p:style>
+      </p:cxnSp>
+      <p:sp>
+        <p:nvSpPr>
+          <p:cNvPr id="17" name="Espace réservé du numéro de diapositive 7">
+            <a:extLst>
+              <a:ext uri="{FF2B5EF4-FFF2-40B4-BE49-F238E27FC236}">
+                <a16:creationId xmlns:a16="http://schemas.microsoft.com/office/drawing/2014/main" id="{1580C8B6-76DB-45B2-86EC-F5A7975892B8}"/>
+              </a:ext>
+            </a:extLst>
+          </p:cNvPr>
+          <p:cNvSpPr txBox="1"/>
+          <p:nvPr/>
+        </p:nvSpPr>
+        <p:spPr>
+          <a:xfrm>
+            <a:off x="11640833" y="6557107"/>
+            <a:ext cx="551163" cy="365129"/>
+          </a:xfrm>
+          <a:prstGeom prst="rect">
+            <a:avLst/>
+          </a:prstGeom>
+          <a:noFill/>
+          <a:ln cap="rnd">
+            <a:noFill/>
+          </a:ln>
+        </p:spPr>
+        <p:txBody>
+          <a:bodyPr vert="horz" wrap="square" lIns="91440" tIns="45720" rIns="91440" bIns="45720" anchor="ctr" anchorCtr="0" compatLnSpc="1">
+            <a:noAutofit/>
+          </a:bodyPr>
+          <a:lstStyle/>
+          <a:p>
+            <a:pPr marL="0" marR="0" lvl="0" indent="0" algn="r" defTabSz="457200" rtl="0" fontAlgn="auto" hangingPunct="1">
+              <a:lnSpc>
+                <a:spcPct val="100000"/>
+              </a:lnSpc>
+              <a:spcBef>
+                <a:spcPts val="0"/>
+              </a:spcBef>
+              <a:spcAft>
+                <a:spcPts val="0"/>
+              </a:spcAft>
+              <a:buNone/>
+              <a:tabLst/>
+              <a:defRPr sz="1800" b="0" i="0" u="none" strike="noStrike" kern="0" cap="none" spc="0" baseline="0">
+                <a:solidFill>
+                  <a:srgbClr val="000000"/>
+                </a:solidFill>
+                <a:uFillTx/>
+              </a:defRPr>
+            </a:pPr>
+            <a:fld id="{1A0F8804-A8AF-488B-BABF-40AC271FABDD}" type="slidenum">
+              <a:t>10</a:t>
+            </a:fld>
+            <a:endParaRPr lang="fr-FR" sz="900" b="1" i="0" u="none" strike="noStrike" kern="1200" cap="none" spc="0" baseline="0">
+              <a:solidFill>
+                <a:srgbClr val="BFBFBF"/>
+              </a:solidFill>
+              <a:effectLst>
+                <a:outerShdw dist="38096" dir="2700000">
+                  <a:srgbClr val="000000"/>
+                </a:outerShdw>
+              </a:effectLst>
+              <a:uFillTx/>
+              <a:latin typeface="Century Gothic"/>
+            </a:endParaRPr>
+          </a:p>
+        </p:txBody>
+      </p:sp>
+      <p:sp>
+        <p:nvSpPr>
+          <p:cNvPr id="18" name="ZoneTexte 12">
+            <a:extLst>
+              <a:ext uri="{FF2B5EF4-FFF2-40B4-BE49-F238E27FC236}">
+                <a16:creationId xmlns:a16="http://schemas.microsoft.com/office/drawing/2014/main" id="{E53531DC-3A45-4739-9523-1FC5EEDF4DC5}"/>
+              </a:ext>
+            </a:extLst>
+          </p:cNvPr>
+          <p:cNvSpPr txBox="1"/>
+          <p:nvPr/>
+        </p:nvSpPr>
+        <p:spPr>
+          <a:xfrm>
+            <a:off x="0" y="6451137"/>
+            <a:ext cx="12191996" cy="577077"/>
+          </a:xfrm>
+          <a:prstGeom prst="rect">
+            <a:avLst/>
+          </a:prstGeom>
+          <a:noFill/>
+          <a:ln cap="rnd">
+            <a:noFill/>
+          </a:ln>
+        </p:spPr>
+        <p:txBody>
+          <a:bodyPr vert="horz" wrap="square" lIns="91440" tIns="45720" rIns="91440" bIns="45720" anchor="t" anchorCtr="0" compatLnSpc="1">
+            <a:spAutoFit/>
+          </a:bodyPr>
+          <a:lstStyle/>
+          <a:p>
+            <a:pPr marL="0" marR="0" lvl="0" indent="0" algn="l" defTabSz="457200" rtl="0" fontAlgn="auto" hangingPunct="1">
+              <a:lnSpc>
+                <a:spcPct val="100000"/>
+              </a:lnSpc>
+              <a:spcBef>
+                <a:spcPts val="0"/>
+              </a:spcBef>
+              <a:spcAft>
+                <a:spcPts val="0"/>
+              </a:spcAft>
+              <a:buNone/>
+              <a:tabLst/>
+              <a:defRPr sz="1800" b="0" i="0" u="none" strike="noStrike" kern="0" cap="none" spc="0" baseline="0">
+                <a:solidFill>
+                  <a:srgbClr val="000000"/>
+                </a:solidFill>
+                <a:uFillTx/>
+              </a:defRPr>
+            </a:pPr>
+            <a:r>
+              <a:rPr lang="fr-FR" sz="1050" b="0" i="0" u="none" strike="noStrike" kern="1200" cap="none" spc="0" baseline="0">
+                <a:solidFill>
+                  <a:srgbClr val="FFFFFF"/>
+                </a:solidFill>
+                <a:uFillTx/>
+                <a:latin typeface="Century Gothic"/>
+              </a:rPr>
+              <a:t>Nicolas MEYNIEL, Damien PIEDANNA, Axel PISANI, Aurélien ROBINEAU													     Mercredi 7 novembre 2018 </a:t>
+            </a:r>
+          </a:p>
+          <a:p>
+            <a:pPr marL="0" marR="0" lvl="0" indent="0" algn="l" defTabSz="457200" rtl="0" fontAlgn="auto" hangingPunct="1">
+              <a:lnSpc>
+                <a:spcPct val="100000"/>
+              </a:lnSpc>
+              <a:spcBef>
+                <a:spcPts val="0"/>
+              </a:spcBef>
+              <a:spcAft>
+                <a:spcPts val="0"/>
+              </a:spcAft>
+              <a:buNone/>
+              <a:tabLst/>
+              <a:defRPr sz="1800" b="0" i="0" u="none" strike="noStrike" kern="0" cap="none" spc="0" baseline="0">
+                <a:solidFill>
+                  <a:srgbClr val="000000"/>
+                </a:solidFill>
+                <a:uFillTx/>
+              </a:defRPr>
+            </a:pPr>
+            <a:r>
+              <a:rPr lang="fr-FR" sz="1050" b="0" i="0" u="none" strike="noStrike" kern="1200" cap="none" spc="0" baseline="0">
+                <a:solidFill>
+                  <a:srgbClr val="FFFFFF"/>
+                </a:solidFill>
+                <a:uFillTx/>
+                <a:latin typeface="Century Gothic"/>
+              </a:rPr>
+              <a:t>Groupe 3B – 2</a:t>
+            </a:r>
+            <a:r>
+              <a:rPr lang="fr-FR" sz="1050" b="0" i="0" u="none" strike="noStrike" kern="1200" cap="none" spc="0" baseline="30000">
+                <a:solidFill>
+                  <a:srgbClr val="FFFFFF"/>
+                </a:solidFill>
+                <a:uFillTx/>
+                <a:latin typeface="Century Gothic"/>
+              </a:rPr>
+              <a:t>nd</a:t>
+            </a:r>
+            <a:r>
+              <a:rPr lang="fr-FR" sz="1050" b="0" i="0" u="none" strike="noStrike" kern="1200" cap="none" spc="0" baseline="0">
+                <a:solidFill>
+                  <a:srgbClr val="FFFFFF"/>
+                </a:solidFill>
+                <a:uFillTx/>
+                <a:latin typeface="Century Gothic"/>
+              </a:rPr>
+              <a:t> année															 				     													</a:t>
+            </a:r>
+          </a:p>
+        </p:txBody>
+      </p:sp>
+      <p:sp>
+        <p:nvSpPr>
+          <p:cNvPr id="19" name="ZoneTexte 18">
+            <a:extLst>
+              <a:ext uri="{FF2B5EF4-FFF2-40B4-BE49-F238E27FC236}">
+                <a16:creationId xmlns:a16="http://schemas.microsoft.com/office/drawing/2014/main" id="{B9195FC4-C2E4-43D7-8BAF-97534124B800}"/>
+              </a:ext>
+            </a:extLst>
+          </p:cNvPr>
+          <p:cNvSpPr txBox="1"/>
+          <p:nvPr/>
+        </p:nvSpPr>
+        <p:spPr>
+          <a:xfrm>
+            <a:off x="4241994" y="1644722"/>
+            <a:ext cx="3988233" cy="646331"/>
+          </a:xfrm>
+          <a:prstGeom prst="rect">
+            <a:avLst/>
+          </a:prstGeom>
+          <a:noFill/>
+        </p:spPr>
+        <p:txBody>
+          <a:bodyPr wrap="square" rtlCol="0">
+            <a:spAutoFit/>
+          </a:bodyPr>
+          <a:lstStyle/>
+          <a:p>
+            <a:pPr algn="ctr"/>
+            <a:r>
+              <a:rPr lang="fr-FR" sz="3600" dirty="0">
+                <a:solidFill>
+                  <a:srgbClr val="8ECE55"/>
+                </a:solidFill>
+              </a:rPr>
+              <a:t>Cellules</a:t>
+            </a:r>
+          </a:p>
+        </p:txBody>
+      </p:sp>
+      <p:sp>
+        <p:nvSpPr>
+          <p:cNvPr id="20" name="ZoneTexte 19">
+            <a:extLst>
+              <a:ext uri="{FF2B5EF4-FFF2-40B4-BE49-F238E27FC236}">
+                <a16:creationId xmlns:a16="http://schemas.microsoft.com/office/drawing/2014/main" id="{2391022A-6709-4890-8BF0-CF032E9A94BB}"/>
+              </a:ext>
+            </a:extLst>
+          </p:cNvPr>
+          <p:cNvSpPr txBox="1"/>
+          <p:nvPr/>
+        </p:nvSpPr>
+        <p:spPr>
+          <a:xfrm>
+            <a:off x="557076" y="2875001"/>
+            <a:ext cx="4419597" cy="1938992"/>
+          </a:xfrm>
+          <a:prstGeom prst="rect">
+            <a:avLst/>
+          </a:prstGeom>
+          <a:noFill/>
+        </p:spPr>
+        <p:txBody>
+          <a:bodyPr wrap="square" rtlCol="0">
+            <a:spAutoFit/>
+          </a:bodyPr>
+          <a:lstStyle/>
+          <a:p>
+            <a:pPr algn="ctr"/>
+            <a:r>
+              <a:rPr lang="fr-FR" sz="2400" dirty="0">
+                <a:solidFill>
+                  <a:srgbClr val="8ECE55"/>
+                </a:solidFill>
+              </a:rPr>
+              <a:t>Type</a:t>
+            </a:r>
+          </a:p>
+          <a:p>
+            <a:pPr algn="ctr"/>
+            <a:endParaRPr lang="fr-FR" sz="2400" dirty="0">
+              <a:solidFill>
+                <a:srgbClr val="8ECE55"/>
+              </a:solidFill>
+            </a:endParaRPr>
+          </a:p>
+          <a:p>
+            <a:pPr algn="ctr"/>
+            <a:r>
+              <a:rPr lang="fr-FR" sz="2400" dirty="0">
+                <a:solidFill>
+                  <a:schemeClr val="bg1"/>
+                </a:solidFill>
+              </a:rPr>
+              <a:t>Saine, Infectée, Guérie, Morte</a:t>
+            </a:r>
+          </a:p>
+          <a:p>
+            <a:pPr algn="ctr"/>
+            <a:r>
+              <a:rPr lang="fr-FR" sz="2400" dirty="0">
+                <a:solidFill>
+                  <a:schemeClr val="bg1"/>
+                </a:solidFill>
+              </a:rPr>
+              <a:t>ou</a:t>
+            </a:r>
+          </a:p>
+          <a:p>
+            <a:pPr algn="ctr"/>
+            <a:r>
+              <a:rPr lang="fr-FR" sz="2400" dirty="0">
+                <a:solidFill>
+                  <a:schemeClr val="bg1"/>
+                </a:solidFill>
+              </a:rPr>
+              <a:t>Vide, Eau</a:t>
+            </a:r>
+          </a:p>
+        </p:txBody>
+      </p:sp>
+      <p:sp>
+        <p:nvSpPr>
+          <p:cNvPr id="21" name="ZoneTexte 20">
+            <a:extLst>
+              <a:ext uri="{FF2B5EF4-FFF2-40B4-BE49-F238E27FC236}">
+                <a16:creationId xmlns:a16="http://schemas.microsoft.com/office/drawing/2014/main" id="{D0B369AD-0C88-44D0-BE6D-458FF3198E8B}"/>
+              </a:ext>
+            </a:extLst>
+          </p:cNvPr>
+          <p:cNvSpPr txBox="1"/>
+          <p:nvPr/>
+        </p:nvSpPr>
+        <p:spPr>
+          <a:xfrm>
+            <a:off x="8020659" y="2875001"/>
+            <a:ext cx="3027243" cy="1200329"/>
+          </a:xfrm>
+          <a:prstGeom prst="rect">
+            <a:avLst/>
+          </a:prstGeom>
+          <a:noFill/>
+        </p:spPr>
+        <p:txBody>
+          <a:bodyPr wrap="square" rtlCol="0">
+            <a:spAutoFit/>
+          </a:bodyPr>
+          <a:lstStyle/>
+          <a:p>
+            <a:pPr algn="ctr"/>
+            <a:r>
+              <a:rPr lang="fr-FR" sz="2400" dirty="0">
+                <a:solidFill>
+                  <a:srgbClr val="8ECE55"/>
+                </a:solidFill>
+              </a:rPr>
+              <a:t>Age moyen</a:t>
+            </a:r>
+          </a:p>
+          <a:p>
+            <a:pPr algn="ctr"/>
+            <a:endParaRPr lang="fr-FR" sz="2400" dirty="0">
+              <a:solidFill>
+                <a:srgbClr val="8ECE55"/>
+              </a:solidFill>
+            </a:endParaRPr>
+          </a:p>
+          <a:p>
+            <a:pPr algn="ctr"/>
+            <a:r>
+              <a:rPr lang="fr-FR" sz="2400" dirty="0">
+                <a:solidFill>
+                  <a:schemeClr val="bg1"/>
+                </a:solidFill>
+              </a:rPr>
+              <a:t>Entre 0 et 100 ans</a:t>
+            </a:r>
+          </a:p>
+        </p:txBody>
+      </p:sp>
+    </p:spTree>
+    <p:extLst>
+      <p:ext uri="{BB962C8B-B14F-4D97-AF65-F5344CB8AC3E}">
+        <p14:creationId xmlns:p14="http://schemas.microsoft.com/office/powerpoint/2010/main" val="2906320731"/>
+      </p:ext>
+    </p:extLst>
+  </p:cSld>
+  <p:clrMapOvr>
+    <a:masterClrMapping/>
+  </p:clrMapOvr>
+  <p:timing>
+    <p:tnLst>
+      <p:par>
+        <p:cTn id="1" dur="indefinite" restart="never" nodeType="tmRoot"/>
+      </p:par>
+    </p:tnLst>
+  </p:timing>
+</p:sld>
+</file>
+
+<file path=ppt/slides/slide11.xml><?xml version="1.0" encoding="utf-8"?>
+<p:sld xmlns:a="http://schemas.openxmlformats.org/drawingml/2006/main" xmlns:r="http://schemas.openxmlformats.org/officeDocument/2006/relationships" xmlns:p="http://schemas.openxmlformats.org/presentationml/2006/main">
   <p:cSld name="Slide5">
     <p:bg>
       <p:bgPr>
@@ -7479,630 +8309,6 @@
               </a:defRPr>
             </a:pPr>
             <a:fld id="{1A0F8804-A8AF-488B-BABF-40AC271FABDD}" type="slidenum">
-              <a:t>10</a:t>
-            </a:fld>
-            <a:endParaRPr lang="fr-FR" sz="900" b="1" i="0" u="none" strike="noStrike" kern="1200" cap="none" spc="0" baseline="0">
-              <a:solidFill>
-                <a:srgbClr val="BFBFBF"/>
-              </a:solidFill>
-              <a:effectLst>
-                <a:outerShdw dist="38096" dir="2700000">
-                  <a:srgbClr val="000000"/>
-                </a:outerShdw>
-              </a:effectLst>
-              <a:uFillTx/>
-              <a:latin typeface="Century Gothic"/>
-            </a:endParaRPr>
-          </a:p>
-        </p:txBody>
-      </p:sp>
-      <p:sp>
-        <p:nvSpPr>
-          <p:cNvPr id="17" name="ZoneTexte 12">
-            <a:extLst>
-              <a:ext uri="{FF2B5EF4-FFF2-40B4-BE49-F238E27FC236}">
-                <a16:creationId xmlns:a16="http://schemas.microsoft.com/office/drawing/2014/main" id="{4E193489-407B-45FA-B319-B389661AB017}"/>
-              </a:ext>
-            </a:extLst>
-          </p:cNvPr>
-          <p:cNvSpPr txBox="1"/>
-          <p:nvPr/>
-        </p:nvSpPr>
-        <p:spPr>
-          <a:xfrm>
-            <a:off x="0" y="6451137"/>
-            <a:ext cx="12191996" cy="577077"/>
-          </a:xfrm>
-          <a:prstGeom prst="rect">
-            <a:avLst/>
-          </a:prstGeom>
-          <a:noFill/>
-          <a:ln cap="rnd">
-            <a:noFill/>
-          </a:ln>
-        </p:spPr>
-        <p:txBody>
-          <a:bodyPr vert="horz" wrap="square" lIns="91440" tIns="45720" rIns="91440" bIns="45720" anchor="t" anchorCtr="0" compatLnSpc="1">
-            <a:spAutoFit/>
-          </a:bodyPr>
-          <a:lstStyle/>
-          <a:p>
-            <a:pPr marL="0" marR="0" lvl="0" indent="0" algn="l" defTabSz="457200" rtl="0" fontAlgn="auto" hangingPunct="1">
-              <a:lnSpc>
-                <a:spcPct val="100000"/>
-              </a:lnSpc>
-              <a:spcBef>
-                <a:spcPts val="0"/>
-              </a:spcBef>
-              <a:spcAft>
-                <a:spcPts val="0"/>
-              </a:spcAft>
-              <a:buNone/>
-              <a:tabLst/>
-              <a:defRPr sz="1800" b="0" i="0" u="none" strike="noStrike" kern="0" cap="none" spc="0" baseline="0">
-                <a:solidFill>
-                  <a:srgbClr val="000000"/>
-                </a:solidFill>
-                <a:uFillTx/>
-              </a:defRPr>
-            </a:pPr>
-            <a:r>
-              <a:rPr lang="fr-FR" sz="1050" b="0" i="0" u="none" strike="noStrike" kern="1200" cap="none" spc="0" baseline="0">
-                <a:solidFill>
-                  <a:srgbClr val="FFFFFF"/>
-                </a:solidFill>
-                <a:uFillTx/>
-                <a:latin typeface="Century Gothic"/>
-              </a:rPr>
-              <a:t>Nicolas MEYNIEL, Damien PIEDANNA, Axel PISANI, Aurélien ROBINEAU													     Mercredi 7 novembre 2018 </a:t>
-            </a:r>
-          </a:p>
-          <a:p>
-            <a:pPr marL="0" marR="0" lvl="0" indent="0" algn="l" defTabSz="457200" rtl="0" fontAlgn="auto" hangingPunct="1">
-              <a:lnSpc>
-                <a:spcPct val="100000"/>
-              </a:lnSpc>
-              <a:spcBef>
-                <a:spcPts val="0"/>
-              </a:spcBef>
-              <a:spcAft>
-                <a:spcPts val="0"/>
-              </a:spcAft>
-              <a:buNone/>
-              <a:tabLst/>
-              <a:defRPr sz="1800" b="0" i="0" u="none" strike="noStrike" kern="0" cap="none" spc="0" baseline="0">
-                <a:solidFill>
-                  <a:srgbClr val="000000"/>
-                </a:solidFill>
-                <a:uFillTx/>
-              </a:defRPr>
-            </a:pPr>
-            <a:r>
-              <a:rPr lang="fr-FR" sz="1050" b="0" i="0" u="none" strike="noStrike" kern="1200" cap="none" spc="0" baseline="0">
-                <a:solidFill>
-                  <a:srgbClr val="FFFFFF"/>
-                </a:solidFill>
-                <a:uFillTx/>
-                <a:latin typeface="Century Gothic"/>
-              </a:rPr>
-              <a:t>Groupe 3B – 2</a:t>
-            </a:r>
-            <a:r>
-              <a:rPr lang="fr-FR" sz="1050" b="0" i="0" u="none" strike="noStrike" kern="1200" cap="none" spc="0" baseline="30000">
-                <a:solidFill>
-                  <a:srgbClr val="FFFFFF"/>
-                </a:solidFill>
-                <a:uFillTx/>
-                <a:latin typeface="Century Gothic"/>
-              </a:rPr>
-              <a:t>nd</a:t>
-            </a:r>
-            <a:r>
-              <a:rPr lang="fr-FR" sz="1050" b="0" i="0" u="none" strike="noStrike" kern="1200" cap="none" spc="0" baseline="0">
-                <a:solidFill>
-                  <a:srgbClr val="FFFFFF"/>
-                </a:solidFill>
-                <a:uFillTx/>
-                <a:latin typeface="Century Gothic"/>
-              </a:rPr>
-              <a:t> année															 				     													</a:t>
-            </a:r>
-          </a:p>
-        </p:txBody>
-      </p:sp>
-      <p:pic>
-        <p:nvPicPr>
-          <p:cNvPr id="6146" name="Picture 2" descr="https://puu.sh/BXu2l/09b175e5e8.png?fbclid=IwAR33mV3Ip6M9kJKITozeKYZ4W3WXsNO-eJDRVmKutXfTqXAMQbB6YiG8GEA">
-            <a:extLst>
-              <a:ext uri="{FF2B5EF4-FFF2-40B4-BE49-F238E27FC236}">
-                <a16:creationId xmlns:a16="http://schemas.microsoft.com/office/drawing/2014/main" id="{720B78EC-C77B-4566-A3D0-D53DF6335817}"/>
-              </a:ext>
-            </a:extLst>
-          </p:cNvPr>
-          <p:cNvPicPr>
-            <a:picLocks noChangeAspect="1" noChangeArrowheads="1"/>
-          </p:cNvPicPr>
-          <p:nvPr/>
-        </p:nvPicPr>
-        <p:blipFill>
-          <a:blip r:embed="rId2">
-            <a:extLst>
-              <a:ext uri="{28A0092B-C50C-407E-A947-70E740481C1C}">
-                <a14:useLocalDpi xmlns:a14="http://schemas.microsoft.com/office/drawing/2010/main" val="0"/>
-              </a:ext>
-            </a:extLst>
-          </a:blip>
-          <a:srcRect/>
-          <a:stretch>
-            <a:fillRect/>
-          </a:stretch>
-        </p:blipFill>
-        <p:spPr bwMode="auto">
-          <a:xfrm>
-            <a:off x="2606112" y="812529"/>
-            <a:ext cx="7259997" cy="5446889"/>
-          </a:xfrm>
-          <a:prstGeom prst="rect">
-            <a:avLst/>
-          </a:prstGeom>
-          <a:noFill/>
-          <a:extLst>
-            <a:ext uri="{909E8E84-426E-40DD-AFC4-6F175D3DCCD1}">
-              <a14:hiddenFill xmlns:a14="http://schemas.microsoft.com/office/drawing/2010/main">
-                <a:solidFill>
-                  <a:srgbClr val="FFFFFF"/>
-                </a:solidFill>
-              </a14:hiddenFill>
-            </a:ext>
-          </a:extLst>
-        </p:spPr>
-      </p:pic>
-    </p:spTree>
-  </p:cSld>
-  <p:clrMapOvr>
-    <a:masterClrMapping/>
-  </p:clrMapOvr>
-  <p:timing>
-    <p:tnLst>
-      <p:par>
-        <p:cTn id="1" dur="indefinite" restart="never" nodeType="tmRoot"/>
-      </p:par>
-    </p:tnLst>
-  </p:timing>
-</p:sld>
-</file>
-
-<file path=ppt/slides/slide11.xml><?xml version="1.0" encoding="utf-8"?>
-<p:sld xmlns:a="http://schemas.openxmlformats.org/drawingml/2006/main" xmlns:r="http://schemas.openxmlformats.org/officeDocument/2006/relationships" xmlns:p="http://schemas.openxmlformats.org/presentationml/2006/main">
-  <p:cSld>
-    <p:bg>
-      <p:bgPr>
-        <a:solidFill>
-          <a:srgbClr val="262626"/>
-        </a:solidFill>
-        <a:effectLst/>
-      </p:bgPr>
-    </p:bg>
-    <p:spTree>
-      <p:nvGrpSpPr>
-        <p:cNvPr id="1" name=""/>
-        <p:cNvGrpSpPr/>
-        <p:nvPr/>
-      </p:nvGrpSpPr>
-      <p:grpSpPr>
-        <a:xfrm>
-          <a:off x="0" y="0"/>
-          <a:ext cx="0" cy="0"/>
-          <a:chOff x="0" y="0"/>
-          <a:chExt cx="0" cy="0"/>
-        </a:xfrm>
-      </p:grpSpPr>
-      <p:sp>
-        <p:nvSpPr>
-          <p:cNvPr id="10" name="Rectangle 9">
-            <a:extLst>
-              <a:ext uri="{FF2B5EF4-FFF2-40B4-BE49-F238E27FC236}">
-                <a16:creationId xmlns:a16="http://schemas.microsoft.com/office/drawing/2014/main" id="{14545409-EA72-441B-AF95-8E5093F376DA}"/>
-              </a:ext>
-            </a:extLst>
-          </p:cNvPr>
-          <p:cNvSpPr/>
-          <p:nvPr/>
-        </p:nvSpPr>
-        <p:spPr>
-          <a:xfrm>
-            <a:off x="4" y="0"/>
-            <a:ext cx="12191996" cy="653909"/>
-          </a:xfrm>
-          <a:prstGeom prst="rect">
-            <a:avLst/>
-          </a:prstGeom>
-          <a:solidFill>
-            <a:srgbClr val="8ECE55"/>
-          </a:solidFill>
-          <a:ln>
-            <a:noFill/>
-          </a:ln>
-        </p:spPr>
-        <p:style>
-          <a:lnRef idx="2">
-            <a:schemeClr val="accent1">
-              <a:shade val="50000"/>
-            </a:schemeClr>
-          </a:lnRef>
-          <a:fillRef idx="1">
-            <a:schemeClr val="accent1"/>
-          </a:fillRef>
-          <a:effectRef idx="0">
-            <a:schemeClr val="accent1"/>
-          </a:effectRef>
-          <a:fontRef idx="minor">
-            <a:schemeClr val="lt1"/>
-          </a:fontRef>
-        </p:style>
-        <p:txBody>
-          <a:bodyPr rtlCol="0" anchor="ctr"/>
-          <a:lstStyle/>
-          <a:p>
-            <a:pPr algn="ctr"/>
-            <a:endParaRPr lang="fr-FR"/>
-          </a:p>
-        </p:txBody>
-      </p:sp>
-      <p:sp>
-        <p:nvSpPr>
-          <p:cNvPr id="11" name="ZoneTexte 2">
-            <a:extLst>
-              <a:ext uri="{FF2B5EF4-FFF2-40B4-BE49-F238E27FC236}">
-                <a16:creationId xmlns:a16="http://schemas.microsoft.com/office/drawing/2014/main" id="{7929C5AD-AA64-4CF2-A124-24A95209C860}"/>
-              </a:ext>
-            </a:extLst>
-          </p:cNvPr>
-          <p:cNvSpPr txBox="1"/>
-          <p:nvPr/>
-        </p:nvSpPr>
-        <p:spPr>
-          <a:xfrm>
-            <a:off x="185056" y="158620"/>
-            <a:ext cx="11821884" cy="623245"/>
-          </a:xfrm>
-          <a:prstGeom prst="rect">
-            <a:avLst/>
-          </a:prstGeom>
-          <a:noFill/>
-          <a:ln cap="rnd">
-            <a:noFill/>
-          </a:ln>
-        </p:spPr>
-        <p:txBody>
-          <a:bodyPr vert="horz" wrap="square" lIns="91440" tIns="45720" rIns="91440" bIns="45720" anchor="t" anchorCtr="1" compatLnSpc="1">
-            <a:spAutoFit/>
-          </a:bodyPr>
-          <a:lstStyle/>
-          <a:p>
-            <a:pPr marL="0" marR="0" lvl="0" indent="0" algn="ctr" defTabSz="457200" rtl="0" fontAlgn="auto" hangingPunct="1">
-              <a:lnSpc>
-                <a:spcPct val="150000"/>
-              </a:lnSpc>
-              <a:spcBef>
-                <a:spcPts val="0"/>
-              </a:spcBef>
-              <a:spcAft>
-                <a:spcPts val="0"/>
-              </a:spcAft>
-              <a:buNone/>
-              <a:tabLst/>
-              <a:defRPr sz="1800" b="0" i="0" u="none" strike="noStrike" kern="0" cap="none" spc="0" baseline="0">
-                <a:solidFill>
-                  <a:srgbClr val="000000"/>
-                </a:solidFill>
-                <a:uFillTx/>
-              </a:defRPr>
-            </a:pPr>
-            <a:r>
-              <a:rPr lang="fr-FR" sz="1100" i="0" u="none" strike="noStrike" kern="1200" cap="none" spc="0" baseline="0" dirty="0">
-                <a:solidFill>
-                  <a:srgbClr val="262626"/>
-                </a:solidFill>
-                <a:uFillTx/>
-                <a:latin typeface="Century Gothic"/>
-              </a:rPr>
-              <a:t>Présentation du projet          </a:t>
-            </a:r>
-            <a:r>
-              <a:rPr lang="fr-FR" sz="1100" b="0" i="0" u="none" strike="noStrike" kern="1200" cap="none" spc="0" baseline="0" dirty="0">
-                <a:solidFill>
-                  <a:srgbClr val="262626"/>
-                </a:solidFill>
-                <a:uFillTx/>
-                <a:latin typeface="Century Gothic"/>
-              </a:rPr>
-              <a:t>Les automates cellulaires          </a:t>
-            </a:r>
-            <a:r>
-              <a:rPr lang="fr-FR" sz="1100" b="1" i="0" u="none" strike="noStrike" kern="1200" cap="none" spc="0" baseline="0" dirty="0">
-                <a:solidFill>
-                  <a:srgbClr val="262626"/>
-                </a:solidFill>
-                <a:uFillTx/>
-                <a:latin typeface="Century Gothic"/>
-              </a:rPr>
-              <a:t>Evolution du projet          </a:t>
-            </a:r>
-            <a:r>
-              <a:rPr lang="fr-FR" sz="1100" b="0" i="0" u="none" strike="noStrike" kern="1200" cap="none" spc="0" baseline="0" dirty="0">
-                <a:solidFill>
-                  <a:srgbClr val="262626"/>
-                </a:solidFill>
-                <a:uFillTx/>
-                <a:latin typeface="Century Gothic"/>
-              </a:rPr>
-              <a:t>Etat Final          Les maths</a:t>
-            </a:r>
-          </a:p>
-          <a:p>
-            <a:pPr marL="0" marR="0" lvl="0" indent="0" algn="ctr" defTabSz="457200" rtl="0" fontAlgn="auto" hangingPunct="1">
-              <a:lnSpc>
-                <a:spcPct val="100000"/>
-              </a:lnSpc>
-              <a:spcBef>
-                <a:spcPts val="0"/>
-              </a:spcBef>
-              <a:spcAft>
-                <a:spcPts val="0"/>
-              </a:spcAft>
-              <a:buNone/>
-              <a:tabLst/>
-              <a:defRPr sz="1800" b="0" i="0" u="none" strike="noStrike" kern="0" cap="none" spc="0" baseline="0">
-                <a:solidFill>
-                  <a:srgbClr val="000000"/>
-                </a:solidFill>
-                <a:uFillTx/>
-              </a:defRPr>
-            </a:pPr>
-            <a:endParaRPr lang="fr-FR" sz="1800" b="0" i="0" u="none" strike="noStrike" kern="1200" cap="none" spc="0" baseline="0" dirty="0">
-              <a:solidFill>
-                <a:srgbClr val="FFFFFF"/>
-              </a:solidFill>
-              <a:uFillTx/>
-              <a:latin typeface="Century Gothic"/>
-            </a:endParaRPr>
-          </a:p>
-        </p:txBody>
-      </p:sp>
-      <p:cxnSp>
-        <p:nvCxnSpPr>
-          <p:cNvPr id="12" name="Connecteur droit avec flèche 6">
-            <a:extLst>
-              <a:ext uri="{FF2B5EF4-FFF2-40B4-BE49-F238E27FC236}">
-                <a16:creationId xmlns:a16="http://schemas.microsoft.com/office/drawing/2014/main" id="{EECCCF15-3DB6-4F3A-9813-EB58B99BBDD9}"/>
-              </a:ext>
-            </a:extLst>
-          </p:cNvPr>
-          <p:cNvCxnSpPr>
-            <a:cxnSpLocks/>
-          </p:cNvCxnSpPr>
-          <p:nvPr/>
-        </p:nvCxnSpPr>
-        <p:spPr>
-          <a:xfrm>
-            <a:off x="4026313" y="342287"/>
-            <a:ext cx="280218" cy="0"/>
-          </a:xfrm>
-          <a:prstGeom prst="straightConnector1">
-            <a:avLst/>
-          </a:prstGeom>
-          <a:ln w="9525" cap="flat" cmpd="sng" algn="ctr">
-            <a:solidFill>
-              <a:schemeClr val="dk1"/>
-            </a:solidFill>
-            <a:prstDash val="solid"/>
-            <a:round/>
-            <a:headEnd type="none" w="med" len="med"/>
-            <a:tailEnd type="arrow" w="med" len="med"/>
-          </a:ln>
-        </p:spPr>
-        <p:style>
-          <a:lnRef idx="0">
-            <a:scrgbClr r="0" g="0" b="0"/>
-          </a:lnRef>
-          <a:fillRef idx="0">
-            <a:scrgbClr r="0" g="0" b="0"/>
-          </a:fillRef>
-          <a:effectRef idx="0">
-            <a:scrgbClr r="0" g="0" b="0"/>
-          </a:effectRef>
-          <a:fontRef idx="minor">
-            <a:schemeClr val="tx1"/>
-          </a:fontRef>
-        </p:style>
-      </p:cxnSp>
-      <p:cxnSp>
-        <p:nvCxnSpPr>
-          <p:cNvPr id="13" name="Connecteur droit avec flèche 8">
-            <a:extLst>
-              <a:ext uri="{FF2B5EF4-FFF2-40B4-BE49-F238E27FC236}">
-                <a16:creationId xmlns:a16="http://schemas.microsoft.com/office/drawing/2014/main" id="{07E42419-CC06-4CB3-8FAE-0BACA8DA9E4F}"/>
-              </a:ext>
-            </a:extLst>
-          </p:cNvPr>
-          <p:cNvCxnSpPr/>
-          <p:nvPr/>
-        </p:nvCxnSpPr>
-        <p:spPr>
-          <a:xfrm>
-            <a:off x="6096003" y="342287"/>
-            <a:ext cx="280217" cy="0"/>
-          </a:xfrm>
-          <a:prstGeom prst="straightConnector1">
-            <a:avLst/>
-          </a:prstGeom>
-          <a:ln w="9525" cap="flat" cmpd="sng" algn="ctr">
-            <a:solidFill>
-              <a:schemeClr val="dk1"/>
-            </a:solidFill>
-            <a:prstDash val="solid"/>
-            <a:round/>
-            <a:headEnd type="none" w="med" len="med"/>
-            <a:tailEnd type="arrow" w="med" len="med"/>
-          </a:ln>
-        </p:spPr>
-        <p:style>
-          <a:lnRef idx="0">
-            <a:scrgbClr r="0" g="0" b="0"/>
-          </a:lnRef>
-          <a:fillRef idx="0">
-            <a:scrgbClr r="0" g="0" b="0"/>
-          </a:fillRef>
-          <a:effectRef idx="0">
-            <a:scrgbClr r="0" g="0" b="0"/>
-          </a:effectRef>
-          <a:fontRef idx="minor">
-            <a:schemeClr val="tx1"/>
-          </a:fontRef>
-        </p:style>
-      </p:cxnSp>
-      <p:cxnSp>
-        <p:nvCxnSpPr>
-          <p:cNvPr id="14" name="Connecteur droit avec flèche 9">
-            <a:extLst>
-              <a:ext uri="{FF2B5EF4-FFF2-40B4-BE49-F238E27FC236}">
-                <a16:creationId xmlns:a16="http://schemas.microsoft.com/office/drawing/2014/main" id="{93E8C0AB-98EA-4764-8FB4-893EBB10E7C4}"/>
-              </a:ext>
-            </a:extLst>
-          </p:cNvPr>
-          <p:cNvCxnSpPr/>
-          <p:nvPr/>
-        </p:nvCxnSpPr>
-        <p:spPr>
-          <a:xfrm>
-            <a:off x="7740441" y="332759"/>
-            <a:ext cx="280218" cy="0"/>
-          </a:xfrm>
-          <a:prstGeom prst="straightConnector1">
-            <a:avLst/>
-          </a:prstGeom>
-          <a:ln w="9525" cap="flat" cmpd="sng" algn="ctr">
-            <a:solidFill>
-              <a:schemeClr val="dk1"/>
-            </a:solidFill>
-            <a:prstDash val="solid"/>
-            <a:round/>
-            <a:headEnd type="none" w="med" len="med"/>
-            <a:tailEnd type="arrow" w="med" len="med"/>
-          </a:ln>
-        </p:spPr>
-        <p:style>
-          <a:lnRef idx="0">
-            <a:scrgbClr r="0" g="0" b="0"/>
-          </a:lnRef>
-          <a:fillRef idx="0">
-            <a:scrgbClr r="0" g="0" b="0"/>
-          </a:fillRef>
-          <a:effectRef idx="0">
-            <a:scrgbClr r="0" g="0" b="0"/>
-          </a:effectRef>
-          <a:fontRef idx="minor">
-            <a:schemeClr val="tx1"/>
-          </a:fontRef>
-        </p:style>
-      </p:cxnSp>
-      <p:cxnSp>
-        <p:nvCxnSpPr>
-          <p:cNvPr id="15" name="Connecteur droit avec flèche 10">
-            <a:extLst>
-              <a:ext uri="{FF2B5EF4-FFF2-40B4-BE49-F238E27FC236}">
-                <a16:creationId xmlns:a16="http://schemas.microsoft.com/office/drawing/2014/main" id="{929BC0F3-09BE-4B7C-A5AA-902705F825D2}"/>
-              </a:ext>
-            </a:extLst>
-          </p:cNvPr>
-          <p:cNvCxnSpPr/>
-          <p:nvPr/>
-        </p:nvCxnSpPr>
-        <p:spPr>
-          <a:xfrm>
-            <a:off x="8735958" y="332448"/>
-            <a:ext cx="280227" cy="0"/>
-          </a:xfrm>
-          <a:prstGeom prst="straightConnector1">
-            <a:avLst/>
-          </a:prstGeom>
-          <a:ln w="9525" cap="flat" cmpd="sng" algn="ctr">
-            <a:solidFill>
-              <a:schemeClr val="dk1"/>
-            </a:solidFill>
-            <a:prstDash val="solid"/>
-            <a:round/>
-            <a:headEnd type="none" w="med" len="med"/>
-            <a:tailEnd type="arrow" w="med" len="med"/>
-          </a:ln>
-        </p:spPr>
-        <p:style>
-          <a:lnRef idx="0">
-            <a:scrgbClr r="0" g="0" b="0"/>
-          </a:lnRef>
-          <a:fillRef idx="0">
-            <a:scrgbClr r="0" g="0" b="0"/>
-          </a:fillRef>
-          <a:effectRef idx="0">
-            <a:scrgbClr r="0" g="0" b="0"/>
-          </a:effectRef>
-          <a:fontRef idx="minor">
-            <a:schemeClr val="tx1"/>
-          </a:fontRef>
-        </p:style>
-      </p:cxnSp>
-      <p:sp>
-        <p:nvSpPr>
-          <p:cNvPr id="16" name="Espace réservé du numéro de diapositive 7">
-            <a:extLst>
-              <a:ext uri="{FF2B5EF4-FFF2-40B4-BE49-F238E27FC236}">
-                <a16:creationId xmlns:a16="http://schemas.microsoft.com/office/drawing/2014/main" id="{8C048B46-6BD8-4132-AF2D-92957401B8FB}"/>
-              </a:ext>
-            </a:extLst>
-          </p:cNvPr>
-          <p:cNvSpPr txBox="1"/>
-          <p:nvPr/>
-        </p:nvSpPr>
-        <p:spPr>
-          <a:xfrm>
-            <a:off x="11640833" y="6557107"/>
-            <a:ext cx="551163" cy="365129"/>
-          </a:xfrm>
-          <a:prstGeom prst="rect">
-            <a:avLst/>
-          </a:prstGeom>
-          <a:noFill/>
-          <a:ln cap="rnd">
-            <a:noFill/>
-          </a:ln>
-        </p:spPr>
-        <p:txBody>
-          <a:bodyPr vert="horz" wrap="square" lIns="91440" tIns="45720" rIns="91440" bIns="45720" anchor="ctr" anchorCtr="0" compatLnSpc="1">
-            <a:noAutofit/>
-          </a:bodyPr>
-          <a:lstStyle/>
-          <a:p>
-            <a:pPr marL="0" marR="0" lvl="0" indent="0" algn="r" defTabSz="457200" rtl="0" fontAlgn="auto" hangingPunct="1">
-              <a:lnSpc>
-                <a:spcPct val="100000"/>
-              </a:lnSpc>
-              <a:spcBef>
-                <a:spcPts val="0"/>
-              </a:spcBef>
-              <a:spcAft>
-                <a:spcPts val="0"/>
-              </a:spcAft>
-              <a:buNone/>
-              <a:tabLst/>
-              <a:defRPr sz="1800" b="0" i="0" u="none" strike="noStrike" kern="0" cap="none" spc="0" baseline="0">
-                <a:solidFill>
-                  <a:srgbClr val="000000"/>
-                </a:solidFill>
-                <a:uFillTx/>
-              </a:defRPr>
-            </a:pPr>
-            <a:fld id="{1A0F8804-A8AF-488B-BABF-40AC271FABDD}" type="slidenum">
               <a:t>11</a:t>
             </a:fld>
             <a:endParaRPr lang="fr-FR" sz="900" b="1" i="0" u="none" strike="noStrike" kern="1200" cap="none" spc="0" baseline="0">
@@ -8236,10 +8442,10 @@
       </p:sp>
       <p:pic>
         <p:nvPicPr>
-          <p:cNvPr id="11266" name="Picture 2" descr="https://puu.sh/BXtV8/4a5628816d.png?fbclid=IwAR3fQTqRzHD0sF8UNH6Pw12Gf6SY1QCS-x3EzWxqBz_xWKTDXsuRvESt4iY">
-            <a:extLst>
-              <a:ext uri="{FF2B5EF4-FFF2-40B4-BE49-F238E27FC236}">
-                <a16:creationId xmlns:a16="http://schemas.microsoft.com/office/drawing/2014/main" id="{7A3048C1-E4B5-4AC5-BB6E-1111D37660A3}"/>
+          <p:cNvPr id="6146" name="Picture 2" descr="https://puu.sh/BXu2l/09b175e5e8.png?fbclid=IwAR33mV3Ip6M9kJKITozeKYZ4W3WXsNO-eJDRVmKutXfTqXAMQbB6YiG8GEA">
+            <a:extLst>
+              <a:ext uri="{FF2B5EF4-FFF2-40B4-BE49-F238E27FC236}">
+                <a16:creationId xmlns:a16="http://schemas.microsoft.com/office/drawing/2014/main" id="{720B78EC-C77B-4566-A3D0-D53DF6335817}"/>
               </a:ext>
             </a:extLst>
           </p:cNvPr>
@@ -8263,8 +8469,8 @@
         </p:blipFill>
         <p:spPr bwMode="auto">
           <a:xfrm>
-            <a:off x="3726388" y="781865"/>
-            <a:ext cx="4739219" cy="5589251"/>
+            <a:off x="2606112" y="812529"/>
+            <a:ext cx="7259997" cy="5446889"/>
           </a:xfrm>
           <a:prstGeom prst="rect">
             <a:avLst/>
@@ -8282,11 +8488,6 @@
         </p:spPr>
       </p:pic>
     </p:spTree>
-    <p:extLst>
-      <p:ext uri="{BB962C8B-B14F-4D97-AF65-F5344CB8AC3E}">
-        <p14:creationId xmlns:p14="http://schemas.microsoft.com/office/powerpoint/2010/main" val="634167951"/>
-      </p:ext>
-    </p:extLst>
   </p:cSld>
   <p:clrMapOvr>
     <a:masterClrMapping/>
@@ -8328,10 +8529,78 @@
       </p:grpSpPr>
       <p:sp>
         <p:nvSpPr>
-          <p:cNvPr id="10" name="Rectangle 9">
-            <a:extLst>
-              <a:ext uri="{FF2B5EF4-FFF2-40B4-BE49-F238E27FC236}">
-                <a16:creationId xmlns:a16="http://schemas.microsoft.com/office/drawing/2014/main" id="{14545409-EA72-441B-AF95-8E5093F376DA}"/>
+          <p:cNvPr id="7" name="Espace réservé du numéro de diapositive 1">
+            <a:extLst>
+              <a:ext uri="{FF2B5EF4-FFF2-40B4-BE49-F238E27FC236}">
+                <a16:creationId xmlns:a16="http://schemas.microsoft.com/office/drawing/2014/main" id="{ACAE1147-1386-478E-8609-02524CBEC5A0}"/>
+              </a:ext>
+            </a:extLst>
+          </p:cNvPr>
+          <p:cNvSpPr txBox="1"/>
+          <p:nvPr/>
+        </p:nvSpPr>
+        <p:spPr>
+          <a:xfrm>
+            <a:off x="11640833" y="6557107"/>
+            <a:ext cx="551163" cy="365129"/>
+          </a:xfrm>
+          <a:prstGeom prst="rect">
+            <a:avLst/>
+          </a:prstGeom>
+          <a:noFill/>
+          <a:ln cap="rnd">
+            <a:noFill/>
+          </a:ln>
+        </p:spPr>
+        <p:txBody>
+          <a:bodyPr vert="horz" wrap="square" lIns="91440" tIns="45720" rIns="91440" bIns="45720" anchor="ctr" anchorCtr="0" compatLnSpc="1">
+            <a:noAutofit/>
+          </a:bodyPr>
+          <a:lstStyle/>
+          <a:p>
+            <a:pPr marL="0" marR="0" lvl="0" indent="0" algn="r" defTabSz="457200" rtl="0" fontAlgn="auto" hangingPunct="1">
+              <a:lnSpc>
+                <a:spcPct val="100000"/>
+              </a:lnSpc>
+              <a:spcBef>
+                <a:spcPts val="0"/>
+              </a:spcBef>
+              <a:spcAft>
+                <a:spcPts val="0"/>
+              </a:spcAft>
+              <a:buNone/>
+              <a:tabLst/>
+              <a:defRPr sz="1800" b="0" i="0" u="none" strike="noStrike" kern="0" cap="none" spc="0" baseline="0">
+                <a:solidFill>
+                  <a:srgbClr val="000000"/>
+                </a:solidFill>
+                <a:uFillTx/>
+              </a:defRPr>
+            </a:pPr>
+            <a:fld id="{D7BCEA47-A648-4F36-AE1F-D3D50854FB8A}" type="slidenum">
+              <a:t>12</a:t>
+            </a:fld>
+            <a:endParaRPr lang="fr-FR" sz="900" b="1" i="0" u="none" strike="noStrike" kern="1200" cap="none" spc="0" baseline="0">
+              <a:solidFill>
+                <a:srgbClr val="BFBFBF"/>
+              </a:solidFill>
+              <a:effectLst>
+                <a:outerShdw dist="38096" dir="2700000">
+                  <a:srgbClr val="000000"/>
+                </a:outerShdw>
+              </a:effectLst>
+              <a:uFillTx/>
+              <a:latin typeface="Century Gothic"/>
+            </a:endParaRPr>
+          </a:p>
+        </p:txBody>
+      </p:sp>
+      <p:sp>
+        <p:nvSpPr>
+          <p:cNvPr id="11" name="Rectangle 10">
+            <a:extLst>
+              <a:ext uri="{FF2B5EF4-FFF2-40B4-BE49-F238E27FC236}">
+                <a16:creationId xmlns:a16="http://schemas.microsoft.com/office/drawing/2014/main" id="{E9AAA5E3-744A-413A-B973-FD1D5EEF70C1}"/>
               </a:ext>
             </a:extLst>
           </p:cNvPr>
@@ -8380,10 +8649,10 @@
       </p:sp>
       <p:sp>
         <p:nvSpPr>
-          <p:cNvPr id="11" name="ZoneTexte 2">
-            <a:extLst>
-              <a:ext uri="{FF2B5EF4-FFF2-40B4-BE49-F238E27FC236}">
-                <a16:creationId xmlns:a16="http://schemas.microsoft.com/office/drawing/2014/main" id="{7929C5AD-AA64-4CF2-A124-24A95209C860}"/>
+          <p:cNvPr id="12" name="ZoneTexte 2">
+            <a:extLst>
+              <a:ext uri="{FF2B5EF4-FFF2-40B4-BE49-F238E27FC236}">
+                <a16:creationId xmlns:a16="http://schemas.microsoft.com/office/drawing/2014/main" id="{B9839CA4-5015-43A2-97D5-F9425CF60E56}"/>
               </a:ext>
             </a:extLst>
           </p:cNvPr>
@@ -8436,7 +8705,27 @@
                 <a:uFillTx/>
                 <a:latin typeface="Century Gothic"/>
               </a:rPr>
-              <a:t>Présentation du projet          </a:t>
+              <a:t>Présentation du projet          Les automates cellulaires          </a:t>
+            </a:r>
+            <a:r>
+              <a:rPr lang="fr-FR" sz="1100" b="1" i="0" u="none" strike="noStrike" kern="1200" cap="none" spc="0" baseline="0" dirty="0">
+                <a:solidFill>
+                  <a:srgbClr val="262626"/>
+                </a:solidFill>
+                <a:uFillTx/>
+                <a:latin typeface="Century Gothic"/>
+              </a:rPr>
+              <a:t>Evolution du projet          </a:t>
+            </a:r>
+            <a:r>
+              <a:rPr lang="fr-FR" sz="1100" i="0" u="none" strike="noStrike" kern="1200" cap="none" spc="0" baseline="0" dirty="0">
+                <a:solidFill>
+                  <a:srgbClr val="262626"/>
+                </a:solidFill>
+                <a:uFillTx/>
+                <a:latin typeface="Century Gothic"/>
+              </a:rPr>
+              <a:t>Etat Final          </a:t>
             </a:r>
             <a:r>
               <a:rPr lang="fr-FR" sz="1100" b="0" i="0" u="none" strike="noStrike" kern="1200" cap="none" spc="0" baseline="0" dirty="0">
@@ -8446,27 +8735,7 @@
                 <a:uFillTx/>
                 <a:latin typeface="Century Gothic"/>
               </a:rPr>
-              <a:t>Les automates cellulaires          </a:t>
-            </a:r>
-            <a:r>
-              <a:rPr lang="fr-FR" sz="1100" b="1" i="0" u="none" strike="noStrike" kern="1200" cap="none" spc="0" baseline="0" dirty="0">
-                <a:solidFill>
-                  <a:srgbClr val="262626"/>
-                </a:solidFill>
-                <a:uFillTx/>
-                <a:latin typeface="Century Gothic"/>
-              </a:rPr>
-              <a:t>Evolution du projet          </a:t>
-            </a:r>
-            <a:r>
-              <a:rPr lang="fr-FR" sz="1100" b="0" i="0" u="none" strike="noStrike" kern="1200" cap="none" spc="0" baseline="0" dirty="0">
-                <a:solidFill>
-                  <a:srgbClr val="262626"/>
-                </a:solidFill>
-                <a:uFillTx/>
-                <a:latin typeface="Century Gothic"/>
-              </a:rPr>
-              <a:t>Etat Final          Les maths</a:t>
+              <a:t>Les maths</a:t>
             </a:r>
           </a:p>
           <a:p>
@@ -8501,10 +8770,10 @@
       </p:sp>
       <p:cxnSp>
         <p:nvCxnSpPr>
-          <p:cNvPr id="12" name="Connecteur droit avec flèche 6">
-            <a:extLst>
-              <a:ext uri="{FF2B5EF4-FFF2-40B4-BE49-F238E27FC236}">
-                <a16:creationId xmlns:a16="http://schemas.microsoft.com/office/drawing/2014/main" id="{EECCCF15-3DB6-4F3A-9813-EB58B99BBDD9}"/>
+          <p:cNvPr id="13" name="Connecteur droit avec flèche 6">
+            <a:extLst>
+              <a:ext uri="{FF2B5EF4-FFF2-40B4-BE49-F238E27FC236}">
+                <a16:creationId xmlns:a16="http://schemas.microsoft.com/office/drawing/2014/main" id="{74955A6A-DEAC-4B40-8D3B-7C4B72C94859}"/>
               </a:ext>
             </a:extLst>
           </p:cNvPr>
@@ -8548,10 +8817,10 @@
       </p:cxnSp>
       <p:cxnSp>
         <p:nvCxnSpPr>
-          <p:cNvPr id="13" name="Connecteur droit avec flèche 8">
-            <a:extLst>
-              <a:ext uri="{FF2B5EF4-FFF2-40B4-BE49-F238E27FC236}">
-                <a16:creationId xmlns:a16="http://schemas.microsoft.com/office/drawing/2014/main" id="{07E42419-CC06-4CB3-8FAE-0BACA8DA9E4F}"/>
+          <p:cNvPr id="14" name="Connecteur droit avec flèche 8">
+            <a:extLst>
+              <a:ext uri="{FF2B5EF4-FFF2-40B4-BE49-F238E27FC236}">
+                <a16:creationId xmlns:a16="http://schemas.microsoft.com/office/drawing/2014/main" id="{6B319ED6-9D2C-4CA8-960A-F734FF386CD4}"/>
               </a:ext>
             </a:extLst>
           </p:cNvPr>
@@ -8593,10 +8862,10 @@
       </p:cxnSp>
       <p:cxnSp>
         <p:nvCxnSpPr>
-          <p:cNvPr id="14" name="Connecteur droit avec flèche 9">
-            <a:extLst>
-              <a:ext uri="{FF2B5EF4-FFF2-40B4-BE49-F238E27FC236}">
-                <a16:creationId xmlns:a16="http://schemas.microsoft.com/office/drawing/2014/main" id="{93E8C0AB-98EA-4764-8FB4-893EBB10E7C4}"/>
+          <p:cNvPr id="15" name="Connecteur droit avec flèche 9">
+            <a:extLst>
+              <a:ext uri="{FF2B5EF4-FFF2-40B4-BE49-F238E27FC236}">
+                <a16:creationId xmlns:a16="http://schemas.microsoft.com/office/drawing/2014/main" id="{D3BEEAA2-BAAB-4FBD-A7F2-5C3D2B67909C}"/>
               </a:ext>
             </a:extLst>
           </p:cNvPr>
@@ -8638,10 +8907,10 @@
       </p:cxnSp>
       <p:cxnSp>
         <p:nvCxnSpPr>
-          <p:cNvPr id="15" name="Connecteur droit avec flèche 10">
-            <a:extLst>
-              <a:ext uri="{FF2B5EF4-FFF2-40B4-BE49-F238E27FC236}">
-                <a16:creationId xmlns:a16="http://schemas.microsoft.com/office/drawing/2014/main" id="{929BC0F3-09BE-4B7C-A5AA-902705F825D2}"/>
+          <p:cNvPr id="16" name="Connecteur droit avec flèche 10">
+            <a:extLst>
+              <a:ext uri="{FF2B5EF4-FFF2-40B4-BE49-F238E27FC236}">
+                <a16:creationId xmlns:a16="http://schemas.microsoft.com/office/drawing/2014/main" id="{72A87FF4-63A6-4784-A646-669B97754B06}"/>
               </a:ext>
             </a:extLst>
           </p:cNvPr>
@@ -8683,10 +8952,10 @@
       </p:cxnSp>
       <p:sp>
         <p:nvSpPr>
-          <p:cNvPr id="16" name="Espace réservé du numéro de diapositive 7">
-            <a:extLst>
-              <a:ext uri="{FF2B5EF4-FFF2-40B4-BE49-F238E27FC236}">
-                <a16:creationId xmlns:a16="http://schemas.microsoft.com/office/drawing/2014/main" id="{8C048B46-6BD8-4132-AF2D-92957401B8FB}"/>
+          <p:cNvPr id="17" name="Espace réservé du numéro de diapositive 7">
+            <a:extLst>
+              <a:ext uri="{FF2B5EF4-FFF2-40B4-BE49-F238E27FC236}">
+                <a16:creationId xmlns:a16="http://schemas.microsoft.com/office/drawing/2014/main" id="{1580C8B6-76DB-45B2-86EC-F5A7975892B8}"/>
               </a:ext>
             </a:extLst>
           </p:cNvPr>
@@ -8751,10 +9020,10 @@
       </p:sp>
       <p:sp>
         <p:nvSpPr>
-          <p:cNvPr id="17" name="ZoneTexte 12">
-            <a:extLst>
-              <a:ext uri="{FF2B5EF4-FFF2-40B4-BE49-F238E27FC236}">
-                <a16:creationId xmlns:a16="http://schemas.microsoft.com/office/drawing/2014/main" id="{4E193489-407B-45FA-B319-B389661AB017}"/>
+          <p:cNvPr id="18" name="ZoneTexte 12">
+            <a:extLst>
+              <a:ext uri="{FF2B5EF4-FFF2-40B4-BE49-F238E27FC236}">
+                <a16:creationId xmlns:a16="http://schemas.microsoft.com/office/drawing/2014/main" id="{E53531DC-3A45-4739-9523-1FC5EEDF4DC5}"/>
               </a:ext>
             </a:extLst>
           </p:cNvPr>
@@ -8863,57 +9132,175 @@
           </a:p>
         </p:txBody>
       </p:sp>
-      <p:pic>
-        <p:nvPicPr>
-          <p:cNvPr id="10242" name="Picture 2" descr="https://puu.sh/BXu8L/fec1a755e4.png?fbclid=IwAR1HymWWyIl1IrXR7AdR8h0LwMYJ6LIR1OTvHAOzilEsmZEqrmY6SRzl7vg">
-            <a:extLst>
-              <a:ext uri="{FF2B5EF4-FFF2-40B4-BE49-F238E27FC236}">
-                <a16:creationId xmlns:a16="http://schemas.microsoft.com/office/drawing/2014/main" id="{178EB451-981A-4DB3-AA8C-E19C08263EB1}"/>
-              </a:ext>
-            </a:extLst>
-          </p:cNvPr>
-          <p:cNvPicPr>
-            <a:picLocks noChangeAspect="1" noChangeArrowheads="1"/>
-          </p:cNvPicPr>
-          <p:nvPr/>
-        </p:nvPicPr>
-        <p:blipFill>
-          <a:blip r:embed="rId2">
-            <a:extLst>
-              <a:ext uri="{28A0092B-C50C-407E-A947-70E740481C1C}">
-                <a14:useLocalDpi xmlns:a14="http://schemas.microsoft.com/office/drawing/2010/main" val="0"/>
-              </a:ext>
-            </a:extLst>
-          </a:blip>
-          <a:srcRect/>
-          <a:stretch>
-            <a:fillRect/>
-          </a:stretch>
-        </p:blipFill>
-        <p:spPr bwMode="auto">
-          <a:xfrm>
-            <a:off x="3776848" y="768145"/>
-            <a:ext cx="4638299" cy="5674725"/>
+      <p:sp>
+        <p:nvSpPr>
+          <p:cNvPr id="19" name="ZoneTexte 18">
+            <a:extLst>
+              <a:ext uri="{FF2B5EF4-FFF2-40B4-BE49-F238E27FC236}">
+                <a16:creationId xmlns:a16="http://schemas.microsoft.com/office/drawing/2014/main" id="{B9195FC4-C2E4-43D7-8BAF-97534124B800}"/>
+              </a:ext>
+            </a:extLst>
+          </p:cNvPr>
+          <p:cNvSpPr txBox="1"/>
+          <p:nvPr/>
+        </p:nvSpPr>
+        <p:spPr>
+          <a:xfrm>
+            <a:off x="4101881" y="1707616"/>
+            <a:ext cx="3988233" cy="646331"/>
           </a:xfrm>
           <a:prstGeom prst="rect">
             <a:avLst/>
           </a:prstGeom>
           <a:noFill/>
-          <a:extLst>
-            <a:ext uri="{909E8E84-426E-40DD-AFC4-6F175D3DCCD1}">
-              <a14:hiddenFill xmlns:a14="http://schemas.microsoft.com/office/drawing/2010/main">
-                <a:solidFill>
-                  <a:srgbClr val="FFFFFF"/>
-                </a:solidFill>
-              </a14:hiddenFill>
-            </a:ext>
-          </a:extLst>
-        </p:spPr>
-      </p:pic>
+        </p:spPr>
+        <p:txBody>
+          <a:bodyPr wrap="square" rtlCol="0">
+            <a:spAutoFit/>
+          </a:bodyPr>
+          <a:lstStyle/>
+          <a:p>
+            <a:pPr algn="ctr"/>
+            <a:r>
+              <a:rPr lang="fr-FR" sz="3600" dirty="0">
+                <a:solidFill>
+                  <a:srgbClr val="8ECE55"/>
+                </a:solidFill>
+              </a:rPr>
+              <a:t>Virus</a:t>
+            </a:r>
+          </a:p>
+        </p:txBody>
+      </p:sp>
+      <p:sp>
+        <p:nvSpPr>
+          <p:cNvPr id="20" name="ZoneTexte 19">
+            <a:extLst>
+              <a:ext uri="{FF2B5EF4-FFF2-40B4-BE49-F238E27FC236}">
+                <a16:creationId xmlns:a16="http://schemas.microsoft.com/office/drawing/2014/main" id="{2391022A-6709-4890-8BF0-CF032E9A94BB}"/>
+              </a:ext>
+            </a:extLst>
+          </p:cNvPr>
+          <p:cNvSpPr txBox="1"/>
+          <p:nvPr/>
+        </p:nvSpPr>
+        <p:spPr>
+          <a:xfrm>
+            <a:off x="3290971" y="2903153"/>
+            <a:ext cx="5890279" cy="2308324"/>
+          </a:xfrm>
+          <a:prstGeom prst="rect">
+            <a:avLst/>
+          </a:prstGeom>
+          <a:noFill/>
+        </p:spPr>
+        <p:txBody>
+          <a:bodyPr wrap="square" rtlCol="0">
+            <a:spAutoFit/>
+          </a:bodyPr>
+          <a:lstStyle/>
+          <a:p>
+            <a:pPr algn="ctr"/>
+            <a:r>
+              <a:rPr lang="fr-FR" sz="2400" dirty="0">
+                <a:solidFill>
+                  <a:schemeClr val="bg1"/>
+                </a:solidFill>
+              </a:rPr>
+              <a:t>Plusieurs </a:t>
+            </a:r>
+            <a:r>
+              <a:rPr lang="fr-FR" sz="2400" dirty="0" smtClean="0">
+                <a:solidFill>
+                  <a:schemeClr val="bg1"/>
+                </a:solidFill>
+              </a:rPr>
+              <a:t>paramètres</a:t>
+            </a:r>
+          </a:p>
+          <a:p>
+            <a:pPr algn="ctr"/>
+            <a:endParaRPr lang="fr-FR" sz="2400" dirty="0">
+              <a:solidFill>
+                <a:schemeClr val="bg1"/>
+              </a:solidFill>
+            </a:endParaRPr>
+          </a:p>
+          <a:p>
+            <a:pPr marL="342900" indent="-342900">
+              <a:buFontTx/>
+              <a:buChar char="-"/>
+            </a:pPr>
+            <a:r>
+              <a:rPr lang="fr-FR" sz="2400" dirty="0">
+                <a:solidFill>
+                  <a:schemeClr val="bg1"/>
+                </a:solidFill>
+              </a:rPr>
+              <a:t>Taux de reproduction</a:t>
+            </a:r>
+          </a:p>
+          <a:p>
+            <a:pPr marL="342900" indent="-342900">
+              <a:buFontTx/>
+              <a:buChar char="-"/>
+            </a:pPr>
+            <a:r>
+              <a:rPr lang="fr-FR" sz="2400" dirty="0">
+                <a:solidFill>
+                  <a:schemeClr val="bg1"/>
+                </a:solidFill>
+              </a:rPr>
+              <a:t>Taux de létalité</a:t>
+            </a:r>
+          </a:p>
+          <a:p>
+            <a:pPr marL="342900" indent="-342900">
+              <a:buFontTx/>
+              <a:buChar char="-"/>
+            </a:pPr>
+            <a:r>
+              <a:rPr lang="fr-FR" sz="2400" dirty="0">
+                <a:solidFill>
+                  <a:schemeClr val="bg1"/>
+                </a:solidFill>
+              </a:rPr>
+              <a:t>Durée minimale et </a:t>
+            </a:r>
+            <a:r>
+              <a:rPr lang="fr-FR" sz="2400" dirty="0" smtClean="0">
+                <a:solidFill>
+                  <a:schemeClr val="bg1"/>
+                </a:solidFill>
+              </a:rPr>
+              <a:t>maximale d’infection</a:t>
+            </a:r>
+            <a:endParaRPr lang="fr-FR" sz="2400" dirty="0">
+              <a:solidFill>
+                <a:schemeClr val="bg1"/>
+              </a:solidFill>
+            </a:endParaRPr>
+          </a:p>
+          <a:p>
+            <a:pPr marL="342900" indent="-342900">
+              <a:buFontTx/>
+              <a:buChar char="-"/>
+            </a:pPr>
+            <a:r>
+              <a:rPr lang="fr-FR" sz="2400" dirty="0">
+                <a:solidFill>
+                  <a:schemeClr val="bg1"/>
+                </a:solidFill>
+              </a:rPr>
+              <a:t>Taux de vulnérabilité en fonction de l’âge</a:t>
+            </a:r>
+          </a:p>
+        </p:txBody>
+      </p:sp>
     </p:spTree>
     <p:extLst>
       <p:ext uri="{BB962C8B-B14F-4D97-AF65-F5344CB8AC3E}">
-        <p14:creationId xmlns:p14="http://schemas.microsoft.com/office/powerpoint/2010/main" val="1336350949"/>
+        <p14:creationId xmlns:p14="http://schemas.microsoft.com/office/powerpoint/2010/main" val="871385753"/>
       </p:ext>
     </p:extLst>
   </p:cSld>
@@ -9494,10 +9881,10 @@
       </p:sp>
       <p:pic>
         <p:nvPicPr>
-          <p:cNvPr id="9218" name="Picture 2" descr="https://puu.sh/BXubp/7d8059b752.png?fbclid=IwAR1PpeaHu6IBpRlFNlcfVDR2LTntIT4iVgVWZgbmomeJg-tqn5WrU-HoodY">
-            <a:extLst>
-              <a:ext uri="{FF2B5EF4-FFF2-40B4-BE49-F238E27FC236}">
-                <a16:creationId xmlns:a16="http://schemas.microsoft.com/office/drawing/2014/main" id="{D1EF93E5-8810-4D43-8AA1-A7D08C271753}"/>
+          <p:cNvPr id="11266" name="Picture 2" descr="https://puu.sh/BXtV8/4a5628816d.png?fbclid=IwAR3fQTqRzHD0sF8UNH6Pw12Gf6SY1QCS-x3EzWxqBz_xWKTDXsuRvESt4iY">
+            <a:extLst>
+              <a:ext uri="{FF2B5EF4-FFF2-40B4-BE49-F238E27FC236}">
+                <a16:creationId xmlns:a16="http://schemas.microsoft.com/office/drawing/2014/main" id="{7A3048C1-E4B5-4AC5-BB6E-1111D37660A3}"/>
               </a:ext>
             </a:extLst>
           </p:cNvPr>
@@ -9521,8 +9908,8 @@
         </p:blipFill>
         <p:spPr bwMode="auto">
           <a:xfrm>
-            <a:off x="3788979" y="738767"/>
-            <a:ext cx="4614038" cy="5627511"/>
+            <a:off x="3726388" y="781865"/>
+            <a:ext cx="4739219" cy="5589251"/>
           </a:xfrm>
           <a:prstGeom prst="rect">
             <a:avLst/>
@@ -9542,7 +9929,7 @@
     </p:spTree>
     <p:extLst>
       <p:ext uri="{BB962C8B-B14F-4D97-AF65-F5344CB8AC3E}">
-        <p14:creationId xmlns:p14="http://schemas.microsoft.com/office/powerpoint/2010/main" val="3923969349"/>
+        <p14:creationId xmlns:p14="http://schemas.microsoft.com/office/powerpoint/2010/main" val="634167951"/>
       </p:ext>
     </p:extLst>
   </p:cSld>
@@ -9586,10 +9973,78 @@
       </p:grpSpPr>
       <p:sp>
         <p:nvSpPr>
-          <p:cNvPr id="10" name="Rectangle 9">
-            <a:extLst>
-              <a:ext uri="{FF2B5EF4-FFF2-40B4-BE49-F238E27FC236}">
-                <a16:creationId xmlns:a16="http://schemas.microsoft.com/office/drawing/2014/main" id="{14545409-EA72-441B-AF95-8E5093F376DA}"/>
+          <p:cNvPr id="7" name="Espace réservé du numéro de diapositive 1">
+            <a:extLst>
+              <a:ext uri="{FF2B5EF4-FFF2-40B4-BE49-F238E27FC236}">
+                <a16:creationId xmlns:a16="http://schemas.microsoft.com/office/drawing/2014/main" id="{ACAE1147-1386-478E-8609-02524CBEC5A0}"/>
+              </a:ext>
+            </a:extLst>
+          </p:cNvPr>
+          <p:cNvSpPr txBox="1"/>
+          <p:nvPr/>
+        </p:nvSpPr>
+        <p:spPr>
+          <a:xfrm>
+            <a:off x="11640833" y="6557107"/>
+            <a:ext cx="551163" cy="365129"/>
+          </a:xfrm>
+          <a:prstGeom prst="rect">
+            <a:avLst/>
+          </a:prstGeom>
+          <a:noFill/>
+          <a:ln cap="rnd">
+            <a:noFill/>
+          </a:ln>
+        </p:spPr>
+        <p:txBody>
+          <a:bodyPr vert="horz" wrap="square" lIns="91440" tIns="45720" rIns="91440" bIns="45720" anchor="ctr" anchorCtr="0" compatLnSpc="1">
+            <a:noAutofit/>
+          </a:bodyPr>
+          <a:lstStyle/>
+          <a:p>
+            <a:pPr marL="0" marR="0" lvl="0" indent="0" algn="r" defTabSz="457200" rtl="0" fontAlgn="auto" hangingPunct="1">
+              <a:lnSpc>
+                <a:spcPct val="100000"/>
+              </a:lnSpc>
+              <a:spcBef>
+                <a:spcPts val="0"/>
+              </a:spcBef>
+              <a:spcAft>
+                <a:spcPts val="0"/>
+              </a:spcAft>
+              <a:buNone/>
+              <a:tabLst/>
+              <a:defRPr sz="1800" b="0" i="0" u="none" strike="noStrike" kern="0" cap="none" spc="0" baseline="0">
+                <a:solidFill>
+                  <a:srgbClr val="000000"/>
+                </a:solidFill>
+                <a:uFillTx/>
+              </a:defRPr>
+            </a:pPr>
+            <a:fld id="{D7BCEA47-A648-4F36-AE1F-D3D50854FB8A}" type="slidenum">
+              <a:t>14</a:t>
+            </a:fld>
+            <a:endParaRPr lang="fr-FR" sz="900" b="1" i="0" u="none" strike="noStrike" kern="1200" cap="none" spc="0" baseline="0">
+              <a:solidFill>
+                <a:srgbClr val="BFBFBF"/>
+              </a:solidFill>
+              <a:effectLst>
+                <a:outerShdw dist="38096" dir="2700000">
+                  <a:srgbClr val="000000"/>
+                </a:outerShdw>
+              </a:effectLst>
+              <a:uFillTx/>
+              <a:latin typeface="Century Gothic"/>
+            </a:endParaRPr>
+          </a:p>
+        </p:txBody>
+      </p:sp>
+      <p:sp>
+        <p:nvSpPr>
+          <p:cNvPr id="11" name="Rectangle 10">
+            <a:extLst>
+              <a:ext uri="{FF2B5EF4-FFF2-40B4-BE49-F238E27FC236}">
+                <a16:creationId xmlns:a16="http://schemas.microsoft.com/office/drawing/2014/main" id="{E9AAA5E3-744A-413A-B973-FD1D5EEF70C1}"/>
               </a:ext>
             </a:extLst>
           </p:cNvPr>
@@ -9638,10 +10093,10 @@
       </p:sp>
       <p:sp>
         <p:nvSpPr>
-          <p:cNvPr id="11" name="ZoneTexte 2">
-            <a:extLst>
-              <a:ext uri="{FF2B5EF4-FFF2-40B4-BE49-F238E27FC236}">
-                <a16:creationId xmlns:a16="http://schemas.microsoft.com/office/drawing/2014/main" id="{7929C5AD-AA64-4CF2-A124-24A95209C860}"/>
+          <p:cNvPr id="12" name="ZoneTexte 2">
+            <a:extLst>
+              <a:ext uri="{FF2B5EF4-FFF2-40B4-BE49-F238E27FC236}">
+                <a16:creationId xmlns:a16="http://schemas.microsoft.com/office/drawing/2014/main" id="{B9839CA4-5015-43A2-97D5-F9425CF60E56}"/>
               </a:ext>
             </a:extLst>
           </p:cNvPr>
@@ -9694,7 +10149,27 @@
                 <a:uFillTx/>
                 <a:latin typeface="Century Gothic"/>
               </a:rPr>
-              <a:t>Présentation du projet          </a:t>
+              <a:t>Présentation du projet          Les automates cellulaires          </a:t>
+            </a:r>
+            <a:r>
+              <a:rPr lang="fr-FR" sz="1100" b="1" i="0" u="none" strike="noStrike" kern="1200" cap="none" spc="0" baseline="0" dirty="0">
+                <a:solidFill>
+                  <a:srgbClr val="262626"/>
+                </a:solidFill>
+                <a:uFillTx/>
+                <a:latin typeface="Century Gothic"/>
+              </a:rPr>
+              <a:t>Evolution du projet          </a:t>
+            </a:r>
+            <a:r>
+              <a:rPr lang="fr-FR" sz="1100" i="0" u="none" strike="noStrike" kern="1200" cap="none" spc="0" baseline="0" dirty="0">
+                <a:solidFill>
+                  <a:srgbClr val="262626"/>
+                </a:solidFill>
+                <a:uFillTx/>
+                <a:latin typeface="Century Gothic"/>
+              </a:rPr>
+              <a:t>Etat Final          </a:t>
             </a:r>
             <a:r>
               <a:rPr lang="fr-FR" sz="1100" b="0" i="0" u="none" strike="noStrike" kern="1200" cap="none" spc="0" baseline="0" dirty="0">
@@ -9704,27 +10179,7 @@
                 <a:uFillTx/>
                 <a:latin typeface="Century Gothic"/>
               </a:rPr>
-              <a:t>Les automates cellulaires          </a:t>
-            </a:r>
-            <a:r>
-              <a:rPr lang="fr-FR" sz="1100" b="1" i="0" u="none" strike="noStrike" kern="1200" cap="none" spc="0" baseline="0" dirty="0">
-                <a:solidFill>
-                  <a:srgbClr val="262626"/>
-                </a:solidFill>
-                <a:uFillTx/>
-                <a:latin typeface="Century Gothic"/>
-              </a:rPr>
-              <a:t>Evolution du projet          </a:t>
-            </a:r>
-            <a:r>
-              <a:rPr lang="fr-FR" sz="1100" b="0" i="0" u="none" strike="noStrike" kern="1200" cap="none" spc="0" baseline="0" dirty="0">
-                <a:solidFill>
-                  <a:srgbClr val="262626"/>
-                </a:solidFill>
-                <a:uFillTx/>
-                <a:latin typeface="Century Gothic"/>
-              </a:rPr>
-              <a:t>Etat Final          Les maths</a:t>
+              <a:t>Les maths</a:t>
             </a:r>
           </a:p>
           <a:p>
@@ -9759,10 +10214,10 @@
       </p:sp>
       <p:cxnSp>
         <p:nvCxnSpPr>
-          <p:cNvPr id="12" name="Connecteur droit avec flèche 6">
-            <a:extLst>
-              <a:ext uri="{FF2B5EF4-FFF2-40B4-BE49-F238E27FC236}">
-                <a16:creationId xmlns:a16="http://schemas.microsoft.com/office/drawing/2014/main" id="{EECCCF15-3DB6-4F3A-9813-EB58B99BBDD9}"/>
+          <p:cNvPr id="13" name="Connecteur droit avec flèche 6">
+            <a:extLst>
+              <a:ext uri="{FF2B5EF4-FFF2-40B4-BE49-F238E27FC236}">
+                <a16:creationId xmlns:a16="http://schemas.microsoft.com/office/drawing/2014/main" id="{74955A6A-DEAC-4B40-8D3B-7C4B72C94859}"/>
               </a:ext>
             </a:extLst>
           </p:cNvPr>
@@ -9806,10 +10261,10 @@
       </p:cxnSp>
       <p:cxnSp>
         <p:nvCxnSpPr>
-          <p:cNvPr id="13" name="Connecteur droit avec flèche 8">
-            <a:extLst>
-              <a:ext uri="{FF2B5EF4-FFF2-40B4-BE49-F238E27FC236}">
-                <a16:creationId xmlns:a16="http://schemas.microsoft.com/office/drawing/2014/main" id="{07E42419-CC06-4CB3-8FAE-0BACA8DA9E4F}"/>
+          <p:cNvPr id="14" name="Connecteur droit avec flèche 8">
+            <a:extLst>
+              <a:ext uri="{FF2B5EF4-FFF2-40B4-BE49-F238E27FC236}">
+                <a16:creationId xmlns:a16="http://schemas.microsoft.com/office/drawing/2014/main" id="{6B319ED6-9D2C-4CA8-960A-F734FF386CD4}"/>
               </a:ext>
             </a:extLst>
           </p:cNvPr>
@@ -9851,10 +10306,10 @@
       </p:cxnSp>
       <p:cxnSp>
         <p:nvCxnSpPr>
-          <p:cNvPr id="14" name="Connecteur droit avec flèche 9">
-            <a:extLst>
-              <a:ext uri="{FF2B5EF4-FFF2-40B4-BE49-F238E27FC236}">
-                <a16:creationId xmlns:a16="http://schemas.microsoft.com/office/drawing/2014/main" id="{93E8C0AB-98EA-4764-8FB4-893EBB10E7C4}"/>
+          <p:cNvPr id="15" name="Connecteur droit avec flèche 9">
+            <a:extLst>
+              <a:ext uri="{FF2B5EF4-FFF2-40B4-BE49-F238E27FC236}">
+                <a16:creationId xmlns:a16="http://schemas.microsoft.com/office/drawing/2014/main" id="{D3BEEAA2-BAAB-4FBD-A7F2-5C3D2B67909C}"/>
               </a:ext>
             </a:extLst>
           </p:cNvPr>
@@ -9896,10 +10351,10 @@
       </p:cxnSp>
       <p:cxnSp>
         <p:nvCxnSpPr>
-          <p:cNvPr id="15" name="Connecteur droit avec flèche 10">
-            <a:extLst>
-              <a:ext uri="{FF2B5EF4-FFF2-40B4-BE49-F238E27FC236}">
-                <a16:creationId xmlns:a16="http://schemas.microsoft.com/office/drawing/2014/main" id="{929BC0F3-09BE-4B7C-A5AA-902705F825D2}"/>
+          <p:cNvPr id="16" name="Connecteur droit avec flèche 10">
+            <a:extLst>
+              <a:ext uri="{FF2B5EF4-FFF2-40B4-BE49-F238E27FC236}">
+                <a16:creationId xmlns:a16="http://schemas.microsoft.com/office/drawing/2014/main" id="{72A87FF4-63A6-4784-A646-669B97754B06}"/>
               </a:ext>
             </a:extLst>
           </p:cNvPr>
@@ -9941,10 +10396,10 @@
       </p:cxnSp>
       <p:sp>
         <p:nvSpPr>
-          <p:cNvPr id="16" name="Espace réservé du numéro de diapositive 7">
-            <a:extLst>
-              <a:ext uri="{FF2B5EF4-FFF2-40B4-BE49-F238E27FC236}">
-                <a16:creationId xmlns:a16="http://schemas.microsoft.com/office/drawing/2014/main" id="{8C048B46-6BD8-4132-AF2D-92957401B8FB}"/>
+          <p:cNvPr id="17" name="Espace réservé du numéro de diapositive 7">
+            <a:extLst>
+              <a:ext uri="{FF2B5EF4-FFF2-40B4-BE49-F238E27FC236}">
+                <a16:creationId xmlns:a16="http://schemas.microsoft.com/office/drawing/2014/main" id="{1580C8B6-76DB-45B2-86EC-F5A7975892B8}"/>
               </a:ext>
             </a:extLst>
           </p:cNvPr>
@@ -10009,10 +10464,10 @@
       </p:sp>
       <p:sp>
         <p:nvSpPr>
-          <p:cNvPr id="17" name="ZoneTexte 12">
-            <a:extLst>
-              <a:ext uri="{FF2B5EF4-FFF2-40B4-BE49-F238E27FC236}">
-                <a16:creationId xmlns:a16="http://schemas.microsoft.com/office/drawing/2014/main" id="{4E193489-407B-45FA-B319-B389661AB017}"/>
+          <p:cNvPr id="18" name="ZoneTexte 12">
+            <a:extLst>
+              <a:ext uri="{FF2B5EF4-FFF2-40B4-BE49-F238E27FC236}">
+                <a16:creationId xmlns:a16="http://schemas.microsoft.com/office/drawing/2014/main" id="{E53531DC-3A45-4739-9523-1FC5EEDF4DC5}"/>
               </a:ext>
             </a:extLst>
           </p:cNvPr>
@@ -10121,40 +10576,146 @@
           </a:p>
         </p:txBody>
       </p:sp>
-      <p:pic>
-        <p:nvPicPr>
-          <p:cNvPr id="2" name="Image 1">
-            <a:extLst>
-              <a:ext uri="{FF2B5EF4-FFF2-40B4-BE49-F238E27FC236}">
-                <a16:creationId xmlns:a16="http://schemas.microsoft.com/office/drawing/2014/main" id="{2CE23DA0-C8C1-4981-A810-D20F2283B625}"/>
-              </a:ext>
-            </a:extLst>
-          </p:cNvPr>
-          <p:cNvPicPr>
-            <a:picLocks noChangeAspect="1"/>
-          </p:cNvPicPr>
-          <p:nvPr/>
-        </p:nvPicPr>
-        <p:blipFill>
-          <a:blip r:embed="rId2"/>
-          <a:stretch>
-            <a:fillRect/>
-          </a:stretch>
-        </p:blipFill>
-        <p:spPr>
-          <a:xfrm>
-            <a:off x="3756989" y="740952"/>
-            <a:ext cx="4678017" cy="5729111"/>
+      <p:sp>
+        <p:nvSpPr>
+          <p:cNvPr id="19" name="ZoneTexte 18">
+            <a:extLst>
+              <a:ext uri="{FF2B5EF4-FFF2-40B4-BE49-F238E27FC236}">
+                <a16:creationId xmlns:a16="http://schemas.microsoft.com/office/drawing/2014/main" id="{B9195FC4-C2E4-43D7-8BAF-97534124B800}"/>
+              </a:ext>
+            </a:extLst>
+          </p:cNvPr>
+          <p:cNvSpPr txBox="1"/>
+          <p:nvPr/>
+        </p:nvSpPr>
+        <p:spPr>
+          <a:xfrm>
+            <a:off x="4101881" y="1743146"/>
+            <a:ext cx="3988233" cy="646331"/>
           </a:xfrm>
           <a:prstGeom prst="rect">
             <a:avLst/>
           </a:prstGeom>
-        </p:spPr>
-      </p:pic>
+          <a:noFill/>
+        </p:spPr>
+        <p:txBody>
+          <a:bodyPr wrap="square" rtlCol="0">
+            <a:spAutoFit/>
+          </a:bodyPr>
+          <a:lstStyle/>
+          <a:p>
+            <a:pPr algn="ctr"/>
+            <a:r>
+              <a:rPr lang="fr-FR" sz="3600" dirty="0">
+                <a:solidFill>
+                  <a:srgbClr val="8ECE55"/>
+                </a:solidFill>
+              </a:rPr>
+              <a:t>Zones urbaines</a:t>
+            </a:r>
+          </a:p>
+        </p:txBody>
+      </p:sp>
+      <p:sp>
+        <p:nvSpPr>
+          <p:cNvPr id="20" name="ZoneTexte 19">
+            <a:extLst>
+              <a:ext uri="{FF2B5EF4-FFF2-40B4-BE49-F238E27FC236}">
+                <a16:creationId xmlns:a16="http://schemas.microsoft.com/office/drawing/2014/main" id="{2391022A-6709-4890-8BF0-CF032E9A94BB}"/>
+              </a:ext>
+            </a:extLst>
+          </p:cNvPr>
+          <p:cNvSpPr txBox="1"/>
+          <p:nvPr/>
+        </p:nvSpPr>
+        <p:spPr>
+          <a:xfrm>
+            <a:off x="3021185" y="3350758"/>
+            <a:ext cx="6149624" cy="1938992"/>
+          </a:xfrm>
+          <a:prstGeom prst="rect">
+            <a:avLst/>
+          </a:prstGeom>
+          <a:noFill/>
+        </p:spPr>
+        <p:txBody>
+          <a:bodyPr wrap="square" rtlCol="0">
+            <a:spAutoFit/>
+          </a:bodyPr>
+          <a:lstStyle/>
+          <a:p>
+            <a:pPr algn="ctr"/>
+            <a:r>
+              <a:rPr lang="fr-FR" sz="2400" dirty="0">
+                <a:solidFill>
+                  <a:schemeClr val="bg1"/>
+                </a:solidFill>
+              </a:rPr>
+              <a:t>Concentrations de population.</a:t>
+            </a:r>
+          </a:p>
+          <a:p>
+            <a:pPr marL="342900" indent="-342900" algn="ctr">
+              <a:buFontTx/>
+              <a:buChar char="-"/>
+            </a:pPr>
+            <a:r>
+              <a:rPr lang="fr-FR" sz="2400" dirty="0">
+                <a:solidFill>
+                  <a:schemeClr val="bg1"/>
+                </a:solidFill>
+              </a:rPr>
+              <a:t>Métropoles</a:t>
+            </a:r>
+          </a:p>
+          <a:p>
+            <a:pPr marL="342900" indent="-342900" algn="ctr">
+              <a:buFontTx/>
+              <a:buChar char="-"/>
+            </a:pPr>
+            <a:r>
+              <a:rPr lang="fr-FR" sz="2400" dirty="0">
+                <a:solidFill>
+                  <a:schemeClr val="bg1"/>
+                </a:solidFill>
+              </a:rPr>
+              <a:t>Villes</a:t>
+            </a:r>
+          </a:p>
+          <a:p>
+            <a:pPr marL="342900" indent="-342900" algn="ctr">
+              <a:buFontTx/>
+              <a:buChar char="-"/>
+            </a:pPr>
+            <a:r>
+              <a:rPr lang="fr-FR" sz="2400" dirty="0">
+                <a:solidFill>
+                  <a:schemeClr val="bg1"/>
+                </a:solidFill>
+              </a:rPr>
+              <a:t>Villages</a:t>
+            </a:r>
+          </a:p>
+          <a:p>
+            <a:pPr marL="342900" indent="-342900" algn="ctr">
+              <a:buFontTx/>
+              <a:buChar char="-"/>
+            </a:pPr>
+            <a:r>
+              <a:rPr lang="fr-FR" sz="2400" dirty="0">
+                <a:solidFill>
+                  <a:schemeClr val="bg1"/>
+                </a:solidFill>
+              </a:rPr>
+              <a:t>Zones peuplées</a:t>
+            </a:r>
+          </a:p>
+        </p:txBody>
+      </p:sp>
     </p:spTree>
     <p:extLst>
       <p:ext uri="{BB962C8B-B14F-4D97-AF65-F5344CB8AC3E}">
-        <p14:creationId xmlns:p14="http://schemas.microsoft.com/office/powerpoint/2010/main" val="1806847368"/>
+        <p14:creationId xmlns:p14="http://schemas.microsoft.com/office/powerpoint/2010/main" val="3557088708"/>
       </p:ext>
     </p:extLst>
   </p:cSld>
@@ -10735,10 +11296,10 @@
       </p:sp>
       <p:pic>
         <p:nvPicPr>
-          <p:cNvPr id="7170" name="Picture 2" descr="https://puu.sh/BXuyr/47341849a1.png?fbclid=IwAR15-LLJiD9ADjSDsEiV7jST8q9T2V_Rm96gPYjenSM74W2HGc9f9Ax_sqI">
-            <a:extLst>
-              <a:ext uri="{FF2B5EF4-FFF2-40B4-BE49-F238E27FC236}">
-                <a16:creationId xmlns:a16="http://schemas.microsoft.com/office/drawing/2014/main" id="{196780E5-DAA7-472F-B384-B072C9A4C679}"/>
+          <p:cNvPr id="10242" name="Picture 2" descr="https://puu.sh/BXu8L/fec1a755e4.png?fbclid=IwAR1HymWWyIl1IrXR7AdR8h0LwMYJ6LIR1OTvHAOzilEsmZEqrmY6SRzl7vg">
+            <a:extLst>
+              <a:ext uri="{FF2B5EF4-FFF2-40B4-BE49-F238E27FC236}">
+                <a16:creationId xmlns:a16="http://schemas.microsoft.com/office/drawing/2014/main" id="{178EB451-981A-4DB3-AA8C-E19C08263EB1}"/>
               </a:ext>
             </a:extLst>
           </p:cNvPr>
@@ -10762,8 +11323,8 @@
         </p:blipFill>
         <p:spPr bwMode="auto">
           <a:xfrm>
-            <a:off x="3813143" y="716189"/>
-            <a:ext cx="4565709" cy="5672667"/>
+            <a:off x="3776848" y="768145"/>
+            <a:ext cx="4638299" cy="5674725"/>
           </a:xfrm>
           <a:prstGeom prst="rect">
             <a:avLst/>
@@ -10783,7 +11344,7 @@
     </p:spTree>
     <p:extLst>
       <p:ext uri="{BB962C8B-B14F-4D97-AF65-F5344CB8AC3E}">
-        <p14:creationId xmlns:p14="http://schemas.microsoft.com/office/powerpoint/2010/main" val="1512423124"/>
+        <p14:creationId xmlns:p14="http://schemas.microsoft.com/office/powerpoint/2010/main" val="1336350949"/>
       </p:ext>
     </p:extLst>
   </p:cSld>
@@ -10827,10 +11388,78 @@
       </p:grpSpPr>
       <p:sp>
         <p:nvSpPr>
-          <p:cNvPr id="6" name="Rectangle 5">
-            <a:extLst>
-              <a:ext uri="{FF2B5EF4-FFF2-40B4-BE49-F238E27FC236}">
-                <a16:creationId xmlns:a16="http://schemas.microsoft.com/office/drawing/2014/main" id="{AFC6CE19-1905-4F7B-A53A-8FAE7084F2ED}"/>
+          <p:cNvPr id="7" name="Espace réservé du numéro de diapositive 1">
+            <a:extLst>
+              <a:ext uri="{FF2B5EF4-FFF2-40B4-BE49-F238E27FC236}">
+                <a16:creationId xmlns:a16="http://schemas.microsoft.com/office/drawing/2014/main" id="{ACAE1147-1386-478E-8609-02524CBEC5A0}"/>
+              </a:ext>
+            </a:extLst>
+          </p:cNvPr>
+          <p:cNvSpPr txBox="1"/>
+          <p:nvPr/>
+        </p:nvSpPr>
+        <p:spPr>
+          <a:xfrm>
+            <a:off x="11640833" y="6557107"/>
+            <a:ext cx="551163" cy="365129"/>
+          </a:xfrm>
+          <a:prstGeom prst="rect">
+            <a:avLst/>
+          </a:prstGeom>
+          <a:noFill/>
+          <a:ln cap="rnd">
+            <a:noFill/>
+          </a:ln>
+        </p:spPr>
+        <p:txBody>
+          <a:bodyPr vert="horz" wrap="square" lIns="91440" tIns="45720" rIns="91440" bIns="45720" anchor="ctr" anchorCtr="0" compatLnSpc="1">
+            <a:noAutofit/>
+          </a:bodyPr>
+          <a:lstStyle/>
+          <a:p>
+            <a:pPr marL="0" marR="0" lvl="0" indent="0" algn="r" defTabSz="457200" rtl="0" fontAlgn="auto" hangingPunct="1">
+              <a:lnSpc>
+                <a:spcPct val="100000"/>
+              </a:lnSpc>
+              <a:spcBef>
+                <a:spcPts val="0"/>
+              </a:spcBef>
+              <a:spcAft>
+                <a:spcPts val="0"/>
+              </a:spcAft>
+              <a:buNone/>
+              <a:tabLst/>
+              <a:defRPr sz="1800" b="0" i="0" u="none" strike="noStrike" kern="0" cap="none" spc="0" baseline="0">
+                <a:solidFill>
+                  <a:srgbClr val="000000"/>
+                </a:solidFill>
+                <a:uFillTx/>
+              </a:defRPr>
+            </a:pPr>
+            <a:fld id="{D7BCEA47-A648-4F36-AE1F-D3D50854FB8A}" type="slidenum">
+              <a:t>16</a:t>
+            </a:fld>
+            <a:endParaRPr lang="fr-FR" sz="900" b="1" i="0" u="none" strike="noStrike" kern="1200" cap="none" spc="0" baseline="0">
+              <a:solidFill>
+                <a:srgbClr val="BFBFBF"/>
+              </a:solidFill>
+              <a:effectLst>
+                <a:outerShdw dist="38096" dir="2700000">
+                  <a:srgbClr val="000000"/>
+                </a:outerShdw>
+              </a:effectLst>
+              <a:uFillTx/>
+              <a:latin typeface="Century Gothic"/>
+            </a:endParaRPr>
+          </a:p>
+        </p:txBody>
+      </p:sp>
+      <p:sp>
+        <p:nvSpPr>
+          <p:cNvPr id="11" name="Rectangle 10">
+            <a:extLst>
+              <a:ext uri="{FF2B5EF4-FFF2-40B4-BE49-F238E27FC236}">
+                <a16:creationId xmlns:a16="http://schemas.microsoft.com/office/drawing/2014/main" id="{E9AAA5E3-744A-413A-B973-FD1D5EEF70C1}"/>
               </a:ext>
             </a:extLst>
           </p:cNvPr>
@@ -10839,8 +11468,8 @@
         </p:nvSpPr>
         <p:spPr>
           <a:xfrm>
-            <a:off x="0" y="270589"/>
-            <a:ext cx="12191996" cy="1016344"/>
+            <a:off x="4" y="0"/>
+            <a:ext cx="12191996" cy="653909"/>
           </a:xfrm>
           <a:prstGeom prst="rect">
             <a:avLst/>
@@ -10873,16 +11502,16 @@
           <a:lstStyle/>
           <a:p>
             <a:pPr algn="ctr"/>
-            <a:endParaRPr lang="fr-FR" dirty="0"/>
-          </a:p>
-        </p:txBody>
-      </p:sp>
-      <p:sp>
-        <p:nvSpPr>
-          <p:cNvPr id="2" name="ZoneTexte 24">
-            <a:extLst>
-              <a:ext uri="{FF2B5EF4-FFF2-40B4-BE49-F238E27FC236}">
-                <a16:creationId xmlns:a16="http://schemas.microsoft.com/office/drawing/2014/main" id="{57B0DD9B-C8B0-4303-BDA2-61ABEB9386E9}"/>
+            <a:endParaRPr lang="fr-FR"/>
+          </a:p>
+        </p:txBody>
+      </p:sp>
+      <p:sp>
+        <p:nvSpPr>
+          <p:cNvPr id="12" name="ZoneTexte 2">
+            <a:extLst>
+              <a:ext uri="{FF2B5EF4-FFF2-40B4-BE49-F238E27FC236}">
+                <a16:creationId xmlns:a16="http://schemas.microsoft.com/office/drawing/2014/main" id="{B9839CA4-5015-43A2-97D5-F9425CF60E56}"/>
               </a:ext>
             </a:extLst>
           </p:cNvPr>
@@ -10891,8 +11520,8 @@
         </p:nvSpPr>
         <p:spPr>
           <a:xfrm>
-            <a:off x="0" y="6451137"/>
-            <a:ext cx="12191996" cy="577077"/>
+            <a:off x="185056" y="158620"/>
+            <a:ext cx="11821884" cy="623245"/>
           </a:xfrm>
           <a:prstGeom prst="rect">
             <a:avLst/>
@@ -10903,14 +11532,14 @@
           </a:ln>
         </p:spPr>
         <p:txBody>
-          <a:bodyPr vert="horz" wrap="square" lIns="91440" tIns="45720" rIns="91440" bIns="45720" anchor="t" anchorCtr="0" compatLnSpc="1">
+          <a:bodyPr vert="horz" wrap="square" lIns="91440" tIns="45720" rIns="91440" bIns="45720" anchor="t" anchorCtr="1" compatLnSpc="1">
             <a:spAutoFit/>
           </a:bodyPr>
           <a:lstStyle/>
           <a:p>
-            <a:pPr marL="0" marR="0" lvl="0" indent="0" algn="l" defTabSz="457200" rtl="0" fontAlgn="auto" hangingPunct="1">
+            <a:pPr marL="0" marR="0" lvl="0" indent="0" algn="ctr" defTabSz="457200" rtl="0" fontAlgn="auto" hangingPunct="1">
               <a:lnSpc>
-                <a:spcPct val="100000"/>
+                <a:spcPct val="150000"/>
               </a:lnSpc>
               <a:spcBef>
                 <a:spcPts val="0"/>
@@ -10928,99 +11557,46 @@
               </a:defRPr>
             </a:pPr>
             <a:r>
-              <a:rPr lang="fr-FR" sz="1050" b="0" i="0" u="none" strike="noStrike" kern="1200" cap="none" spc="0" baseline="0">
-                <a:solidFill>
-                  <a:srgbClr val="FFFFFF"/>
+              <a:rPr lang="fr-FR" sz="1100" i="0" u="none" strike="noStrike" kern="1200" cap="none" spc="0" baseline="0" dirty="0">
+                <a:solidFill>
+                  <a:srgbClr val="262626"/>
                 </a:solidFill>
                 <a:uFillTx/>
                 <a:latin typeface="Century Gothic"/>
               </a:rPr>
-              <a:t>Nicolas MEYNIEL, Damien PIEDANNA, Axel PISANI, Aurélien ROBINEAU													     Mercredi 7 novembre 2018 </a:t>
-            </a:r>
-          </a:p>
-          <a:p>
-            <a:pPr marL="0" marR="0" lvl="0" indent="0" algn="l" defTabSz="457200" rtl="0" fontAlgn="auto" hangingPunct="1">
-              <a:lnSpc>
-                <a:spcPct val="100000"/>
-              </a:lnSpc>
-              <a:spcBef>
-                <a:spcPts val="0"/>
-              </a:spcBef>
-              <a:spcAft>
-                <a:spcPts val="0"/>
-              </a:spcAft>
-              <a:buNone/>
-              <a:tabLst/>
-              <a:defRPr sz="1800" b="0" i="0" u="none" strike="noStrike" kern="0" cap="none" spc="0" baseline="0">
-                <a:solidFill>
-                  <a:srgbClr val="000000"/>
-                </a:solidFill>
-                <a:uFillTx/>
-              </a:defRPr>
-            </a:pPr>
-            <a:r>
-              <a:rPr lang="fr-FR" sz="1050" b="0" i="0" u="none" strike="noStrike" kern="1200" cap="none" spc="0" baseline="0">
-                <a:solidFill>
-                  <a:srgbClr val="FFFFFF"/>
+              <a:t>Présentation du projet          Les automates cellulaires          </a:t>
+            </a:r>
+            <a:r>
+              <a:rPr lang="fr-FR" sz="1100" b="1" i="0" u="none" strike="noStrike" kern="1200" cap="none" spc="0" baseline="0" dirty="0">
+                <a:solidFill>
+                  <a:srgbClr val="262626"/>
                 </a:solidFill>
                 <a:uFillTx/>
                 <a:latin typeface="Century Gothic"/>
               </a:rPr>
-              <a:t>Groupe 3B – 2</a:t>
-            </a:r>
-            <a:r>
-              <a:rPr lang="fr-FR" sz="1050" b="0" i="0" u="none" strike="noStrike" kern="1200" cap="none" spc="0" baseline="30000">
-                <a:solidFill>
-                  <a:srgbClr val="FFFFFF"/>
+              <a:t>Evolution du projet          </a:t>
+            </a:r>
+            <a:r>
+              <a:rPr lang="fr-FR" sz="1100" i="0" u="none" strike="noStrike" kern="1200" cap="none" spc="0" baseline="0" dirty="0">
+                <a:solidFill>
+                  <a:srgbClr val="262626"/>
                 </a:solidFill>
                 <a:uFillTx/>
                 <a:latin typeface="Century Gothic"/>
               </a:rPr>
-              <a:t>nd</a:t>
-            </a:r>
-            <a:r>
-              <a:rPr lang="fr-FR" sz="1050" b="0" i="0" u="none" strike="noStrike" kern="1200" cap="none" spc="0" baseline="0">
-                <a:solidFill>
-                  <a:srgbClr val="FFFFFF"/>
+              <a:t>Etat Final          </a:t>
+            </a:r>
+            <a:r>
+              <a:rPr lang="fr-FR" sz="1100" b="0" i="0" u="none" strike="noStrike" kern="1200" cap="none" spc="0" baseline="0" dirty="0">
+                <a:solidFill>
+                  <a:srgbClr val="262626"/>
                 </a:solidFill>
                 <a:uFillTx/>
                 <a:latin typeface="Century Gothic"/>
               </a:rPr>
-              <a:t> année															 				     													</a:t>
-            </a:r>
-          </a:p>
-        </p:txBody>
-      </p:sp>
-      <p:sp>
-        <p:nvSpPr>
-          <p:cNvPr id="3" name="ZoneTexte 2">
-            <a:extLst>
-              <a:ext uri="{FF2B5EF4-FFF2-40B4-BE49-F238E27FC236}">
-                <a16:creationId xmlns:a16="http://schemas.microsoft.com/office/drawing/2014/main" id="{E9FAD394-BBB6-4099-8D7A-5A8B1FF4B6D6}"/>
-              </a:ext>
-            </a:extLst>
-          </p:cNvPr>
-          <p:cNvSpPr txBox="1"/>
-          <p:nvPr/>
-        </p:nvSpPr>
-        <p:spPr>
-          <a:xfrm>
-            <a:off x="2139819" y="411992"/>
-            <a:ext cx="7912358" cy="707886"/>
-          </a:xfrm>
-          <a:prstGeom prst="rect">
-            <a:avLst/>
-          </a:prstGeom>
-          <a:noFill/>
-          <a:ln cap="rnd">
-            <a:noFill/>
-          </a:ln>
-        </p:spPr>
-        <p:txBody>
-          <a:bodyPr vert="horz" wrap="square" lIns="91440" tIns="45720" rIns="91440" bIns="45720" anchor="t" anchorCtr="1" compatLnSpc="1">
-            <a:spAutoFit/>
-          </a:bodyPr>
-          <a:lstStyle/>
+              <a:t>Les maths</a:t>
+            </a:r>
+          </a:p>
           <a:p>
             <a:pPr marL="0" marR="0" lvl="0" indent="0" algn="ctr" defTabSz="457200" rtl="0" fontAlgn="auto" hangingPunct="1">
               <a:lnSpc>
@@ -11041,24 +11617,204 @@
                 <a:uFillTx/>
               </a:defRPr>
             </a:pPr>
-            <a:r>
-              <a:rPr lang="fr-FR" sz="4000" b="1" dirty="0">
-                <a:solidFill>
-                  <a:srgbClr val="262626"/>
-                </a:solidFill>
-                <a:latin typeface="Century Gothic"/>
-              </a:rPr>
-              <a:t>État final</a:t>
-            </a:r>
-          </a:p>
-        </p:txBody>
-      </p:sp>
-      <p:sp>
-        <p:nvSpPr>
-          <p:cNvPr id="5" name="Espace réservé du numéro de diapositive 4">
-            <a:extLst>
-              <a:ext uri="{FF2B5EF4-FFF2-40B4-BE49-F238E27FC236}">
-                <a16:creationId xmlns:a16="http://schemas.microsoft.com/office/drawing/2014/main" id="{4AD8B6A5-3781-46CE-9CA4-3A42721726F4}"/>
+            <a:endParaRPr lang="fr-FR" sz="1800" b="0" i="0" u="none" strike="noStrike" kern="1200" cap="none" spc="0" baseline="0" dirty="0">
+              <a:solidFill>
+                <a:srgbClr val="FFFFFF"/>
+              </a:solidFill>
+              <a:uFillTx/>
+              <a:latin typeface="Century Gothic"/>
+            </a:endParaRPr>
+          </a:p>
+        </p:txBody>
+      </p:sp>
+      <p:cxnSp>
+        <p:nvCxnSpPr>
+          <p:cNvPr id="13" name="Connecteur droit avec flèche 6">
+            <a:extLst>
+              <a:ext uri="{FF2B5EF4-FFF2-40B4-BE49-F238E27FC236}">
+                <a16:creationId xmlns:a16="http://schemas.microsoft.com/office/drawing/2014/main" id="{74955A6A-DEAC-4B40-8D3B-7C4B72C94859}"/>
+              </a:ext>
+            </a:extLst>
+          </p:cNvPr>
+          <p:cNvCxnSpPr>
+            <a:cxnSpLocks/>
+          </p:cNvCxnSpPr>
+          <p:nvPr/>
+        </p:nvCxnSpPr>
+        <p:spPr>
+          <a:xfrm>
+            <a:off x="4026313" y="342287"/>
+            <a:ext cx="280218" cy="0"/>
+          </a:xfrm>
+          <a:prstGeom prst="straightConnector1">
+            <a:avLst/>
+          </a:prstGeom>
+          <a:ln w="9525" cap="flat" cmpd="sng" algn="ctr">
+            <a:solidFill>
+              <a:schemeClr val="dk1"/>
+            </a:solidFill>
+            <a:prstDash val="solid"/>
+            <a:round/>
+            <a:headEnd type="none" w="med" len="med"/>
+            <a:tailEnd type="arrow" w="med" len="med"/>
+          </a:ln>
+        </p:spPr>
+        <p:style>
+          <a:lnRef idx="0">
+            <a:scrgbClr r="0" g="0" b="0"/>
+          </a:lnRef>
+          <a:fillRef idx="0">
+            <a:scrgbClr r="0" g="0" b="0"/>
+          </a:fillRef>
+          <a:effectRef idx="0">
+            <a:scrgbClr r="0" g="0" b="0"/>
+          </a:effectRef>
+          <a:fontRef idx="minor">
+            <a:schemeClr val="tx1"/>
+          </a:fontRef>
+        </p:style>
+      </p:cxnSp>
+      <p:cxnSp>
+        <p:nvCxnSpPr>
+          <p:cNvPr id="14" name="Connecteur droit avec flèche 8">
+            <a:extLst>
+              <a:ext uri="{FF2B5EF4-FFF2-40B4-BE49-F238E27FC236}">
+                <a16:creationId xmlns:a16="http://schemas.microsoft.com/office/drawing/2014/main" id="{6B319ED6-9D2C-4CA8-960A-F734FF386CD4}"/>
+              </a:ext>
+            </a:extLst>
+          </p:cNvPr>
+          <p:cNvCxnSpPr/>
+          <p:nvPr/>
+        </p:nvCxnSpPr>
+        <p:spPr>
+          <a:xfrm>
+            <a:off x="6096003" y="342287"/>
+            <a:ext cx="280217" cy="0"/>
+          </a:xfrm>
+          <a:prstGeom prst="straightConnector1">
+            <a:avLst/>
+          </a:prstGeom>
+          <a:ln w="9525" cap="flat" cmpd="sng" algn="ctr">
+            <a:solidFill>
+              <a:schemeClr val="dk1"/>
+            </a:solidFill>
+            <a:prstDash val="solid"/>
+            <a:round/>
+            <a:headEnd type="none" w="med" len="med"/>
+            <a:tailEnd type="arrow" w="med" len="med"/>
+          </a:ln>
+        </p:spPr>
+        <p:style>
+          <a:lnRef idx="0">
+            <a:scrgbClr r="0" g="0" b="0"/>
+          </a:lnRef>
+          <a:fillRef idx="0">
+            <a:scrgbClr r="0" g="0" b="0"/>
+          </a:fillRef>
+          <a:effectRef idx="0">
+            <a:scrgbClr r="0" g="0" b="0"/>
+          </a:effectRef>
+          <a:fontRef idx="minor">
+            <a:schemeClr val="tx1"/>
+          </a:fontRef>
+        </p:style>
+      </p:cxnSp>
+      <p:cxnSp>
+        <p:nvCxnSpPr>
+          <p:cNvPr id="15" name="Connecteur droit avec flèche 9">
+            <a:extLst>
+              <a:ext uri="{FF2B5EF4-FFF2-40B4-BE49-F238E27FC236}">
+                <a16:creationId xmlns:a16="http://schemas.microsoft.com/office/drawing/2014/main" id="{D3BEEAA2-BAAB-4FBD-A7F2-5C3D2B67909C}"/>
+              </a:ext>
+            </a:extLst>
+          </p:cNvPr>
+          <p:cNvCxnSpPr/>
+          <p:nvPr/>
+        </p:nvCxnSpPr>
+        <p:spPr>
+          <a:xfrm>
+            <a:off x="7740441" y="332759"/>
+            <a:ext cx="280218" cy="0"/>
+          </a:xfrm>
+          <a:prstGeom prst="straightConnector1">
+            <a:avLst/>
+          </a:prstGeom>
+          <a:ln w="9525" cap="flat" cmpd="sng" algn="ctr">
+            <a:solidFill>
+              <a:schemeClr val="dk1"/>
+            </a:solidFill>
+            <a:prstDash val="solid"/>
+            <a:round/>
+            <a:headEnd type="none" w="med" len="med"/>
+            <a:tailEnd type="arrow" w="med" len="med"/>
+          </a:ln>
+        </p:spPr>
+        <p:style>
+          <a:lnRef idx="0">
+            <a:scrgbClr r="0" g="0" b="0"/>
+          </a:lnRef>
+          <a:fillRef idx="0">
+            <a:scrgbClr r="0" g="0" b="0"/>
+          </a:fillRef>
+          <a:effectRef idx="0">
+            <a:scrgbClr r="0" g="0" b="0"/>
+          </a:effectRef>
+          <a:fontRef idx="minor">
+            <a:schemeClr val="tx1"/>
+          </a:fontRef>
+        </p:style>
+      </p:cxnSp>
+      <p:cxnSp>
+        <p:nvCxnSpPr>
+          <p:cNvPr id="16" name="Connecteur droit avec flèche 10">
+            <a:extLst>
+              <a:ext uri="{FF2B5EF4-FFF2-40B4-BE49-F238E27FC236}">
+                <a16:creationId xmlns:a16="http://schemas.microsoft.com/office/drawing/2014/main" id="{72A87FF4-63A6-4784-A646-669B97754B06}"/>
+              </a:ext>
+            </a:extLst>
+          </p:cNvPr>
+          <p:cNvCxnSpPr/>
+          <p:nvPr/>
+        </p:nvCxnSpPr>
+        <p:spPr>
+          <a:xfrm>
+            <a:off x="8735958" y="332448"/>
+            <a:ext cx="280227" cy="0"/>
+          </a:xfrm>
+          <a:prstGeom prst="straightConnector1">
+            <a:avLst/>
+          </a:prstGeom>
+          <a:ln w="9525" cap="flat" cmpd="sng" algn="ctr">
+            <a:solidFill>
+              <a:schemeClr val="dk1"/>
+            </a:solidFill>
+            <a:prstDash val="solid"/>
+            <a:round/>
+            <a:headEnd type="none" w="med" len="med"/>
+            <a:tailEnd type="arrow" w="med" len="med"/>
+          </a:ln>
+        </p:spPr>
+        <p:style>
+          <a:lnRef idx="0">
+            <a:scrgbClr r="0" g="0" b="0"/>
+          </a:lnRef>
+          <a:fillRef idx="0">
+            <a:scrgbClr r="0" g="0" b="0"/>
+          </a:fillRef>
+          <a:effectRef idx="0">
+            <a:scrgbClr r="0" g="0" b="0"/>
+          </a:effectRef>
+          <a:fontRef idx="minor">
+            <a:schemeClr val="tx1"/>
+          </a:fontRef>
+        </p:style>
+      </p:cxnSp>
+      <p:sp>
+        <p:nvSpPr>
+          <p:cNvPr id="17" name="Espace réservé du numéro de diapositive 7">
+            <a:extLst>
+              <a:ext uri="{FF2B5EF4-FFF2-40B4-BE49-F238E27FC236}">
+                <a16:creationId xmlns:a16="http://schemas.microsoft.com/office/drawing/2014/main" id="{1580C8B6-76DB-45B2-86EC-F5A7975892B8}"/>
               </a:ext>
             </a:extLst>
           </p:cNvPr>
@@ -11103,7 +11859,7 @@
                 <a:uFillTx/>
               </a:defRPr>
             </a:pPr>
-            <a:fld id="{FD1251E9-295D-4DFD-A63B-58872DCC76F5}" type="slidenum">
+            <a:fld id="{1A0F8804-A8AF-488B-BABF-40AC271FABDD}" type="slidenum">
               <a:t>16</a:t>
             </a:fld>
             <a:endParaRPr lang="fr-FR" sz="900" b="1" i="0" u="none" strike="noStrike" kern="1200" cap="none" spc="0" baseline="0">
@@ -11121,40 +11877,204 @@
           </a:p>
         </p:txBody>
       </p:sp>
-      <p:pic>
-        <p:nvPicPr>
-          <p:cNvPr id="4" name="Image 3">
-            <a:extLst>
-              <a:ext uri="{FF2B5EF4-FFF2-40B4-BE49-F238E27FC236}">
-                <a16:creationId xmlns:a16="http://schemas.microsoft.com/office/drawing/2014/main" id="{5036838A-3316-4454-8EE9-A44795A56EA3}"/>
-              </a:ext>
-            </a:extLst>
-          </p:cNvPr>
-          <p:cNvPicPr>
-            <a:picLocks noChangeAspect="1"/>
-          </p:cNvPicPr>
-          <p:nvPr/>
-        </p:nvPicPr>
-        <p:blipFill>
-          <a:blip r:embed="rId2"/>
-          <a:stretch>
-            <a:fillRect/>
-          </a:stretch>
-        </p:blipFill>
-        <p:spPr>
-          <a:xfrm>
-            <a:off x="2162522" y="1376175"/>
-            <a:ext cx="7889655" cy="4985719"/>
+      <p:sp>
+        <p:nvSpPr>
+          <p:cNvPr id="18" name="ZoneTexte 12">
+            <a:extLst>
+              <a:ext uri="{FF2B5EF4-FFF2-40B4-BE49-F238E27FC236}">
+                <a16:creationId xmlns:a16="http://schemas.microsoft.com/office/drawing/2014/main" id="{E53531DC-3A45-4739-9523-1FC5EEDF4DC5}"/>
+              </a:ext>
+            </a:extLst>
+          </p:cNvPr>
+          <p:cNvSpPr txBox="1"/>
+          <p:nvPr/>
+        </p:nvSpPr>
+        <p:spPr>
+          <a:xfrm>
+            <a:off x="0" y="6451137"/>
+            <a:ext cx="12191996" cy="577077"/>
           </a:xfrm>
           <a:prstGeom prst="rect">
             <a:avLst/>
           </a:prstGeom>
-        </p:spPr>
-      </p:pic>
+          <a:noFill/>
+          <a:ln cap="rnd">
+            <a:noFill/>
+          </a:ln>
+        </p:spPr>
+        <p:txBody>
+          <a:bodyPr vert="horz" wrap="square" lIns="91440" tIns="45720" rIns="91440" bIns="45720" anchor="t" anchorCtr="0" compatLnSpc="1">
+            <a:spAutoFit/>
+          </a:bodyPr>
+          <a:lstStyle/>
+          <a:p>
+            <a:pPr marL="0" marR="0" lvl="0" indent="0" algn="l" defTabSz="457200" rtl="0" fontAlgn="auto" hangingPunct="1">
+              <a:lnSpc>
+                <a:spcPct val="100000"/>
+              </a:lnSpc>
+              <a:spcBef>
+                <a:spcPts val="0"/>
+              </a:spcBef>
+              <a:spcAft>
+                <a:spcPts val="0"/>
+              </a:spcAft>
+              <a:buNone/>
+              <a:tabLst/>
+              <a:defRPr sz="1800" b="0" i="0" u="none" strike="noStrike" kern="0" cap="none" spc="0" baseline="0">
+                <a:solidFill>
+                  <a:srgbClr val="000000"/>
+                </a:solidFill>
+                <a:uFillTx/>
+              </a:defRPr>
+            </a:pPr>
+            <a:r>
+              <a:rPr lang="fr-FR" sz="1050" b="0" i="0" u="none" strike="noStrike" kern="1200" cap="none" spc="0" baseline="0">
+                <a:solidFill>
+                  <a:srgbClr val="FFFFFF"/>
+                </a:solidFill>
+                <a:uFillTx/>
+                <a:latin typeface="Century Gothic"/>
+              </a:rPr>
+              <a:t>Nicolas MEYNIEL, Damien PIEDANNA, Axel PISANI, Aurélien ROBINEAU													     Mercredi 7 novembre 2018 </a:t>
+            </a:r>
+          </a:p>
+          <a:p>
+            <a:pPr marL="0" marR="0" lvl="0" indent="0" algn="l" defTabSz="457200" rtl="0" fontAlgn="auto" hangingPunct="1">
+              <a:lnSpc>
+                <a:spcPct val="100000"/>
+              </a:lnSpc>
+              <a:spcBef>
+                <a:spcPts val="0"/>
+              </a:spcBef>
+              <a:spcAft>
+                <a:spcPts val="0"/>
+              </a:spcAft>
+              <a:buNone/>
+              <a:tabLst/>
+              <a:defRPr sz="1800" b="0" i="0" u="none" strike="noStrike" kern="0" cap="none" spc="0" baseline="0">
+                <a:solidFill>
+                  <a:srgbClr val="000000"/>
+                </a:solidFill>
+                <a:uFillTx/>
+              </a:defRPr>
+            </a:pPr>
+            <a:r>
+              <a:rPr lang="fr-FR" sz="1050" b="0" i="0" u="none" strike="noStrike" kern="1200" cap="none" spc="0" baseline="0">
+                <a:solidFill>
+                  <a:srgbClr val="FFFFFF"/>
+                </a:solidFill>
+                <a:uFillTx/>
+                <a:latin typeface="Century Gothic"/>
+              </a:rPr>
+              <a:t>Groupe 3B – 2</a:t>
+            </a:r>
+            <a:r>
+              <a:rPr lang="fr-FR" sz="1050" b="0" i="0" u="none" strike="noStrike" kern="1200" cap="none" spc="0" baseline="30000">
+                <a:solidFill>
+                  <a:srgbClr val="FFFFFF"/>
+                </a:solidFill>
+                <a:uFillTx/>
+                <a:latin typeface="Century Gothic"/>
+              </a:rPr>
+              <a:t>nd</a:t>
+            </a:r>
+            <a:r>
+              <a:rPr lang="fr-FR" sz="1050" b="0" i="0" u="none" strike="noStrike" kern="1200" cap="none" spc="0" baseline="0">
+                <a:solidFill>
+                  <a:srgbClr val="FFFFFF"/>
+                </a:solidFill>
+                <a:uFillTx/>
+                <a:latin typeface="Century Gothic"/>
+              </a:rPr>
+              <a:t> année															 				     													</a:t>
+            </a:r>
+          </a:p>
+        </p:txBody>
+      </p:sp>
+      <p:sp>
+        <p:nvSpPr>
+          <p:cNvPr id="19" name="ZoneTexte 18">
+            <a:extLst>
+              <a:ext uri="{FF2B5EF4-FFF2-40B4-BE49-F238E27FC236}">
+                <a16:creationId xmlns:a16="http://schemas.microsoft.com/office/drawing/2014/main" id="{B9195FC4-C2E4-43D7-8BAF-97534124B800}"/>
+              </a:ext>
+            </a:extLst>
+          </p:cNvPr>
+          <p:cNvSpPr txBox="1"/>
+          <p:nvPr/>
+        </p:nvSpPr>
+        <p:spPr>
+          <a:xfrm>
+            <a:off x="4101881" y="1743146"/>
+            <a:ext cx="3988233" cy="646331"/>
+          </a:xfrm>
+          <a:prstGeom prst="rect">
+            <a:avLst/>
+          </a:prstGeom>
+          <a:noFill/>
+        </p:spPr>
+        <p:txBody>
+          <a:bodyPr wrap="square" rtlCol="0">
+            <a:spAutoFit/>
+          </a:bodyPr>
+          <a:lstStyle/>
+          <a:p>
+            <a:pPr algn="ctr"/>
+            <a:r>
+              <a:rPr lang="fr-FR" sz="3600" dirty="0">
+                <a:solidFill>
+                  <a:srgbClr val="8ECE55"/>
+                </a:solidFill>
+              </a:rPr>
+              <a:t>Fleuves</a:t>
+            </a:r>
+          </a:p>
+        </p:txBody>
+      </p:sp>
+      <p:sp>
+        <p:nvSpPr>
+          <p:cNvPr id="20" name="ZoneTexte 19">
+            <a:extLst>
+              <a:ext uri="{FF2B5EF4-FFF2-40B4-BE49-F238E27FC236}">
+                <a16:creationId xmlns:a16="http://schemas.microsoft.com/office/drawing/2014/main" id="{2391022A-6709-4890-8BF0-CF032E9A94BB}"/>
+              </a:ext>
+            </a:extLst>
+          </p:cNvPr>
+          <p:cNvSpPr txBox="1"/>
+          <p:nvPr/>
+        </p:nvSpPr>
+        <p:spPr>
+          <a:xfrm>
+            <a:off x="3886198" y="3727809"/>
+            <a:ext cx="4419597" cy="461665"/>
+          </a:xfrm>
+          <a:prstGeom prst="rect">
+            <a:avLst/>
+          </a:prstGeom>
+          <a:noFill/>
+        </p:spPr>
+        <p:txBody>
+          <a:bodyPr wrap="square" rtlCol="0">
+            <a:spAutoFit/>
+          </a:bodyPr>
+          <a:lstStyle/>
+          <a:p>
+            <a:pPr algn="ctr"/>
+            <a:r>
+              <a:rPr lang="fr-FR" sz="2400" dirty="0">
+                <a:solidFill>
+                  <a:schemeClr val="bg1"/>
+                </a:solidFill>
+              </a:rPr>
+              <a:t>Entravent la propagation du virus</a:t>
+            </a:r>
+          </a:p>
+        </p:txBody>
+      </p:sp>
     </p:spTree>
     <p:extLst>
       <p:ext uri="{BB962C8B-B14F-4D97-AF65-F5344CB8AC3E}">
-        <p14:creationId xmlns:p14="http://schemas.microsoft.com/office/powerpoint/2010/main" val="1898689614"/>
+        <p14:creationId xmlns:p14="http://schemas.microsoft.com/office/powerpoint/2010/main" val="3592027150"/>
       </p:ext>
     </p:extLst>
   </p:cSld>
@@ -11198,78 +12118,10 @@
       </p:grpSpPr>
       <p:sp>
         <p:nvSpPr>
-          <p:cNvPr id="7" name="Espace réservé du numéro de diapositive 1">
-            <a:extLst>
-              <a:ext uri="{FF2B5EF4-FFF2-40B4-BE49-F238E27FC236}">
-                <a16:creationId xmlns:a16="http://schemas.microsoft.com/office/drawing/2014/main" id="{ACAE1147-1386-478E-8609-02524CBEC5A0}"/>
-              </a:ext>
-            </a:extLst>
-          </p:cNvPr>
-          <p:cNvSpPr txBox="1"/>
-          <p:nvPr/>
-        </p:nvSpPr>
-        <p:spPr>
-          <a:xfrm>
-            <a:off x="11640833" y="6557107"/>
-            <a:ext cx="551163" cy="365129"/>
-          </a:xfrm>
-          <a:prstGeom prst="rect">
-            <a:avLst/>
-          </a:prstGeom>
-          <a:noFill/>
-          <a:ln cap="rnd">
-            <a:noFill/>
-          </a:ln>
-        </p:spPr>
-        <p:txBody>
-          <a:bodyPr vert="horz" wrap="square" lIns="91440" tIns="45720" rIns="91440" bIns="45720" anchor="ctr" anchorCtr="0" compatLnSpc="1">
-            <a:noAutofit/>
-          </a:bodyPr>
-          <a:lstStyle/>
-          <a:p>
-            <a:pPr marL="0" marR="0" lvl="0" indent="0" algn="r" defTabSz="457200" rtl="0" fontAlgn="auto" hangingPunct="1">
-              <a:lnSpc>
-                <a:spcPct val="100000"/>
-              </a:lnSpc>
-              <a:spcBef>
-                <a:spcPts val="0"/>
-              </a:spcBef>
-              <a:spcAft>
-                <a:spcPts val="0"/>
-              </a:spcAft>
-              <a:buNone/>
-              <a:tabLst/>
-              <a:defRPr sz="1800" b="0" i="0" u="none" strike="noStrike" kern="0" cap="none" spc="0" baseline="0">
-                <a:solidFill>
-                  <a:srgbClr val="000000"/>
-                </a:solidFill>
-                <a:uFillTx/>
-              </a:defRPr>
-            </a:pPr>
-            <a:fld id="{D7BCEA47-A648-4F36-AE1F-D3D50854FB8A}" type="slidenum">
-              <a:t>17</a:t>
-            </a:fld>
-            <a:endParaRPr lang="fr-FR" sz="900" b="1" i="0" u="none" strike="noStrike" kern="1200" cap="none" spc="0" baseline="0">
-              <a:solidFill>
-                <a:srgbClr val="BFBFBF"/>
-              </a:solidFill>
-              <a:effectLst>
-                <a:outerShdw dist="38096" dir="2700000">
-                  <a:srgbClr val="000000"/>
-                </a:outerShdw>
-              </a:effectLst>
-              <a:uFillTx/>
-              <a:latin typeface="Century Gothic"/>
-            </a:endParaRPr>
-          </a:p>
-        </p:txBody>
-      </p:sp>
-      <p:sp>
-        <p:nvSpPr>
-          <p:cNvPr id="11" name="Rectangle 10">
-            <a:extLst>
-              <a:ext uri="{FF2B5EF4-FFF2-40B4-BE49-F238E27FC236}">
-                <a16:creationId xmlns:a16="http://schemas.microsoft.com/office/drawing/2014/main" id="{E9AAA5E3-744A-413A-B973-FD1D5EEF70C1}"/>
+          <p:cNvPr id="10" name="Rectangle 9">
+            <a:extLst>
+              <a:ext uri="{FF2B5EF4-FFF2-40B4-BE49-F238E27FC236}">
+                <a16:creationId xmlns:a16="http://schemas.microsoft.com/office/drawing/2014/main" id="{14545409-EA72-441B-AF95-8E5093F376DA}"/>
               </a:ext>
             </a:extLst>
           </p:cNvPr>
@@ -11318,10 +12170,10 @@
       </p:sp>
       <p:sp>
         <p:nvSpPr>
-          <p:cNvPr id="12" name="ZoneTexte 2">
-            <a:extLst>
-              <a:ext uri="{FF2B5EF4-FFF2-40B4-BE49-F238E27FC236}">
-                <a16:creationId xmlns:a16="http://schemas.microsoft.com/office/drawing/2014/main" id="{B9839CA4-5015-43A2-97D5-F9425CF60E56}"/>
+          <p:cNvPr id="11" name="ZoneTexte 2">
+            <a:extLst>
+              <a:ext uri="{FF2B5EF4-FFF2-40B4-BE49-F238E27FC236}">
+                <a16:creationId xmlns:a16="http://schemas.microsoft.com/office/drawing/2014/main" id="{7929C5AD-AA64-4CF2-A124-24A95209C860}"/>
               </a:ext>
             </a:extLst>
           </p:cNvPr>
@@ -11374,7 +12226,7 @@
                 <a:uFillTx/>
                 <a:latin typeface="Century Gothic"/>
               </a:rPr>
-              <a:t>Présentation du projet          Les automates cellulaires          </a:t>
+              <a:t>Présentation du projet          </a:t>
             </a:r>
             <a:r>
               <a:rPr lang="fr-FR" sz="1100" b="0" i="0" u="none" strike="noStrike" kern="1200" cap="none" spc="0" baseline="0" dirty="0">
@@ -11384,27 +12236,27 @@
                 <a:uFillTx/>
                 <a:latin typeface="Century Gothic"/>
               </a:rPr>
+              <a:t>Les automates cellulaires          </a:t>
+            </a:r>
+            <a:r>
+              <a:rPr lang="fr-FR" sz="1100" b="1" i="0" u="none" strike="noStrike" kern="1200" cap="none" spc="0" baseline="0" dirty="0">
+                <a:solidFill>
+                  <a:srgbClr val="262626"/>
+                </a:solidFill>
+                <a:uFillTx/>
+                <a:latin typeface="Century Gothic"/>
+              </a:rPr>
               <a:t>Evolution du projet          </a:t>
             </a:r>
             <a:r>
-              <a:rPr lang="fr-FR" sz="1100" b="1" i="0" u="none" strike="noStrike" kern="1200" cap="none" spc="0" baseline="0" dirty="0">
+              <a:rPr lang="fr-FR" sz="1100" b="0" i="0" u="none" strike="noStrike" kern="1200" cap="none" spc="0" baseline="0" dirty="0">
                 <a:solidFill>
                   <a:srgbClr val="262626"/>
                 </a:solidFill>
                 <a:uFillTx/>
                 <a:latin typeface="Century Gothic"/>
               </a:rPr>
-              <a:t>Etat Final          </a:t>
-            </a:r>
-            <a:r>
-              <a:rPr lang="fr-FR" sz="1100" b="0" i="0" u="none" strike="noStrike" kern="1200" cap="none" spc="0" baseline="0" dirty="0">
-                <a:solidFill>
-                  <a:srgbClr val="262626"/>
-                </a:solidFill>
-                <a:uFillTx/>
-                <a:latin typeface="Century Gothic"/>
-              </a:rPr>
-              <a:t>Les maths</a:t>
+              <a:t>Etat Final          Les maths</a:t>
             </a:r>
           </a:p>
           <a:p>
@@ -11439,10 +12291,10 @@
       </p:sp>
       <p:cxnSp>
         <p:nvCxnSpPr>
-          <p:cNvPr id="13" name="Connecteur droit avec flèche 6">
-            <a:extLst>
-              <a:ext uri="{FF2B5EF4-FFF2-40B4-BE49-F238E27FC236}">
-                <a16:creationId xmlns:a16="http://schemas.microsoft.com/office/drawing/2014/main" id="{74955A6A-DEAC-4B40-8D3B-7C4B72C94859}"/>
+          <p:cNvPr id="12" name="Connecteur droit avec flèche 6">
+            <a:extLst>
+              <a:ext uri="{FF2B5EF4-FFF2-40B4-BE49-F238E27FC236}">
+                <a16:creationId xmlns:a16="http://schemas.microsoft.com/office/drawing/2014/main" id="{EECCCF15-3DB6-4F3A-9813-EB58B99BBDD9}"/>
               </a:ext>
             </a:extLst>
           </p:cNvPr>
@@ -11486,10 +12338,10 @@
       </p:cxnSp>
       <p:cxnSp>
         <p:nvCxnSpPr>
-          <p:cNvPr id="14" name="Connecteur droit avec flèche 8">
-            <a:extLst>
-              <a:ext uri="{FF2B5EF4-FFF2-40B4-BE49-F238E27FC236}">
-                <a16:creationId xmlns:a16="http://schemas.microsoft.com/office/drawing/2014/main" id="{6B319ED6-9D2C-4CA8-960A-F734FF386CD4}"/>
+          <p:cNvPr id="13" name="Connecteur droit avec flèche 8">
+            <a:extLst>
+              <a:ext uri="{FF2B5EF4-FFF2-40B4-BE49-F238E27FC236}">
+                <a16:creationId xmlns:a16="http://schemas.microsoft.com/office/drawing/2014/main" id="{07E42419-CC06-4CB3-8FAE-0BACA8DA9E4F}"/>
               </a:ext>
             </a:extLst>
           </p:cNvPr>
@@ -11531,10 +12383,10 @@
       </p:cxnSp>
       <p:cxnSp>
         <p:nvCxnSpPr>
-          <p:cNvPr id="15" name="Connecteur droit avec flèche 9">
-            <a:extLst>
-              <a:ext uri="{FF2B5EF4-FFF2-40B4-BE49-F238E27FC236}">
-                <a16:creationId xmlns:a16="http://schemas.microsoft.com/office/drawing/2014/main" id="{D3BEEAA2-BAAB-4FBD-A7F2-5C3D2B67909C}"/>
+          <p:cNvPr id="14" name="Connecteur droit avec flèche 9">
+            <a:extLst>
+              <a:ext uri="{FF2B5EF4-FFF2-40B4-BE49-F238E27FC236}">
+                <a16:creationId xmlns:a16="http://schemas.microsoft.com/office/drawing/2014/main" id="{93E8C0AB-98EA-4764-8FB4-893EBB10E7C4}"/>
               </a:ext>
             </a:extLst>
           </p:cNvPr>
@@ -11576,10 +12428,10 @@
       </p:cxnSp>
       <p:cxnSp>
         <p:nvCxnSpPr>
-          <p:cNvPr id="16" name="Connecteur droit avec flèche 10">
-            <a:extLst>
-              <a:ext uri="{FF2B5EF4-FFF2-40B4-BE49-F238E27FC236}">
-                <a16:creationId xmlns:a16="http://schemas.microsoft.com/office/drawing/2014/main" id="{72A87FF4-63A6-4784-A646-669B97754B06}"/>
+          <p:cNvPr id="15" name="Connecteur droit avec flèche 10">
+            <a:extLst>
+              <a:ext uri="{FF2B5EF4-FFF2-40B4-BE49-F238E27FC236}">
+                <a16:creationId xmlns:a16="http://schemas.microsoft.com/office/drawing/2014/main" id="{929BC0F3-09BE-4B7C-A5AA-902705F825D2}"/>
               </a:ext>
             </a:extLst>
           </p:cNvPr>
@@ -11621,10 +12473,10 @@
       </p:cxnSp>
       <p:sp>
         <p:nvSpPr>
-          <p:cNvPr id="17" name="Espace réservé du numéro de diapositive 7">
-            <a:extLst>
-              <a:ext uri="{FF2B5EF4-FFF2-40B4-BE49-F238E27FC236}">
-                <a16:creationId xmlns:a16="http://schemas.microsoft.com/office/drawing/2014/main" id="{1580C8B6-76DB-45B2-86EC-F5A7975892B8}"/>
+          <p:cNvPr id="16" name="Espace réservé du numéro de diapositive 7">
+            <a:extLst>
+              <a:ext uri="{FF2B5EF4-FFF2-40B4-BE49-F238E27FC236}">
+                <a16:creationId xmlns:a16="http://schemas.microsoft.com/office/drawing/2014/main" id="{8C048B46-6BD8-4132-AF2D-92957401B8FB}"/>
               </a:ext>
             </a:extLst>
           </p:cNvPr>
@@ -11689,10 +12541,10 @@
       </p:sp>
       <p:sp>
         <p:nvSpPr>
-          <p:cNvPr id="18" name="ZoneTexte 12">
-            <a:extLst>
-              <a:ext uri="{FF2B5EF4-FFF2-40B4-BE49-F238E27FC236}">
-                <a16:creationId xmlns:a16="http://schemas.microsoft.com/office/drawing/2014/main" id="{E53531DC-3A45-4739-9523-1FC5EEDF4DC5}"/>
+          <p:cNvPr id="17" name="ZoneTexte 12">
+            <a:extLst>
+              <a:ext uri="{FF2B5EF4-FFF2-40B4-BE49-F238E27FC236}">
+                <a16:creationId xmlns:a16="http://schemas.microsoft.com/office/drawing/2014/main" id="{4E193489-407B-45FA-B319-B389661AB017}"/>
               </a:ext>
             </a:extLst>
           </p:cNvPr>
@@ -11801,190 +12653,57 @@
           </a:p>
         </p:txBody>
       </p:sp>
-      <p:sp>
-        <p:nvSpPr>
-          <p:cNvPr id="19" name="ZoneTexte 18">
-            <a:extLst>
-              <a:ext uri="{FF2B5EF4-FFF2-40B4-BE49-F238E27FC236}">
-                <a16:creationId xmlns:a16="http://schemas.microsoft.com/office/drawing/2014/main" id="{B9195FC4-C2E4-43D7-8BAF-97534124B800}"/>
-              </a:ext>
-            </a:extLst>
-          </p:cNvPr>
-          <p:cNvSpPr txBox="1"/>
-          <p:nvPr/>
-        </p:nvSpPr>
-        <p:spPr>
-          <a:xfrm>
-            <a:off x="4101881" y="1743146"/>
-            <a:ext cx="3988233" cy="646331"/>
+      <p:pic>
+        <p:nvPicPr>
+          <p:cNvPr id="9218" name="Picture 2" descr="https://puu.sh/BXubp/7d8059b752.png?fbclid=IwAR1PpeaHu6IBpRlFNlcfVDR2LTntIT4iVgVWZgbmomeJg-tqn5WrU-HoodY">
+            <a:extLst>
+              <a:ext uri="{FF2B5EF4-FFF2-40B4-BE49-F238E27FC236}">
+                <a16:creationId xmlns:a16="http://schemas.microsoft.com/office/drawing/2014/main" id="{D1EF93E5-8810-4D43-8AA1-A7D08C271753}"/>
+              </a:ext>
+            </a:extLst>
+          </p:cNvPr>
+          <p:cNvPicPr>
+            <a:picLocks noChangeAspect="1" noChangeArrowheads="1"/>
+          </p:cNvPicPr>
+          <p:nvPr/>
+        </p:nvPicPr>
+        <p:blipFill>
+          <a:blip r:embed="rId2">
+            <a:extLst>
+              <a:ext uri="{28A0092B-C50C-407E-A947-70E740481C1C}">
+                <a14:useLocalDpi xmlns:a14="http://schemas.microsoft.com/office/drawing/2010/main" val="0"/>
+              </a:ext>
+            </a:extLst>
+          </a:blip>
+          <a:srcRect/>
+          <a:stretch>
+            <a:fillRect/>
+          </a:stretch>
+        </p:blipFill>
+        <p:spPr bwMode="auto">
+          <a:xfrm>
+            <a:off x="3788979" y="738767"/>
+            <a:ext cx="4614038" cy="5627511"/>
           </a:xfrm>
           <a:prstGeom prst="rect">
             <a:avLst/>
           </a:prstGeom>
           <a:noFill/>
-        </p:spPr>
-        <p:txBody>
-          <a:bodyPr wrap="square" rtlCol="0">
-            <a:spAutoFit/>
-          </a:bodyPr>
-          <a:lstStyle/>
-          <a:p>
-            <a:pPr algn="ctr"/>
-            <a:r>
-              <a:rPr lang="fr-FR" sz="3600" dirty="0">
-                <a:solidFill>
-                  <a:srgbClr val="8ECE55"/>
-                </a:solidFill>
-              </a:rPr>
-              <a:t>Cellules</a:t>
-            </a:r>
-          </a:p>
-        </p:txBody>
-      </p:sp>
-      <p:sp>
-        <p:nvSpPr>
-          <p:cNvPr id="20" name="ZoneTexte 19">
-            <a:extLst>
-              <a:ext uri="{FF2B5EF4-FFF2-40B4-BE49-F238E27FC236}">
-                <a16:creationId xmlns:a16="http://schemas.microsoft.com/office/drawing/2014/main" id="{2391022A-6709-4890-8BF0-CF032E9A94BB}"/>
-              </a:ext>
-            </a:extLst>
-          </p:cNvPr>
-          <p:cNvSpPr txBox="1"/>
-          <p:nvPr/>
-        </p:nvSpPr>
-        <p:spPr>
-          <a:xfrm>
-            <a:off x="557076" y="2875001"/>
-            <a:ext cx="4419597" cy="1938992"/>
-          </a:xfrm>
-          <a:prstGeom prst="rect">
-            <a:avLst/>
-          </a:prstGeom>
-          <a:noFill/>
-        </p:spPr>
-        <p:txBody>
-          <a:bodyPr wrap="square" rtlCol="0">
-            <a:spAutoFit/>
-          </a:bodyPr>
-          <a:lstStyle/>
-          <a:p>
-            <a:pPr algn="ctr"/>
-            <a:r>
-              <a:rPr lang="fr-FR" sz="2400" dirty="0">
-                <a:solidFill>
-                  <a:srgbClr val="8ECE55"/>
-                </a:solidFill>
-              </a:rPr>
-              <a:t>Type</a:t>
-            </a:r>
-          </a:p>
-          <a:p>
-            <a:pPr algn="ctr"/>
-            <a:endParaRPr lang="fr-FR" sz="2400" dirty="0">
-              <a:solidFill>
-                <a:srgbClr val="8ECE55"/>
-              </a:solidFill>
-            </a:endParaRPr>
-          </a:p>
-          <a:p>
-            <a:pPr algn="ctr"/>
-            <a:r>
-              <a:rPr lang="fr-FR" sz="2400" dirty="0">
-                <a:solidFill>
-                  <a:schemeClr val="bg1"/>
-                </a:solidFill>
-              </a:rPr>
-              <a:t>Saine, Infectée, Guérie, Morte</a:t>
-            </a:r>
-          </a:p>
-          <a:p>
-            <a:pPr algn="ctr"/>
-            <a:r>
-              <a:rPr lang="fr-FR" sz="2400" dirty="0">
-                <a:solidFill>
-                  <a:schemeClr val="bg1"/>
-                </a:solidFill>
-              </a:rPr>
-              <a:t>ou</a:t>
-            </a:r>
-          </a:p>
-          <a:p>
-            <a:pPr algn="ctr"/>
-            <a:r>
-              <a:rPr lang="fr-FR" sz="2400" dirty="0">
-                <a:solidFill>
-                  <a:schemeClr val="bg1"/>
-                </a:solidFill>
-              </a:rPr>
-              <a:t>Vide, Eau</a:t>
-            </a:r>
-          </a:p>
-        </p:txBody>
-      </p:sp>
-      <p:sp>
-        <p:nvSpPr>
-          <p:cNvPr id="21" name="ZoneTexte 20">
-            <a:extLst>
-              <a:ext uri="{FF2B5EF4-FFF2-40B4-BE49-F238E27FC236}">
-                <a16:creationId xmlns:a16="http://schemas.microsoft.com/office/drawing/2014/main" id="{D0B369AD-0C88-44D0-BE6D-458FF3198E8B}"/>
-              </a:ext>
-            </a:extLst>
-          </p:cNvPr>
-          <p:cNvSpPr txBox="1"/>
-          <p:nvPr/>
-        </p:nvSpPr>
-        <p:spPr>
-          <a:xfrm>
-            <a:off x="8090114" y="3244332"/>
-            <a:ext cx="3027243" cy="1200329"/>
-          </a:xfrm>
-          <a:prstGeom prst="rect">
-            <a:avLst/>
-          </a:prstGeom>
-          <a:noFill/>
-        </p:spPr>
-        <p:txBody>
-          <a:bodyPr wrap="square" rtlCol="0">
-            <a:spAutoFit/>
-          </a:bodyPr>
-          <a:lstStyle/>
-          <a:p>
-            <a:pPr algn="ctr"/>
-            <a:r>
-              <a:rPr lang="fr-FR" sz="2400" dirty="0">
-                <a:solidFill>
-                  <a:srgbClr val="8ECE55"/>
-                </a:solidFill>
-              </a:rPr>
-              <a:t>Age moyen</a:t>
-            </a:r>
-          </a:p>
-          <a:p>
-            <a:pPr algn="ctr"/>
-            <a:endParaRPr lang="fr-FR" sz="2400" dirty="0">
-              <a:solidFill>
-                <a:srgbClr val="8ECE55"/>
-              </a:solidFill>
-            </a:endParaRPr>
-          </a:p>
-          <a:p>
-            <a:pPr algn="ctr"/>
-            <a:r>
-              <a:rPr lang="fr-FR" sz="2400" dirty="0">
-                <a:solidFill>
-                  <a:schemeClr val="bg1"/>
-                </a:solidFill>
-              </a:rPr>
-              <a:t>Entre 0 et 100 ans</a:t>
-            </a:r>
-          </a:p>
-        </p:txBody>
-      </p:sp>
+          <a:extLst>
+            <a:ext uri="{909E8E84-426E-40DD-AFC4-6F175D3DCCD1}">
+              <a14:hiddenFill xmlns:a14="http://schemas.microsoft.com/office/drawing/2010/main">
+                <a:solidFill>
+                  <a:srgbClr val="FFFFFF"/>
+                </a:solidFill>
+              </a14:hiddenFill>
+            </a:ext>
+          </a:extLst>
+        </p:spPr>
+      </p:pic>
     </p:spTree>
     <p:extLst>
       <p:ext uri="{BB962C8B-B14F-4D97-AF65-F5344CB8AC3E}">
-        <p14:creationId xmlns:p14="http://schemas.microsoft.com/office/powerpoint/2010/main" val="2906320731"/>
+        <p14:creationId xmlns:p14="http://schemas.microsoft.com/office/powerpoint/2010/main" val="3923969349"/>
       </p:ext>
     </p:extLst>
   </p:cSld>
@@ -12207,17 +12926,16 @@
               <a:t>Présentation du projet          Les automates cellulaires          </a:t>
             </a:r>
             <a:r>
-              <a:rPr lang="fr-FR" sz="1100" b="0" i="0" u="none" strike="noStrike" kern="1200" cap="none" spc="0" baseline="0" dirty="0">
+              <a:rPr lang="fr-FR" sz="1100" b="1" dirty="0">
                 <a:solidFill>
                   <a:srgbClr val="262626"/>
                 </a:solidFill>
-                <a:uFillTx/>
                 <a:latin typeface="Century Gothic"/>
               </a:rPr>
               <a:t>Evolution du projet          </a:t>
             </a:r>
             <a:r>
-              <a:rPr lang="fr-FR" sz="1100" b="1" i="0" u="none" strike="noStrike" kern="1200" cap="none" spc="0" baseline="0" dirty="0">
+              <a:rPr lang="fr-FR" sz="1100" i="0" u="none" strike="noStrike" kern="1200" cap="none" spc="0" baseline="0" dirty="0">
                 <a:solidFill>
                   <a:srgbClr val="262626"/>
                 </a:solidFill>
@@ -12666,7 +13384,7 @@
                   <a:srgbClr val="8ECE55"/>
                 </a:solidFill>
               </a:rPr>
-              <a:t>Fleuves</a:t>
+              <a:t>Déplacements</a:t>
             </a:r>
           </a:p>
         </p:txBody>
@@ -12685,8 +13403,8 @@
         </p:nvSpPr>
         <p:spPr>
           <a:xfrm>
-            <a:off x="3886198" y="3727809"/>
-            <a:ext cx="4419597" cy="461665"/>
+            <a:off x="418918" y="3124075"/>
+            <a:ext cx="3607395" cy="1569660"/>
           </a:xfrm>
           <a:prstGeom prst="rect">
             <a:avLst/>
@@ -12703,10 +13421,106 @@
             <a:r>
               <a:rPr lang="fr-FR" sz="2400" dirty="0">
                 <a:solidFill>
+                  <a:srgbClr val="8ECE55"/>
+                </a:solidFill>
+              </a:rPr>
+              <a:t>Entre deux zones urbaines</a:t>
+            </a:r>
+          </a:p>
+          <a:p>
+            <a:pPr marL="342900" indent="-342900" algn="ctr">
+              <a:buFontTx/>
+              <a:buChar char="-"/>
+            </a:pPr>
+            <a:r>
+              <a:rPr lang="fr-FR" sz="2400" dirty="0">
+                <a:solidFill>
                   <a:schemeClr val="bg1"/>
                 </a:solidFill>
               </a:rPr>
-              <a:t>Entravent la propagation du virus</a:t>
+              <a:t>Lignes aériennes</a:t>
+            </a:r>
+          </a:p>
+          <a:p>
+            <a:pPr marL="342900" indent="-342900" algn="ctr">
+              <a:buFontTx/>
+              <a:buChar char="-"/>
+            </a:pPr>
+            <a:r>
+              <a:rPr lang="fr-FR" sz="2400" dirty="0">
+                <a:solidFill>
+                  <a:schemeClr val="bg1"/>
+                </a:solidFill>
+              </a:rPr>
+              <a:t>Voies ferrées</a:t>
+            </a:r>
+          </a:p>
+          <a:p>
+            <a:pPr marL="342900" indent="-342900" algn="ctr">
+              <a:buFontTx/>
+              <a:buChar char="-"/>
+            </a:pPr>
+            <a:r>
+              <a:rPr lang="fr-FR" sz="2400" dirty="0">
+                <a:solidFill>
+                  <a:schemeClr val="bg1"/>
+                </a:solidFill>
+              </a:rPr>
+              <a:t>Routes</a:t>
+            </a:r>
+          </a:p>
+        </p:txBody>
+      </p:sp>
+      <p:sp>
+        <p:nvSpPr>
+          <p:cNvPr id="21" name="ZoneTexte 20">
+            <a:extLst>
+              <a:ext uri="{FF2B5EF4-FFF2-40B4-BE49-F238E27FC236}">
+                <a16:creationId xmlns:a16="http://schemas.microsoft.com/office/drawing/2014/main" id="{1F002734-F226-42B9-99EE-CCEC449848F8}"/>
+              </a:ext>
+            </a:extLst>
+          </p:cNvPr>
+          <p:cNvSpPr txBox="1"/>
+          <p:nvPr/>
+        </p:nvSpPr>
+        <p:spPr>
+          <a:xfrm>
+            <a:off x="7692367" y="3350758"/>
+            <a:ext cx="4224047" cy="830997"/>
+          </a:xfrm>
+          <a:prstGeom prst="rect">
+            <a:avLst/>
+          </a:prstGeom>
+          <a:noFill/>
+        </p:spPr>
+        <p:txBody>
+          <a:bodyPr wrap="square" rtlCol="0">
+            <a:spAutoFit/>
+          </a:bodyPr>
+          <a:lstStyle/>
+          <a:p>
+            <a:pPr algn="ctr"/>
+            <a:r>
+              <a:rPr lang="fr-FR" sz="2400" dirty="0">
+                <a:solidFill>
+                  <a:srgbClr val="8ECE55"/>
+                </a:solidFill>
+              </a:rPr>
+              <a:t>D’une rive à l’autre d’un fleuve</a:t>
+            </a:r>
+          </a:p>
+          <a:p>
+            <a:pPr marL="342900" indent="-342900" algn="ctr">
+              <a:buFontTx/>
+              <a:buChar char="-"/>
+            </a:pPr>
+            <a:r>
+              <a:rPr lang="fr-FR" sz="2400" dirty="0">
+                <a:solidFill>
+                  <a:schemeClr val="bg1"/>
+                </a:solidFill>
+              </a:rPr>
+              <a:t>Ponts</a:t>
             </a:r>
           </a:p>
         </p:txBody>
@@ -12714,7 +13528,7 @@
     </p:spTree>
     <p:extLst>
       <p:ext uri="{BB962C8B-B14F-4D97-AF65-F5344CB8AC3E}">
-        <p14:creationId xmlns:p14="http://schemas.microsoft.com/office/powerpoint/2010/main" val="3592027150"/>
+        <p14:creationId xmlns:p14="http://schemas.microsoft.com/office/powerpoint/2010/main" val="3882061957"/>
       </p:ext>
     </p:extLst>
   </p:cSld>
@@ -12758,78 +13572,10 @@
       </p:grpSpPr>
       <p:sp>
         <p:nvSpPr>
-          <p:cNvPr id="7" name="Espace réservé du numéro de diapositive 1">
-            <a:extLst>
-              <a:ext uri="{FF2B5EF4-FFF2-40B4-BE49-F238E27FC236}">
-                <a16:creationId xmlns:a16="http://schemas.microsoft.com/office/drawing/2014/main" id="{ACAE1147-1386-478E-8609-02524CBEC5A0}"/>
-              </a:ext>
-            </a:extLst>
-          </p:cNvPr>
-          <p:cNvSpPr txBox="1"/>
-          <p:nvPr/>
-        </p:nvSpPr>
-        <p:spPr>
-          <a:xfrm>
-            <a:off x="11640833" y="6557107"/>
-            <a:ext cx="551163" cy="365129"/>
-          </a:xfrm>
-          <a:prstGeom prst="rect">
-            <a:avLst/>
-          </a:prstGeom>
-          <a:noFill/>
-          <a:ln cap="rnd">
-            <a:noFill/>
-          </a:ln>
-        </p:spPr>
-        <p:txBody>
-          <a:bodyPr vert="horz" wrap="square" lIns="91440" tIns="45720" rIns="91440" bIns="45720" anchor="ctr" anchorCtr="0" compatLnSpc="1">
-            <a:noAutofit/>
-          </a:bodyPr>
-          <a:lstStyle/>
-          <a:p>
-            <a:pPr marL="0" marR="0" lvl="0" indent="0" algn="r" defTabSz="457200" rtl="0" fontAlgn="auto" hangingPunct="1">
-              <a:lnSpc>
-                <a:spcPct val="100000"/>
-              </a:lnSpc>
-              <a:spcBef>
-                <a:spcPts val="0"/>
-              </a:spcBef>
-              <a:spcAft>
-                <a:spcPts val="0"/>
-              </a:spcAft>
-              <a:buNone/>
-              <a:tabLst/>
-              <a:defRPr sz="1800" b="0" i="0" u="none" strike="noStrike" kern="0" cap="none" spc="0" baseline="0">
-                <a:solidFill>
-                  <a:srgbClr val="000000"/>
-                </a:solidFill>
-                <a:uFillTx/>
-              </a:defRPr>
-            </a:pPr>
-            <a:fld id="{D7BCEA47-A648-4F36-AE1F-D3D50854FB8A}" type="slidenum">
-              <a:t>19</a:t>
-            </a:fld>
-            <a:endParaRPr lang="fr-FR" sz="900" b="1" i="0" u="none" strike="noStrike" kern="1200" cap="none" spc="0" baseline="0">
-              <a:solidFill>
-                <a:srgbClr val="BFBFBF"/>
-              </a:solidFill>
-              <a:effectLst>
-                <a:outerShdw dist="38096" dir="2700000">
-                  <a:srgbClr val="000000"/>
-                </a:outerShdw>
-              </a:effectLst>
-              <a:uFillTx/>
-              <a:latin typeface="Century Gothic"/>
-            </a:endParaRPr>
-          </a:p>
-        </p:txBody>
-      </p:sp>
-      <p:sp>
-        <p:nvSpPr>
-          <p:cNvPr id="11" name="Rectangle 10">
-            <a:extLst>
-              <a:ext uri="{FF2B5EF4-FFF2-40B4-BE49-F238E27FC236}">
-                <a16:creationId xmlns:a16="http://schemas.microsoft.com/office/drawing/2014/main" id="{E9AAA5E3-744A-413A-B973-FD1D5EEF70C1}"/>
+          <p:cNvPr id="10" name="Rectangle 9">
+            <a:extLst>
+              <a:ext uri="{FF2B5EF4-FFF2-40B4-BE49-F238E27FC236}">
+                <a16:creationId xmlns:a16="http://schemas.microsoft.com/office/drawing/2014/main" id="{14545409-EA72-441B-AF95-8E5093F376DA}"/>
               </a:ext>
             </a:extLst>
           </p:cNvPr>
@@ -12878,10 +13624,10 @@
       </p:sp>
       <p:sp>
         <p:nvSpPr>
-          <p:cNvPr id="12" name="ZoneTexte 2">
-            <a:extLst>
-              <a:ext uri="{FF2B5EF4-FFF2-40B4-BE49-F238E27FC236}">
-                <a16:creationId xmlns:a16="http://schemas.microsoft.com/office/drawing/2014/main" id="{B9839CA4-5015-43A2-97D5-F9425CF60E56}"/>
+          <p:cNvPr id="11" name="ZoneTexte 2">
+            <a:extLst>
+              <a:ext uri="{FF2B5EF4-FFF2-40B4-BE49-F238E27FC236}">
+                <a16:creationId xmlns:a16="http://schemas.microsoft.com/office/drawing/2014/main" id="{7929C5AD-AA64-4CF2-A124-24A95209C860}"/>
               </a:ext>
             </a:extLst>
           </p:cNvPr>
@@ -12934,7 +13680,7 @@
                 <a:uFillTx/>
                 <a:latin typeface="Century Gothic"/>
               </a:rPr>
-              <a:t>Présentation du projet          Les automates cellulaires          </a:t>
+              <a:t>Présentation du projet          </a:t>
             </a:r>
             <a:r>
               <a:rPr lang="fr-FR" sz="1100" b="0" i="0" u="none" strike="noStrike" kern="1200" cap="none" spc="0" baseline="0" dirty="0">
@@ -12944,27 +13690,27 @@
                 <a:uFillTx/>
                 <a:latin typeface="Century Gothic"/>
               </a:rPr>
+              <a:t>Les automates cellulaires          </a:t>
+            </a:r>
+            <a:r>
+              <a:rPr lang="fr-FR" sz="1100" b="1" i="0" u="none" strike="noStrike" kern="1200" cap="none" spc="0" baseline="0" dirty="0">
+                <a:solidFill>
+                  <a:srgbClr val="262626"/>
+                </a:solidFill>
+                <a:uFillTx/>
+                <a:latin typeface="Century Gothic"/>
+              </a:rPr>
               <a:t>Evolution du projet          </a:t>
             </a:r>
             <a:r>
-              <a:rPr lang="fr-FR" sz="1100" b="1" i="0" u="none" strike="noStrike" kern="1200" cap="none" spc="0" baseline="0" dirty="0">
+              <a:rPr lang="fr-FR" sz="1100" b="0" i="0" u="none" strike="noStrike" kern="1200" cap="none" spc="0" baseline="0" dirty="0">
                 <a:solidFill>
                   <a:srgbClr val="262626"/>
                 </a:solidFill>
                 <a:uFillTx/>
                 <a:latin typeface="Century Gothic"/>
               </a:rPr>
-              <a:t>Etat Final          </a:t>
-            </a:r>
-            <a:r>
-              <a:rPr lang="fr-FR" sz="1100" b="0" i="0" u="none" strike="noStrike" kern="1200" cap="none" spc="0" baseline="0" dirty="0">
-                <a:solidFill>
-                  <a:srgbClr val="262626"/>
-                </a:solidFill>
-                <a:uFillTx/>
-                <a:latin typeface="Century Gothic"/>
-              </a:rPr>
-              <a:t>Les maths</a:t>
+              <a:t>Etat Final          Les maths</a:t>
             </a:r>
           </a:p>
           <a:p>
@@ -12999,10 +13745,10 @@
       </p:sp>
       <p:cxnSp>
         <p:nvCxnSpPr>
-          <p:cNvPr id="13" name="Connecteur droit avec flèche 6">
-            <a:extLst>
-              <a:ext uri="{FF2B5EF4-FFF2-40B4-BE49-F238E27FC236}">
-                <a16:creationId xmlns:a16="http://schemas.microsoft.com/office/drawing/2014/main" id="{74955A6A-DEAC-4B40-8D3B-7C4B72C94859}"/>
+          <p:cNvPr id="12" name="Connecteur droit avec flèche 6">
+            <a:extLst>
+              <a:ext uri="{FF2B5EF4-FFF2-40B4-BE49-F238E27FC236}">
+                <a16:creationId xmlns:a16="http://schemas.microsoft.com/office/drawing/2014/main" id="{EECCCF15-3DB6-4F3A-9813-EB58B99BBDD9}"/>
               </a:ext>
             </a:extLst>
           </p:cNvPr>
@@ -13046,10 +13792,10 @@
       </p:cxnSp>
       <p:cxnSp>
         <p:nvCxnSpPr>
-          <p:cNvPr id="14" name="Connecteur droit avec flèche 8">
-            <a:extLst>
-              <a:ext uri="{FF2B5EF4-FFF2-40B4-BE49-F238E27FC236}">
-                <a16:creationId xmlns:a16="http://schemas.microsoft.com/office/drawing/2014/main" id="{6B319ED6-9D2C-4CA8-960A-F734FF386CD4}"/>
+          <p:cNvPr id="13" name="Connecteur droit avec flèche 8">
+            <a:extLst>
+              <a:ext uri="{FF2B5EF4-FFF2-40B4-BE49-F238E27FC236}">
+                <a16:creationId xmlns:a16="http://schemas.microsoft.com/office/drawing/2014/main" id="{07E42419-CC06-4CB3-8FAE-0BACA8DA9E4F}"/>
               </a:ext>
             </a:extLst>
           </p:cNvPr>
@@ -13091,10 +13837,10 @@
       </p:cxnSp>
       <p:cxnSp>
         <p:nvCxnSpPr>
-          <p:cNvPr id="15" name="Connecteur droit avec flèche 9">
-            <a:extLst>
-              <a:ext uri="{FF2B5EF4-FFF2-40B4-BE49-F238E27FC236}">
-                <a16:creationId xmlns:a16="http://schemas.microsoft.com/office/drawing/2014/main" id="{D3BEEAA2-BAAB-4FBD-A7F2-5C3D2B67909C}"/>
+          <p:cNvPr id="14" name="Connecteur droit avec flèche 9">
+            <a:extLst>
+              <a:ext uri="{FF2B5EF4-FFF2-40B4-BE49-F238E27FC236}">
+                <a16:creationId xmlns:a16="http://schemas.microsoft.com/office/drawing/2014/main" id="{93E8C0AB-98EA-4764-8FB4-893EBB10E7C4}"/>
               </a:ext>
             </a:extLst>
           </p:cNvPr>
@@ -13136,10 +13882,10 @@
       </p:cxnSp>
       <p:cxnSp>
         <p:nvCxnSpPr>
-          <p:cNvPr id="16" name="Connecteur droit avec flèche 10">
-            <a:extLst>
-              <a:ext uri="{FF2B5EF4-FFF2-40B4-BE49-F238E27FC236}">
-                <a16:creationId xmlns:a16="http://schemas.microsoft.com/office/drawing/2014/main" id="{72A87FF4-63A6-4784-A646-669B97754B06}"/>
+          <p:cNvPr id="15" name="Connecteur droit avec flèche 10">
+            <a:extLst>
+              <a:ext uri="{FF2B5EF4-FFF2-40B4-BE49-F238E27FC236}">
+                <a16:creationId xmlns:a16="http://schemas.microsoft.com/office/drawing/2014/main" id="{929BC0F3-09BE-4B7C-A5AA-902705F825D2}"/>
               </a:ext>
             </a:extLst>
           </p:cNvPr>
@@ -13181,10 +13927,10 @@
       </p:cxnSp>
       <p:sp>
         <p:nvSpPr>
-          <p:cNvPr id="17" name="Espace réservé du numéro de diapositive 7">
-            <a:extLst>
-              <a:ext uri="{FF2B5EF4-FFF2-40B4-BE49-F238E27FC236}">
-                <a16:creationId xmlns:a16="http://schemas.microsoft.com/office/drawing/2014/main" id="{1580C8B6-76DB-45B2-86EC-F5A7975892B8}"/>
+          <p:cNvPr id="16" name="Espace réservé du numéro de diapositive 7">
+            <a:extLst>
+              <a:ext uri="{FF2B5EF4-FFF2-40B4-BE49-F238E27FC236}">
+                <a16:creationId xmlns:a16="http://schemas.microsoft.com/office/drawing/2014/main" id="{8C048B46-6BD8-4132-AF2D-92957401B8FB}"/>
               </a:ext>
             </a:extLst>
           </p:cNvPr>
@@ -13249,10 +13995,10 @@
       </p:sp>
       <p:sp>
         <p:nvSpPr>
-          <p:cNvPr id="18" name="ZoneTexte 12">
-            <a:extLst>
-              <a:ext uri="{FF2B5EF4-FFF2-40B4-BE49-F238E27FC236}">
-                <a16:creationId xmlns:a16="http://schemas.microsoft.com/office/drawing/2014/main" id="{E53531DC-3A45-4739-9523-1FC5EEDF4DC5}"/>
+          <p:cNvPr id="17" name="ZoneTexte 12">
+            <a:extLst>
+              <a:ext uri="{FF2B5EF4-FFF2-40B4-BE49-F238E27FC236}">
+                <a16:creationId xmlns:a16="http://schemas.microsoft.com/office/drawing/2014/main" id="{4E193489-407B-45FA-B319-B389661AB017}"/>
               </a:ext>
             </a:extLst>
           </p:cNvPr>
@@ -13361,146 +14107,40 @@
           </a:p>
         </p:txBody>
       </p:sp>
-      <p:sp>
-        <p:nvSpPr>
-          <p:cNvPr id="19" name="ZoneTexte 18">
-            <a:extLst>
-              <a:ext uri="{FF2B5EF4-FFF2-40B4-BE49-F238E27FC236}">
-                <a16:creationId xmlns:a16="http://schemas.microsoft.com/office/drawing/2014/main" id="{B9195FC4-C2E4-43D7-8BAF-97534124B800}"/>
-              </a:ext>
-            </a:extLst>
-          </p:cNvPr>
-          <p:cNvSpPr txBox="1"/>
-          <p:nvPr/>
-        </p:nvSpPr>
-        <p:spPr>
-          <a:xfrm>
-            <a:off x="4101881" y="1743146"/>
-            <a:ext cx="3988233" cy="646331"/>
+      <p:pic>
+        <p:nvPicPr>
+          <p:cNvPr id="2" name="Image 1">
+            <a:extLst>
+              <a:ext uri="{FF2B5EF4-FFF2-40B4-BE49-F238E27FC236}">
+                <a16:creationId xmlns:a16="http://schemas.microsoft.com/office/drawing/2014/main" id="{2CE23DA0-C8C1-4981-A810-D20F2283B625}"/>
+              </a:ext>
+            </a:extLst>
+          </p:cNvPr>
+          <p:cNvPicPr>
+            <a:picLocks noChangeAspect="1"/>
+          </p:cNvPicPr>
+          <p:nvPr/>
+        </p:nvPicPr>
+        <p:blipFill>
+          <a:blip r:embed="rId2"/>
+          <a:stretch>
+            <a:fillRect/>
+          </a:stretch>
+        </p:blipFill>
+        <p:spPr>
+          <a:xfrm>
+            <a:off x="3756989" y="740952"/>
+            <a:ext cx="4678017" cy="5729111"/>
           </a:xfrm>
           <a:prstGeom prst="rect">
             <a:avLst/>
           </a:prstGeom>
-          <a:noFill/>
-        </p:spPr>
-        <p:txBody>
-          <a:bodyPr wrap="square" rtlCol="0">
-            <a:spAutoFit/>
-          </a:bodyPr>
-          <a:lstStyle/>
-          <a:p>
-            <a:pPr algn="ctr"/>
-            <a:r>
-              <a:rPr lang="fr-FR" sz="3600" dirty="0">
-                <a:solidFill>
-                  <a:srgbClr val="8ECE55"/>
-                </a:solidFill>
-              </a:rPr>
-              <a:t>Zones urbaines</a:t>
-            </a:r>
-          </a:p>
-        </p:txBody>
-      </p:sp>
-      <p:sp>
-        <p:nvSpPr>
-          <p:cNvPr id="20" name="ZoneTexte 19">
-            <a:extLst>
-              <a:ext uri="{FF2B5EF4-FFF2-40B4-BE49-F238E27FC236}">
-                <a16:creationId xmlns:a16="http://schemas.microsoft.com/office/drawing/2014/main" id="{2391022A-6709-4890-8BF0-CF032E9A94BB}"/>
-              </a:ext>
-            </a:extLst>
-          </p:cNvPr>
-          <p:cNvSpPr txBox="1"/>
-          <p:nvPr/>
-        </p:nvSpPr>
-        <p:spPr>
-          <a:xfrm>
-            <a:off x="3021185" y="3350758"/>
-            <a:ext cx="6149624" cy="1938992"/>
-          </a:xfrm>
-          <a:prstGeom prst="rect">
-            <a:avLst/>
-          </a:prstGeom>
-          <a:noFill/>
-        </p:spPr>
-        <p:txBody>
-          <a:bodyPr wrap="square" rtlCol="0">
-            <a:spAutoFit/>
-          </a:bodyPr>
-          <a:lstStyle/>
-          <a:p>
-            <a:pPr algn="ctr"/>
-            <a:r>
-              <a:rPr lang="fr-FR" sz="2400" dirty="0">
-                <a:solidFill>
-                  <a:schemeClr val="bg1"/>
-                </a:solidFill>
-              </a:rPr>
-              <a:t>Concentrations de population.</a:t>
-            </a:r>
-          </a:p>
-          <a:p>
-            <a:pPr marL="342900" indent="-342900" algn="ctr">
-              <a:buFontTx/>
-              <a:buChar char="-"/>
-            </a:pPr>
-            <a:r>
-              <a:rPr lang="fr-FR" sz="2400" dirty="0">
-                <a:solidFill>
-                  <a:schemeClr val="bg1"/>
-                </a:solidFill>
-              </a:rPr>
-              <a:t>Métropoles</a:t>
-            </a:r>
-          </a:p>
-          <a:p>
-            <a:pPr marL="342900" indent="-342900" algn="ctr">
-              <a:buFontTx/>
-              <a:buChar char="-"/>
-            </a:pPr>
-            <a:r>
-              <a:rPr lang="fr-FR" sz="2400" dirty="0">
-                <a:solidFill>
-                  <a:schemeClr val="bg1"/>
-                </a:solidFill>
-              </a:rPr>
-              <a:t>Villes</a:t>
-            </a:r>
-          </a:p>
-          <a:p>
-            <a:pPr marL="342900" indent="-342900" algn="ctr">
-              <a:buFontTx/>
-              <a:buChar char="-"/>
-            </a:pPr>
-            <a:r>
-              <a:rPr lang="fr-FR" sz="2400" dirty="0">
-                <a:solidFill>
-                  <a:schemeClr val="bg1"/>
-                </a:solidFill>
-              </a:rPr>
-              <a:t>Villages</a:t>
-            </a:r>
-          </a:p>
-          <a:p>
-            <a:pPr marL="342900" indent="-342900" algn="ctr">
-              <a:buFontTx/>
-              <a:buChar char="-"/>
-            </a:pPr>
-            <a:r>
-              <a:rPr lang="fr-FR" sz="2400" dirty="0">
-                <a:solidFill>
-                  <a:schemeClr val="bg1"/>
-                </a:solidFill>
-              </a:rPr>
-              <a:t>Zones peuplées</a:t>
-            </a:r>
-          </a:p>
-        </p:txBody>
-      </p:sp>
+        </p:spPr>
+      </p:pic>
     </p:spTree>
     <p:extLst>
       <p:ext uri="{BB962C8B-B14F-4D97-AF65-F5344CB8AC3E}">
-        <p14:creationId xmlns:p14="http://schemas.microsoft.com/office/powerpoint/2010/main" val="3557088708"/>
+        <p14:creationId xmlns:p14="http://schemas.microsoft.com/office/powerpoint/2010/main" val="1806847368"/>
       </p:ext>
     </p:extLst>
   </p:cSld>
@@ -14097,78 +14737,10 @@
       </p:grpSpPr>
       <p:sp>
         <p:nvSpPr>
-          <p:cNvPr id="7" name="Espace réservé du numéro de diapositive 1">
-            <a:extLst>
-              <a:ext uri="{FF2B5EF4-FFF2-40B4-BE49-F238E27FC236}">
-                <a16:creationId xmlns:a16="http://schemas.microsoft.com/office/drawing/2014/main" id="{ACAE1147-1386-478E-8609-02524CBEC5A0}"/>
-              </a:ext>
-            </a:extLst>
-          </p:cNvPr>
-          <p:cNvSpPr txBox="1"/>
-          <p:nvPr/>
-        </p:nvSpPr>
-        <p:spPr>
-          <a:xfrm>
-            <a:off x="11640833" y="6557107"/>
-            <a:ext cx="551163" cy="365129"/>
-          </a:xfrm>
-          <a:prstGeom prst="rect">
-            <a:avLst/>
-          </a:prstGeom>
-          <a:noFill/>
-          <a:ln cap="rnd">
-            <a:noFill/>
-          </a:ln>
-        </p:spPr>
-        <p:txBody>
-          <a:bodyPr vert="horz" wrap="square" lIns="91440" tIns="45720" rIns="91440" bIns="45720" anchor="ctr" anchorCtr="0" compatLnSpc="1">
-            <a:noAutofit/>
-          </a:bodyPr>
-          <a:lstStyle/>
-          <a:p>
-            <a:pPr marL="0" marR="0" lvl="0" indent="0" algn="r" defTabSz="457200" rtl="0" fontAlgn="auto" hangingPunct="1">
-              <a:lnSpc>
-                <a:spcPct val="100000"/>
-              </a:lnSpc>
-              <a:spcBef>
-                <a:spcPts val="0"/>
-              </a:spcBef>
-              <a:spcAft>
-                <a:spcPts val="0"/>
-              </a:spcAft>
-              <a:buNone/>
-              <a:tabLst/>
-              <a:defRPr sz="1800" b="0" i="0" u="none" strike="noStrike" kern="0" cap="none" spc="0" baseline="0">
-                <a:solidFill>
-                  <a:srgbClr val="000000"/>
-                </a:solidFill>
-                <a:uFillTx/>
-              </a:defRPr>
-            </a:pPr>
-            <a:fld id="{D7BCEA47-A648-4F36-AE1F-D3D50854FB8A}" type="slidenum">
-              <a:t>20</a:t>
-            </a:fld>
-            <a:endParaRPr lang="fr-FR" sz="900" b="1" i="0" u="none" strike="noStrike" kern="1200" cap="none" spc="0" baseline="0">
-              <a:solidFill>
-                <a:srgbClr val="BFBFBF"/>
-              </a:solidFill>
-              <a:effectLst>
-                <a:outerShdw dist="38096" dir="2700000">
-                  <a:srgbClr val="000000"/>
-                </a:outerShdw>
-              </a:effectLst>
-              <a:uFillTx/>
-              <a:latin typeface="Century Gothic"/>
-            </a:endParaRPr>
-          </a:p>
-        </p:txBody>
-      </p:sp>
-      <p:sp>
-        <p:nvSpPr>
-          <p:cNvPr id="11" name="Rectangle 10">
-            <a:extLst>
-              <a:ext uri="{FF2B5EF4-FFF2-40B4-BE49-F238E27FC236}">
-                <a16:creationId xmlns:a16="http://schemas.microsoft.com/office/drawing/2014/main" id="{E9AAA5E3-744A-413A-B973-FD1D5EEF70C1}"/>
+          <p:cNvPr id="10" name="Rectangle 9">
+            <a:extLst>
+              <a:ext uri="{FF2B5EF4-FFF2-40B4-BE49-F238E27FC236}">
+                <a16:creationId xmlns:a16="http://schemas.microsoft.com/office/drawing/2014/main" id="{14545409-EA72-441B-AF95-8E5093F376DA}"/>
               </a:ext>
             </a:extLst>
           </p:cNvPr>
@@ -14217,10 +14789,10 @@
       </p:sp>
       <p:sp>
         <p:nvSpPr>
-          <p:cNvPr id="12" name="ZoneTexte 2">
-            <a:extLst>
-              <a:ext uri="{FF2B5EF4-FFF2-40B4-BE49-F238E27FC236}">
-                <a16:creationId xmlns:a16="http://schemas.microsoft.com/office/drawing/2014/main" id="{B9839CA4-5015-43A2-97D5-F9425CF60E56}"/>
+          <p:cNvPr id="11" name="ZoneTexte 2">
+            <a:extLst>
+              <a:ext uri="{FF2B5EF4-FFF2-40B4-BE49-F238E27FC236}">
+                <a16:creationId xmlns:a16="http://schemas.microsoft.com/office/drawing/2014/main" id="{7929C5AD-AA64-4CF2-A124-24A95209C860}"/>
               </a:ext>
             </a:extLst>
           </p:cNvPr>
@@ -14273,7 +14845,7 @@
                 <a:uFillTx/>
                 <a:latin typeface="Century Gothic"/>
               </a:rPr>
-              <a:t>Présentation du projet          Les automates cellulaires          </a:t>
+              <a:t>Présentation du projet          </a:t>
             </a:r>
             <a:r>
               <a:rPr lang="fr-FR" sz="1100" b="0" i="0" u="none" strike="noStrike" kern="1200" cap="none" spc="0" baseline="0" dirty="0">
@@ -14283,27 +14855,27 @@
                 <a:uFillTx/>
                 <a:latin typeface="Century Gothic"/>
               </a:rPr>
+              <a:t>Les automates cellulaires          </a:t>
+            </a:r>
+            <a:r>
+              <a:rPr lang="fr-FR" sz="1100" b="1" i="0" u="none" strike="noStrike" kern="1200" cap="none" spc="0" baseline="0" dirty="0">
+                <a:solidFill>
+                  <a:srgbClr val="262626"/>
+                </a:solidFill>
+                <a:uFillTx/>
+                <a:latin typeface="Century Gothic"/>
+              </a:rPr>
               <a:t>Evolution du projet          </a:t>
             </a:r>
             <a:r>
-              <a:rPr lang="fr-FR" sz="1100" b="1" i="0" u="none" strike="noStrike" kern="1200" cap="none" spc="0" baseline="0" dirty="0">
+              <a:rPr lang="fr-FR" sz="1100" b="0" i="0" u="none" strike="noStrike" kern="1200" cap="none" spc="0" baseline="0" dirty="0">
                 <a:solidFill>
                   <a:srgbClr val="262626"/>
                 </a:solidFill>
                 <a:uFillTx/>
                 <a:latin typeface="Century Gothic"/>
               </a:rPr>
-              <a:t>Etat Final          </a:t>
-            </a:r>
-            <a:r>
-              <a:rPr lang="fr-FR" sz="1100" b="0" i="0" u="none" strike="noStrike" kern="1200" cap="none" spc="0" baseline="0" dirty="0">
-                <a:solidFill>
-                  <a:srgbClr val="262626"/>
-                </a:solidFill>
-                <a:uFillTx/>
-                <a:latin typeface="Century Gothic"/>
-              </a:rPr>
-              <a:t>Les maths</a:t>
+              <a:t>Etat Final          Les maths</a:t>
             </a:r>
           </a:p>
           <a:p>
@@ -14338,10 +14910,10 @@
       </p:sp>
       <p:cxnSp>
         <p:nvCxnSpPr>
-          <p:cNvPr id="13" name="Connecteur droit avec flèche 6">
-            <a:extLst>
-              <a:ext uri="{FF2B5EF4-FFF2-40B4-BE49-F238E27FC236}">
-                <a16:creationId xmlns:a16="http://schemas.microsoft.com/office/drawing/2014/main" id="{74955A6A-DEAC-4B40-8D3B-7C4B72C94859}"/>
+          <p:cNvPr id="12" name="Connecteur droit avec flèche 6">
+            <a:extLst>
+              <a:ext uri="{FF2B5EF4-FFF2-40B4-BE49-F238E27FC236}">
+                <a16:creationId xmlns:a16="http://schemas.microsoft.com/office/drawing/2014/main" id="{EECCCF15-3DB6-4F3A-9813-EB58B99BBDD9}"/>
               </a:ext>
             </a:extLst>
           </p:cNvPr>
@@ -14385,10 +14957,10 @@
       </p:cxnSp>
       <p:cxnSp>
         <p:nvCxnSpPr>
-          <p:cNvPr id="14" name="Connecteur droit avec flèche 8">
-            <a:extLst>
-              <a:ext uri="{FF2B5EF4-FFF2-40B4-BE49-F238E27FC236}">
-                <a16:creationId xmlns:a16="http://schemas.microsoft.com/office/drawing/2014/main" id="{6B319ED6-9D2C-4CA8-960A-F734FF386CD4}"/>
+          <p:cNvPr id="13" name="Connecteur droit avec flèche 8">
+            <a:extLst>
+              <a:ext uri="{FF2B5EF4-FFF2-40B4-BE49-F238E27FC236}">
+                <a16:creationId xmlns:a16="http://schemas.microsoft.com/office/drawing/2014/main" id="{07E42419-CC06-4CB3-8FAE-0BACA8DA9E4F}"/>
               </a:ext>
             </a:extLst>
           </p:cNvPr>
@@ -14430,10 +15002,10 @@
       </p:cxnSp>
       <p:cxnSp>
         <p:nvCxnSpPr>
-          <p:cNvPr id="15" name="Connecteur droit avec flèche 9">
-            <a:extLst>
-              <a:ext uri="{FF2B5EF4-FFF2-40B4-BE49-F238E27FC236}">
-                <a16:creationId xmlns:a16="http://schemas.microsoft.com/office/drawing/2014/main" id="{D3BEEAA2-BAAB-4FBD-A7F2-5C3D2B67909C}"/>
+          <p:cNvPr id="14" name="Connecteur droit avec flèche 9">
+            <a:extLst>
+              <a:ext uri="{FF2B5EF4-FFF2-40B4-BE49-F238E27FC236}">
+                <a16:creationId xmlns:a16="http://schemas.microsoft.com/office/drawing/2014/main" id="{93E8C0AB-98EA-4764-8FB4-893EBB10E7C4}"/>
               </a:ext>
             </a:extLst>
           </p:cNvPr>
@@ -14475,10 +15047,10 @@
       </p:cxnSp>
       <p:cxnSp>
         <p:nvCxnSpPr>
-          <p:cNvPr id="16" name="Connecteur droit avec flèche 10">
-            <a:extLst>
-              <a:ext uri="{FF2B5EF4-FFF2-40B4-BE49-F238E27FC236}">
-                <a16:creationId xmlns:a16="http://schemas.microsoft.com/office/drawing/2014/main" id="{72A87FF4-63A6-4784-A646-669B97754B06}"/>
+          <p:cNvPr id="15" name="Connecteur droit avec flèche 10">
+            <a:extLst>
+              <a:ext uri="{FF2B5EF4-FFF2-40B4-BE49-F238E27FC236}">
+                <a16:creationId xmlns:a16="http://schemas.microsoft.com/office/drawing/2014/main" id="{929BC0F3-09BE-4B7C-A5AA-902705F825D2}"/>
               </a:ext>
             </a:extLst>
           </p:cNvPr>
@@ -14520,10 +15092,10 @@
       </p:cxnSp>
       <p:sp>
         <p:nvSpPr>
-          <p:cNvPr id="17" name="Espace réservé du numéro de diapositive 7">
-            <a:extLst>
-              <a:ext uri="{FF2B5EF4-FFF2-40B4-BE49-F238E27FC236}">
-                <a16:creationId xmlns:a16="http://schemas.microsoft.com/office/drawing/2014/main" id="{1580C8B6-76DB-45B2-86EC-F5A7975892B8}"/>
+          <p:cNvPr id="16" name="Espace réservé du numéro de diapositive 7">
+            <a:extLst>
+              <a:ext uri="{FF2B5EF4-FFF2-40B4-BE49-F238E27FC236}">
+                <a16:creationId xmlns:a16="http://schemas.microsoft.com/office/drawing/2014/main" id="{8C048B46-6BD8-4132-AF2D-92957401B8FB}"/>
               </a:ext>
             </a:extLst>
           </p:cNvPr>
@@ -14588,10 +15160,10 @@
       </p:sp>
       <p:sp>
         <p:nvSpPr>
-          <p:cNvPr id="18" name="ZoneTexte 12">
-            <a:extLst>
-              <a:ext uri="{FF2B5EF4-FFF2-40B4-BE49-F238E27FC236}">
-                <a16:creationId xmlns:a16="http://schemas.microsoft.com/office/drawing/2014/main" id="{E53531DC-3A45-4739-9523-1FC5EEDF4DC5}"/>
+          <p:cNvPr id="17" name="ZoneTexte 12">
+            <a:extLst>
+              <a:ext uri="{FF2B5EF4-FFF2-40B4-BE49-F238E27FC236}">
+                <a16:creationId xmlns:a16="http://schemas.microsoft.com/office/drawing/2014/main" id="{4E193489-407B-45FA-B319-B389661AB017}"/>
               </a:ext>
             </a:extLst>
           </p:cNvPr>
@@ -14700,186 +15272,57 @@
           </a:p>
         </p:txBody>
       </p:sp>
-      <p:sp>
-        <p:nvSpPr>
-          <p:cNvPr id="19" name="ZoneTexte 18">
-            <a:extLst>
-              <a:ext uri="{FF2B5EF4-FFF2-40B4-BE49-F238E27FC236}">
-                <a16:creationId xmlns:a16="http://schemas.microsoft.com/office/drawing/2014/main" id="{B9195FC4-C2E4-43D7-8BAF-97534124B800}"/>
-              </a:ext>
-            </a:extLst>
-          </p:cNvPr>
-          <p:cNvSpPr txBox="1"/>
-          <p:nvPr/>
-        </p:nvSpPr>
-        <p:spPr>
-          <a:xfrm>
-            <a:off x="4101881" y="1743146"/>
-            <a:ext cx="3988233" cy="646331"/>
+      <p:pic>
+        <p:nvPicPr>
+          <p:cNvPr id="7170" name="Picture 2" descr="https://puu.sh/BXuyr/47341849a1.png?fbclid=IwAR15-LLJiD9ADjSDsEiV7jST8q9T2V_Rm96gPYjenSM74W2HGc9f9Ax_sqI">
+            <a:extLst>
+              <a:ext uri="{FF2B5EF4-FFF2-40B4-BE49-F238E27FC236}">
+                <a16:creationId xmlns:a16="http://schemas.microsoft.com/office/drawing/2014/main" id="{196780E5-DAA7-472F-B384-B072C9A4C679}"/>
+              </a:ext>
+            </a:extLst>
+          </p:cNvPr>
+          <p:cNvPicPr>
+            <a:picLocks noChangeAspect="1" noChangeArrowheads="1"/>
+          </p:cNvPicPr>
+          <p:nvPr/>
+        </p:nvPicPr>
+        <p:blipFill>
+          <a:blip r:embed="rId2">
+            <a:extLst>
+              <a:ext uri="{28A0092B-C50C-407E-A947-70E740481C1C}">
+                <a14:useLocalDpi xmlns:a14="http://schemas.microsoft.com/office/drawing/2010/main" val="0"/>
+              </a:ext>
+            </a:extLst>
+          </a:blip>
+          <a:srcRect/>
+          <a:stretch>
+            <a:fillRect/>
+          </a:stretch>
+        </p:blipFill>
+        <p:spPr bwMode="auto">
+          <a:xfrm>
+            <a:off x="3813143" y="716189"/>
+            <a:ext cx="4565709" cy="5672667"/>
           </a:xfrm>
           <a:prstGeom prst="rect">
             <a:avLst/>
           </a:prstGeom>
           <a:noFill/>
-        </p:spPr>
-        <p:txBody>
-          <a:bodyPr wrap="square" rtlCol="0">
-            <a:spAutoFit/>
-          </a:bodyPr>
-          <a:lstStyle/>
-          <a:p>
-            <a:pPr algn="ctr"/>
-            <a:r>
-              <a:rPr lang="fr-FR" sz="3600" dirty="0">
-                <a:solidFill>
-                  <a:srgbClr val="8ECE55"/>
-                </a:solidFill>
-              </a:rPr>
-              <a:t>Déplacements</a:t>
-            </a:r>
-          </a:p>
-        </p:txBody>
-      </p:sp>
-      <p:sp>
-        <p:nvSpPr>
-          <p:cNvPr id="20" name="ZoneTexte 19">
-            <a:extLst>
-              <a:ext uri="{FF2B5EF4-FFF2-40B4-BE49-F238E27FC236}">
-                <a16:creationId xmlns:a16="http://schemas.microsoft.com/office/drawing/2014/main" id="{2391022A-6709-4890-8BF0-CF032E9A94BB}"/>
-              </a:ext>
-            </a:extLst>
-          </p:cNvPr>
-          <p:cNvSpPr txBox="1"/>
-          <p:nvPr/>
-        </p:nvSpPr>
-        <p:spPr>
-          <a:xfrm>
-            <a:off x="418918" y="3124075"/>
-            <a:ext cx="3607395" cy="1569660"/>
-          </a:xfrm>
-          <a:prstGeom prst="rect">
-            <a:avLst/>
-          </a:prstGeom>
-          <a:noFill/>
-        </p:spPr>
-        <p:txBody>
-          <a:bodyPr wrap="square" rtlCol="0">
-            <a:spAutoFit/>
-          </a:bodyPr>
-          <a:lstStyle/>
-          <a:p>
-            <a:pPr algn="ctr"/>
-            <a:r>
-              <a:rPr lang="fr-FR" sz="2400" dirty="0">
-                <a:solidFill>
-                  <a:srgbClr val="8ECE55"/>
-                </a:solidFill>
-              </a:rPr>
-              <a:t>Entre deux zones urbaines</a:t>
-            </a:r>
-          </a:p>
-          <a:p>
-            <a:pPr marL="342900" indent="-342900" algn="ctr">
-              <a:buFontTx/>
-              <a:buChar char="-"/>
-            </a:pPr>
-            <a:r>
-              <a:rPr lang="fr-FR" sz="2400" dirty="0">
-                <a:solidFill>
-                  <a:schemeClr val="bg1"/>
-                </a:solidFill>
-              </a:rPr>
-              <a:t>Lignes aériennes</a:t>
-            </a:r>
-          </a:p>
-          <a:p>
-            <a:pPr marL="342900" indent="-342900" algn="ctr">
-              <a:buFontTx/>
-              <a:buChar char="-"/>
-            </a:pPr>
-            <a:r>
-              <a:rPr lang="fr-FR" sz="2400" dirty="0">
-                <a:solidFill>
-                  <a:schemeClr val="bg1"/>
-                </a:solidFill>
-              </a:rPr>
-              <a:t>Voies ferrées</a:t>
-            </a:r>
-          </a:p>
-          <a:p>
-            <a:pPr marL="342900" indent="-342900" algn="ctr">
-              <a:buFontTx/>
-              <a:buChar char="-"/>
-            </a:pPr>
-            <a:r>
-              <a:rPr lang="fr-FR" sz="2400" dirty="0">
-                <a:solidFill>
-                  <a:schemeClr val="bg1"/>
-                </a:solidFill>
-              </a:rPr>
-              <a:t>Routes</a:t>
-            </a:r>
-          </a:p>
-        </p:txBody>
-      </p:sp>
-      <p:sp>
-        <p:nvSpPr>
-          <p:cNvPr id="21" name="ZoneTexte 20">
-            <a:extLst>
-              <a:ext uri="{FF2B5EF4-FFF2-40B4-BE49-F238E27FC236}">
-                <a16:creationId xmlns:a16="http://schemas.microsoft.com/office/drawing/2014/main" id="{1F002734-F226-42B9-99EE-CCEC449848F8}"/>
-              </a:ext>
-            </a:extLst>
-          </p:cNvPr>
-          <p:cNvSpPr txBox="1"/>
-          <p:nvPr/>
-        </p:nvSpPr>
-        <p:spPr>
-          <a:xfrm>
-            <a:off x="7692367" y="3350758"/>
-            <a:ext cx="4224047" cy="830997"/>
-          </a:xfrm>
-          <a:prstGeom prst="rect">
-            <a:avLst/>
-          </a:prstGeom>
-          <a:noFill/>
-        </p:spPr>
-        <p:txBody>
-          <a:bodyPr wrap="square" rtlCol="0">
-            <a:spAutoFit/>
-          </a:bodyPr>
-          <a:lstStyle/>
-          <a:p>
-            <a:pPr algn="ctr"/>
-            <a:r>
-              <a:rPr lang="fr-FR" sz="2400" dirty="0">
-                <a:solidFill>
-                  <a:srgbClr val="8ECE55"/>
-                </a:solidFill>
-              </a:rPr>
-              <a:t>D’une rive à l’autre d’un fleuve</a:t>
-            </a:r>
-          </a:p>
-          <a:p>
-            <a:pPr marL="342900" indent="-342900" algn="ctr">
-              <a:buFontTx/>
-              <a:buChar char="-"/>
-            </a:pPr>
-            <a:r>
-              <a:rPr lang="fr-FR" sz="2400" dirty="0">
-                <a:solidFill>
-                  <a:schemeClr val="bg1"/>
-                </a:solidFill>
-              </a:rPr>
-              <a:t>Ponts</a:t>
-            </a:r>
-          </a:p>
-        </p:txBody>
-      </p:sp>
+          <a:extLst>
+            <a:ext uri="{909E8E84-426E-40DD-AFC4-6F175D3DCCD1}">
+              <a14:hiddenFill xmlns:a14="http://schemas.microsoft.com/office/drawing/2010/main">
+                <a:solidFill>
+                  <a:srgbClr val="FFFFFF"/>
+                </a:solidFill>
+              </a14:hiddenFill>
+            </a:ext>
+          </a:extLst>
+        </p:spPr>
+      </p:pic>
     </p:spTree>
     <p:extLst>
       <p:ext uri="{BB962C8B-B14F-4D97-AF65-F5344CB8AC3E}">
-        <p14:creationId xmlns:p14="http://schemas.microsoft.com/office/powerpoint/2010/main" val="3882061957"/>
+        <p14:creationId xmlns:p14="http://schemas.microsoft.com/office/powerpoint/2010/main" val="1512423124"/>
       </p:ext>
     </p:extLst>
   </p:cSld>
@@ -14923,78 +15366,10 @@
       </p:grpSpPr>
       <p:sp>
         <p:nvSpPr>
-          <p:cNvPr id="7" name="Espace réservé du numéro de diapositive 1">
-            <a:extLst>
-              <a:ext uri="{FF2B5EF4-FFF2-40B4-BE49-F238E27FC236}">
-                <a16:creationId xmlns:a16="http://schemas.microsoft.com/office/drawing/2014/main" id="{ACAE1147-1386-478E-8609-02524CBEC5A0}"/>
-              </a:ext>
-            </a:extLst>
-          </p:cNvPr>
-          <p:cNvSpPr txBox="1"/>
-          <p:nvPr/>
-        </p:nvSpPr>
-        <p:spPr>
-          <a:xfrm>
-            <a:off x="11640833" y="6557107"/>
-            <a:ext cx="551163" cy="365129"/>
-          </a:xfrm>
-          <a:prstGeom prst="rect">
-            <a:avLst/>
-          </a:prstGeom>
-          <a:noFill/>
-          <a:ln cap="rnd">
-            <a:noFill/>
-          </a:ln>
-        </p:spPr>
-        <p:txBody>
-          <a:bodyPr vert="horz" wrap="square" lIns="91440" tIns="45720" rIns="91440" bIns="45720" anchor="ctr" anchorCtr="0" compatLnSpc="1">
-            <a:noAutofit/>
-          </a:bodyPr>
-          <a:lstStyle/>
-          <a:p>
-            <a:pPr marL="0" marR="0" lvl="0" indent="0" algn="r" defTabSz="457200" rtl="0" fontAlgn="auto" hangingPunct="1">
-              <a:lnSpc>
-                <a:spcPct val="100000"/>
-              </a:lnSpc>
-              <a:spcBef>
-                <a:spcPts val="0"/>
-              </a:spcBef>
-              <a:spcAft>
-                <a:spcPts val="0"/>
-              </a:spcAft>
-              <a:buNone/>
-              <a:tabLst/>
-              <a:defRPr sz="1800" b="0" i="0" u="none" strike="noStrike" kern="0" cap="none" spc="0" baseline="0">
-                <a:solidFill>
-                  <a:srgbClr val="000000"/>
-                </a:solidFill>
-                <a:uFillTx/>
-              </a:defRPr>
-            </a:pPr>
-            <a:fld id="{D7BCEA47-A648-4F36-AE1F-D3D50854FB8A}" type="slidenum">
-              <a:t>21</a:t>
-            </a:fld>
-            <a:endParaRPr lang="fr-FR" sz="900" b="1" i="0" u="none" strike="noStrike" kern="1200" cap="none" spc="0" baseline="0">
-              <a:solidFill>
-                <a:srgbClr val="BFBFBF"/>
-              </a:solidFill>
-              <a:effectLst>
-                <a:outerShdw dist="38096" dir="2700000">
-                  <a:srgbClr val="000000"/>
-                </a:outerShdw>
-              </a:effectLst>
-              <a:uFillTx/>
-              <a:latin typeface="Century Gothic"/>
-            </a:endParaRPr>
-          </a:p>
-        </p:txBody>
-      </p:sp>
-      <p:sp>
-        <p:nvSpPr>
-          <p:cNvPr id="11" name="Rectangle 10">
-            <a:extLst>
-              <a:ext uri="{FF2B5EF4-FFF2-40B4-BE49-F238E27FC236}">
-                <a16:creationId xmlns:a16="http://schemas.microsoft.com/office/drawing/2014/main" id="{E9AAA5E3-744A-413A-B973-FD1D5EEF70C1}"/>
+          <p:cNvPr id="6" name="Rectangle 5">
+            <a:extLst>
+              <a:ext uri="{FF2B5EF4-FFF2-40B4-BE49-F238E27FC236}">
+                <a16:creationId xmlns:a16="http://schemas.microsoft.com/office/drawing/2014/main" id="{AFC6CE19-1905-4F7B-A53A-8FAE7084F2ED}"/>
               </a:ext>
             </a:extLst>
           </p:cNvPr>
@@ -15003,8 +15378,8 @@
         </p:nvSpPr>
         <p:spPr>
           <a:xfrm>
-            <a:off x="4" y="0"/>
-            <a:ext cx="12191996" cy="653909"/>
+            <a:off x="0" y="270589"/>
+            <a:ext cx="12191996" cy="1016344"/>
           </a:xfrm>
           <a:prstGeom prst="rect">
             <a:avLst/>
@@ -15037,16 +15412,16 @@
           <a:lstStyle/>
           <a:p>
             <a:pPr algn="ctr"/>
-            <a:endParaRPr lang="fr-FR"/>
-          </a:p>
-        </p:txBody>
-      </p:sp>
-      <p:sp>
-        <p:nvSpPr>
-          <p:cNvPr id="12" name="ZoneTexte 2">
-            <a:extLst>
-              <a:ext uri="{FF2B5EF4-FFF2-40B4-BE49-F238E27FC236}">
-                <a16:creationId xmlns:a16="http://schemas.microsoft.com/office/drawing/2014/main" id="{B9839CA4-5015-43A2-97D5-F9425CF60E56}"/>
+            <a:endParaRPr lang="fr-FR" dirty="0"/>
+          </a:p>
+        </p:txBody>
+      </p:sp>
+      <p:sp>
+        <p:nvSpPr>
+          <p:cNvPr id="2" name="ZoneTexte 24">
+            <a:extLst>
+              <a:ext uri="{FF2B5EF4-FFF2-40B4-BE49-F238E27FC236}">
+                <a16:creationId xmlns:a16="http://schemas.microsoft.com/office/drawing/2014/main" id="{57B0DD9B-C8B0-4303-BDA2-61ABEB9386E9}"/>
               </a:ext>
             </a:extLst>
           </p:cNvPr>
@@ -15055,8 +15430,8 @@
         </p:nvSpPr>
         <p:spPr>
           <a:xfrm>
-            <a:off x="185056" y="158620"/>
-            <a:ext cx="11821884" cy="623245"/>
+            <a:off x="0" y="6451137"/>
+            <a:ext cx="12191996" cy="577077"/>
           </a:xfrm>
           <a:prstGeom prst="rect">
             <a:avLst/>
@@ -15067,71 +15442,124 @@
           </a:ln>
         </p:spPr>
         <p:txBody>
+          <a:bodyPr vert="horz" wrap="square" lIns="91440" tIns="45720" rIns="91440" bIns="45720" anchor="t" anchorCtr="0" compatLnSpc="1">
+            <a:spAutoFit/>
+          </a:bodyPr>
+          <a:lstStyle/>
+          <a:p>
+            <a:pPr marL="0" marR="0" lvl="0" indent="0" algn="l" defTabSz="457200" rtl="0" fontAlgn="auto" hangingPunct="1">
+              <a:lnSpc>
+                <a:spcPct val="100000"/>
+              </a:lnSpc>
+              <a:spcBef>
+                <a:spcPts val="0"/>
+              </a:spcBef>
+              <a:spcAft>
+                <a:spcPts val="0"/>
+              </a:spcAft>
+              <a:buNone/>
+              <a:tabLst/>
+              <a:defRPr sz="1800" b="0" i="0" u="none" strike="noStrike" kern="0" cap="none" spc="0" baseline="0">
+                <a:solidFill>
+                  <a:srgbClr val="000000"/>
+                </a:solidFill>
+                <a:uFillTx/>
+              </a:defRPr>
+            </a:pPr>
+            <a:r>
+              <a:rPr lang="fr-FR" sz="1050" b="0" i="0" u="none" strike="noStrike" kern="1200" cap="none" spc="0" baseline="0">
+                <a:solidFill>
+                  <a:srgbClr val="FFFFFF"/>
+                </a:solidFill>
+                <a:uFillTx/>
+                <a:latin typeface="Century Gothic"/>
+              </a:rPr>
+              <a:t>Nicolas MEYNIEL, Damien PIEDANNA, Axel PISANI, Aurélien ROBINEAU													     Mercredi 7 novembre 2018 </a:t>
+            </a:r>
+          </a:p>
+          <a:p>
+            <a:pPr marL="0" marR="0" lvl="0" indent="0" algn="l" defTabSz="457200" rtl="0" fontAlgn="auto" hangingPunct="1">
+              <a:lnSpc>
+                <a:spcPct val="100000"/>
+              </a:lnSpc>
+              <a:spcBef>
+                <a:spcPts val="0"/>
+              </a:spcBef>
+              <a:spcAft>
+                <a:spcPts val="0"/>
+              </a:spcAft>
+              <a:buNone/>
+              <a:tabLst/>
+              <a:defRPr sz="1800" b="0" i="0" u="none" strike="noStrike" kern="0" cap="none" spc="0" baseline="0">
+                <a:solidFill>
+                  <a:srgbClr val="000000"/>
+                </a:solidFill>
+                <a:uFillTx/>
+              </a:defRPr>
+            </a:pPr>
+            <a:r>
+              <a:rPr lang="fr-FR" sz="1050" b="0" i="0" u="none" strike="noStrike" kern="1200" cap="none" spc="0" baseline="0">
+                <a:solidFill>
+                  <a:srgbClr val="FFFFFF"/>
+                </a:solidFill>
+                <a:uFillTx/>
+                <a:latin typeface="Century Gothic"/>
+              </a:rPr>
+              <a:t>Groupe 3B – 2</a:t>
+            </a:r>
+            <a:r>
+              <a:rPr lang="fr-FR" sz="1050" b="0" i="0" u="none" strike="noStrike" kern="1200" cap="none" spc="0" baseline="30000">
+                <a:solidFill>
+                  <a:srgbClr val="FFFFFF"/>
+                </a:solidFill>
+                <a:uFillTx/>
+                <a:latin typeface="Century Gothic"/>
+              </a:rPr>
+              <a:t>nd</a:t>
+            </a:r>
+            <a:r>
+              <a:rPr lang="fr-FR" sz="1050" b="0" i="0" u="none" strike="noStrike" kern="1200" cap="none" spc="0" baseline="0">
+                <a:solidFill>
+                  <a:srgbClr val="FFFFFF"/>
+                </a:solidFill>
+                <a:uFillTx/>
+                <a:latin typeface="Century Gothic"/>
+              </a:rPr>
+              <a:t> année															 				     													</a:t>
+            </a:r>
+          </a:p>
+        </p:txBody>
+      </p:sp>
+      <p:sp>
+        <p:nvSpPr>
+          <p:cNvPr id="3" name="ZoneTexte 2">
+            <a:extLst>
+              <a:ext uri="{FF2B5EF4-FFF2-40B4-BE49-F238E27FC236}">
+                <a16:creationId xmlns:a16="http://schemas.microsoft.com/office/drawing/2014/main" id="{E9FAD394-BBB6-4099-8D7A-5A8B1FF4B6D6}"/>
+              </a:ext>
+            </a:extLst>
+          </p:cNvPr>
+          <p:cNvSpPr txBox="1"/>
+          <p:nvPr/>
+        </p:nvSpPr>
+        <p:spPr>
+          <a:xfrm>
+            <a:off x="2139819" y="411992"/>
+            <a:ext cx="7912358" cy="707886"/>
+          </a:xfrm>
+          <a:prstGeom prst="rect">
+            <a:avLst/>
+          </a:prstGeom>
+          <a:noFill/>
+          <a:ln cap="rnd">
+            <a:noFill/>
+          </a:ln>
+        </p:spPr>
+        <p:txBody>
           <a:bodyPr vert="horz" wrap="square" lIns="91440" tIns="45720" rIns="91440" bIns="45720" anchor="t" anchorCtr="1" compatLnSpc="1">
             <a:spAutoFit/>
           </a:bodyPr>
           <a:lstStyle/>
-          <a:p>
-            <a:pPr marL="0" marR="0" lvl="0" indent="0" algn="ctr" defTabSz="457200" rtl="0" fontAlgn="auto" hangingPunct="1">
-              <a:lnSpc>
-                <a:spcPct val="150000"/>
-              </a:lnSpc>
-              <a:spcBef>
-                <a:spcPts val="0"/>
-              </a:spcBef>
-              <a:spcAft>
-                <a:spcPts val="0"/>
-              </a:spcAft>
-              <a:buNone/>
-              <a:tabLst/>
-              <a:defRPr sz="1800" b="0" i="0" u="none" strike="noStrike" kern="0" cap="none" spc="0" baseline="0">
-                <a:solidFill>
-                  <a:srgbClr val="000000"/>
-                </a:solidFill>
-                <a:uFillTx/>
-              </a:defRPr>
-            </a:pPr>
-            <a:r>
-              <a:rPr lang="fr-FR" sz="1100" i="0" u="none" strike="noStrike" kern="1200" cap="none" spc="0" baseline="0" dirty="0">
-                <a:solidFill>
-                  <a:srgbClr val="262626"/>
-                </a:solidFill>
-                <a:uFillTx/>
-                <a:latin typeface="Century Gothic"/>
-              </a:rPr>
-              <a:t>Présentation du projet          Les automates cellulaires          </a:t>
-            </a:r>
-            <a:r>
-              <a:rPr lang="fr-FR" sz="1100" b="0" i="0" u="none" strike="noStrike" kern="1200" cap="none" spc="0" baseline="0" dirty="0">
-                <a:solidFill>
-                  <a:srgbClr val="262626"/>
-                </a:solidFill>
-                <a:uFillTx/>
-                <a:latin typeface="Century Gothic"/>
-              </a:rPr>
-              <a:t>Evolution du projet          </a:t>
-            </a:r>
-            <a:r>
-              <a:rPr lang="fr-FR" sz="1100" b="1" i="0" u="none" strike="noStrike" kern="1200" cap="none" spc="0" baseline="0" dirty="0">
-                <a:solidFill>
-                  <a:srgbClr val="262626"/>
-                </a:solidFill>
-                <a:uFillTx/>
-                <a:latin typeface="Century Gothic"/>
-              </a:rPr>
-              <a:t>Etat Final          </a:t>
-            </a:r>
-            <a:r>
-              <a:rPr lang="fr-FR" sz="1100" b="0" i="0" u="none" strike="noStrike" kern="1200" cap="none" spc="0" baseline="0" dirty="0">
-                <a:solidFill>
-                  <a:srgbClr val="262626"/>
-                </a:solidFill>
-                <a:uFillTx/>
-                <a:latin typeface="Century Gothic"/>
-              </a:rPr>
-              <a:t>Les maths</a:t>
-            </a:r>
-          </a:p>
           <a:p>
             <a:pPr marL="0" marR="0" lvl="0" indent="0" algn="ctr" defTabSz="457200" rtl="0" fontAlgn="auto" hangingPunct="1">
               <a:lnSpc>
@@ -15152,204 +15580,24 @@
                 <a:uFillTx/>
               </a:defRPr>
             </a:pPr>
-            <a:endParaRPr lang="fr-FR" sz="1800" b="0" i="0" u="none" strike="noStrike" kern="1200" cap="none" spc="0" baseline="0" dirty="0">
-              <a:solidFill>
-                <a:srgbClr val="FFFFFF"/>
-              </a:solidFill>
-              <a:uFillTx/>
-              <a:latin typeface="Century Gothic"/>
-            </a:endParaRPr>
-          </a:p>
-        </p:txBody>
-      </p:sp>
-      <p:cxnSp>
-        <p:nvCxnSpPr>
-          <p:cNvPr id="13" name="Connecteur droit avec flèche 6">
-            <a:extLst>
-              <a:ext uri="{FF2B5EF4-FFF2-40B4-BE49-F238E27FC236}">
-                <a16:creationId xmlns:a16="http://schemas.microsoft.com/office/drawing/2014/main" id="{74955A6A-DEAC-4B40-8D3B-7C4B72C94859}"/>
-              </a:ext>
-            </a:extLst>
-          </p:cNvPr>
-          <p:cNvCxnSpPr>
-            <a:cxnSpLocks/>
-          </p:cNvCxnSpPr>
-          <p:nvPr/>
-        </p:nvCxnSpPr>
-        <p:spPr>
-          <a:xfrm>
-            <a:off x="4026313" y="342287"/>
-            <a:ext cx="280218" cy="0"/>
-          </a:xfrm>
-          <a:prstGeom prst="straightConnector1">
-            <a:avLst/>
-          </a:prstGeom>
-          <a:ln w="9525" cap="flat" cmpd="sng" algn="ctr">
-            <a:solidFill>
-              <a:schemeClr val="dk1"/>
-            </a:solidFill>
-            <a:prstDash val="solid"/>
-            <a:round/>
-            <a:headEnd type="none" w="med" len="med"/>
-            <a:tailEnd type="arrow" w="med" len="med"/>
-          </a:ln>
-        </p:spPr>
-        <p:style>
-          <a:lnRef idx="0">
-            <a:scrgbClr r="0" g="0" b="0"/>
-          </a:lnRef>
-          <a:fillRef idx="0">
-            <a:scrgbClr r="0" g="0" b="0"/>
-          </a:fillRef>
-          <a:effectRef idx="0">
-            <a:scrgbClr r="0" g="0" b="0"/>
-          </a:effectRef>
-          <a:fontRef idx="minor">
-            <a:schemeClr val="tx1"/>
-          </a:fontRef>
-        </p:style>
-      </p:cxnSp>
-      <p:cxnSp>
-        <p:nvCxnSpPr>
-          <p:cNvPr id="14" name="Connecteur droit avec flèche 8">
-            <a:extLst>
-              <a:ext uri="{FF2B5EF4-FFF2-40B4-BE49-F238E27FC236}">
-                <a16:creationId xmlns:a16="http://schemas.microsoft.com/office/drawing/2014/main" id="{6B319ED6-9D2C-4CA8-960A-F734FF386CD4}"/>
-              </a:ext>
-            </a:extLst>
-          </p:cNvPr>
-          <p:cNvCxnSpPr/>
-          <p:nvPr/>
-        </p:nvCxnSpPr>
-        <p:spPr>
-          <a:xfrm>
-            <a:off x="6096003" y="342287"/>
-            <a:ext cx="280217" cy="0"/>
-          </a:xfrm>
-          <a:prstGeom prst="straightConnector1">
-            <a:avLst/>
-          </a:prstGeom>
-          <a:ln w="9525" cap="flat" cmpd="sng" algn="ctr">
-            <a:solidFill>
-              <a:schemeClr val="dk1"/>
-            </a:solidFill>
-            <a:prstDash val="solid"/>
-            <a:round/>
-            <a:headEnd type="none" w="med" len="med"/>
-            <a:tailEnd type="arrow" w="med" len="med"/>
-          </a:ln>
-        </p:spPr>
-        <p:style>
-          <a:lnRef idx="0">
-            <a:scrgbClr r="0" g="0" b="0"/>
-          </a:lnRef>
-          <a:fillRef idx="0">
-            <a:scrgbClr r="0" g="0" b="0"/>
-          </a:fillRef>
-          <a:effectRef idx="0">
-            <a:scrgbClr r="0" g="0" b="0"/>
-          </a:effectRef>
-          <a:fontRef idx="minor">
-            <a:schemeClr val="tx1"/>
-          </a:fontRef>
-        </p:style>
-      </p:cxnSp>
-      <p:cxnSp>
-        <p:nvCxnSpPr>
-          <p:cNvPr id="15" name="Connecteur droit avec flèche 9">
-            <a:extLst>
-              <a:ext uri="{FF2B5EF4-FFF2-40B4-BE49-F238E27FC236}">
-                <a16:creationId xmlns:a16="http://schemas.microsoft.com/office/drawing/2014/main" id="{D3BEEAA2-BAAB-4FBD-A7F2-5C3D2B67909C}"/>
-              </a:ext>
-            </a:extLst>
-          </p:cNvPr>
-          <p:cNvCxnSpPr/>
-          <p:nvPr/>
-        </p:nvCxnSpPr>
-        <p:spPr>
-          <a:xfrm>
-            <a:off x="7740441" y="332759"/>
-            <a:ext cx="280218" cy="0"/>
-          </a:xfrm>
-          <a:prstGeom prst="straightConnector1">
-            <a:avLst/>
-          </a:prstGeom>
-          <a:ln w="9525" cap="flat" cmpd="sng" algn="ctr">
-            <a:solidFill>
-              <a:schemeClr val="dk1"/>
-            </a:solidFill>
-            <a:prstDash val="solid"/>
-            <a:round/>
-            <a:headEnd type="none" w="med" len="med"/>
-            <a:tailEnd type="arrow" w="med" len="med"/>
-          </a:ln>
-        </p:spPr>
-        <p:style>
-          <a:lnRef idx="0">
-            <a:scrgbClr r="0" g="0" b="0"/>
-          </a:lnRef>
-          <a:fillRef idx="0">
-            <a:scrgbClr r="0" g="0" b="0"/>
-          </a:fillRef>
-          <a:effectRef idx="0">
-            <a:scrgbClr r="0" g="0" b="0"/>
-          </a:effectRef>
-          <a:fontRef idx="minor">
-            <a:schemeClr val="tx1"/>
-          </a:fontRef>
-        </p:style>
-      </p:cxnSp>
-      <p:cxnSp>
-        <p:nvCxnSpPr>
-          <p:cNvPr id="16" name="Connecteur droit avec flèche 10">
-            <a:extLst>
-              <a:ext uri="{FF2B5EF4-FFF2-40B4-BE49-F238E27FC236}">
-                <a16:creationId xmlns:a16="http://schemas.microsoft.com/office/drawing/2014/main" id="{72A87FF4-63A6-4784-A646-669B97754B06}"/>
-              </a:ext>
-            </a:extLst>
-          </p:cNvPr>
-          <p:cNvCxnSpPr/>
-          <p:nvPr/>
-        </p:nvCxnSpPr>
-        <p:spPr>
-          <a:xfrm>
-            <a:off x="8735958" y="332448"/>
-            <a:ext cx="280227" cy="0"/>
-          </a:xfrm>
-          <a:prstGeom prst="straightConnector1">
-            <a:avLst/>
-          </a:prstGeom>
-          <a:ln w="9525" cap="flat" cmpd="sng" algn="ctr">
-            <a:solidFill>
-              <a:schemeClr val="dk1"/>
-            </a:solidFill>
-            <a:prstDash val="solid"/>
-            <a:round/>
-            <a:headEnd type="none" w="med" len="med"/>
-            <a:tailEnd type="arrow" w="med" len="med"/>
-          </a:ln>
-        </p:spPr>
-        <p:style>
-          <a:lnRef idx="0">
-            <a:scrgbClr r="0" g="0" b="0"/>
-          </a:lnRef>
-          <a:fillRef idx="0">
-            <a:scrgbClr r="0" g="0" b="0"/>
-          </a:fillRef>
-          <a:effectRef idx="0">
-            <a:scrgbClr r="0" g="0" b="0"/>
-          </a:effectRef>
-          <a:fontRef idx="minor">
-            <a:schemeClr val="tx1"/>
-          </a:fontRef>
-        </p:style>
-      </p:cxnSp>
-      <p:sp>
-        <p:nvSpPr>
-          <p:cNvPr id="17" name="Espace réservé du numéro de diapositive 7">
-            <a:extLst>
-              <a:ext uri="{FF2B5EF4-FFF2-40B4-BE49-F238E27FC236}">
-                <a16:creationId xmlns:a16="http://schemas.microsoft.com/office/drawing/2014/main" id="{1580C8B6-76DB-45B2-86EC-F5A7975892B8}"/>
+            <a:r>
+              <a:rPr lang="fr-FR" sz="4000" b="1" dirty="0">
+                <a:solidFill>
+                  <a:srgbClr val="262626"/>
+                </a:solidFill>
+                <a:latin typeface="Century Gothic"/>
+              </a:rPr>
+              <a:t>État final</a:t>
+            </a:r>
+          </a:p>
+        </p:txBody>
+      </p:sp>
+      <p:sp>
+        <p:nvSpPr>
+          <p:cNvPr id="5" name="Espace réservé du numéro de diapositive 4">
+            <a:extLst>
+              <a:ext uri="{FF2B5EF4-FFF2-40B4-BE49-F238E27FC236}">
+                <a16:creationId xmlns:a16="http://schemas.microsoft.com/office/drawing/2014/main" id="{4AD8B6A5-3781-46CE-9CA4-3A42721726F4}"/>
               </a:ext>
             </a:extLst>
           </p:cNvPr>
@@ -15394,7 +15642,7 @@
                 <a:uFillTx/>
               </a:defRPr>
             </a:pPr>
-            <a:fld id="{1A0F8804-A8AF-488B-BABF-40AC271FABDD}" type="slidenum">
+            <a:fld id="{FD1251E9-295D-4DFD-A63B-58872DCC76F5}" type="slidenum">
               <a:t>21</a:t>
             </a:fld>
             <a:endParaRPr lang="fr-FR" sz="900" b="1" i="0" u="none" strike="noStrike" kern="1200" cap="none" spc="0" baseline="0">
@@ -15412,260 +15660,40 @@
           </a:p>
         </p:txBody>
       </p:sp>
-      <p:sp>
-        <p:nvSpPr>
-          <p:cNvPr id="18" name="ZoneTexte 12">
-            <a:extLst>
-              <a:ext uri="{FF2B5EF4-FFF2-40B4-BE49-F238E27FC236}">
-                <a16:creationId xmlns:a16="http://schemas.microsoft.com/office/drawing/2014/main" id="{E53531DC-3A45-4739-9523-1FC5EEDF4DC5}"/>
-              </a:ext>
-            </a:extLst>
-          </p:cNvPr>
-          <p:cNvSpPr txBox="1"/>
-          <p:nvPr/>
-        </p:nvSpPr>
-        <p:spPr>
-          <a:xfrm>
-            <a:off x="0" y="6451137"/>
-            <a:ext cx="12191996" cy="577077"/>
+      <p:pic>
+        <p:nvPicPr>
+          <p:cNvPr id="4" name="Image 3">
+            <a:extLst>
+              <a:ext uri="{FF2B5EF4-FFF2-40B4-BE49-F238E27FC236}">
+                <a16:creationId xmlns:a16="http://schemas.microsoft.com/office/drawing/2014/main" id="{5036838A-3316-4454-8EE9-A44795A56EA3}"/>
+              </a:ext>
+            </a:extLst>
+          </p:cNvPr>
+          <p:cNvPicPr>
+            <a:picLocks noChangeAspect="1"/>
+          </p:cNvPicPr>
+          <p:nvPr/>
+        </p:nvPicPr>
+        <p:blipFill>
+          <a:blip r:embed="rId2"/>
+          <a:stretch>
+            <a:fillRect/>
+          </a:stretch>
+        </p:blipFill>
+        <p:spPr>
+          <a:xfrm>
+            <a:off x="2162522" y="1376175"/>
+            <a:ext cx="7889655" cy="4985719"/>
           </a:xfrm>
           <a:prstGeom prst="rect">
             <a:avLst/>
           </a:prstGeom>
-          <a:noFill/>
-          <a:ln cap="rnd">
-            <a:noFill/>
-          </a:ln>
-        </p:spPr>
-        <p:txBody>
-          <a:bodyPr vert="horz" wrap="square" lIns="91440" tIns="45720" rIns="91440" bIns="45720" anchor="t" anchorCtr="0" compatLnSpc="1">
-            <a:spAutoFit/>
-          </a:bodyPr>
-          <a:lstStyle/>
-          <a:p>
-            <a:pPr marL="0" marR="0" lvl="0" indent="0" algn="l" defTabSz="457200" rtl="0" fontAlgn="auto" hangingPunct="1">
-              <a:lnSpc>
-                <a:spcPct val="100000"/>
-              </a:lnSpc>
-              <a:spcBef>
-                <a:spcPts val="0"/>
-              </a:spcBef>
-              <a:spcAft>
-                <a:spcPts val="0"/>
-              </a:spcAft>
-              <a:buNone/>
-              <a:tabLst/>
-              <a:defRPr sz="1800" b="0" i="0" u="none" strike="noStrike" kern="0" cap="none" spc="0" baseline="0">
-                <a:solidFill>
-                  <a:srgbClr val="000000"/>
-                </a:solidFill>
-                <a:uFillTx/>
-              </a:defRPr>
-            </a:pPr>
-            <a:r>
-              <a:rPr lang="fr-FR" sz="1050" b="0" i="0" u="none" strike="noStrike" kern="1200" cap="none" spc="0" baseline="0">
-                <a:solidFill>
-                  <a:srgbClr val="FFFFFF"/>
-                </a:solidFill>
-                <a:uFillTx/>
-                <a:latin typeface="Century Gothic"/>
-              </a:rPr>
-              <a:t>Nicolas MEYNIEL, Damien PIEDANNA, Axel PISANI, Aurélien ROBINEAU													     Mercredi 7 novembre 2018 </a:t>
-            </a:r>
-          </a:p>
-          <a:p>
-            <a:pPr marL="0" marR="0" lvl="0" indent="0" algn="l" defTabSz="457200" rtl="0" fontAlgn="auto" hangingPunct="1">
-              <a:lnSpc>
-                <a:spcPct val="100000"/>
-              </a:lnSpc>
-              <a:spcBef>
-                <a:spcPts val="0"/>
-              </a:spcBef>
-              <a:spcAft>
-                <a:spcPts val="0"/>
-              </a:spcAft>
-              <a:buNone/>
-              <a:tabLst/>
-              <a:defRPr sz="1800" b="0" i="0" u="none" strike="noStrike" kern="0" cap="none" spc="0" baseline="0">
-                <a:solidFill>
-                  <a:srgbClr val="000000"/>
-                </a:solidFill>
-                <a:uFillTx/>
-              </a:defRPr>
-            </a:pPr>
-            <a:r>
-              <a:rPr lang="fr-FR" sz="1050" b="0" i="0" u="none" strike="noStrike" kern="1200" cap="none" spc="0" baseline="0">
-                <a:solidFill>
-                  <a:srgbClr val="FFFFFF"/>
-                </a:solidFill>
-                <a:uFillTx/>
-                <a:latin typeface="Century Gothic"/>
-              </a:rPr>
-              <a:t>Groupe 3B – 2</a:t>
-            </a:r>
-            <a:r>
-              <a:rPr lang="fr-FR" sz="1050" b="0" i="0" u="none" strike="noStrike" kern="1200" cap="none" spc="0" baseline="30000">
-                <a:solidFill>
-                  <a:srgbClr val="FFFFFF"/>
-                </a:solidFill>
-                <a:uFillTx/>
-                <a:latin typeface="Century Gothic"/>
-              </a:rPr>
-              <a:t>nd</a:t>
-            </a:r>
-            <a:r>
-              <a:rPr lang="fr-FR" sz="1050" b="0" i="0" u="none" strike="noStrike" kern="1200" cap="none" spc="0" baseline="0">
-                <a:solidFill>
-                  <a:srgbClr val="FFFFFF"/>
-                </a:solidFill>
-                <a:uFillTx/>
-                <a:latin typeface="Century Gothic"/>
-              </a:rPr>
-              <a:t> année															 				     													</a:t>
-            </a:r>
-          </a:p>
-        </p:txBody>
-      </p:sp>
-      <p:sp>
-        <p:nvSpPr>
-          <p:cNvPr id="19" name="ZoneTexte 18">
-            <a:extLst>
-              <a:ext uri="{FF2B5EF4-FFF2-40B4-BE49-F238E27FC236}">
-                <a16:creationId xmlns:a16="http://schemas.microsoft.com/office/drawing/2014/main" id="{B9195FC4-C2E4-43D7-8BAF-97534124B800}"/>
-              </a:ext>
-            </a:extLst>
-          </p:cNvPr>
-          <p:cNvSpPr txBox="1"/>
-          <p:nvPr/>
-        </p:nvSpPr>
-        <p:spPr>
-          <a:xfrm>
-            <a:off x="4101881" y="1743146"/>
-            <a:ext cx="3988233" cy="646331"/>
-          </a:xfrm>
-          <a:prstGeom prst="rect">
-            <a:avLst/>
-          </a:prstGeom>
-          <a:noFill/>
-        </p:spPr>
-        <p:txBody>
-          <a:bodyPr wrap="square" rtlCol="0">
-            <a:spAutoFit/>
-          </a:bodyPr>
-          <a:lstStyle/>
-          <a:p>
-            <a:pPr algn="ctr"/>
-            <a:r>
-              <a:rPr lang="fr-FR" sz="3600" dirty="0">
-                <a:solidFill>
-                  <a:srgbClr val="8ECE55"/>
-                </a:solidFill>
-              </a:rPr>
-              <a:t>Virus</a:t>
-            </a:r>
-          </a:p>
-        </p:txBody>
-      </p:sp>
-      <p:sp>
-        <p:nvSpPr>
-          <p:cNvPr id="20" name="ZoneTexte 19">
-            <a:extLst>
-              <a:ext uri="{FF2B5EF4-FFF2-40B4-BE49-F238E27FC236}">
-                <a16:creationId xmlns:a16="http://schemas.microsoft.com/office/drawing/2014/main" id="{2391022A-6709-4890-8BF0-CF032E9A94BB}"/>
-              </a:ext>
-            </a:extLst>
-          </p:cNvPr>
-          <p:cNvSpPr txBox="1"/>
-          <p:nvPr/>
-        </p:nvSpPr>
-        <p:spPr>
-          <a:xfrm>
-            <a:off x="3150857" y="3049457"/>
-            <a:ext cx="5890279" cy="1938992"/>
-          </a:xfrm>
-          <a:prstGeom prst="rect">
-            <a:avLst/>
-          </a:prstGeom>
-          <a:noFill/>
-        </p:spPr>
-        <p:txBody>
-          <a:bodyPr wrap="square" rtlCol="0">
-            <a:spAutoFit/>
-          </a:bodyPr>
-          <a:lstStyle/>
-          <a:p>
-            <a:pPr algn="ctr"/>
-            <a:r>
-              <a:rPr lang="fr-FR" sz="2400" dirty="0">
-                <a:solidFill>
-                  <a:schemeClr val="bg1"/>
-                </a:solidFill>
-              </a:rPr>
-              <a:t>Plusieurs paramètres</a:t>
-            </a:r>
-          </a:p>
-          <a:p>
-            <a:pPr marL="342900" indent="-342900" algn="ctr">
-              <a:buFontTx/>
-              <a:buChar char="-"/>
-            </a:pPr>
-            <a:r>
-              <a:rPr lang="fr-FR" sz="2400" dirty="0">
-                <a:solidFill>
-                  <a:schemeClr val="bg1"/>
-                </a:solidFill>
-              </a:rPr>
-              <a:t>Taux de reproduction</a:t>
-            </a:r>
-          </a:p>
-          <a:p>
-            <a:pPr marL="342900" indent="-342900" algn="ctr">
-              <a:buFontTx/>
-              <a:buChar char="-"/>
-            </a:pPr>
-            <a:r>
-              <a:rPr lang="fr-FR" sz="2400" dirty="0">
-                <a:solidFill>
-                  <a:schemeClr val="bg1"/>
-                </a:solidFill>
-              </a:rPr>
-              <a:t>Taux de létalité</a:t>
-            </a:r>
-          </a:p>
-          <a:p>
-            <a:pPr marL="342900" indent="-342900" algn="ctr">
-              <a:buFontTx/>
-              <a:buChar char="-"/>
-            </a:pPr>
-            <a:r>
-              <a:rPr lang="fr-FR" sz="2400" dirty="0">
-                <a:solidFill>
-                  <a:schemeClr val="bg1"/>
-                </a:solidFill>
-              </a:rPr>
-              <a:t>Durée minimale et maximale</a:t>
-            </a:r>
-          </a:p>
-          <a:p>
-            <a:pPr marL="342900" indent="-342900" algn="ctr">
-              <a:buFontTx/>
-              <a:buChar char="-"/>
-            </a:pPr>
-            <a:r>
-              <a:rPr lang="fr-FR" sz="2400" dirty="0">
-                <a:solidFill>
-                  <a:schemeClr val="bg1"/>
-                </a:solidFill>
-              </a:rPr>
-              <a:t>Taux de vulnérabilité en fonction de l’âge</a:t>
-            </a:r>
-          </a:p>
-        </p:txBody>
-      </p:sp>
+        </p:spPr>
+      </p:pic>
     </p:spTree>
     <p:extLst>
       <p:ext uri="{BB962C8B-B14F-4D97-AF65-F5344CB8AC3E}">
-        <p14:creationId xmlns:p14="http://schemas.microsoft.com/office/powerpoint/2010/main" val="871385753"/>
+        <p14:creationId xmlns:p14="http://schemas.microsoft.com/office/powerpoint/2010/main" val="1898689614"/>
       </p:ext>
     </p:extLst>
   </p:cSld>
@@ -16056,7 +16084,7 @@
 
 <file path=ppt/slides/slide23.xml><?xml version="1.0" encoding="utf-8"?>
 <p:sld xmlns:a="http://schemas.openxmlformats.org/drawingml/2006/main" xmlns:r="http://schemas.openxmlformats.org/officeDocument/2006/relationships" xmlns:p="http://schemas.openxmlformats.org/presentationml/2006/main">
-  <p:cSld name="Slide7">
+  <p:cSld>
     <p:bg>
       <p:bgPr>
         <a:solidFill>
@@ -16641,45 +16669,17 @@
                   <a:srgbClr val="8ECE55"/>
                 </a:solidFill>
               </a:rPr>
-              <a:t>Algorithme de Prim</a:t>
-            </a:r>
-          </a:p>
-        </p:txBody>
-      </p:sp>
-      <p:pic>
-        <p:nvPicPr>
-          <p:cNvPr id="19" name="Image 18" descr="Image associÃ©e"/>
-          <p:cNvPicPr/>
-          <p:nvPr/>
-        </p:nvPicPr>
-        <p:blipFill>
-          <a:blip r:embed="rId3" cstate="print">
-            <a:extLst>
-              <a:ext uri="{28A0092B-C50C-407E-A947-70E740481C1C}">
-                <a14:useLocalDpi xmlns:a14="http://schemas.microsoft.com/office/drawing/2010/main" val="0"/>
-              </a:ext>
-            </a:extLst>
-          </a:blip>
-          <a:srcRect/>
-          <a:stretch>
-            <a:fillRect/>
-          </a:stretch>
-        </p:blipFill>
-        <p:spPr bwMode="auto">
-          <a:xfrm>
-            <a:off x="3434523" y="2366468"/>
-            <a:ext cx="5603176" cy="4055282"/>
-          </a:xfrm>
-          <a:prstGeom prst="rect">
-            <a:avLst/>
-          </a:prstGeom>
-          <a:noFill/>
-          <a:ln>
-            <a:noFill/>
-          </a:ln>
-        </p:spPr>
-      </p:pic>
+              <a:t>Matrices</a:t>
+            </a:r>
+          </a:p>
+        </p:txBody>
+      </p:sp>
     </p:spTree>
+    <p:extLst>
+      <p:ext uri="{BB962C8B-B14F-4D97-AF65-F5344CB8AC3E}">
+        <p14:creationId xmlns:p14="http://schemas.microsoft.com/office/powerpoint/2010/main" val="3432815511"/>
+      </p:ext>
+    </p:extLst>
   </p:cSld>
   <p:clrMapOvr>
     <a:masterClrMapping/>
@@ -17260,8 +17260,8 @@
         </p:nvSpPr>
         <p:spPr>
           <a:xfrm>
-            <a:off x="4101881" y="1743146"/>
-            <a:ext cx="3988233" cy="646331"/>
+            <a:off x="3467696" y="1709279"/>
+            <a:ext cx="5256603" cy="646331"/>
           </a:xfrm>
           <a:prstGeom prst="rect">
             <a:avLst/>
@@ -17281,7 +17281,63 @@
                   <a:srgbClr val="8ECE55"/>
                 </a:solidFill>
               </a:rPr>
-              <a:t>Matrices</a:t>
+              <a:t>Incidence proportionnelle</a:t>
+            </a:r>
+          </a:p>
+        </p:txBody>
+      </p:sp>
+      <p:sp>
+        <p:nvSpPr>
+          <p:cNvPr id="19" name="ZoneTexte 18">
+            <a:extLst>
+              <a:ext uri="{FF2B5EF4-FFF2-40B4-BE49-F238E27FC236}">
+                <a16:creationId xmlns:a16="http://schemas.microsoft.com/office/drawing/2014/main" id="{2391022A-6709-4890-8BF0-CF032E9A94BB}"/>
+              </a:ext>
+            </a:extLst>
+          </p:cNvPr>
+          <p:cNvSpPr txBox="1"/>
+          <p:nvPr/>
+        </p:nvSpPr>
+        <p:spPr>
+          <a:xfrm>
+            <a:off x="3886198" y="3727809"/>
+            <a:ext cx="4419597" cy="461665"/>
+          </a:xfrm>
+          <a:prstGeom prst="rect">
+            <a:avLst/>
+          </a:prstGeom>
+          <a:noFill/>
+        </p:spPr>
+        <p:txBody>
+          <a:bodyPr wrap="square" rtlCol="0">
+            <a:spAutoFit/>
+          </a:bodyPr>
+          <a:lstStyle/>
+          <a:p>
+            <a:pPr algn="ctr"/>
+            <a:r>
+              <a:rPr lang="fr-FR" sz="2400" dirty="0">
+                <a:solidFill>
+                  <a:schemeClr val="bg1"/>
+                </a:solidFill>
+              </a:rPr>
+              <a:t>F (S, I) = </a:t>
+            </a:r>
+            <a:r>
+              <a:rPr lang="el-GR" sz="2400" dirty="0">
+                <a:solidFill>
+                  <a:schemeClr val="bg1"/>
+                </a:solidFill>
+              </a:rPr>
+              <a:t>β (</a:t>
+            </a:r>
+            <a:r>
+              <a:rPr lang="fr-FR" sz="2400" dirty="0">
+                <a:solidFill>
+                  <a:schemeClr val="bg1"/>
+                </a:solidFill>
+              </a:rPr>
+              <a:t>SI / S+I) </a:t>
             </a:r>
           </a:p>
         </p:txBody>
@@ -17289,7 +17345,7 @@
     </p:spTree>
     <p:extLst>
       <p:ext uri="{BB962C8B-B14F-4D97-AF65-F5344CB8AC3E}">
-        <p14:creationId xmlns:p14="http://schemas.microsoft.com/office/powerpoint/2010/main" val="3432815511"/>
+        <p14:creationId xmlns:p14="http://schemas.microsoft.com/office/powerpoint/2010/main" val="1172487627"/>
       </p:ext>
     </p:extLst>
   </p:cSld>
@@ -17893,14 +17949,14 @@
                   <a:srgbClr val="8ECE55"/>
                 </a:solidFill>
               </a:rPr>
-              <a:t>Incidence proportionnelle</a:t>
-            </a:r>
-          </a:p>
-        </p:txBody>
-      </p:sp>
-      <p:sp>
-        <p:nvSpPr>
-          <p:cNvPr id="19" name="ZoneTexte 18">
+              <a:t>Densité des zones urbaines</a:t>
+            </a:r>
+          </a:p>
+        </p:txBody>
+      </p:sp>
+      <p:sp>
+        <p:nvSpPr>
+          <p:cNvPr id="22" name="ZoneTexte 21">
             <a:extLst>
               <a:ext uri="{FF2B5EF4-FFF2-40B4-BE49-F238E27FC236}">
                 <a16:creationId xmlns:a16="http://schemas.microsoft.com/office/drawing/2014/main" id="{2391022A-6709-4890-8BF0-CF032E9A94BB}"/>
@@ -17912,7 +17968,7 @@
         </p:nvSpPr>
         <p:spPr>
           <a:xfrm>
-            <a:off x="3886198" y="3727809"/>
+            <a:off x="3886198" y="3512038"/>
             <a:ext cx="4419597" cy="461665"/>
           </a:xfrm>
           <a:prstGeom prst="rect">
@@ -17933,15 +17989,15 @@
                   <a:schemeClr val="bg1"/>
                 </a:solidFill>
               </a:rPr>
-              <a:t>F (S, I) = </a:t>
-            </a:r>
-            <a:r>
-              <a:rPr lang="el-GR" sz="2400" dirty="0">
+              <a:t>f(x) = (-75/</a:t>
+            </a:r>
+            <a:r>
+              <a:rPr lang="fr-FR" sz="2400" dirty="0" err="1">
                 <a:solidFill>
                   <a:schemeClr val="bg1"/>
                 </a:solidFill>
               </a:rPr>
-              <a:t>β (</a:t>
+              <a:t>rayonZone</a:t>
             </a:r>
             <a:r>
               <a:rPr lang="fr-FR" sz="2400" dirty="0">
@@ -17949,20 +18005,15 @@
                   <a:schemeClr val="bg1"/>
                 </a:solidFill>
               </a:rPr>
-              <a:t>SI / S+I) </a:t>
-            </a:r>
-            <a:endParaRPr lang="fr-FR" sz="2400" dirty="0">
-              <a:solidFill>
-                <a:schemeClr val="bg1"/>
-              </a:solidFill>
-            </a:endParaRPr>
+              <a:t>)x + 100</a:t>
+            </a:r>
           </a:p>
         </p:txBody>
       </p:sp>
     </p:spTree>
     <p:extLst>
       <p:ext uri="{BB962C8B-B14F-4D97-AF65-F5344CB8AC3E}">
-        <p14:creationId xmlns:p14="http://schemas.microsoft.com/office/powerpoint/2010/main" val="1172487627"/>
+        <p14:creationId xmlns:p14="http://schemas.microsoft.com/office/powerpoint/2010/main" val="4101307276"/>
       </p:ext>
     </p:extLst>
   </p:cSld>
@@ -17981,7 +18032,7 @@
 
 <file path=ppt/slides/slide26.xml><?xml version="1.0" encoding="utf-8"?>
 <p:sld xmlns:a="http://schemas.openxmlformats.org/drawingml/2006/main" xmlns:r="http://schemas.openxmlformats.org/officeDocument/2006/relationships" xmlns:p="http://schemas.openxmlformats.org/presentationml/2006/main">
-  <p:cSld>
+  <p:cSld name="Slide7">
     <p:bg>
       <p:bgPr>
         <a:solidFill>
@@ -18545,8 +18596,8 @@
         </p:nvSpPr>
         <p:spPr>
           <a:xfrm>
-            <a:off x="3467696" y="1709279"/>
-            <a:ext cx="5256603" cy="646331"/>
+            <a:off x="3892317" y="841449"/>
+            <a:ext cx="3988233" cy="646331"/>
           </a:xfrm>
           <a:prstGeom prst="rect">
             <a:avLst/>
@@ -18566,17 +18617,92 @@
                   <a:srgbClr val="8ECE55"/>
                 </a:solidFill>
               </a:rPr>
-              <a:t>Densité des zones urbaines</a:t>
-            </a:r>
-          </a:p>
-        </p:txBody>
-      </p:sp>
+              <a:t>Algorithme de Prim</a:t>
+            </a:r>
+          </a:p>
+        </p:txBody>
+      </p:sp>
+      <p:pic>
+        <p:nvPicPr>
+          <p:cNvPr id="19" name="Image 18" descr="Image associÃ©e"/>
+          <p:cNvPicPr/>
+          <p:nvPr/>
+        </p:nvPicPr>
+        <p:blipFill>
+          <a:blip r:embed="rId3" cstate="print">
+            <a:extLst>
+              <a:ext uri="{28A0092B-C50C-407E-A947-70E740481C1C}">
+                <a14:useLocalDpi xmlns:a14="http://schemas.microsoft.com/office/drawing/2010/main" val="0"/>
+              </a:ext>
+            </a:extLst>
+          </a:blip>
+          <a:srcRect/>
+          <a:stretch>
+            <a:fillRect/>
+          </a:stretch>
+        </p:blipFill>
+        <p:spPr bwMode="auto">
+          <a:xfrm>
+            <a:off x="492822" y="1941817"/>
+            <a:ext cx="5603176" cy="4055282"/>
+          </a:xfrm>
+          <a:prstGeom prst="rect">
+            <a:avLst/>
+          </a:prstGeom>
+          <a:noFill/>
+          <a:ln>
+            <a:noFill/>
+          </a:ln>
+        </p:spPr>
+      </p:pic>
+      <p:pic>
+        <p:nvPicPr>
+          <p:cNvPr id="20" name="Picture 2" descr="https://puu.sh/BXuyr/47341849a1.png?fbclid=IwAR15-LLJiD9ADjSDsEiV7jST8q9T2V_Rm96gPYjenSM74W2HGc9f9Ax_sqI">
+            <a:extLst>
+              <a:ext uri="{FF2B5EF4-FFF2-40B4-BE49-F238E27FC236}">
+                <a16:creationId xmlns:a16="http://schemas.microsoft.com/office/drawing/2014/main" id="{196780E5-DAA7-472F-B384-B072C9A4C679}"/>
+              </a:ext>
+            </a:extLst>
+          </p:cNvPr>
+          <p:cNvPicPr>
+            <a:picLocks noChangeAspect="1" noChangeArrowheads="1"/>
+          </p:cNvPicPr>
+          <p:nvPr/>
+        </p:nvPicPr>
+        <p:blipFill>
+          <a:blip r:embed="rId4">
+            <a:extLst>
+              <a:ext uri="{28A0092B-C50C-407E-A947-70E740481C1C}">
+                <a14:useLocalDpi xmlns:a14="http://schemas.microsoft.com/office/drawing/2010/main" val="0"/>
+              </a:ext>
+            </a:extLst>
+          </a:blip>
+          <a:srcRect/>
+          <a:stretch>
+            <a:fillRect/>
+          </a:stretch>
+        </p:blipFill>
+        <p:spPr bwMode="auto">
+          <a:xfrm>
+            <a:off x="6683405" y="1722890"/>
+            <a:ext cx="3702595" cy="4600291"/>
+          </a:xfrm>
+          <a:prstGeom prst="rect">
+            <a:avLst/>
+          </a:prstGeom>
+          <a:noFill/>
+          <a:extLst>
+            <a:ext uri="{909E8E84-426E-40DD-AFC4-6F175D3DCCD1}">
+              <a14:hiddenFill xmlns:a14="http://schemas.microsoft.com/office/drawing/2010/main">
+                <a:solidFill>
+                  <a:srgbClr val="FFFFFF"/>
+                </a:solidFill>
+              </a14:hiddenFill>
+            </a:ext>
+          </a:extLst>
+        </p:spPr>
+      </p:pic>
     </p:spTree>
-    <p:extLst>
-      <p:ext uri="{BB962C8B-B14F-4D97-AF65-F5344CB8AC3E}">
-        <p14:creationId xmlns:p14="http://schemas.microsoft.com/office/powerpoint/2010/main" val="4101307276"/>
-      </p:ext>
-    </p:extLst>
   </p:cSld>
   <p:clrMapOvr>
     <a:masterClrMapping/>
